--- a/media/retro.pptx
+++ b/media/retro.pptx
@@ -14,8 +14,8 @@
     <p:sldId id="266" r:id="rId5"/>
     <p:sldId id="289" r:id="rId6"/>
     <p:sldId id="264" r:id="rId7"/>
-    <p:sldId id="288" r:id="rId8"/>
-    <p:sldId id="314" r:id="rId9"/>
+    <p:sldId id="314" r:id="rId8"/>
+    <p:sldId id="288" r:id="rId9"/>
   </p:sldIdLst>
   <p:sldSz cx="12192000" cy="6858000"/>
   <p:notesSz cx="6858000" cy="9144000"/>
@@ -204,7 +204,7 @@
           <a:p>
             <a:fld id="{00D7B892-FFFA-4AE4-B933-657604EFAC02}" type="datetimeFigureOut">
               <a:rPr lang="sv-SE" smtClean="0"/>
-              <a:t>2021-05-14</a:t>
+              <a:t>2021-05-15</a:t>
             </a:fld>
             <a:endParaRPr lang="sv-SE"/>
           </a:p>
@@ -771,7 +771,7 @@
           <a:p>
             <a:fld id="{5D3DBE6A-35B3-4A06-AC66-4E375DA9B005}" type="datetimeFigureOut">
               <a:rPr lang="sv-SE" smtClean="0"/>
-              <a:t>2021-05-14</a:t>
+              <a:t>2021-05-15</a:t>
             </a:fld>
             <a:endParaRPr lang="sv-SE"/>
           </a:p>
@@ -941,7 +941,7 @@
           <a:p>
             <a:fld id="{5D3DBE6A-35B3-4A06-AC66-4E375DA9B005}" type="datetimeFigureOut">
               <a:rPr lang="sv-SE" smtClean="0"/>
-              <a:t>2021-05-14</a:t>
+              <a:t>2021-05-15</a:t>
             </a:fld>
             <a:endParaRPr lang="sv-SE"/>
           </a:p>
@@ -1121,7 +1121,7 @@
           <a:p>
             <a:fld id="{5D3DBE6A-35B3-4A06-AC66-4E375DA9B005}" type="datetimeFigureOut">
               <a:rPr lang="sv-SE" smtClean="0"/>
-              <a:t>2021-05-14</a:t>
+              <a:t>2021-05-15</a:t>
             </a:fld>
             <a:endParaRPr lang="sv-SE"/>
           </a:p>
@@ -1291,7 +1291,7 @@
           <a:p>
             <a:fld id="{5D3DBE6A-35B3-4A06-AC66-4E375DA9B005}" type="datetimeFigureOut">
               <a:rPr lang="sv-SE" smtClean="0"/>
-              <a:t>2021-05-14</a:t>
+              <a:t>2021-05-15</a:t>
             </a:fld>
             <a:endParaRPr lang="sv-SE"/>
           </a:p>
@@ -1537,7 +1537,7 @@
           <a:p>
             <a:fld id="{5D3DBE6A-35B3-4A06-AC66-4E375DA9B005}" type="datetimeFigureOut">
               <a:rPr lang="sv-SE" smtClean="0"/>
-              <a:t>2021-05-14</a:t>
+              <a:t>2021-05-15</a:t>
             </a:fld>
             <a:endParaRPr lang="sv-SE"/>
           </a:p>
@@ -1769,7 +1769,7 @@
           <a:p>
             <a:fld id="{5D3DBE6A-35B3-4A06-AC66-4E375DA9B005}" type="datetimeFigureOut">
               <a:rPr lang="sv-SE" smtClean="0"/>
-              <a:t>2021-05-14</a:t>
+              <a:t>2021-05-15</a:t>
             </a:fld>
             <a:endParaRPr lang="sv-SE"/>
           </a:p>
@@ -2136,7 +2136,7 @@
           <a:p>
             <a:fld id="{5D3DBE6A-35B3-4A06-AC66-4E375DA9B005}" type="datetimeFigureOut">
               <a:rPr lang="sv-SE" smtClean="0"/>
-              <a:t>2021-05-14</a:t>
+              <a:t>2021-05-15</a:t>
             </a:fld>
             <a:endParaRPr lang="sv-SE"/>
           </a:p>
@@ -2254,7 +2254,7 @@
           <a:p>
             <a:fld id="{5D3DBE6A-35B3-4A06-AC66-4E375DA9B005}" type="datetimeFigureOut">
               <a:rPr lang="sv-SE" smtClean="0"/>
-              <a:t>2021-05-14</a:t>
+              <a:t>2021-05-15</a:t>
             </a:fld>
             <a:endParaRPr lang="sv-SE"/>
           </a:p>
@@ -2349,7 +2349,7 @@
           <a:p>
             <a:fld id="{5D3DBE6A-35B3-4A06-AC66-4E375DA9B005}" type="datetimeFigureOut">
               <a:rPr lang="sv-SE" smtClean="0"/>
-              <a:t>2021-05-14</a:t>
+              <a:t>2021-05-15</a:t>
             </a:fld>
             <a:endParaRPr lang="sv-SE"/>
           </a:p>
@@ -2626,7 +2626,7 @@
           <a:p>
             <a:fld id="{5D3DBE6A-35B3-4A06-AC66-4E375DA9B005}" type="datetimeFigureOut">
               <a:rPr lang="sv-SE" smtClean="0"/>
-              <a:t>2021-05-14</a:t>
+              <a:t>2021-05-15</a:t>
             </a:fld>
             <a:endParaRPr lang="sv-SE"/>
           </a:p>
@@ -2879,7 +2879,7 @@
           <a:p>
             <a:fld id="{5D3DBE6A-35B3-4A06-AC66-4E375DA9B005}" type="datetimeFigureOut">
               <a:rPr lang="sv-SE" smtClean="0"/>
-              <a:t>2021-05-14</a:t>
+              <a:t>2021-05-15</a:t>
             </a:fld>
             <a:endParaRPr lang="sv-SE"/>
           </a:p>
@@ -3095,7 +3095,7 @@
           <a:p>
             <a:fld id="{5D3DBE6A-35B3-4A06-AC66-4E375DA9B005}" type="datetimeFigureOut">
               <a:rPr lang="sv-SE" smtClean="0"/>
-              <a:t>2021-05-14</a:t>
+              <a:t>2021-05-15</a:t>
             </a:fld>
             <a:endParaRPr lang="sv-SE"/>
           </a:p>
@@ -4725,6 +4725,18 @@
   <p:clrMapOvr>
     <a:masterClrMapping/>
   </p:clrMapOvr>
+  <mc:AlternateContent xmlns:mc="http://schemas.openxmlformats.org/markup-compatibility/2006">
+    <mc:Choice xmlns:p14="http://schemas.microsoft.com/office/powerpoint/2010/main" Requires="p14">
+      <p:transition spd="med" p14:dur="700">
+        <p:fade/>
+      </p:transition>
+    </mc:Choice>
+    <mc:Fallback>
+      <p:transition spd="med">
+        <p:fade/>
+      </p:transition>
+    </mc:Fallback>
+  </mc:AlternateContent>
 </p:sld>
 </file>
 
@@ -6240,6 +6252,18 @@
   <p:clrMapOvr>
     <a:masterClrMapping/>
   </p:clrMapOvr>
+  <mc:AlternateContent xmlns:mc="http://schemas.openxmlformats.org/markup-compatibility/2006">
+    <mc:Choice xmlns:p14="http://schemas.microsoft.com/office/powerpoint/2010/main" Requires="p14">
+      <p:transition spd="med" p14:dur="700">
+        <p:fade/>
+      </p:transition>
+    </mc:Choice>
+    <mc:Fallback>
+      <p:transition spd="med">
+        <p:fade/>
+      </p:transition>
+    </mc:Fallback>
+  </mc:AlternateContent>
 </p:sld>
 </file>
 
@@ -7567,6 +7591,18 @@
   <p:clrMapOvr>
     <a:masterClrMapping/>
   </p:clrMapOvr>
+  <mc:AlternateContent xmlns:mc="http://schemas.openxmlformats.org/markup-compatibility/2006">
+    <mc:Choice xmlns:p14="http://schemas.microsoft.com/office/powerpoint/2010/main" Requires="p14">
+      <p:transition spd="med" p14:dur="700">
+        <p:fade/>
+      </p:transition>
+    </mc:Choice>
+    <mc:Fallback>
+      <p:transition spd="med">
+        <p:fade/>
+      </p:transition>
+    </mc:Fallback>
+  </mc:AlternateContent>
 </p:sld>
 </file>
 
@@ -9213,6 +9249,18 @@
   <p:clrMapOvr>
     <a:masterClrMapping/>
   </p:clrMapOvr>
+  <mc:AlternateContent xmlns:mc="http://schemas.openxmlformats.org/markup-compatibility/2006">
+    <mc:Choice xmlns:p14="http://schemas.microsoft.com/office/powerpoint/2010/main" Requires="p14">
+      <p:transition spd="med" p14:dur="700">
+        <p:fade/>
+      </p:transition>
+    </mc:Choice>
+    <mc:Fallback>
+      <p:transition spd="med">
+        <p:fade/>
+      </p:transition>
+    </mc:Fallback>
+  </mc:AlternateContent>
 </p:sld>
 </file>
 
@@ -12432,6 +12480,18 @@
   <p:clrMapOvr>
     <a:masterClrMapping/>
   </p:clrMapOvr>
+  <mc:AlternateContent xmlns:mc="http://schemas.openxmlformats.org/markup-compatibility/2006">
+    <mc:Choice xmlns:p14="http://schemas.microsoft.com/office/powerpoint/2010/main" Requires="p14">
+      <p:transition spd="med" p14:dur="700">
+        <p:fade/>
+      </p:transition>
+    </mc:Choice>
+    <mc:Fallback>
+      <p:transition spd="med">
+        <p:fade/>
+      </p:transition>
+    </mc:Fallback>
+  </mc:AlternateContent>
 </p:sld>
 </file>
 
@@ -12570,7 +12630,7 @@
         <p:spPr>
           <a:xfrm>
             <a:off x="4971515" y="2909540"/>
-            <a:ext cx="5466240" cy="707886"/>
+            <a:ext cx="6429389" cy="707886"/>
           </a:xfrm>
           <a:prstGeom prst="rect">
             <a:avLst/>
@@ -12584,17 +12644,6 @@
           <a:lstStyle/>
           <a:p>
             <a:r>
-              <a:rPr lang="sv-SE" sz="4000" b="1" dirty="0" err="1">
-                <a:solidFill>
-                  <a:schemeClr val="bg1"/>
-                </a:solidFill>
-                <a:latin typeface="Arial Rounded MT Bold" panose="020F0704030504030204" pitchFamily="34" charset="77"/>
-                <a:ea typeface="Tahoma" charset="0"/>
-                <a:cs typeface="Tahoma" charset="0"/>
-              </a:rPr>
-              <a:t>Modular</a:t>
-            </a:r>
-            <a:r>
               <a:rPr lang="sv-SE" sz="4000" b="1" dirty="0">
                 <a:solidFill>
                   <a:schemeClr val="bg1"/>
@@ -12603,7 +12652,7 @@
                 <a:ea typeface="Tahoma" charset="0"/>
                 <a:cs typeface="Tahoma" charset="0"/>
               </a:rPr>
-              <a:t> </a:t>
+              <a:t>Extensions &amp; </a:t>
             </a:r>
             <a:r>
               <a:rPr lang="sv-SE" sz="4000" b="1" dirty="0" err="1">
@@ -12614,7 +12663,7 @@
                 <a:ea typeface="Tahoma" charset="0"/>
                 <a:cs typeface="Tahoma" charset="0"/>
               </a:rPr>
-              <a:t>Architecture</a:t>
+              <a:t>Middleware</a:t>
             </a:r>
             <a:endParaRPr lang="sv-SE" sz="4000" dirty="0">
               <a:solidFill>
@@ -20831,10 +20880,3559 @@
   <p:clrMapOvr>
     <a:masterClrMapping/>
   </p:clrMapOvr>
+  <mc:AlternateContent xmlns:mc="http://schemas.openxmlformats.org/markup-compatibility/2006">
+    <mc:Choice xmlns:p14="http://schemas.microsoft.com/office/powerpoint/2010/main" Requires="p14">
+      <p:transition spd="med" p14:dur="700">
+        <p:fade/>
+      </p:transition>
+    </mc:Choice>
+    <mc:Fallback>
+      <p:transition spd="med">
+        <p:fade/>
+      </p:transition>
+    </mc:Fallback>
+  </mc:AlternateContent>
 </p:sld>
 </file>
 
 <file path=ppt/slides/slide7.xml><?xml version="1.0" encoding="utf-8"?>
+<p:sld xmlns:a="http://schemas.openxmlformats.org/drawingml/2006/main" xmlns:r="http://schemas.openxmlformats.org/officeDocument/2006/relationships" xmlns:p="http://schemas.openxmlformats.org/presentationml/2006/main">
+  <p:cSld>
+    <p:bg>
+      <p:bgPr>
+        <a:solidFill>
+          <a:srgbClr val="2A2044"/>
+        </a:solidFill>
+        <a:effectLst/>
+      </p:bgPr>
+    </p:bg>
+    <p:spTree>
+      <p:nvGrpSpPr>
+        <p:cNvPr id="1" name=""/>
+        <p:cNvGrpSpPr/>
+        <p:nvPr/>
+      </p:nvGrpSpPr>
+      <p:grpSpPr>
+        <a:xfrm>
+          <a:off x="0" y="0"/>
+          <a:ext cx="0" cy="0"/>
+          <a:chOff x="0" y="0"/>
+          <a:chExt cx="0" cy="0"/>
+        </a:xfrm>
+      </p:grpSpPr>
+      <p:sp>
+        <p:nvSpPr>
+          <p:cNvPr id="17" name="Rectangle 16"/>
+          <p:cNvSpPr/>
+          <p:nvPr/>
+        </p:nvSpPr>
+        <p:spPr>
+          <a:xfrm>
+            <a:off x="1524000" y="1980000"/>
+            <a:ext cx="9144000" cy="2090691"/>
+          </a:xfrm>
+          <a:prstGeom prst="rect">
+            <a:avLst/>
+          </a:prstGeom>
+          <a:noFill/>
+          <a:ln>
+            <a:noFill/>
+          </a:ln>
+        </p:spPr>
+        <p:style>
+          <a:lnRef idx="2">
+            <a:schemeClr val="accent1">
+              <a:shade val="50000"/>
+            </a:schemeClr>
+          </a:lnRef>
+          <a:fillRef idx="1">
+            <a:schemeClr val="accent1"/>
+          </a:fillRef>
+          <a:effectRef idx="0">
+            <a:schemeClr val="accent1"/>
+          </a:effectRef>
+          <a:fontRef idx="minor">
+            <a:schemeClr val="lt1"/>
+          </a:fontRef>
+        </p:style>
+        <p:txBody>
+          <a:bodyPr rtlCol="0" anchor="ctr"/>
+          <a:lstStyle/>
+          <a:p>
+            <a:pPr algn="ctr"/>
+            <a:endParaRPr lang="sv-SE"/>
+          </a:p>
+        </p:txBody>
+      </p:sp>
+      <p:sp>
+        <p:nvSpPr>
+          <p:cNvPr id="41" name="textruta 40"/>
+          <p:cNvSpPr txBox="1"/>
+          <p:nvPr/>
+        </p:nvSpPr>
+        <p:spPr>
+          <a:xfrm>
+            <a:off x="4971515" y="2909540"/>
+            <a:ext cx="4583049" cy="707886"/>
+          </a:xfrm>
+          <a:prstGeom prst="rect">
+            <a:avLst/>
+          </a:prstGeom>
+          <a:noFill/>
+        </p:spPr>
+        <p:txBody>
+          <a:bodyPr wrap="none" rtlCol="0">
+            <a:spAutoFit/>
+          </a:bodyPr>
+          <a:lstStyle/>
+          <a:p>
+            <a:r>
+              <a:rPr lang="sv-SE" sz="4000" b="1" dirty="0" err="1">
+                <a:solidFill>
+                  <a:schemeClr val="bg1"/>
+                </a:solidFill>
+                <a:latin typeface="Arial Rounded MT Bold" panose="020F0704030504030204" pitchFamily="34" charset="77"/>
+                <a:ea typeface="Tahoma" charset="0"/>
+                <a:cs typeface="Tahoma" charset="0"/>
+              </a:rPr>
+              <a:t>Tracing</a:t>
+            </a:r>
+            <a:r>
+              <a:rPr lang="sv-SE" sz="4000" b="1" dirty="0">
+                <a:solidFill>
+                  <a:schemeClr val="bg1"/>
+                </a:solidFill>
+                <a:latin typeface="Arial Rounded MT Bold" panose="020F0704030504030204" pitchFamily="34" charset="77"/>
+                <a:ea typeface="Tahoma" charset="0"/>
+                <a:cs typeface="Tahoma" charset="0"/>
+              </a:rPr>
+              <a:t> &amp; </a:t>
+            </a:r>
+            <a:r>
+              <a:rPr lang="sv-SE" sz="4000" b="1" dirty="0" err="1">
+                <a:solidFill>
+                  <a:schemeClr val="bg1"/>
+                </a:solidFill>
+                <a:latin typeface="Arial Rounded MT Bold" panose="020F0704030504030204" pitchFamily="34" charset="77"/>
+                <a:ea typeface="Tahoma" charset="0"/>
+                <a:cs typeface="Tahoma" charset="0"/>
+              </a:rPr>
+              <a:t>Metrics</a:t>
+            </a:r>
+            <a:endParaRPr lang="sv-SE" sz="4000" dirty="0">
+              <a:solidFill>
+                <a:schemeClr val="bg1"/>
+              </a:solidFill>
+              <a:latin typeface="Arial Rounded MT Bold" panose="020F0704030504030204" pitchFamily="34" charset="77"/>
+              <a:ea typeface="Tahoma" charset="0"/>
+              <a:cs typeface="Tahoma" charset="0"/>
+            </a:endParaRPr>
+          </a:p>
+        </p:txBody>
+      </p:sp>
+      <p:sp>
+        <p:nvSpPr>
+          <p:cNvPr id="43" name="Oval 18"/>
+          <p:cNvSpPr/>
+          <p:nvPr/>
+        </p:nvSpPr>
+        <p:spPr>
+          <a:xfrm>
+            <a:off x="2065643" y="3586714"/>
+            <a:ext cx="3071622" cy="1094282"/>
+          </a:xfrm>
+          <a:prstGeom prst="ellipse">
+            <a:avLst/>
+          </a:prstGeom>
+          <a:solidFill>
+            <a:schemeClr val="tx1">
+              <a:alpha val="27000"/>
+            </a:schemeClr>
+          </a:solidFill>
+          <a:ln>
+            <a:noFill/>
+          </a:ln>
+          <a:effectLst>
+            <a:softEdge rad="317500"/>
+          </a:effectLst>
+        </p:spPr>
+        <p:style>
+          <a:lnRef idx="2">
+            <a:schemeClr val="accent1">
+              <a:shade val="50000"/>
+            </a:schemeClr>
+          </a:lnRef>
+          <a:fillRef idx="1">
+            <a:schemeClr val="accent1"/>
+          </a:fillRef>
+          <a:effectRef idx="0">
+            <a:schemeClr val="accent1"/>
+          </a:effectRef>
+          <a:fontRef idx="minor">
+            <a:schemeClr val="lt1"/>
+          </a:fontRef>
+        </p:style>
+        <p:txBody>
+          <a:bodyPr rtlCol="0" anchor="ctr"/>
+          <a:lstStyle/>
+          <a:p>
+            <a:pPr algn="ctr"/>
+            <a:endParaRPr lang="sv-SE"/>
+          </a:p>
+        </p:txBody>
+      </p:sp>
+      <p:grpSp>
+        <p:nvGrpSpPr>
+          <p:cNvPr id="25" name="Grupp 24">
+            <a:extLst>
+              <a:ext uri="{FF2B5EF4-FFF2-40B4-BE49-F238E27FC236}">
+                <a16:creationId xmlns:a16="http://schemas.microsoft.com/office/drawing/2014/main" id="{672FD12E-5048-FC4D-AF6C-5081131D4464}"/>
+              </a:ext>
+            </a:extLst>
+          </p:cNvPr>
+          <p:cNvGrpSpPr/>
+          <p:nvPr/>
+        </p:nvGrpSpPr>
+        <p:grpSpPr>
+          <a:xfrm>
+            <a:off x="-273401" y="-185830"/>
+            <a:ext cx="1940458" cy="7229659"/>
+            <a:chOff x="-292623" y="-185829"/>
+            <a:chExt cx="1940458" cy="7229659"/>
+          </a:xfrm>
+        </p:grpSpPr>
+        <p:sp>
+          <p:nvSpPr>
+            <p:cNvPr id="26" name="Frihandsfigur 25">
+              <a:extLst>
+                <a:ext uri="{FF2B5EF4-FFF2-40B4-BE49-F238E27FC236}">
+                  <a16:creationId xmlns:a16="http://schemas.microsoft.com/office/drawing/2014/main" id="{4F70A3DA-2915-184B-8022-67E90843DC1E}"/>
+                </a:ext>
+              </a:extLst>
+            </p:cNvPr>
+            <p:cNvSpPr/>
+            <p:nvPr/>
+          </p:nvSpPr>
+          <p:spPr>
+            <a:xfrm rot="20756905">
+              <a:off x="-292623" y="4538160"/>
+              <a:ext cx="571274" cy="2425480"/>
+            </a:xfrm>
+            <a:custGeom>
+              <a:avLst/>
+              <a:gdLst>
+                <a:gd name="connsiteX0" fmla="*/ 639759 w 639759"/>
+                <a:gd name="connsiteY0" fmla="*/ 4804180 h 7229660"/>
+                <a:gd name="connsiteX1" fmla="*/ 639759 w 639759"/>
+                <a:gd name="connsiteY1" fmla="*/ 7229660 h 7229660"/>
+                <a:gd name="connsiteX2" fmla="*/ 68485 w 639759"/>
+                <a:gd name="connsiteY2" fmla="*/ 7086679 h 7229660"/>
+                <a:gd name="connsiteX3" fmla="*/ 0 w 639759"/>
+                <a:gd name="connsiteY3" fmla="*/ 0 h 7229660"/>
+                <a:gd name="connsiteX4" fmla="*/ 319879 w 639759"/>
+                <a:gd name="connsiteY4" fmla="*/ 80061 h 7229660"/>
+                <a:gd name="connsiteX5" fmla="*/ 0 w 639759"/>
+                <a:gd name="connsiteY5" fmla="*/ 0 h 7229660"/>
+                <a:gd name="connsiteX0" fmla="*/ 571274 w 571274"/>
+                <a:gd name="connsiteY0" fmla="*/ 0 h 2425480"/>
+                <a:gd name="connsiteX1" fmla="*/ 571274 w 571274"/>
+                <a:gd name="connsiteY1" fmla="*/ 2425480 h 2425480"/>
+                <a:gd name="connsiteX2" fmla="*/ 0 w 571274"/>
+                <a:gd name="connsiteY2" fmla="*/ 2282499 h 2425480"/>
+                <a:gd name="connsiteX3" fmla="*/ 571274 w 571274"/>
+                <a:gd name="connsiteY3" fmla="*/ 0 h 2425480"/>
+              </a:gdLst>
+              <a:ahLst/>
+              <a:cxnLst>
+                <a:cxn ang="0">
+                  <a:pos x="connsiteX0" y="connsiteY0"/>
+                </a:cxn>
+                <a:cxn ang="0">
+                  <a:pos x="connsiteX1" y="connsiteY1"/>
+                </a:cxn>
+                <a:cxn ang="0">
+                  <a:pos x="connsiteX2" y="connsiteY2"/>
+                </a:cxn>
+                <a:cxn ang="0">
+                  <a:pos x="connsiteX3" y="connsiteY3"/>
+                </a:cxn>
+              </a:cxnLst>
+              <a:rect l="l" t="t" r="r" b="b"/>
+              <a:pathLst>
+                <a:path w="571274" h="2425480">
+                  <a:moveTo>
+                    <a:pt x="571274" y="0"/>
+                  </a:moveTo>
+                  <a:lnTo>
+                    <a:pt x="571274" y="2425480"/>
+                  </a:lnTo>
+                  <a:lnTo>
+                    <a:pt x="0" y="2282499"/>
+                  </a:lnTo>
+                  <a:lnTo>
+                    <a:pt x="571274" y="0"/>
+                  </a:lnTo>
+                  <a:close/>
+                </a:path>
+              </a:pathLst>
+            </a:custGeom>
+            <a:solidFill>
+              <a:srgbClr val="1081BD"/>
+            </a:solidFill>
+            <a:ln>
+              <a:solidFill>
+                <a:schemeClr val="tx1">
+                  <a:lumMod val="95000"/>
+                  <a:lumOff val="5000"/>
+                </a:schemeClr>
+              </a:solidFill>
+            </a:ln>
+          </p:spPr>
+          <p:style>
+            <a:lnRef idx="2">
+              <a:schemeClr val="accent1">
+                <a:shade val="50000"/>
+              </a:schemeClr>
+            </a:lnRef>
+            <a:fillRef idx="1">
+              <a:schemeClr val="accent1"/>
+            </a:fillRef>
+            <a:effectRef idx="0">
+              <a:schemeClr val="accent1"/>
+            </a:effectRef>
+            <a:fontRef idx="minor">
+              <a:schemeClr val="lt1"/>
+            </a:fontRef>
+          </p:style>
+          <p:txBody>
+            <a:bodyPr wrap="square" rtlCol="0" anchor="ctr">
+              <a:noAutofit/>
+            </a:bodyPr>
+            <a:lstStyle/>
+            <a:p>
+              <a:pPr algn="ctr"/>
+              <a:endParaRPr lang="sv-SE"/>
+            </a:p>
+          </p:txBody>
+        </p:sp>
+        <p:sp>
+          <p:nvSpPr>
+            <p:cNvPr id="28" name="Frihandsfigur 27">
+              <a:extLst>
+                <a:ext uri="{FF2B5EF4-FFF2-40B4-BE49-F238E27FC236}">
+                  <a16:creationId xmlns:a16="http://schemas.microsoft.com/office/drawing/2014/main" id="{CDEE8478-679F-8E41-A3B3-02CB659D78C1}"/>
+                </a:ext>
+              </a:extLst>
+            </p:cNvPr>
+            <p:cNvSpPr/>
+            <p:nvPr/>
+          </p:nvSpPr>
+          <p:spPr>
+            <a:xfrm rot="20756905">
+              <a:off x="-30338" y="1870864"/>
+              <a:ext cx="639759" cy="5141727"/>
+            </a:xfrm>
+            <a:custGeom>
+              <a:avLst/>
+              <a:gdLst>
+                <a:gd name="connsiteX0" fmla="*/ 639759 w 639759"/>
+                <a:gd name="connsiteY0" fmla="*/ 2087933 h 7229660"/>
+                <a:gd name="connsiteX1" fmla="*/ 639759 w 639759"/>
+                <a:gd name="connsiteY1" fmla="*/ 7229660 h 7229660"/>
+                <a:gd name="connsiteX2" fmla="*/ 0 w 639759"/>
+                <a:gd name="connsiteY2" fmla="*/ 7069538 h 7229660"/>
+                <a:gd name="connsiteX3" fmla="*/ 0 w 639759"/>
+                <a:gd name="connsiteY3" fmla="*/ 4644061 h 7229660"/>
+                <a:gd name="connsiteX4" fmla="*/ 0 w 639759"/>
+                <a:gd name="connsiteY4" fmla="*/ 0 h 7229660"/>
+                <a:gd name="connsiteX5" fmla="*/ 319880 w 639759"/>
+                <a:gd name="connsiteY5" fmla="*/ 80061 h 7229660"/>
+                <a:gd name="connsiteX6" fmla="*/ 0 w 639759"/>
+                <a:gd name="connsiteY6" fmla="*/ 0 h 7229660"/>
+                <a:gd name="connsiteX0" fmla="*/ 639759 w 639759"/>
+                <a:gd name="connsiteY0" fmla="*/ 0 h 5141727"/>
+                <a:gd name="connsiteX1" fmla="*/ 639759 w 639759"/>
+                <a:gd name="connsiteY1" fmla="*/ 5141727 h 5141727"/>
+                <a:gd name="connsiteX2" fmla="*/ 0 w 639759"/>
+                <a:gd name="connsiteY2" fmla="*/ 4981605 h 5141727"/>
+                <a:gd name="connsiteX3" fmla="*/ 0 w 639759"/>
+                <a:gd name="connsiteY3" fmla="*/ 2556128 h 5141727"/>
+                <a:gd name="connsiteX4" fmla="*/ 639759 w 639759"/>
+                <a:gd name="connsiteY4" fmla="*/ 0 h 5141727"/>
+              </a:gdLst>
+              <a:ahLst/>
+              <a:cxnLst>
+                <a:cxn ang="0">
+                  <a:pos x="connsiteX0" y="connsiteY0"/>
+                </a:cxn>
+                <a:cxn ang="0">
+                  <a:pos x="connsiteX1" y="connsiteY1"/>
+                </a:cxn>
+                <a:cxn ang="0">
+                  <a:pos x="connsiteX2" y="connsiteY2"/>
+                </a:cxn>
+                <a:cxn ang="0">
+                  <a:pos x="connsiteX3" y="connsiteY3"/>
+                </a:cxn>
+                <a:cxn ang="0">
+                  <a:pos x="connsiteX4" y="connsiteY4"/>
+                </a:cxn>
+              </a:cxnLst>
+              <a:rect l="l" t="t" r="r" b="b"/>
+              <a:pathLst>
+                <a:path w="639759" h="5141727">
+                  <a:moveTo>
+                    <a:pt x="639759" y="0"/>
+                  </a:moveTo>
+                  <a:lnTo>
+                    <a:pt x="639759" y="5141727"/>
+                  </a:lnTo>
+                  <a:lnTo>
+                    <a:pt x="0" y="4981605"/>
+                  </a:lnTo>
+                  <a:lnTo>
+                    <a:pt x="0" y="2556128"/>
+                  </a:lnTo>
+                  <a:lnTo>
+                    <a:pt x="639759" y="0"/>
+                  </a:lnTo>
+                  <a:close/>
+                </a:path>
+              </a:pathLst>
+            </a:custGeom>
+            <a:solidFill>
+              <a:srgbClr val="8B42C7"/>
+            </a:solidFill>
+            <a:ln>
+              <a:solidFill>
+                <a:schemeClr val="tx1">
+                  <a:lumMod val="95000"/>
+                  <a:lumOff val="5000"/>
+                </a:schemeClr>
+              </a:solidFill>
+            </a:ln>
+          </p:spPr>
+          <p:style>
+            <a:lnRef idx="2">
+              <a:schemeClr val="accent1">
+                <a:shade val="50000"/>
+              </a:schemeClr>
+            </a:lnRef>
+            <a:fillRef idx="1">
+              <a:schemeClr val="accent1"/>
+            </a:fillRef>
+            <a:effectRef idx="0">
+              <a:schemeClr val="accent1"/>
+            </a:effectRef>
+            <a:fontRef idx="minor">
+              <a:schemeClr val="lt1"/>
+            </a:fontRef>
+          </p:style>
+          <p:txBody>
+            <a:bodyPr wrap="square" rtlCol="0" anchor="ctr">
+              <a:noAutofit/>
+            </a:bodyPr>
+            <a:lstStyle/>
+            <a:p>
+              <a:pPr algn="ctr"/>
+              <a:endParaRPr lang="sv-SE"/>
+            </a:p>
+          </p:txBody>
+        </p:sp>
+        <p:sp>
+          <p:nvSpPr>
+            <p:cNvPr id="29" name="Frihandsfigur 28">
+              <a:extLst>
+                <a:ext uri="{FF2B5EF4-FFF2-40B4-BE49-F238E27FC236}">
+                  <a16:creationId xmlns:a16="http://schemas.microsoft.com/office/drawing/2014/main" id="{CEDDD5AD-AD58-1344-A120-14ECDB9757BB}"/>
+                </a:ext>
+              </a:extLst>
+            </p:cNvPr>
+            <p:cNvSpPr/>
+            <p:nvPr/>
+          </p:nvSpPr>
+          <p:spPr>
+            <a:xfrm rot="20756905">
+              <a:off x="376036" y="-70572"/>
+              <a:ext cx="639759" cy="7112652"/>
+            </a:xfrm>
+            <a:custGeom>
+              <a:avLst/>
+              <a:gdLst>
+                <a:gd name="connsiteX0" fmla="*/ 639759 w 639759"/>
+                <a:gd name="connsiteY0" fmla="*/ 43114 h 7112652"/>
+                <a:gd name="connsiteX1" fmla="*/ 639759 w 639759"/>
+                <a:gd name="connsiteY1" fmla="*/ 7112652 h 7112652"/>
+                <a:gd name="connsiteX2" fmla="*/ 0 w 639759"/>
+                <a:gd name="connsiteY2" fmla="*/ 6952531 h 7112652"/>
+                <a:gd name="connsiteX3" fmla="*/ 0 w 639759"/>
+                <a:gd name="connsiteY3" fmla="*/ 1867863 h 7112652"/>
+                <a:gd name="connsiteX4" fmla="*/ 467497 w 639759"/>
+                <a:gd name="connsiteY4" fmla="*/ 0 h 7112652"/>
+              </a:gdLst>
+              <a:ahLst/>
+              <a:cxnLst>
+                <a:cxn ang="0">
+                  <a:pos x="connsiteX0" y="connsiteY0"/>
+                </a:cxn>
+                <a:cxn ang="0">
+                  <a:pos x="connsiteX1" y="connsiteY1"/>
+                </a:cxn>
+                <a:cxn ang="0">
+                  <a:pos x="connsiteX2" y="connsiteY2"/>
+                </a:cxn>
+                <a:cxn ang="0">
+                  <a:pos x="connsiteX3" y="connsiteY3"/>
+                </a:cxn>
+                <a:cxn ang="0">
+                  <a:pos x="connsiteX4" y="connsiteY4"/>
+                </a:cxn>
+              </a:cxnLst>
+              <a:rect l="l" t="t" r="r" b="b"/>
+              <a:pathLst>
+                <a:path w="639759" h="7112652">
+                  <a:moveTo>
+                    <a:pt x="639759" y="43114"/>
+                  </a:moveTo>
+                  <a:lnTo>
+                    <a:pt x="639759" y="7112652"/>
+                  </a:lnTo>
+                  <a:lnTo>
+                    <a:pt x="0" y="6952531"/>
+                  </a:lnTo>
+                  <a:lnTo>
+                    <a:pt x="0" y="1867863"/>
+                  </a:lnTo>
+                  <a:lnTo>
+                    <a:pt x="467497" y="0"/>
+                  </a:lnTo>
+                  <a:close/>
+                </a:path>
+              </a:pathLst>
+            </a:custGeom>
+            <a:solidFill>
+              <a:srgbClr val="F45A21"/>
+            </a:solidFill>
+            <a:ln>
+              <a:solidFill>
+                <a:schemeClr val="tx1">
+                  <a:lumMod val="95000"/>
+                  <a:lumOff val="5000"/>
+                </a:schemeClr>
+              </a:solidFill>
+            </a:ln>
+          </p:spPr>
+          <p:style>
+            <a:lnRef idx="2">
+              <a:schemeClr val="accent1">
+                <a:shade val="50000"/>
+              </a:schemeClr>
+            </a:lnRef>
+            <a:fillRef idx="1">
+              <a:schemeClr val="accent1"/>
+            </a:fillRef>
+            <a:effectRef idx="0">
+              <a:schemeClr val="accent1"/>
+            </a:effectRef>
+            <a:fontRef idx="minor">
+              <a:schemeClr val="lt1"/>
+            </a:fontRef>
+          </p:style>
+          <p:txBody>
+            <a:bodyPr wrap="square" rtlCol="0" anchor="ctr">
+              <a:noAutofit/>
+            </a:bodyPr>
+            <a:lstStyle/>
+            <a:p>
+              <a:pPr algn="ctr"/>
+              <a:endParaRPr lang="sv-SE" dirty="0"/>
+            </a:p>
+          </p:txBody>
+        </p:sp>
+        <p:sp>
+          <p:nvSpPr>
+            <p:cNvPr id="30" name="Frihandsfigur 29">
+              <a:extLst>
+                <a:ext uri="{FF2B5EF4-FFF2-40B4-BE49-F238E27FC236}">
+                  <a16:creationId xmlns:a16="http://schemas.microsoft.com/office/drawing/2014/main" id="{B7B36F2C-1698-1745-A237-BC0B5AD2AADF}"/>
+                </a:ext>
+              </a:extLst>
+            </p:cNvPr>
+            <p:cNvSpPr/>
+            <p:nvPr/>
+          </p:nvSpPr>
+          <p:spPr>
+            <a:xfrm rot="20756905">
+              <a:off x="1008076" y="-185829"/>
+              <a:ext cx="639759" cy="7229659"/>
+            </a:xfrm>
+            <a:custGeom>
+              <a:avLst/>
+              <a:gdLst>
+                <a:gd name="connsiteX0" fmla="*/ 0 w 639759"/>
+                <a:gd name="connsiteY0" fmla="*/ 0 h 7229659"/>
+                <a:gd name="connsiteX1" fmla="*/ 639759 w 639759"/>
+                <a:gd name="connsiteY1" fmla="*/ 160121 h 7229659"/>
+                <a:gd name="connsiteX2" fmla="*/ 639759 w 639759"/>
+                <a:gd name="connsiteY2" fmla="*/ 7229659 h 7229659"/>
+                <a:gd name="connsiteX3" fmla="*/ 0 w 639759"/>
+                <a:gd name="connsiteY3" fmla="*/ 7069538 h 7229659"/>
+              </a:gdLst>
+              <a:ahLst/>
+              <a:cxnLst>
+                <a:cxn ang="0">
+                  <a:pos x="connsiteX0" y="connsiteY0"/>
+                </a:cxn>
+                <a:cxn ang="0">
+                  <a:pos x="connsiteX1" y="connsiteY1"/>
+                </a:cxn>
+                <a:cxn ang="0">
+                  <a:pos x="connsiteX2" y="connsiteY2"/>
+                </a:cxn>
+                <a:cxn ang="0">
+                  <a:pos x="connsiteX3" y="connsiteY3"/>
+                </a:cxn>
+              </a:cxnLst>
+              <a:rect l="l" t="t" r="r" b="b"/>
+              <a:pathLst>
+                <a:path w="639759" h="7229659">
+                  <a:moveTo>
+                    <a:pt x="0" y="0"/>
+                  </a:moveTo>
+                  <a:lnTo>
+                    <a:pt x="639759" y="160121"/>
+                  </a:lnTo>
+                  <a:lnTo>
+                    <a:pt x="639759" y="7229659"/>
+                  </a:lnTo>
+                  <a:lnTo>
+                    <a:pt x="0" y="7069538"/>
+                  </a:lnTo>
+                  <a:close/>
+                </a:path>
+              </a:pathLst>
+            </a:custGeom>
+            <a:solidFill>
+              <a:srgbClr val="E5AD00"/>
+            </a:solidFill>
+            <a:ln>
+              <a:solidFill>
+                <a:schemeClr val="tx1">
+                  <a:lumMod val="95000"/>
+                  <a:lumOff val="5000"/>
+                </a:schemeClr>
+              </a:solidFill>
+            </a:ln>
+          </p:spPr>
+          <p:style>
+            <a:lnRef idx="2">
+              <a:schemeClr val="accent1">
+                <a:shade val="50000"/>
+              </a:schemeClr>
+            </a:lnRef>
+            <a:fillRef idx="1">
+              <a:schemeClr val="accent1"/>
+            </a:fillRef>
+            <a:effectRef idx="0">
+              <a:schemeClr val="accent1"/>
+            </a:effectRef>
+            <a:fontRef idx="minor">
+              <a:schemeClr val="lt1"/>
+            </a:fontRef>
+          </p:style>
+          <p:txBody>
+            <a:bodyPr wrap="square" rtlCol="0" anchor="ctr">
+              <a:noAutofit/>
+            </a:bodyPr>
+            <a:lstStyle/>
+            <a:p>
+              <a:pPr algn="ctr"/>
+              <a:endParaRPr lang="sv-SE"/>
+            </a:p>
+          </p:txBody>
+        </p:sp>
+      </p:grpSp>
+      <p:sp>
+        <p:nvSpPr>
+          <p:cNvPr id="49" name="Frihandsfigur 48">
+            <a:extLst>
+              <a:ext uri="{FF2B5EF4-FFF2-40B4-BE49-F238E27FC236}">
+                <a16:creationId xmlns:a16="http://schemas.microsoft.com/office/drawing/2014/main" id="{40F95759-5AE4-DB4C-871B-E2B3C6BE08D3}"/>
+              </a:ext>
+            </a:extLst>
+          </p:cNvPr>
+          <p:cNvSpPr/>
+          <p:nvPr/>
+        </p:nvSpPr>
+        <p:spPr>
+          <a:xfrm>
+            <a:off x="3596355" y="2292076"/>
+            <a:ext cx="799162" cy="1841045"/>
+          </a:xfrm>
+          <a:custGeom>
+            <a:avLst/>
+            <a:gdLst>
+              <a:gd name="connsiteX0" fmla="*/ 1727 w 799162"/>
+              <a:gd name="connsiteY0" fmla="*/ 0 h 1841045"/>
+              <a:gd name="connsiteX1" fmla="*/ 787667 w 799162"/>
+              <a:gd name="connsiteY1" fmla="*/ 454118 h 1841045"/>
+              <a:gd name="connsiteX2" fmla="*/ 798636 w 799162"/>
+              <a:gd name="connsiteY2" fmla="*/ 447734 h 1841045"/>
+              <a:gd name="connsiteX3" fmla="*/ 798638 w 799162"/>
+              <a:gd name="connsiteY3" fmla="*/ 460457 h 1841045"/>
+              <a:gd name="connsiteX4" fmla="*/ 799162 w 799162"/>
+              <a:gd name="connsiteY4" fmla="*/ 460760 h 1841045"/>
+              <a:gd name="connsiteX5" fmla="*/ 798638 w 799162"/>
+              <a:gd name="connsiteY5" fmla="*/ 461063 h 1841045"/>
+              <a:gd name="connsiteX6" fmla="*/ 798792 w 799162"/>
+              <a:gd name="connsiteY6" fmla="*/ 1376699 h 1841045"/>
+              <a:gd name="connsiteX7" fmla="*/ 886 w 799162"/>
+              <a:gd name="connsiteY7" fmla="*/ 1841045 h 1841045"/>
+              <a:gd name="connsiteX8" fmla="*/ 732 w 799162"/>
+              <a:gd name="connsiteY8" fmla="*/ 920945 h 1841045"/>
+              <a:gd name="connsiteX9" fmla="*/ 0 w 799162"/>
+              <a:gd name="connsiteY9" fmla="*/ 920522 h 1841045"/>
+              <a:gd name="connsiteX10" fmla="*/ 0 w 799162"/>
+              <a:gd name="connsiteY10" fmla="*/ 998 h 1841045"/>
+            </a:gdLst>
+            <a:ahLst/>
+            <a:cxnLst>
+              <a:cxn ang="0">
+                <a:pos x="connsiteX0" y="connsiteY0"/>
+              </a:cxn>
+              <a:cxn ang="0">
+                <a:pos x="connsiteX1" y="connsiteY1"/>
+              </a:cxn>
+              <a:cxn ang="0">
+                <a:pos x="connsiteX2" y="connsiteY2"/>
+              </a:cxn>
+              <a:cxn ang="0">
+                <a:pos x="connsiteX3" y="connsiteY3"/>
+              </a:cxn>
+              <a:cxn ang="0">
+                <a:pos x="connsiteX4" y="connsiteY4"/>
+              </a:cxn>
+              <a:cxn ang="0">
+                <a:pos x="connsiteX5" y="connsiteY5"/>
+              </a:cxn>
+              <a:cxn ang="0">
+                <a:pos x="connsiteX6" y="connsiteY6"/>
+              </a:cxn>
+              <a:cxn ang="0">
+                <a:pos x="connsiteX7" y="connsiteY7"/>
+              </a:cxn>
+              <a:cxn ang="0">
+                <a:pos x="connsiteX8" y="connsiteY8"/>
+              </a:cxn>
+              <a:cxn ang="0">
+                <a:pos x="connsiteX9" y="connsiteY9"/>
+              </a:cxn>
+              <a:cxn ang="0">
+                <a:pos x="connsiteX10" y="connsiteY10"/>
+              </a:cxn>
+            </a:cxnLst>
+            <a:rect l="l" t="t" r="r" b="b"/>
+            <a:pathLst>
+              <a:path w="799162" h="1841045">
+                <a:moveTo>
+                  <a:pt x="1727" y="0"/>
+                </a:moveTo>
+                <a:lnTo>
+                  <a:pt x="787667" y="454118"/>
+                </a:lnTo>
+                <a:lnTo>
+                  <a:pt x="798636" y="447734"/>
+                </a:lnTo>
+                <a:lnTo>
+                  <a:pt x="798638" y="460457"/>
+                </a:lnTo>
+                <a:lnTo>
+                  <a:pt x="799162" y="460760"/>
+                </a:lnTo>
+                <a:lnTo>
+                  <a:pt x="798638" y="461063"/>
+                </a:lnTo>
+                <a:lnTo>
+                  <a:pt x="798792" y="1376699"/>
+                </a:lnTo>
+                <a:lnTo>
+                  <a:pt x="886" y="1841045"/>
+                </a:lnTo>
+                <a:lnTo>
+                  <a:pt x="732" y="920945"/>
+                </a:lnTo>
+                <a:lnTo>
+                  <a:pt x="0" y="920522"/>
+                </a:lnTo>
+                <a:lnTo>
+                  <a:pt x="0" y="998"/>
+                </a:lnTo>
+                <a:close/>
+              </a:path>
+            </a:pathLst>
+          </a:custGeom>
+          <a:solidFill>
+            <a:srgbClr val="6A2E98">
+              <a:alpha val="58203"/>
+            </a:srgbClr>
+          </a:solidFill>
+          <a:ln w="127000">
+            <a:noFill/>
+            <a:round/>
+          </a:ln>
+        </p:spPr>
+        <p:style>
+          <a:lnRef idx="2">
+            <a:schemeClr val="accent1">
+              <a:shade val="50000"/>
+            </a:schemeClr>
+          </a:lnRef>
+          <a:fillRef idx="1">
+            <a:schemeClr val="accent1"/>
+          </a:fillRef>
+          <a:effectRef idx="0">
+            <a:schemeClr val="accent1"/>
+          </a:effectRef>
+          <a:fontRef idx="minor">
+            <a:schemeClr val="lt1"/>
+          </a:fontRef>
+        </p:style>
+        <p:txBody>
+          <a:bodyPr wrap="square" rtlCol="0" anchor="ctr">
+            <a:noAutofit/>
+          </a:bodyPr>
+          <a:lstStyle/>
+          <a:p>
+            <a:pPr algn="ctr"/>
+            <a:endParaRPr lang="sv-SE" dirty="0"/>
+          </a:p>
+        </p:txBody>
+      </p:sp>
+      <p:sp>
+        <p:nvSpPr>
+          <p:cNvPr id="50" name="Frihandsfigur 49">
+            <a:extLst>
+              <a:ext uri="{FF2B5EF4-FFF2-40B4-BE49-F238E27FC236}">
+                <a16:creationId xmlns:a16="http://schemas.microsoft.com/office/drawing/2014/main" id="{4D2EB8EF-79BE-634E-87F4-E36EA65851B2}"/>
+              </a:ext>
+            </a:extLst>
+          </p:cNvPr>
+          <p:cNvSpPr/>
+          <p:nvPr/>
+        </p:nvSpPr>
+        <p:spPr>
+          <a:xfrm>
+            <a:off x="2799182" y="2293074"/>
+            <a:ext cx="798062" cy="1840047"/>
+          </a:xfrm>
+          <a:custGeom>
+            <a:avLst/>
+            <a:gdLst>
+              <a:gd name="connsiteX0" fmla="*/ 797172 w 798062"/>
+              <a:gd name="connsiteY0" fmla="*/ 0 h 1840047"/>
+              <a:gd name="connsiteX1" fmla="*/ 797172 w 798062"/>
+              <a:gd name="connsiteY1" fmla="*/ 910568 h 1840047"/>
+              <a:gd name="connsiteX2" fmla="*/ 798062 w 798062"/>
+              <a:gd name="connsiteY2" fmla="*/ 911086 h 1840047"/>
+              <a:gd name="connsiteX3" fmla="*/ 797906 w 798062"/>
+              <a:gd name="connsiteY3" fmla="*/ 1840047 h 1840047"/>
+              <a:gd name="connsiteX4" fmla="*/ 0 w 798062"/>
+              <a:gd name="connsiteY4" fmla="*/ 1375703 h 1840047"/>
+              <a:gd name="connsiteX5" fmla="*/ 156 w 798062"/>
+              <a:gd name="connsiteY5" fmla="*/ 446741 h 1840047"/>
+              <a:gd name="connsiteX6" fmla="*/ 12033 w 798062"/>
+              <a:gd name="connsiteY6" fmla="*/ 453653 h 1840047"/>
+            </a:gdLst>
+            <a:ahLst/>
+            <a:cxnLst>
+              <a:cxn ang="0">
+                <a:pos x="connsiteX0" y="connsiteY0"/>
+              </a:cxn>
+              <a:cxn ang="0">
+                <a:pos x="connsiteX1" y="connsiteY1"/>
+              </a:cxn>
+              <a:cxn ang="0">
+                <a:pos x="connsiteX2" y="connsiteY2"/>
+              </a:cxn>
+              <a:cxn ang="0">
+                <a:pos x="connsiteX3" y="connsiteY3"/>
+              </a:cxn>
+              <a:cxn ang="0">
+                <a:pos x="connsiteX4" y="connsiteY4"/>
+              </a:cxn>
+              <a:cxn ang="0">
+                <a:pos x="connsiteX5" y="connsiteY5"/>
+              </a:cxn>
+              <a:cxn ang="0">
+                <a:pos x="connsiteX6" y="connsiteY6"/>
+              </a:cxn>
+            </a:cxnLst>
+            <a:rect l="l" t="t" r="r" b="b"/>
+            <a:pathLst>
+              <a:path w="798062" h="1840047">
+                <a:moveTo>
+                  <a:pt x="797172" y="0"/>
+                </a:moveTo>
+                <a:lnTo>
+                  <a:pt x="797172" y="910568"/>
+                </a:lnTo>
+                <a:lnTo>
+                  <a:pt x="798062" y="911086"/>
+                </a:lnTo>
+                <a:lnTo>
+                  <a:pt x="797906" y="1840047"/>
+                </a:lnTo>
+                <a:lnTo>
+                  <a:pt x="0" y="1375703"/>
+                </a:lnTo>
+                <a:lnTo>
+                  <a:pt x="156" y="446741"/>
+                </a:lnTo>
+                <a:lnTo>
+                  <a:pt x="12033" y="453653"/>
+                </a:lnTo>
+                <a:close/>
+              </a:path>
+            </a:pathLst>
+          </a:custGeom>
+          <a:solidFill>
+            <a:srgbClr val="7A3BAF">
+              <a:alpha val="66625"/>
+            </a:srgbClr>
+          </a:solidFill>
+          <a:ln w="127000">
+            <a:noFill/>
+            <a:round/>
+          </a:ln>
+        </p:spPr>
+        <p:style>
+          <a:lnRef idx="2">
+            <a:schemeClr val="accent1">
+              <a:shade val="50000"/>
+            </a:schemeClr>
+          </a:lnRef>
+          <a:fillRef idx="1">
+            <a:schemeClr val="accent1"/>
+          </a:fillRef>
+          <a:effectRef idx="0">
+            <a:schemeClr val="accent1"/>
+          </a:effectRef>
+          <a:fontRef idx="minor">
+            <a:schemeClr val="lt1"/>
+          </a:fontRef>
+        </p:style>
+        <p:txBody>
+          <a:bodyPr wrap="square" rtlCol="0" anchor="ctr">
+            <a:noAutofit/>
+          </a:bodyPr>
+          <a:lstStyle/>
+          <a:p>
+            <a:pPr algn="ctr"/>
+            <a:endParaRPr lang="sv-SE" dirty="0"/>
+          </a:p>
+        </p:txBody>
+      </p:sp>
+      <p:sp>
+        <p:nvSpPr>
+          <p:cNvPr id="38" name="Frihandsfigur 37">
+            <a:extLst>
+              <a:ext uri="{FF2B5EF4-FFF2-40B4-BE49-F238E27FC236}">
+                <a16:creationId xmlns:a16="http://schemas.microsoft.com/office/drawing/2014/main" id="{971199FE-5098-3F45-A273-F8B7DF344D6D}"/>
+              </a:ext>
+            </a:extLst>
+          </p:cNvPr>
+          <p:cNvSpPr/>
+          <p:nvPr/>
+        </p:nvSpPr>
+        <p:spPr>
+          <a:xfrm>
+            <a:off x="2798918" y="3205207"/>
+            <a:ext cx="1594875" cy="921520"/>
+          </a:xfrm>
+          <a:custGeom>
+            <a:avLst/>
+            <a:gdLst>
+              <a:gd name="connsiteX0" fmla="*/ 194493 w 388985"/>
+              <a:gd name="connsiteY0" fmla="*/ 0 h 224756"/>
+              <a:gd name="connsiteX1" fmla="*/ 388985 w 388985"/>
+              <a:gd name="connsiteY1" fmla="*/ 112378 h 224756"/>
+              <a:gd name="connsiteX2" fmla="*/ 194493 w 388985"/>
+              <a:gd name="connsiteY2" fmla="*/ 224756 h 224756"/>
+              <a:gd name="connsiteX3" fmla="*/ 0 w 388985"/>
+              <a:gd name="connsiteY3" fmla="*/ 112378 h 224756"/>
+            </a:gdLst>
+            <a:ahLst/>
+            <a:cxnLst>
+              <a:cxn ang="0">
+                <a:pos x="connsiteX0" y="connsiteY0"/>
+              </a:cxn>
+              <a:cxn ang="0">
+                <a:pos x="connsiteX1" y="connsiteY1"/>
+              </a:cxn>
+              <a:cxn ang="0">
+                <a:pos x="connsiteX2" y="connsiteY2"/>
+              </a:cxn>
+              <a:cxn ang="0">
+                <a:pos x="connsiteX3" y="connsiteY3"/>
+              </a:cxn>
+            </a:cxnLst>
+            <a:rect l="l" t="t" r="r" b="b"/>
+            <a:pathLst>
+              <a:path w="388985" h="224756">
+                <a:moveTo>
+                  <a:pt x="194493" y="0"/>
+                </a:moveTo>
+                <a:lnTo>
+                  <a:pt x="388985" y="112378"/>
+                </a:lnTo>
+                <a:lnTo>
+                  <a:pt x="194493" y="224756"/>
+                </a:lnTo>
+                <a:lnTo>
+                  <a:pt x="0" y="112378"/>
+                </a:lnTo>
+                <a:close/>
+              </a:path>
+            </a:pathLst>
+          </a:custGeom>
+          <a:solidFill>
+            <a:srgbClr val="5C2B85"/>
+          </a:solidFill>
+          <a:ln w="127000">
+            <a:noFill/>
+            <a:round/>
+          </a:ln>
+        </p:spPr>
+        <p:style>
+          <a:lnRef idx="2">
+            <a:schemeClr val="accent1">
+              <a:shade val="50000"/>
+            </a:schemeClr>
+          </a:lnRef>
+          <a:fillRef idx="1">
+            <a:schemeClr val="accent1"/>
+          </a:fillRef>
+          <a:effectRef idx="0">
+            <a:schemeClr val="accent1"/>
+          </a:effectRef>
+          <a:fontRef idx="minor">
+            <a:schemeClr val="lt1"/>
+          </a:fontRef>
+        </p:style>
+        <p:txBody>
+          <a:bodyPr wrap="square" rtlCol="0" anchor="ctr">
+            <a:noAutofit/>
+          </a:bodyPr>
+          <a:lstStyle/>
+          <a:p>
+            <a:pPr algn="ctr"/>
+            <a:endParaRPr lang="sv-SE" dirty="0"/>
+          </a:p>
+        </p:txBody>
+      </p:sp>
+      <p:grpSp>
+        <p:nvGrpSpPr>
+          <p:cNvPr id="51" name="Grupp 50">
+            <a:extLst>
+              <a:ext uri="{FF2B5EF4-FFF2-40B4-BE49-F238E27FC236}">
+                <a16:creationId xmlns:a16="http://schemas.microsoft.com/office/drawing/2014/main" id="{B123E42F-A473-7047-8369-59B1CD1CE240}"/>
+              </a:ext>
+            </a:extLst>
+          </p:cNvPr>
+          <p:cNvGrpSpPr/>
+          <p:nvPr/>
+        </p:nvGrpSpPr>
+        <p:grpSpPr>
+          <a:xfrm>
+            <a:off x="3281439" y="2647284"/>
+            <a:ext cx="628939" cy="931808"/>
+            <a:chOff x="3765779" y="2367831"/>
+            <a:chExt cx="628939" cy="931808"/>
+          </a:xfrm>
+        </p:grpSpPr>
+        <p:sp>
+          <p:nvSpPr>
+            <p:cNvPr id="52" name="Frihandsfigur 51">
+              <a:extLst>
+                <a:ext uri="{FF2B5EF4-FFF2-40B4-BE49-F238E27FC236}">
+                  <a16:creationId xmlns:a16="http://schemas.microsoft.com/office/drawing/2014/main" id="{CD4BC258-1CB1-E24B-9F5D-55714F28AE36}"/>
+                </a:ext>
+              </a:extLst>
+            </p:cNvPr>
+            <p:cNvSpPr/>
+            <p:nvPr/>
+          </p:nvSpPr>
+          <p:spPr>
+            <a:xfrm>
+              <a:off x="3765779" y="3027442"/>
+              <a:ext cx="314396" cy="272197"/>
+            </a:xfrm>
+            <a:custGeom>
+              <a:avLst/>
+              <a:gdLst>
+                <a:gd name="connsiteX0" fmla="*/ 16 w 314396"/>
+                <a:gd name="connsiteY0" fmla="*/ 0 h 272197"/>
+                <a:gd name="connsiteX1" fmla="*/ 314380 w 314396"/>
+                <a:gd name="connsiteY1" fmla="*/ 0 h 272197"/>
+                <a:gd name="connsiteX2" fmla="*/ 314396 w 314396"/>
+                <a:gd name="connsiteY2" fmla="*/ 95142 h 272197"/>
+                <a:gd name="connsiteX3" fmla="*/ 314366 w 314396"/>
+                <a:gd name="connsiteY3" fmla="*/ 272197 h 272197"/>
+                <a:gd name="connsiteX4" fmla="*/ 0 w 314396"/>
+                <a:gd name="connsiteY4" fmla="*/ 90770 h 272197"/>
+                <a:gd name="connsiteX5" fmla="*/ 16 w 314396"/>
+                <a:gd name="connsiteY5" fmla="*/ 0 h 272197"/>
+              </a:gdLst>
+              <a:ahLst/>
+              <a:cxnLst>
+                <a:cxn ang="0">
+                  <a:pos x="connsiteX0" y="connsiteY0"/>
+                </a:cxn>
+                <a:cxn ang="0">
+                  <a:pos x="connsiteX1" y="connsiteY1"/>
+                </a:cxn>
+                <a:cxn ang="0">
+                  <a:pos x="connsiteX2" y="connsiteY2"/>
+                </a:cxn>
+                <a:cxn ang="0">
+                  <a:pos x="connsiteX3" y="connsiteY3"/>
+                </a:cxn>
+                <a:cxn ang="0">
+                  <a:pos x="connsiteX4" y="connsiteY4"/>
+                </a:cxn>
+                <a:cxn ang="0">
+                  <a:pos x="connsiteX5" y="connsiteY5"/>
+                </a:cxn>
+              </a:cxnLst>
+              <a:rect l="l" t="t" r="r" b="b"/>
+              <a:pathLst>
+                <a:path w="314396" h="272197">
+                  <a:moveTo>
+                    <a:pt x="16" y="0"/>
+                  </a:moveTo>
+                  <a:lnTo>
+                    <a:pt x="314380" y="0"/>
+                  </a:lnTo>
+                  <a:lnTo>
+                    <a:pt x="314396" y="95142"/>
+                  </a:lnTo>
+                  <a:lnTo>
+                    <a:pt x="314366" y="272197"/>
+                  </a:lnTo>
+                  <a:lnTo>
+                    <a:pt x="0" y="90770"/>
+                  </a:lnTo>
+                  <a:lnTo>
+                    <a:pt x="16" y="0"/>
+                  </a:lnTo>
+                  <a:close/>
+                </a:path>
+              </a:pathLst>
+            </a:custGeom>
+            <a:solidFill>
+              <a:srgbClr val="E5AD00"/>
+            </a:solidFill>
+            <a:ln>
+              <a:noFill/>
+            </a:ln>
+          </p:spPr>
+          <p:style>
+            <a:lnRef idx="2">
+              <a:schemeClr val="accent1">
+                <a:shade val="50000"/>
+              </a:schemeClr>
+            </a:lnRef>
+            <a:fillRef idx="1">
+              <a:schemeClr val="accent1"/>
+            </a:fillRef>
+            <a:effectRef idx="0">
+              <a:schemeClr val="accent1"/>
+            </a:effectRef>
+            <a:fontRef idx="minor">
+              <a:schemeClr val="lt1"/>
+            </a:fontRef>
+          </p:style>
+          <p:txBody>
+            <a:bodyPr wrap="square" rtlCol="0" anchor="ctr">
+              <a:noAutofit/>
+            </a:bodyPr>
+            <a:lstStyle/>
+            <a:p>
+              <a:pPr algn="ctr"/>
+              <a:endParaRPr lang="sv-SE"/>
+            </a:p>
+          </p:txBody>
+        </p:sp>
+        <p:sp>
+          <p:nvSpPr>
+            <p:cNvPr id="53" name="Frihandsfigur 52">
+              <a:extLst>
+                <a:ext uri="{FF2B5EF4-FFF2-40B4-BE49-F238E27FC236}">
+                  <a16:creationId xmlns:a16="http://schemas.microsoft.com/office/drawing/2014/main" id="{7885D0AB-2896-334A-9A64-76377E2730F6}"/>
+                </a:ext>
+              </a:extLst>
+            </p:cNvPr>
+            <p:cNvSpPr/>
+            <p:nvPr/>
+          </p:nvSpPr>
+          <p:spPr>
+            <a:xfrm>
+              <a:off x="4080175" y="3027442"/>
+              <a:ext cx="314395" cy="272195"/>
+            </a:xfrm>
+            <a:custGeom>
+              <a:avLst/>
+              <a:gdLst>
+                <a:gd name="connsiteX0" fmla="*/ 16 w 314395"/>
+                <a:gd name="connsiteY0" fmla="*/ 0 h 272195"/>
+                <a:gd name="connsiteX1" fmla="*/ 314380 w 314395"/>
+                <a:gd name="connsiteY1" fmla="*/ 0 h 272195"/>
+                <a:gd name="connsiteX2" fmla="*/ 314395 w 314395"/>
+                <a:gd name="connsiteY2" fmla="*/ 90768 h 272195"/>
+                <a:gd name="connsiteX3" fmla="*/ 30 w 314395"/>
+                <a:gd name="connsiteY3" fmla="*/ 272195 h 272195"/>
+                <a:gd name="connsiteX4" fmla="*/ 0 w 314395"/>
+                <a:gd name="connsiteY4" fmla="*/ 95142 h 272195"/>
+                <a:gd name="connsiteX5" fmla="*/ 16 w 314395"/>
+                <a:gd name="connsiteY5" fmla="*/ 0 h 272195"/>
+              </a:gdLst>
+              <a:ahLst/>
+              <a:cxnLst>
+                <a:cxn ang="0">
+                  <a:pos x="connsiteX0" y="connsiteY0"/>
+                </a:cxn>
+                <a:cxn ang="0">
+                  <a:pos x="connsiteX1" y="connsiteY1"/>
+                </a:cxn>
+                <a:cxn ang="0">
+                  <a:pos x="connsiteX2" y="connsiteY2"/>
+                </a:cxn>
+                <a:cxn ang="0">
+                  <a:pos x="connsiteX3" y="connsiteY3"/>
+                </a:cxn>
+                <a:cxn ang="0">
+                  <a:pos x="connsiteX4" y="connsiteY4"/>
+                </a:cxn>
+                <a:cxn ang="0">
+                  <a:pos x="connsiteX5" y="connsiteY5"/>
+                </a:cxn>
+              </a:cxnLst>
+              <a:rect l="l" t="t" r="r" b="b"/>
+              <a:pathLst>
+                <a:path w="314395" h="272195">
+                  <a:moveTo>
+                    <a:pt x="16" y="0"/>
+                  </a:moveTo>
+                  <a:lnTo>
+                    <a:pt x="314380" y="0"/>
+                  </a:lnTo>
+                  <a:lnTo>
+                    <a:pt x="314395" y="90768"/>
+                  </a:lnTo>
+                  <a:lnTo>
+                    <a:pt x="30" y="272195"/>
+                  </a:lnTo>
+                  <a:lnTo>
+                    <a:pt x="0" y="95142"/>
+                  </a:lnTo>
+                  <a:lnTo>
+                    <a:pt x="16" y="0"/>
+                  </a:lnTo>
+                  <a:close/>
+                </a:path>
+              </a:pathLst>
+            </a:custGeom>
+            <a:solidFill>
+              <a:srgbClr val="BD8F07"/>
+            </a:solidFill>
+            <a:ln>
+              <a:noFill/>
+            </a:ln>
+          </p:spPr>
+          <p:style>
+            <a:lnRef idx="2">
+              <a:schemeClr val="accent1">
+                <a:shade val="50000"/>
+              </a:schemeClr>
+            </a:lnRef>
+            <a:fillRef idx="1">
+              <a:schemeClr val="accent1"/>
+            </a:fillRef>
+            <a:effectRef idx="0">
+              <a:schemeClr val="accent1"/>
+            </a:effectRef>
+            <a:fontRef idx="minor">
+              <a:schemeClr val="lt1"/>
+            </a:fontRef>
+          </p:style>
+          <p:txBody>
+            <a:bodyPr wrap="square" rtlCol="0" anchor="ctr">
+              <a:noAutofit/>
+            </a:bodyPr>
+            <a:lstStyle/>
+            <a:p>
+              <a:pPr algn="ctr"/>
+              <a:endParaRPr lang="sv-SE"/>
+            </a:p>
+          </p:txBody>
+        </p:sp>
+        <p:sp>
+          <p:nvSpPr>
+            <p:cNvPr id="54" name="Frihandsfigur 53">
+              <a:extLst>
+                <a:ext uri="{FF2B5EF4-FFF2-40B4-BE49-F238E27FC236}">
+                  <a16:creationId xmlns:a16="http://schemas.microsoft.com/office/drawing/2014/main" id="{BBD0941C-8B46-4F49-97EB-B6317280BFB0}"/>
+                </a:ext>
+              </a:extLst>
+            </p:cNvPr>
+            <p:cNvSpPr/>
+            <p:nvPr/>
+          </p:nvSpPr>
+          <p:spPr>
+            <a:xfrm>
+              <a:off x="4080175" y="2544233"/>
+              <a:ext cx="314382" cy="272194"/>
+            </a:xfrm>
+            <a:custGeom>
+              <a:avLst/>
+              <a:gdLst>
+                <a:gd name="connsiteX0" fmla="*/ 314336 w 314382"/>
+                <a:gd name="connsiteY0" fmla="*/ 0 h 272194"/>
+                <a:gd name="connsiteX1" fmla="*/ 314382 w 314382"/>
+                <a:gd name="connsiteY1" fmla="*/ 272194 h 272194"/>
+                <a:gd name="connsiteX2" fmla="*/ 18 w 314382"/>
+                <a:gd name="connsiteY2" fmla="*/ 272194 h 272194"/>
+                <a:gd name="connsiteX3" fmla="*/ 33 w 314382"/>
+                <a:gd name="connsiteY3" fmla="*/ 181430 h 272194"/>
+                <a:gd name="connsiteX4" fmla="*/ 0 w 314382"/>
+                <a:gd name="connsiteY4" fmla="*/ 181411 h 272194"/>
+                <a:gd name="connsiteX5" fmla="*/ 314336 w 314382"/>
+                <a:gd name="connsiteY5" fmla="*/ 0 h 272194"/>
+              </a:gdLst>
+              <a:ahLst/>
+              <a:cxnLst>
+                <a:cxn ang="0">
+                  <a:pos x="connsiteX0" y="connsiteY0"/>
+                </a:cxn>
+                <a:cxn ang="0">
+                  <a:pos x="connsiteX1" y="connsiteY1"/>
+                </a:cxn>
+                <a:cxn ang="0">
+                  <a:pos x="connsiteX2" y="connsiteY2"/>
+                </a:cxn>
+                <a:cxn ang="0">
+                  <a:pos x="connsiteX3" y="connsiteY3"/>
+                </a:cxn>
+                <a:cxn ang="0">
+                  <a:pos x="connsiteX4" y="connsiteY4"/>
+                </a:cxn>
+                <a:cxn ang="0">
+                  <a:pos x="connsiteX5" y="connsiteY5"/>
+                </a:cxn>
+              </a:cxnLst>
+              <a:rect l="l" t="t" r="r" b="b"/>
+              <a:pathLst>
+                <a:path w="314382" h="272194">
+                  <a:moveTo>
+                    <a:pt x="314336" y="0"/>
+                  </a:moveTo>
+                  <a:lnTo>
+                    <a:pt x="314382" y="272194"/>
+                  </a:lnTo>
+                  <a:lnTo>
+                    <a:pt x="18" y="272194"/>
+                  </a:lnTo>
+                  <a:lnTo>
+                    <a:pt x="33" y="181430"/>
+                  </a:lnTo>
+                  <a:lnTo>
+                    <a:pt x="0" y="181411"/>
+                  </a:lnTo>
+                  <a:lnTo>
+                    <a:pt x="314336" y="0"/>
+                  </a:lnTo>
+                  <a:close/>
+                </a:path>
+              </a:pathLst>
+            </a:custGeom>
+            <a:solidFill>
+              <a:srgbClr val="BD8F07"/>
+            </a:solidFill>
+            <a:ln>
+              <a:noFill/>
+            </a:ln>
+          </p:spPr>
+          <p:style>
+            <a:lnRef idx="2">
+              <a:schemeClr val="accent1">
+                <a:shade val="50000"/>
+              </a:schemeClr>
+            </a:lnRef>
+            <a:fillRef idx="1">
+              <a:schemeClr val="accent1"/>
+            </a:fillRef>
+            <a:effectRef idx="0">
+              <a:schemeClr val="accent1"/>
+            </a:effectRef>
+            <a:fontRef idx="minor">
+              <a:schemeClr val="lt1"/>
+            </a:fontRef>
+          </p:style>
+          <p:txBody>
+            <a:bodyPr wrap="square" rtlCol="0" anchor="ctr">
+              <a:noAutofit/>
+            </a:bodyPr>
+            <a:lstStyle/>
+            <a:p>
+              <a:pPr algn="ctr"/>
+              <a:endParaRPr lang="sv-SE"/>
+            </a:p>
+          </p:txBody>
+        </p:sp>
+        <p:sp>
+          <p:nvSpPr>
+            <p:cNvPr id="62" name="Frihandsfigur 61">
+              <a:extLst>
+                <a:ext uri="{FF2B5EF4-FFF2-40B4-BE49-F238E27FC236}">
+                  <a16:creationId xmlns:a16="http://schemas.microsoft.com/office/drawing/2014/main" id="{A98F7281-48BA-9941-B814-5AFC36BF9760}"/>
+                </a:ext>
+              </a:extLst>
+            </p:cNvPr>
+            <p:cNvSpPr/>
+            <p:nvPr/>
+          </p:nvSpPr>
+          <p:spPr>
+            <a:xfrm>
+              <a:off x="3765797" y="2544235"/>
+              <a:ext cx="314378" cy="272192"/>
+            </a:xfrm>
+            <a:custGeom>
+              <a:avLst/>
+              <a:gdLst>
+                <a:gd name="connsiteX0" fmla="*/ 46 w 314378"/>
+                <a:gd name="connsiteY0" fmla="*/ 0 h 272192"/>
+                <a:gd name="connsiteX1" fmla="*/ 314378 w 314378"/>
+                <a:gd name="connsiteY1" fmla="*/ 181409 h 272192"/>
+                <a:gd name="connsiteX2" fmla="*/ 314348 w 314378"/>
+                <a:gd name="connsiteY2" fmla="*/ 181426 h 272192"/>
+                <a:gd name="connsiteX3" fmla="*/ 314364 w 314378"/>
+                <a:gd name="connsiteY3" fmla="*/ 272192 h 272192"/>
+                <a:gd name="connsiteX4" fmla="*/ 0 w 314378"/>
+                <a:gd name="connsiteY4" fmla="*/ 272192 h 272192"/>
+                <a:gd name="connsiteX5" fmla="*/ 46 w 314378"/>
+                <a:gd name="connsiteY5" fmla="*/ 0 h 272192"/>
+              </a:gdLst>
+              <a:ahLst/>
+              <a:cxnLst>
+                <a:cxn ang="0">
+                  <a:pos x="connsiteX0" y="connsiteY0"/>
+                </a:cxn>
+                <a:cxn ang="0">
+                  <a:pos x="connsiteX1" y="connsiteY1"/>
+                </a:cxn>
+                <a:cxn ang="0">
+                  <a:pos x="connsiteX2" y="connsiteY2"/>
+                </a:cxn>
+                <a:cxn ang="0">
+                  <a:pos x="connsiteX3" y="connsiteY3"/>
+                </a:cxn>
+                <a:cxn ang="0">
+                  <a:pos x="connsiteX4" y="connsiteY4"/>
+                </a:cxn>
+                <a:cxn ang="0">
+                  <a:pos x="connsiteX5" y="connsiteY5"/>
+                </a:cxn>
+              </a:cxnLst>
+              <a:rect l="l" t="t" r="r" b="b"/>
+              <a:pathLst>
+                <a:path w="314378" h="272192">
+                  <a:moveTo>
+                    <a:pt x="46" y="0"/>
+                  </a:moveTo>
+                  <a:lnTo>
+                    <a:pt x="314378" y="181409"/>
+                  </a:lnTo>
+                  <a:lnTo>
+                    <a:pt x="314348" y="181426"/>
+                  </a:lnTo>
+                  <a:lnTo>
+                    <a:pt x="314364" y="272192"/>
+                  </a:lnTo>
+                  <a:lnTo>
+                    <a:pt x="0" y="272192"/>
+                  </a:lnTo>
+                  <a:lnTo>
+                    <a:pt x="46" y="0"/>
+                  </a:lnTo>
+                  <a:close/>
+                </a:path>
+              </a:pathLst>
+            </a:custGeom>
+            <a:solidFill>
+              <a:srgbClr val="E5AD00"/>
+            </a:solidFill>
+            <a:ln>
+              <a:noFill/>
+            </a:ln>
+          </p:spPr>
+          <p:style>
+            <a:lnRef idx="2">
+              <a:schemeClr val="accent1">
+                <a:shade val="50000"/>
+              </a:schemeClr>
+            </a:lnRef>
+            <a:fillRef idx="1">
+              <a:schemeClr val="accent1"/>
+            </a:fillRef>
+            <a:effectRef idx="0">
+              <a:schemeClr val="accent1"/>
+            </a:effectRef>
+            <a:fontRef idx="minor">
+              <a:schemeClr val="lt1"/>
+            </a:fontRef>
+          </p:style>
+          <p:txBody>
+            <a:bodyPr wrap="square" rtlCol="0" anchor="ctr">
+              <a:noAutofit/>
+            </a:bodyPr>
+            <a:lstStyle/>
+            <a:p>
+              <a:pPr algn="ctr"/>
+              <a:endParaRPr lang="sv-SE"/>
+            </a:p>
+          </p:txBody>
+        </p:sp>
+        <p:sp>
+          <p:nvSpPr>
+            <p:cNvPr id="63" name="Frihandsfigur 62">
+              <a:extLst>
+                <a:ext uri="{FF2B5EF4-FFF2-40B4-BE49-F238E27FC236}">
+                  <a16:creationId xmlns:a16="http://schemas.microsoft.com/office/drawing/2014/main" id="{B4E42E1E-EF56-1648-AE55-5B821034F641}"/>
+                </a:ext>
+              </a:extLst>
+            </p:cNvPr>
+            <p:cNvSpPr/>
+            <p:nvPr/>
+          </p:nvSpPr>
+          <p:spPr>
+            <a:xfrm>
+              <a:off x="3766356" y="2367831"/>
+              <a:ext cx="628362" cy="363068"/>
+            </a:xfrm>
+            <a:custGeom>
+              <a:avLst/>
+              <a:gdLst>
+                <a:gd name="connsiteX0" fmla="*/ 194493 w 388985"/>
+                <a:gd name="connsiteY0" fmla="*/ 0 h 224756"/>
+                <a:gd name="connsiteX1" fmla="*/ 388985 w 388985"/>
+                <a:gd name="connsiteY1" fmla="*/ 112378 h 224756"/>
+                <a:gd name="connsiteX2" fmla="*/ 194493 w 388985"/>
+                <a:gd name="connsiteY2" fmla="*/ 224756 h 224756"/>
+                <a:gd name="connsiteX3" fmla="*/ 0 w 388985"/>
+                <a:gd name="connsiteY3" fmla="*/ 112378 h 224756"/>
+              </a:gdLst>
+              <a:ahLst/>
+              <a:cxnLst>
+                <a:cxn ang="0">
+                  <a:pos x="connsiteX0" y="connsiteY0"/>
+                </a:cxn>
+                <a:cxn ang="0">
+                  <a:pos x="connsiteX1" y="connsiteY1"/>
+                </a:cxn>
+                <a:cxn ang="0">
+                  <a:pos x="connsiteX2" y="connsiteY2"/>
+                </a:cxn>
+                <a:cxn ang="0">
+                  <a:pos x="connsiteX3" y="connsiteY3"/>
+                </a:cxn>
+              </a:cxnLst>
+              <a:rect l="l" t="t" r="r" b="b"/>
+              <a:pathLst>
+                <a:path w="388985" h="224756">
+                  <a:moveTo>
+                    <a:pt x="194493" y="0"/>
+                  </a:moveTo>
+                  <a:lnTo>
+                    <a:pt x="388985" y="112378"/>
+                  </a:lnTo>
+                  <a:lnTo>
+                    <a:pt x="194493" y="224756"/>
+                  </a:lnTo>
+                  <a:lnTo>
+                    <a:pt x="0" y="112378"/>
+                  </a:lnTo>
+                  <a:close/>
+                </a:path>
+              </a:pathLst>
+            </a:custGeom>
+            <a:solidFill>
+              <a:srgbClr val="FFC004"/>
+            </a:solidFill>
+            <a:ln>
+              <a:noFill/>
+            </a:ln>
+          </p:spPr>
+          <p:style>
+            <a:lnRef idx="2">
+              <a:schemeClr val="accent1">
+                <a:shade val="50000"/>
+              </a:schemeClr>
+            </a:lnRef>
+            <a:fillRef idx="1">
+              <a:schemeClr val="accent1"/>
+            </a:fillRef>
+            <a:effectRef idx="0">
+              <a:schemeClr val="accent1"/>
+            </a:effectRef>
+            <a:fontRef idx="minor">
+              <a:schemeClr val="lt1"/>
+            </a:fontRef>
+          </p:style>
+          <p:txBody>
+            <a:bodyPr wrap="square" rtlCol="0" anchor="ctr">
+              <a:noAutofit/>
+            </a:bodyPr>
+            <a:lstStyle/>
+            <a:p>
+              <a:pPr algn="ctr"/>
+              <a:endParaRPr lang="sv-SE"/>
+            </a:p>
+          </p:txBody>
+        </p:sp>
+        <p:sp>
+          <p:nvSpPr>
+            <p:cNvPr id="65" name="Rektangel 64">
+              <a:extLst>
+                <a:ext uri="{FF2B5EF4-FFF2-40B4-BE49-F238E27FC236}">
+                  <a16:creationId xmlns:a16="http://schemas.microsoft.com/office/drawing/2014/main" id="{006B8286-6263-B949-8709-4E15C00E49D6}"/>
+                </a:ext>
+              </a:extLst>
+            </p:cNvPr>
+            <p:cNvSpPr/>
+            <p:nvPr/>
+          </p:nvSpPr>
+          <p:spPr>
+            <a:xfrm>
+              <a:off x="3765779" y="2816427"/>
+              <a:ext cx="314396" cy="211015"/>
+            </a:xfrm>
+            <a:prstGeom prst="rect">
+              <a:avLst/>
+            </a:prstGeom>
+            <a:solidFill>
+              <a:srgbClr val="E5AD00"/>
+            </a:solidFill>
+            <a:ln>
+              <a:noFill/>
+            </a:ln>
+          </p:spPr>
+          <p:style>
+            <a:lnRef idx="2">
+              <a:schemeClr val="accent1">
+                <a:shade val="50000"/>
+              </a:schemeClr>
+            </a:lnRef>
+            <a:fillRef idx="1">
+              <a:schemeClr val="accent1"/>
+            </a:fillRef>
+            <a:effectRef idx="0">
+              <a:schemeClr val="accent1"/>
+            </a:effectRef>
+            <a:fontRef idx="minor">
+              <a:schemeClr val="lt1"/>
+            </a:fontRef>
+          </p:style>
+          <p:txBody>
+            <a:bodyPr rtlCol="0" anchor="ctr"/>
+            <a:lstStyle/>
+            <a:p>
+              <a:pPr algn="ctr"/>
+              <a:endParaRPr lang="sv-SE"/>
+            </a:p>
+          </p:txBody>
+        </p:sp>
+        <p:sp>
+          <p:nvSpPr>
+            <p:cNvPr id="66" name="Rektangel 65">
+              <a:extLst>
+                <a:ext uri="{FF2B5EF4-FFF2-40B4-BE49-F238E27FC236}">
+                  <a16:creationId xmlns:a16="http://schemas.microsoft.com/office/drawing/2014/main" id="{CCD470E4-2D19-3E42-99C1-6BEAE120C7C7}"/>
+                </a:ext>
+              </a:extLst>
+            </p:cNvPr>
+            <p:cNvSpPr/>
+            <p:nvPr/>
+          </p:nvSpPr>
+          <p:spPr>
+            <a:xfrm>
+              <a:off x="4080168" y="2816425"/>
+              <a:ext cx="314396" cy="211015"/>
+            </a:xfrm>
+            <a:prstGeom prst="rect">
+              <a:avLst/>
+            </a:prstGeom>
+            <a:solidFill>
+              <a:srgbClr val="BD8F07"/>
+            </a:solidFill>
+            <a:ln>
+              <a:noFill/>
+            </a:ln>
+          </p:spPr>
+          <p:style>
+            <a:lnRef idx="2">
+              <a:schemeClr val="accent1">
+                <a:shade val="50000"/>
+              </a:schemeClr>
+            </a:lnRef>
+            <a:fillRef idx="1">
+              <a:schemeClr val="accent1"/>
+            </a:fillRef>
+            <a:effectRef idx="0">
+              <a:schemeClr val="accent1"/>
+            </a:effectRef>
+            <a:fontRef idx="minor">
+              <a:schemeClr val="lt1"/>
+            </a:fontRef>
+          </p:style>
+          <p:txBody>
+            <a:bodyPr rtlCol="0" anchor="ctr"/>
+            <a:lstStyle/>
+            <a:p>
+              <a:pPr algn="ctr"/>
+              <a:endParaRPr lang="sv-SE"/>
+            </a:p>
+          </p:txBody>
+        </p:sp>
+      </p:grpSp>
+      <p:sp>
+        <p:nvSpPr>
+          <p:cNvPr id="68" name="Frihandsfigur 67">
+            <a:extLst>
+              <a:ext uri="{FF2B5EF4-FFF2-40B4-BE49-F238E27FC236}">
+                <a16:creationId xmlns:a16="http://schemas.microsoft.com/office/drawing/2014/main" id="{24BA9072-385B-E943-87DB-B0496A3D4AD4}"/>
+              </a:ext>
+            </a:extLst>
+          </p:cNvPr>
+          <p:cNvSpPr/>
+          <p:nvPr/>
+        </p:nvSpPr>
+        <p:spPr>
+          <a:xfrm>
+            <a:off x="3762857" y="3509028"/>
+            <a:ext cx="314396" cy="339623"/>
+          </a:xfrm>
+          <a:custGeom>
+            <a:avLst/>
+            <a:gdLst>
+              <a:gd name="connsiteX0" fmla="*/ 16 w 314396"/>
+              <a:gd name="connsiteY0" fmla="*/ 0 h 272197"/>
+              <a:gd name="connsiteX1" fmla="*/ 314380 w 314396"/>
+              <a:gd name="connsiteY1" fmla="*/ 0 h 272197"/>
+              <a:gd name="connsiteX2" fmla="*/ 314396 w 314396"/>
+              <a:gd name="connsiteY2" fmla="*/ 95142 h 272197"/>
+              <a:gd name="connsiteX3" fmla="*/ 314366 w 314396"/>
+              <a:gd name="connsiteY3" fmla="*/ 272197 h 272197"/>
+              <a:gd name="connsiteX4" fmla="*/ 0 w 314396"/>
+              <a:gd name="connsiteY4" fmla="*/ 90770 h 272197"/>
+              <a:gd name="connsiteX5" fmla="*/ 16 w 314396"/>
+              <a:gd name="connsiteY5" fmla="*/ 0 h 272197"/>
+            </a:gdLst>
+            <a:ahLst/>
+            <a:cxnLst>
+              <a:cxn ang="0">
+                <a:pos x="connsiteX0" y="connsiteY0"/>
+              </a:cxn>
+              <a:cxn ang="0">
+                <a:pos x="connsiteX1" y="connsiteY1"/>
+              </a:cxn>
+              <a:cxn ang="0">
+                <a:pos x="connsiteX2" y="connsiteY2"/>
+              </a:cxn>
+              <a:cxn ang="0">
+                <a:pos x="connsiteX3" y="connsiteY3"/>
+              </a:cxn>
+              <a:cxn ang="0">
+                <a:pos x="connsiteX4" y="connsiteY4"/>
+              </a:cxn>
+              <a:cxn ang="0">
+                <a:pos x="connsiteX5" y="connsiteY5"/>
+              </a:cxn>
+            </a:cxnLst>
+            <a:rect l="l" t="t" r="r" b="b"/>
+            <a:pathLst>
+              <a:path w="314396" h="272197">
+                <a:moveTo>
+                  <a:pt x="16" y="0"/>
+                </a:moveTo>
+                <a:lnTo>
+                  <a:pt x="314380" y="0"/>
+                </a:lnTo>
+                <a:lnTo>
+                  <a:pt x="314396" y="95142"/>
+                </a:lnTo>
+                <a:lnTo>
+                  <a:pt x="314366" y="272197"/>
+                </a:lnTo>
+                <a:lnTo>
+                  <a:pt x="0" y="90770"/>
+                </a:lnTo>
+                <a:lnTo>
+                  <a:pt x="16" y="0"/>
+                </a:lnTo>
+                <a:close/>
+              </a:path>
+            </a:pathLst>
+          </a:custGeom>
+          <a:solidFill>
+            <a:srgbClr val="1181BD"/>
+          </a:solidFill>
+          <a:ln>
+            <a:noFill/>
+          </a:ln>
+        </p:spPr>
+        <p:style>
+          <a:lnRef idx="2">
+            <a:schemeClr val="accent1">
+              <a:shade val="50000"/>
+            </a:schemeClr>
+          </a:lnRef>
+          <a:fillRef idx="1">
+            <a:schemeClr val="accent1"/>
+          </a:fillRef>
+          <a:effectRef idx="0">
+            <a:schemeClr val="accent1"/>
+          </a:effectRef>
+          <a:fontRef idx="minor">
+            <a:schemeClr val="lt1"/>
+          </a:fontRef>
+        </p:style>
+        <p:txBody>
+          <a:bodyPr wrap="square" rtlCol="0" anchor="ctr">
+            <a:noAutofit/>
+          </a:bodyPr>
+          <a:lstStyle/>
+          <a:p>
+            <a:pPr algn="ctr"/>
+            <a:endParaRPr lang="sv-SE"/>
+          </a:p>
+        </p:txBody>
+      </p:sp>
+      <p:sp>
+        <p:nvSpPr>
+          <p:cNvPr id="79" name="Frihandsfigur 78">
+            <a:extLst>
+              <a:ext uri="{FF2B5EF4-FFF2-40B4-BE49-F238E27FC236}">
+                <a16:creationId xmlns:a16="http://schemas.microsoft.com/office/drawing/2014/main" id="{0F90EF49-AA25-0049-BC14-DDEAA99239ED}"/>
+              </a:ext>
+            </a:extLst>
+          </p:cNvPr>
+          <p:cNvSpPr/>
+          <p:nvPr/>
+        </p:nvSpPr>
+        <p:spPr>
+          <a:xfrm>
+            <a:off x="3762875" y="3351242"/>
+            <a:ext cx="314378" cy="272192"/>
+          </a:xfrm>
+          <a:custGeom>
+            <a:avLst/>
+            <a:gdLst>
+              <a:gd name="connsiteX0" fmla="*/ 46 w 314378"/>
+              <a:gd name="connsiteY0" fmla="*/ 0 h 272192"/>
+              <a:gd name="connsiteX1" fmla="*/ 314378 w 314378"/>
+              <a:gd name="connsiteY1" fmla="*/ 181409 h 272192"/>
+              <a:gd name="connsiteX2" fmla="*/ 314348 w 314378"/>
+              <a:gd name="connsiteY2" fmla="*/ 181426 h 272192"/>
+              <a:gd name="connsiteX3" fmla="*/ 314364 w 314378"/>
+              <a:gd name="connsiteY3" fmla="*/ 272192 h 272192"/>
+              <a:gd name="connsiteX4" fmla="*/ 0 w 314378"/>
+              <a:gd name="connsiteY4" fmla="*/ 272192 h 272192"/>
+              <a:gd name="connsiteX5" fmla="*/ 46 w 314378"/>
+              <a:gd name="connsiteY5" fmla="*/ 0 h 272192"/>
+            </a:gdLst>
+            <a:ahLst/>
+            <a:cxnLst>
+              <a:cxn ang="0">
+                <a:pos x="connsiteX0" y="connsiteY0"/>
+              </a:cxn>
+              <a:cxn ang="0">
+                <a:pos x="connsiteX1" y="connsiteY1"/>
+              </a:cxn>
+              <a:cxn ang="0">
+                <a:pos x="connsiteX2" y="connsiteY2"/>
+              </a:cxn>
+              <a:cxn ang="0">
+                <a:pos x="connsiteX3" y="connsiteY3"/>
+              </a:cxn>
+              <a:cxn ang="0">
+                <a:pos x="connsiteX4" y="connsiteY4"/>
+              </a:cxn>
+              <a:cxn ang="0">
+                <a:pos x="connsiteX5" y="connsiteY5"/>
+              </a:cxn>
+            </a:cxnLst>
+            <a:rect l="l" t="t" r="r" b="b"/>
+            <a:pathLst>
+              <a:path w="314378" h="272192">
+                <a:moveTo>
+                  <a:pt x="46" y="0"/>
+                </a:moveTo>
+                <a:lnTo>
+                  <a:pt x="314378" y="181409"/>
+                </a:lnTo>
+                <a:lnTo>
+                  <a:pt x="314348" y="181426"/>
+                </a:lnTo>
+                <a:lnTo>
+                  <a:pt x="314364" y="272192"/>
+                </a:lnTo>
+                <a:lnTo>
+                  <a:pt x="0" y="272192"/>
+                </a:lnTo>
+                <a:lnTo>
+                  <a:pt x="46" y="0"/>
+                </a:lnTo>
+                <a:close/>
+              </a:path>
+            </a:pathLst>
+          </a:custGeom>
+          <a:solidFill>
+            <a:srgbClr val="1181BD"/>
+          </a:solidFill>
+          <a:ln>
+            <a:noFill/>
+          </a:ln>
+        </p:spPr>
+        <p:style>
+          <a:lnRef idx="2">
+            <a:schemeClr val="accent1">
+              <a:shade val="50000"/>
+            </a:schemeClr>
+          </a:lnRef>
+          <a:fillRef idx="1">
+            <a:schemeClr val="accent1"/>
+          </a:fillRef>
+          <a:effectRef idx="0">
+            <a:schemeClr val="accent1"/>
+          </a:effectRef>
+          <a:fontRef idx="minor">
+            <a:schemeClr val="lt1"/>
+          </a:fontRef>
+        </p:style>
+        <p:txBody>
+          <a:bodyPr wrap="square" rtlCol="0" anchor="ctr">
+            <a:noAutofit/>
+          </a:bodyPr>
+          <a:lstStyle/>
+          <a:p>
+            <a:pPr algn="ctr"/>
+            <a:endParaRPr lang="sv-SE"/>
+          </a:p>
+        </p:txBody>
+      </p:sp>
+      <p:sp>
+        <p:nvSpPr>
+          <p:cNvPr id="80" name="Frihandsfigur 79">
+            <a:extLst>
+              <a:ext uri="{FF2B5EF4-FFF2-40B4-BE49-F238E27FC236}">
+                <a16:creationId xmlns:a16="http://schemas.microsoft.com/office/drawing/2014/main" id="{D5B38371-0AA1-864D-B2D7-8D282AED5F9F}"/>
+              </a:ext>
+            </a:extLst>
+          </p:cNvPr>
+          <p:cNvSpPr/>
+          <p:nvPr/>
+        </p:nvSpPr>
+        <p:spPr>
+          <a:xfrm>
+            <a:off x="3763434" y="3174838"/>
+            <a:ext cx="628362" cy="363068"/>
+          </a:xfrm>
+          <a:custGeom>
+            <a:avLst/>
+            <a:gdLst>
+              <a:gd name="connsiteX0" fmla="*/ 194493 w 388985"/>
+              <a:gd name="connsiteY0" fmla="*/ 0 h 224756"/>
+              <a:gd name="connsiteX1" fmla="*/ 388985 w 388985"/>
+              <a:gd name="connsiteY1" fmla="*/ 112378 h 224756"/>
+              <a:gd name="connsiteX2" fmla="*/ 194493 w 388985"/>
+              <a:gd name="connsiteY2" fmla="*/ 224756 h 224756"/>
+              <a:gd name="connsiteX3" fmla="*/ 0 w 388985"/>
+              <a:gd name="connsiteY3" fmla="*/ 112378 h 224756"/>
+            </a:gdLst>
+            <a:ahLst/>
+            <a:cxnLst>
+              <a:cxn ang="0">
+                <a:pos x="connsiteX0" y="connsiteY0"/>
+              </a:cxn>
+              <a:cxn ang="0">
+                <a:pos x="connsiteX1" y="connsiteY1"/>
+              </a:cxn>
+              <a:cxn ang="0">
+                <a:pos x="connsiteX2" y="connsiteY2"/>
+              </a:cxn>
+              <a:cxn ang="0">
+                <a:pos x="connsiteX3" y="connsiteY3"/>
+              </a:cxn>
+            </a:cxnLst>
+            <a:rect l="l" t="t" r="r" b="b"/>
+            <a:pathLst>
+              <a:path w="388985" h="224756">
+                <a:moveTo>
+                  <a:pt x="194493" y="0"/>
+                </a:moveTo>
+                <a:lnTo>
+                  <a:pt x="388985" y="112378"/>
+                </a:lnTo>
+                <a:lnTo>
+                  <a:pt x="194493" y="224756"/>
+                </a:lnTo>
+                <a:lnTo>
+                  <a:pt x="0" y="112378"/>
+                </a:lnTo>
+                <a:close/>
+              </a:path>
+            </a:pathLst>
+          </a:custGeom>
+          <a:solidFill>
+            <a:srgbClr val="5DA4E7"/>
+          </a:solidFill>
+          <a:ln>
+            <a:noFill/>
+          </a:ln>
+        </p:spPr>
+        <p:style>
+          <a:lnRef idx="2">
+            <a:schemeClr val="accent1">
+              <a:shade val="50000"/>
+            </a:schemeClr>
+          </a:lnRef>
+          <a:fillRef idx="1">
+            <a:schemeClr val="accent1"/>
+          </a:fillRef>
+          <a:effectRef idx="0">
+            <a:schemeClr val="accent1"/>
+          </a:effectRef>
+          <a:fontRef idx="minor">
+            <a:schemeClr val="lt1"/>
+          </a:fontRef>
+        </p:style>
+        <p:txBody>
+          <a:bodyPr wrap="square" rtlCol="0" anchor="ctr">
+            <a:noAutofit/>
+          </a:bodyPr>
+          <a:lstStyle/>
+          <a:p>
+            <a:pPr algn="ctr"/>
+            <a:endParaRPr lang="sv-SE"/>
+          </a:p>
+        </p:txBody>
+      </p:sp>
+      <p:sp>
+        <p:nvSpPr>
+          <p:cNvPr id="83" name="Frihandsfigur 82">
+            <a:extLst>
+              <a:ext uri="{FF2B5EF4-FFF2-40B4-BE49-F238E27FC236}">
+                <a16:creationId xmlns:a16="http://schemas.microsoft.com/office/drawing/2014/main" id="{97CA125B-BCF1-7D4F-99C9-8050971E0E65}"/>
+              </a:ext>
+            </a:extLst>
+          </p:cNvPr>
+          <p:cNvSpPr/>
+          <p:nvPr/>
+        </p:nvSpPr>
+        <p:spPr>
+          <a:xfrm>
+            <a:off x="2801316" y="3581115"/>
+            <a:ext cx="314396" cy="272197"/>
+          </a:xfrm>
+          <a:custGeom>
+            <a:avLst/>
+            <a:gdLst>
+              <a:gd name="connsiteX0" fmla="*/ 16 w 314396"/>
+              <a:gd name="connsiteY0" fmla="*/ 0 h 272197"/>
+              <a:gd name="connsiteX1" fmla="*/ 314380 w 314396"/>
+              <a:gd name="connsiteY1" fmla="*/ 0 h 272197"/>
+              <a:gd name="connsiteX2" fmla="*/ 314396 w 314396"/>
+              <a:gd name="connsiteY2" fmla="*/ 95142 h 272197"/>
+              <a:gd name="connsiteX3" fmla="*/ 314366 w 314396"/>
+              <a:gd name="connsiteY3" fmla="*/ 272197 h 272197"/>
+              <a:gd name="connsiteX4" fmla="*/ 0 w 314396"/>
+              <a:gd name="connsiteY4" fmla="*/ 90770 h 272197"/>
+              <a:gd name="connsiteX5" fmla="*/ 16 w 314396"/>
+              <a:gd name="connsiteY5" fmla="*/ 0 h 272197"/>
+            </a:gdLst>
+            <a:ahLst/>
+            <a:cxnLst>
+              <a:cxn ang="0">
+                <a:pos x="connsiteX0" y="connsiteY0"/>
+              </a:cxn>
+              <a:cxn ang="0">
+                <a:pos x="connsiteX1" y="connsiteY1"/>
+              </a:cxn>
+              <a:cxn ang="0">
+                <a:pos x="connsiteX2" y="connsiteY2"/>
+              </a:cxn>
+              <a:cxn ang="0">
+                <a:pos x="connsiteX3" y="connsiteY3"/>
+              </a:cxn>
+              <a:cxn ang="0">
+                <a:pos x="connsiteX4" y="connsiteY4"/>
+              </a:cxn>
+              <a:cxn ang="0">
+                <a:pos x="connsiteX5" y="connsiteY5"/>
+              </a:cxn>
+            </a:cxnLst>
+            <a:rect l="l" t="t" r="r" b="b"/>
+            <a:pathLst>
+              <a:path w="314396" h="272197">
+                <a:moveTo>
+                  <a:pt x="16" y="0"/>
+                </a:moveTo>
+                <a:lnTo>
+                  <a:pt x="314380" y="0"/>
+                </a:lnTo>
+                <a:lnTo>
+                  <a:pt x="314396" y="95142"/>
+                </a:lnTo>
+                <a:lnTo>
+                  <a:pt x="314366" y="272197"/>
+                </a:lnTo>
+                <a:lnTo>
+                  <a:pt x="0" y="90770"/>
+                </a:lnTo>
+                <a:lnTo>
+                  <a:pt x="16" y="0"/>
+                </a:lnTo>
+                <a:close/>
+              </a:path>
+            </a:pathLst>
+          </a:custGeom>
+          <a:solidFill>
+            <a:srgbClr val="F45A21"/>
+          </a:solidFill>
+          <a:ln>
+            <a:noFill/>
+          </a:ln>
+        </p:spPr>
+        <p:style>
+          <a:lnRef idx="2">
+            <a:schemeClr val="accent1">
+              <a:shade val="50000"/>
+            </a:schemeClr>
+          </a:lnRef>
+          <a:fillRef idx="1">
+            <a:schemeClr val="accent1"/>
+          </a:fillRef>
+          <a:effectRef idx="0">
+            <a:schemeClr val="accent1"/>
+          </a:effectRef>
+          <a:fontRef idx="minor">
+            <a:schemeClr val="lt1"/>
+          </a:fontRef>
+        </p:style>
+        <p:txBody>
+          <a:bodyPr wrap="square" rtlCol="0" anchor="ctr">
+            <a:noAutofit/>
+          </a:bodyPr>
+          <a:lstStyle/>
+          <a:p>
+            <a:pPr algn="ctr"/>
+            <a:endParaRPr lang="sv-SE"/>
+          </a:p>
+        </p:txBody>
+      </p:sp>
+      <p:sp>
+        <p:nvSpPr>
+          <p:cNvPr id="84" name="Frihandsfigur 83">
+            <a:extLst>
+              <a:ext uri="{FF2B5EF4-FFF2-40B4-BE49-F238E27FC236}">
+                <a16:creationId xmlns:a16="http://schemas.microsoft.com/office/drawing/2014/main" id="{37338812-336F-3345-82DB-DA8B104AC998}"/>
+              </a:ext>
+            </a:extLst>
+          </p:cNvPr>
+          <p:cNvSpPr/>
+          <p:nvPr/>
+        </p:nvSpPr>
+        <p:spPr>
+          <a:xfrm>
+            <a:off x="3115712" y="3581115"/>
+            <a:ext cx="314395" cy="272195"/>
+          </a:xfrm>
+          <a:custGeom>
+            <a:avLst/>
+            <a:gdLst>
+              <a:gd name="connsiteX0" fmla="*/ 16 w 314395"/>
+              <a:gd name="connsiteY0" fmla="*/ 0 h 272195"/>
+              <a:gd name="connsiteX1" fmla="*/ 314380 w 314395"/>
+              <a:gd name="connsiteY1" fmla="*/ 0 h 272195"/>
+              <a:gd name="connsiteX2" fmla="*/ 314395 w 314395"/>
+              <a:gd name="connsiteY2" fmla="*/ 90768 h 272195"/>
+              <a:gd name="connsiteX3" fmla="*/ 30 w 314395"/>
+              <a:gd name="connsiteY3" fmla="*/ 272195 h 272195"/>
+              <a:gd name="connsiteX4" fmla="*/ 0 w 314395"/>
+              <a:gd name="connsiteY4" fmla="*/ 95142 h 272195"/>
+              <a:gd name="connsiteX5" fmla="*/ 16 w 314395"/>
+              <a:gd name="connsiteY5" fmla="*/ 0 h 272195"/>
+            </a:gdLst>
+            <a:ahLst/>
+            <a:cxnLst>
+              <a:cxn ang="0">
+                <a:pos x="connsiteX0" y="connsiteY0"/>
+              </a:cxn>
+              <a:cxn ang="0">
+                <a:pos x="connsiteX1" y="connsiteY1"/>
+              </a:cxn>
+              <a:cxn ang="0">
+                <a:pos x="connsiteX2" y="connsiteY2"/>
+              </a:cxn>
+              <a:cxn ang="0">
+                <a:pos x="connsiteX3" y="connsiteY3"/>
+              </a:cxn>
+              <a:cxn ang="0">
+                <a:pos x="connsiteX4" y="connsiteY4"/>
+              </a:cxn>
+              <a:cxn ang="0">
+                <a:pos x="connsiteX5" y="connsiteY5"/>
+              </a:cxn>
+            </a:cxnLst>
+            <a:rect l="l" t="t" r="r" b="b"/>
+            <a:pathLst>
+              <a:path w="314395" h="272195">
+                <a:moveTo>
+                  <a:pt x="16" y="0"/>
+                </a:moveTo>
+                <a:lnTo>
+                  <a:pt x="314380" y="0"/>
+                </a:lnTo>
+                <a:lnTo>
+                  <a:pt x="314395" y="90768"/>
+                </a:lnTo>
+                <a:lnTo>
+                  <a:pt x="30" y="272195"/>
+                </a:lnTo>
+                <a:lnTo>
+                  <a:pt x="0" y="95142"/>
+                </a:lnTo>
+                <a:lnTo>
+                  <a:pt x="16" y="0"/>
+                </a:lnTo>
+                <a:close/>
+              </a:path>
+            </a:pathLst>
+          </a:custGeom>
+          <a:solidFill>
+            <a:srgbClr val="C2481B"/>
+          </a:solidFill>
+          <a:ln>
+            <a:noFill/>
+          </a:ln>
+        </p:spPr>
+        <p:style>
+          <a:lnRef idx="2">
+            <a:schemeClr val="accent1">
+              <a:shade val="50000"/>
+            </a:schemeClr>
+          </a:lnRef>
+          <a:fillRef idx="1">
+            <a:schemeClr val="accent1"/>
+          </a:fillRef>
+          <a:effectRef idx="0">
+            <a:schemeClr val="accent1"/>
+          </a:effectRef>
+          <a:fontRef idx="minor">
+            <a:schemeClr val="lt1"/>
+          </a:fontRef>
+        </p:style>
+        <p:txBody>
+          <a:bodyPr wrap="square" rtlCol="0" anchor="ctr">
+            <a:noAutofit/>
+          </a:bodyPr>
+          <a:lstStyle/>
+          <a:p>
+            <a:pPr algn="ctr"/>
+            <a:endParaRPr lang="sv-SE"/>
+          </a:p>
+        </p:txBody>
+      </p:sp>
+      <p:sp>
+        <p:nvSpPr>
+          <p:cNvPr id="85" name="Frihandsfigur 84">
+            <a:extLst>
+              <a:ext uri="{FF2B5EF4-FFF2-40B4-BE49-F238E27FC236}">
+                <a16:creationId xmlns:a16="http://schemas.microsoft.com/office/drawing/2014/main" id="{6207D920-3FE3-C443-B25E-6B1958DD9457}"/>
+              </a:ext>
+            </a:extLst>
+          </p:cNvPr>
+          <p:cNvSpPr/>
+          <p:nvPr/>
+        </p:nvSpPr>
+        <p:spPr>
+          <a:xfrm>
+            <a:off x="3115712" y="3327326"/>
+            <a:ext cx="314382" cy="272194"/>
+          </a:xfrm>
+          <a:custGeom>
+            <a:avLst/>
+            <a:gdLst>
+              <a:gd name="connsiteX0" fmla="*/ 314336 w 314382"/>
+              <a:gd name="connsiteY0" fmla="*/ 0 h 272194"/>
+              <a:gd name="connsiteX1" fmla="*/ 314382 w 314382"/>
+              <a:gd name="connsiteY1" fmla="*/ 272194 h 272194"/>
+              <a:gd name="connsiteX2" fmla="*/ 18 w 314382"/>
+              <a:gd name="connsiteY2" fmla="*/ 272194 h 272194"/>
+              <a:gd name="connsiteX3" fmla="*/ 33 w 314382"/>
+              <a:gd name="connsiteY3" fmla="*/ 181430 h 272194"/>
+              <a:gd name="connsiteX4" fmla="*/ 0 w 314382"/>
+              <a:gd name="connsiteY4" fmla="*/ 181411 h 272194"/>
+              <a:gd name="connsiteX5" fmla="*/ 314336 w 314382"/>
+              <a:gd name="connsiteY5" fmla="*/ 0 h 272194"/>
+            </a:gdLst>
+            <a:ahLst/>
+            <a:cxnLst>
+              <a:cxn ang="0">
+                <a:pos x="connsiteX0" y="connsiteY0"/>
+              </a:cxn>
+              <a:cxn ang="0">
+                <a:pos x="connsiteX1" y="connsiteY1"/>
+              </a:cxn>
+              <a:cxn ang="0">
+                <a:pos x="connsiteX2" y="connsiteY2"/>
+              </a:cxn>
+              <a:cxn ang="0">
+                <a:pos x="connsiteX3" y="connsiteY3"/>
+              </a:cxn>
+              <a:cxn ang="0">
+                <a:pos x="connsiteX4" y="connsiteY4"/>
+              </a:cxn>
+              <a:cxn ang="0">
+                <a:pos x="connsiteX5" y="connsiteY5"/>
+              </a:cxn>
+            </a:cxnLst>
+            <a:rect l="l" t="t" r="r" b="b"/>
+            <a:pathLst>
+              <a:path w="314382" h="272194">
+                <a:moveTo>
+                  <a:pt x="314336" y="0"/>
+                </a:moveTo>
+                <a:lnTo>
+                  <a:pt x="314382" y="272194"/>
+                </a:lnTo>
+                <a:lnTo>
+                  <a:pt x="18" y="272194"/>
+                </a:lnTo>
+                <a:lnTo>
+                  <a:pt x="33" y="181430"/>
+                </a:lnTo>
+                <a:lnTo>
+                  <a:pt x="0" y="181411"/>
+                </a:lnTo>
+                <a:lnTo>
+                  <a:pt x="314336" y="0"/>
+                </a:lnTo>
+                <a:close/>
+              </a:path>
+            </a:pathLst>
+          </a:custGeom>
+          <a:solidFill>
+            <a:srgbClr val="C2481B"/>
+          </a:solidFill>
+          <a:ln>
+            <a:noFill/>
+          </a:ln>
+        </p:spPr>
+        <p:style>
+          <a:lnRef idx="2">
+            <a:schemeClr val="accent1">
+              <a:shade val="50000"/>
+            </a:schemeClr>
+          </a:lnRef>
+          <a:fillRef idx="1">
+            <a:schemeClr val="accent1"/>
+          </a:fillRef>
+          <a:effectRef idx="0">
+            <a:schemeClr val="accent1"/>
+          </a:effectRef>
+          <a:fontRef idx="minor">
+            <a:schemeClr val="lt1"/>
+          </a:fontRef>
+        </p:style>
+        <p:txBody>
+          <a:bodyPr wrap="square" rtlCol="0" anchor="ctr">
+            <a:noAutofit/>
+          </a:bodyPr>
+          <a:lstStyle/>
+          <a:p>
+            <a:pPr algn="ctr"/>
+            <a:endParaRPr lang="sv-SE"/>
+          </a:p>
+        </p:txBody>
+      </p:sp>
+      <p:sp>
+        <p:nvSpPr>
+          <p:cNvPr id="86" name="Frihandsfigur 85">
+            <a:extLst>
+              <a:ext uri="{FF2B5EF4-FFF2-40B4-BE49-F238E27FC236}">
+                <a16:creationId xmlns:a16="http://schemas.microsoft.com/office/drawing/2014/main" id="{29185496-F20E-DE4C-AB4D-BD7054ABBB9B}"/>
+              </a:ext>
+            </a:extLst>
+          </p:cNvPr>
+          <p:cNvSpPr/>
+          <p:nvPr/>
+        </p:nvSpPr>
+        <p:spPr>
+          <a:xfrm>
+            <a:off x="2801334" y="3327328"/>
+            <a:ext cx="314378" cy="272192"/>
+          </a:xfrm>
+          <a:custGeom>
+            <a:avLst/>
+            <a:gdLst>
+              <a:gd name="connsiteX0" fmla="*/ 46 w 314378"/>
+              <a:gd name="connsiteY0" fmla="*/ 0 h 272192"/>
+              <a:gd name="connsiteX1" fmla="*/ 314378 w 314378"/>
+              <a:gd name="connsiteY1" fmla="*/ 181409 h 272192"/>
+              <a:gd name="connsiteX2" fmla="*/ 314348 w 314378"/>
+              <a:gd name="connsiteY2" fmla="*/ 181426 h 272192"/>
+              <a:gd name="connsiteX3" fmla="*/ 314364 w 314378"/>
+              <a:gd name="connsiteY3" fmla="*/ 272192 h 272192"/>
+              <a:gd name="connsiteX4" fmla="*/ 0 w 314378"/>
+              <a:gd name="connsiteY4" fmla="*/ 272192 h 272192"/>
+              <a:gd name="connsiteX5" fmla="*/ 46 w 314378"/>
+              <a:gd name="connsiteY5" fmla="*/ 0 h 272192"/>
+            </a:gdLst>
+            <a:ahLst/>
+            <a:cxnLst>
+              <a:cxn ang="0">
+                <a:pos x="connsiteX0" y="connsiteY0"/>
+              </a:cxn>
+              <a:cxn ang="0">
+                <a:pos x="connsiteX1" y="connsiteY1"/>
+              </a:cxn>
+              <a:cxn ang="0">
+                <a:pos x="connsiteX2" y="connsiteY2"/>
+              </a:cxn>
+              <a:cxn ang="0">
+                <a:pos x="connsiteX3" y="connsiteY3"/>
+              </a:cxn>
+              <a:cxn ang="0">
+                <a:pos x="connsiteX4" y="connsiteY4"/>
+              </a:cxn>
+              <a:cxn ang="0">
+                <a:pos x="connsiteX5" y="connsiteY5"/>
+              </a:cxn>
+            </a:cxnLst>
+            <a:rect l="l" t="t" r="r" b="b"/>
+            <a:pathLst>
+              <a:path w="314378" h="272192">
+                <a:moveTo>
+                  <a:pt x="46" y="0"/>
+                </a:moveTo>
+                <a:lnTo>
+                  <a:pt x="314378" y="181409"/>
+                </a:lnTo>
+                <a:lnTo>
+                  <a:pt x="314348" y="181426"/>
+                </a:lnTo>
+                <a:lnTo>
+                  <a:pt x="314364" y="272192"/>
+                </a:lnTo>
+                <a:lnTo>
+                  <a:pt x="0" y="272192"/>
+                </a:lnTo>
+                <a:lnTo>
+                  <a:pt x="46" y="0"/>
+                </a:lnTo>
+                <a:close/>
+              </a:path>
+            </a:pathLst>
+          </a:custGeom>
+          <a:solidFill>
+            <a:srgbClr val="F45A21"/>
+          </a:solidFill>
+          <a:ln>
+            <a:noFill/>
+          </a:ln>
+        </p:spPr>
+        <p:style>
+          <a:lnRef idx="2">
+            <a:schemeClr val="accent1">
+              <a:shade val="50000"/>
+            </a:schemeClr>
+          </a:lnRef>
+          <a:fillRef idx="1">
+            <a:schemeClr val="accent1"/>
+          </a:fillRef>
+          <a:effectRef idx="0">
+            <a:schemeClr val="accent1"/>
+          </a:effectRef>
+          <a:fontRef idx="minor">
+            <a:schemeClr val="lt1"/>
+          </a:fontRef>
+        </p:style>
+        <p:txBody>
+          <a:bodyPr wrap="square" rtlCol="0" anchor="ctr">
+            <a:noAutofit/>
+          </a:bodyPr>
+          <a:lstStyle/>
+          <a:p>
+            <a:pPr algn="ctr"/>
+            <a:endParaRPr lang="sv-SE"/>
+          </a:p>
+        </p:txBody>
+      </p:sp>
+      <p:sp>
+        <p:nvSpPr>
+          <p:cNvPr id="87" name="Frihandsfigur 86">
+            <a:extLst>
+              <a:ext uri="{FF2B5EF4-FFF2-40B4-BE49-F238E27FC236}">
+                <a16:creationId xmlns:a16="http://schemas.microsoft.com/office/drawing/2014/main" id="{6A37BDFC-12CE-7B49-A32C-CCD30EDC0617}"/>
+              </a:ext>
+            </a:extLst>
+          </p:cNvPr>
+          <p:cNvSpPr/>
+          <p:nvPr/>
+        </p:nvSpPr>
+        <p:spPr>
+          <a:xfrm>
+            <a:off x="2801893" y="3150924"/>
+            <a:ext cx="628362" cy="363068"/>
+          </a:xfrm>
+          <a:custGeom>
+            <a:avLst/>
+            <a:gdLst>
+              <a:gd name="connsiteX0" fmla="*/ 194493 w 388985"/>
+              <a:gd name="connsiteY0" fmla="*/ 0 h 224756"/>
+              <a:gd name="connsiteX1" fmla="*/ 388985 w 388985"/>
+              <a:gd name="connsiteY1" fmla="*/ 112378 h 224756"/>
+              <a:gd name="connsiteX2" fmla="*/ 194493 w 388985"/>
+              <a:gd name="connsiteY2" fmla="*/ 224756 h 224756"/>
+              <a:gd name="connsiteX3" fmla="*/ 0 w 388985"/>
+              <a:gd name="connsiteY3" fmla="*/ 112378 h 224756"/>
+            </a:gdLst>
+            <a:ahLst/>
+            <a:cxnLst>
+              <a:cxn ang="0">
+                <a:pos x="connsiteX0" y="connsiteY0"/>
+              </a:cxn>
+              <a:cxn ang="0">
+                <a:pos x="connsiteX1" y="connsiteY1"/>
+              </a:cxn>
+              <a:cxn ang="0">
+                <a:pos x="connsiteX2" y="connsiteY2"/>
+              </a:cxn>
+              <a:cxn ang="0">
+                <a:pos x="connsiteX3" y="connsiteY3"/>
+              </a:cxn>
+            </a:cxnLst>
+            <a:rect l="l" t="t" r="r" b="b"/>
+            <a:pathLst>
+              <a:path w="388985" h="224756">
+                <a:moveTo>
+                  <a:pt x="194493" y="0"/>
+                </a:moveTo>
+                <a:lnTo>
+                  <a:pt x="388985" y="112378"/>
+                </a:lnTo>
+                <a:lnTo>
+                  <a:pt x="194493" y="224756"/>
+                </a:lnTo>
+                <a:lnTo>
+                  <a:pt x="0" y="112378"/>
+                </a:lnTo>
+                <a:close/>
+              </a:path>
+            </a:pathLst>
+          </a:custGeom>
+          <a:solidFill>
+            <a:srgbClr val="FF7940"/>
+          </a:solidFill>
+          <a:ln>
+            <a:noFill/>
+          </a:ln>
+        </p:spPr>
+        <p:style>
+          <a:lnRef idx="2">
+            <a:schemeClr val="accent1">
+              <a:shade val="50000"/>
+            </a:schemeClr>
+          </a:lnRef>
+          <a:fillRef idx="1">
+            <a:schemeClr val="accent1"/>
+          </a:fillRef>
+          <a:effectRef idx="0">
+            <a:schemeClr val="accent1"/>
+          </a:effectRef>
+          <a:fontRef idx="minor">
+            <a:schemeClr val="lt1"/>
+          </a:fontRef>
+        </p:style>
+        <p:txBody>
+          <a:bodyPr wrap="square" rtlCol="0" anchor="ctr">
+            <a:noAutofit/>
+          </a:bodyPr>
+          <a:lstStyle/>
+          <a:p>
+            <a:pPr algn="ctr"/>
+            <a:endParaRPr lang="sv-SE"/>
+          </a:p>
+        </p:txBody>
+      </p:sp>
+      <p:sp>
+        <p:nvSpPr>
+          <p:cNvPr id="89" name="Frihandsfigur 88">
+            <a:extLst>
+              <a:ext uri="{FF2B5EF4-FFF2-40B4-BE49-F238E27FC236}">
+                <a16:creationId xmlns:a16="http://schemas.microsoft.com/office/drawing/2014/main" id="{346E82D7-7E0E-754E-9F6C-13C4ADC394AD}"/>
+              </a:ext>
+            </a:extLst>
+          </p:cNvPr>
+          <p:cNvSpPr/>
+          <p:nvPr/>
+        </p:nvSpPr>
+        <p:spPr>
+          <a:xfrm>
+            <a:off x="3280788" y="3860465"/>
+            <a:ext cx="314396" cy="272197"/>
+          </a:xfrm>
+          <a:custGeom>
+            <a:avLst/>
+            <a:gdLst>
+              <a:gd name="connsiteX0" fmla="*/ 16 w 314396"/>
+              <a:gd name="connsiteY0" fmla="*/ 0 h 272197"/>
+              <a:gd name="connsiteX1" fmla="*/ 314380 w 314396"/>
+              <a:gd name="connsiteY1" fmla="*/ 0 h 272197"/>
+              <a:gd name="connsiteX2" fmla="*/ 314396 w 314396"/>
+              <a:gd name="connsiteY2" fmla="*/ 95142 h 272197"/>
+              <a:gd name="connsiteX3" fmla="*/ 314366 w 314396"/>
+              <a:gd name="connsiteY3" fmla="*/ 272197 h 272197"/>
+              <a:gd name="connsiteX4" fmla="*/ 0 w 314396"/>
+              <a:gd name="connsiteY4" fmla="*/ 90770 h 272197"/>
+              <a:gd name="connsiteX5" fmla="*/ 16 w 314396"/>
+              <a:gd name="connsiteY5" fmla="*/ 0 h 272197"/>
+            </a:gdLst>
+            <a:ahLst/>
+            <a:cxnLst>
+              <a:cxn ang="0">
+                <a:pos x="connsiteX0" y="connsiteY0"/>
+              </a:cxn>
+              <a:cxn ang="0">
+                <a:pos x="connsiteX1" y="connsiteY1"/>
+              </a:cxn>
+              <a:cxn ang="0">
+                <a:pos x="connsiteX2" y="connsiteY2"/>
+              </a:cxn>
+              <a:cxn ang="0">
+                <a:pos x="connsiteX3" y="connsiteY3"/>
+              </a:cxn>
+              <a:cxn ang="0">
+                <a:pos x="connsiteX4" y="connsiteY4"/>
+              </a:cxn>
+              <a:cxn ang="0">
+                <a:pos x="connsiteX5" y="connsiteY5"/>
+              </a:cxn>
+            </a:cxnLst>
+            <a:rect l="l" t="t" r="r" b="b"/>
+            <a:pathLst>
+              <a:path w="314396" h="272197">
+                <a:moveTo>
+                  <a:pt x="16" y="0"/>
+                </a:moveTo>
+                <a:lnTo>
+                  <a:pt x="314380" y="0"/>
+                </a:lnTo>
+                <a:lnTo>
+                  <a:pt x="314396" y="95142"/>
+                </a:lnTo>
+                <a:lnTo>
+                  <a:pt x="314366" y="272197"/>
+                </a:lnTo>
+                <a:lnTo>
+                  <a:pt x="0" y="90770"/>
+                </a:lnTo>
+                <a:lnTo>
+                  <a:pt x="16" y="0"/>
+                </a:lnTo>
+                <a:close/>
+              </a:path>
+            </a:pathLst>
+          </a:custGeom>
+          <a:solidFill>
+            <a:srgbClr val="8B42C7"/>
+          </a:solidFill>
+          <a:ln>
+            <a:noFill/>
+          </a:ln>
+        </p:spPr>
+        <p:style>
+          <a:lnRef idx="2">
+            <a:schemeClr val="accent1">
+              <a:shade val="50000"/>
+            </a:schemeClr>
+          </a:lnRef>
+          <a:fillRef idx="1">
+            <a:schemeClr val="accent1"/>
+          </a:fillRef>
+          <a:effectRef idx="0">
+            <a:schemeClr val="accent1"/>
+          </a:effectRef>
+          <a:fontRef idx="minor">
+            <a:schemeClr val="lt1"/>
+          </a:fontRef>
+        </p:style>
+        <p:txBody>
+          <a:bodyPr wrap="square" rtlCol="0" anchor="ctr">
+            <a:noAutofit/>
+          </a:bodyPr>
+          <a:lstStyle/>
+          <a:p>
+            <a:pPr algn="ctr"/>
+            <a:endParaRPr lang="sv-SE"/>
+          </a:p>
+        </p:txBody>
+      </p:sp>
+      <p:sp>
+        <p:nvSpPr>
+          <p:cNvPr id="90" name="Frihandsfigur 89">
+            <a:extLst>
+              <a:ext uri="{FF2B5EF4-FFF2-40B4-BE49-F238E27FC236}">
+                <a16:creationId xmlns:a16="http://schemas.microsoft.com/office/drawing/2014/main" id="{9E7BDFF0-527D-B540-BAEC-6C6BD31CEE76}"/>
+              </a:ext>
+            </a:extLst>
+          </p:cNvPr>
+          <p:cNvSpPr/>
+          <p:nvPr/>
+        </p:nvSpPr>
+        <p:spPr>
+          <a:xfrm>
+            <a:off x="3595184" y="3860465"/>
+            <a:ext cx="314395" cy="272195"/>
+          </a:xfrm>
+          <a:custGeom>
+            <a:avLst/>
+            <a:gdLst>
+              <a:gd name="connsiteX0" fmla="*/ 16 w 314395"/>
+              <a:gd name="connsiteY0" fmla="*/ 0 h 272195"/>
+              <a:gd name="connsiteX1" fmla="*/ 314380 w 314395"/>
+              <a:gd name="connsiteY1" fmla="*/ 0 h 272195"/>
+              <a:gd name="connsiteX2" fmla="*/ 314395 w 314395"/>
+              <a:gd name="connsiteY2" fmla="*/ 90768 h 272195"/>
+              <a:gd name="connsiteX3" fmla="*/ 30 w 314395"/>
+              <a:gd name="connsiteY3" fmla="*/ 272195 h 272195"/>
+              <a:gd name="connsiteX4" fmla="*/ 0 w 314395"/>
+              <a:gd name="connsiteY4" fmla="*/ 95142 h 272195"/>
+              <a:gd name="connsiteX5" fmla="*/ 16 w 314395"/>
+              <a:gd name="connsiteY5" fmla="*/ 0 h 272195"/>
+            </a:gdLst>
+            <a:ahLst/>
+            <a:cxnLst>
+              <a:cxn ang="0">
+                <a:pos x="connsiteX0" y="connsiteY0"/>
+              </a:cxn>
+              <a:cxn ang="0">
+                <a:pos x="connsiteX1" y="connsiteY1"/>
+              </a:cxn>
+              <a:cxn ang="0">
+                <a:pos x="connsiteX2" y="connsiteY2"/>
+              </a:cxn>
+              <a:cxn ang="0">
+                <a:pos x="connsiteX3" y="connsiteY3"/>
+              </a:cxn>
+              <a:cxn ang="0">
+                <a:pos x="connsiteX4" y="connsiteY4"/>
+              </a:cxn>
+              <a:cxn ang="0">
+                <a:pos x="connsiteX5" y="connsiteY5"/>
+              </a:cxn>
+            </a:cxnLst>
+            <a:rect l="l" t="t" r="r" b="b"/>
+            <a:pathLst>
+              <a:path w="314395" h="272195">
+                <a:moveTo>
+                  <a:pt x="16" y="0"/>
+                </a:moveTo>
+                <a:lnTo>
+                  <a:pt x="314380" y="0"/>
+                </a:lnTo>
+                <a:lnTo>
+                  <a:pt x="314395" y="90768"/>
+                </a:lnTo>
+                <a:lnTo>
+                  <a:pt x="30" y="272195"/>
+                </a:lnTo>
+                <a:lnTo>
+                  <a:pt x="0" y="95142"/>
+                </a:lnTo>
+                <a:lnTo>
+                  <a:pt x="16" y="0"/>
+                </a:lnTo>
+                <a:close/>
+              </a:path>
+            </a:pathLst>
+          </a:custGeom>
+          <a:solidFill>
+            <a:srgbClr val="7030A0"/>
+          </a:solidFill>
+          <a:ln>
+            <a:noFill/>
+          </a:ln>
+        </p:spPr>
+        <p:style>
+          <a:lnRef idx="2">
+            <a:schemeClr val="accent1">
+              <a:shade val="50000"/>
+            </a:schemeClr>
+          </a:lnRef>
+          <a:fillRef idx="1">
+            <a:schemeClr val="accent1"/>
+          </a:fillRef>
+          <a:effectRef idx="0">
+            <a:schemeClr val="accent1"/>
+          </a:effectRef>
+          <a:fontRef idx="minor">
+            <a:schemeClr val="lt1"/>
+          </a:fontRef>
+        </p:style>
+        <p:txBody>
+          <a:bodyPr wrap="square" rtlCol="0" anchor="ctr">
+            <a:noAutofit/>
+          </a:bodyPr>
+          <a:lstStyle/>
+          <a:p>
+            <a:pPr algn="ctr"/>
+            <a:endParaRPr lang="sv-SE"/>
+          </a:p>
+        </p:txBody>
+      </p:sp>
+      <p:sp>
+        <p:nvSpPr>
+          <p:cNvPr id="91" name="Frihandsfigur 90">
+            <a:extLst>
+              <a:ext uri="{FF2B5EF4-FFF2-40B4-BE49-F238E27FC236}">
+                <a16:creationId xmlns:a16="http://schemas.microsoft.com/office/drawing/2014/main" id="{8E5C73EC-E842-5E4B-B615-2272DD99ED18}"/>
+              </a:ext>
+            </a:extLst>
+          </p:cNvPr>
+          <p:cNvSpPr/>
+          <p:nvPr/>
+        </p:nvSpPr>
+        <p:spPr>
+          <a:xfrm>
+            <a:off x="3595184" y="3482031"/>
+            <a:ext cx="314382" cy="272194"/>
+          </a:xfrm>
+          <a:custGeom>
+            <a:avLst/>
+            <a:gdLst>
+              <a:gd name="connsiteX0" fmla="*/ 314336 w 314382"/>
+              <a:gd name="connsiteY0" fmla="*/ 0 h 272194"/>
+              <a:gd name="connsiteX1" fmla="*/ 314382 w 314382"/>
+              <a:gd name="connsiteY1" fmla="*/ 272194 h 272194"/>
+              <a:gd name="connsiteX2" fmla="*/ 18 w 314382"/>
+              <a:gd name="connsiteY2" fmla="*/ 272194 h 272194"/>
+              <a:gd name="connsiteX3" fmla="*/ 33 w 314382"/>
+              <a:gd name="connsiteY3" fmla="*/ 181430 h 272194"/>
+              <a:gd name="connsiteX4" fmla="*/ 0 w 314382"/>
+              <a:gd name="connsiteY4" fmla="*/ 181411 h 272194"/>
+              <a:gd name="connsiteX5" fmla="*/ 314336 w 314382"/>
+              <a:gd name="connsiteY5" fmla="*/ 0 h 272194"/>
+            </a:gdLst>
+            <a:ahLst/>
+            <a:cxnLst>
+              <a:cxn ang="0">
+                <a:pos x="connsiteX0" y="connsiteY0"/>
+              </a:cxn>
+              <a:cxn ang="0">
+                <a:pos x="connsiteX1" y="connsiteY1"/>
+              </a:cxn>
+              <a:cxn ang="0">
+                <a:pos x="connsiteX2" y="connsiteY2"/>
+              </a:cxn>
+              <a:cxn ang="0">
+                <a:pos x="connsiteX3" y="connsiteY3"/>
+              </a:cxn>
+              <a:cxn ang="0">
+                <a:pos x="connsiteX4" y="connsiteY4"/>
+              </a:cxn>
+              <a:cxn ang="0">
+                <a:pos x="connsiteX5" y="connsiteY5"/>
+              </a:cxn>
+            </a:cxnLst>
+            <a:rect l="l" t="t" r="r" b="b"/>
+            <a:pathLst>
+              <a:path w="314382" h="272194">
+                <a:moveTo>
+                  <a:pt x="314336" y="0"/>
+                </a:moveTo>
+                <a:lnTo>
+                  <a:pt x="314382" y="272194"/>
+                </a:lnTo>
+                <a:lnTo>
+                  <a:pt x="18" y="272194"/>
+                </a:lnTo>
+                <a:lnTo>
+                  <a:pt x="33" y="181430"/>
+                </a:lnTo>
+                <a:lnTo>
+                  <a:pt x="0" y="181411"/>
+                </a:lnTo>
+                <a:lnTo>
+                  <a:pt x="314336" y="0"/>
+                </a:lnTo>
+                <a:close/>
+              </a:path>
+            </a:pathLst>
+          </a:custGeom>
+          <a:solidFill>
+            <a:srgbClr val="7030A0"/>
+          </a:solidFill>
+          <a:ln>
+            <a:noFill/>
+          </a:ln>
+        </p:spPr>
+        <p:style>
+          <a:lnRef idx="2">
+            <a:schemeClr val="accent1">
+              <a:shade val="50000"/>
+            </a:schemeClr>
+          </a:lnRef>
+          <a:fillRef idx="1">
+            <a:schemeClr val="accent1"/>
+          </a:fillRef>
+          <a:effectRef idx="0">
+            <a:schemeClr val="accent1"/>
+          </a:effectRef>
+          <a:fontRef idx="minor">
+            <a:schemeClr val="lt1"/>
+          </a:fontRef>
+        </p:style>
+        <p:txBody>
+          <a:bodyPr wrap="square" rtlCol="0" anchor="ctr">
+            <a:noAutofit/>
+          </a:bodyPr>
+          <a:lstStyle/>
+          <a:p>
+            <a:pPr algn="ctr"/>
+            <a:endParaRPr lang="sv-SE"/>
+          </a:p>
+        </p:txBody>
+      </p:sp>
+      <p:sp>
+        <p:nvSpPr>
+          <p:cNvPr id="92" name="Frihandsfigur 91">
+            <a:extLst>
+              <a:ext uri="{FF2B5EF4-FFF2-40B4-BE49-F238E27FC236}">
+                <a16:creationId xmlns:a16="http://schemas.microsoft.com/office/drawing/2014/main" id="{E6B587C6-11E0-0541-884E-25DED02D54E0}"/>
+              </a:ext>
+            </a:extLst>
+          </p:cNvPr>
+          <p:cNvSpPr/>
+          <p:nvPr/>
+        </p:nvSpPr>
+        <p:spPr>
+          <a:xfrm>
+            <a:off x="3280806" y="3482033"/>
+            <a:ext cx="314378" cy="272192"/>
+          </a:xfrm>
+          <a:custGeom>
+            <a:avLst/>
+            <a:gdLst>
+              <a:gd name="connsiteX0" fmla="*/ 46 w 314378"/>
+              <a:gd name="connsiteY0" fmla="*/ 0 h 272192"/>
+              <a:gd name="connsiteX1" fmla="*/ 314378 w 314378"/>
+              <a:gd name="connsiteY1" fmla="*/ 181409 h 272192"/>
+              <a:gd name="connsiteX2" fmla="*/ 314348 w 314378"/>
+              <a:gd name="connsiteY2" fmla="*/ 181426 h 272192"/>
+              <a:gd name="connsiteX3" fmla="*/ 314364 w 314378"/>
+              <a:gd name="connsiteY3" fmla="*/ 272192 h 272192"/>
+              <a:gd name="connsiteX4" fmla="*/ 0 w 314378"/>
+              <a:gd name="connsiteY4" fmla="*/ 272192 h 272192"/>
+              <a:gd name="connsiteX5" fmla="*/ 46 w 314378"/>
+              <a:gd name="connsiteY5" fmla="*/ 0 h 272192"/>
+            </a:gdLst>
+            <a:ahLst/>
+            <a:cxnLst>
+              <a:cxn ang="0">
+                <a:pos x="connsiteX0" y="connsiteY0"/>
+              </a:cxn>
+              <a:cxn ang="0">
+                <a:pos x="connsiteX1" y="connsiteY1"/>
+              </a:cxn>
+              <a:cxn ang="0">
+                <a:pos x="connsiteX2" y="connsiteY2"/>
+              </a:cxn>
+              <a:cxn ang="0">
+                <a:pos x="connsiteX3" y="connsiteY3"/>
+              </a:cxn>
+              <a:cxn ang="0">
+                <a:pos x="connsiteX4" y="connsiteY4"/>
+              </a:cxn>
+              <a:cxn ang="0">
+                <a:pos x="connsiteX5" y="connsiteY5"/>
+              </a:cxn>
+            </a:cxnLst>
+            <a:rect l="l" t="t" r="r" b="b"/>
+            <a:pathLst>
+              <a:path w="314378" h="272192">
+                <a:moveTo>
+                  <a:pt x="46" y="0"/>
+                </a:moveTo>
+                <a:lnTo>
+                  <a:pt x="314378" y="181409"/>
+                </a:lnTo>
+                <a:lnTo>
+                  <a:pt x="314348" y="181426"/>
+                </a:lnTo>
+                <a:lnTo>
+                  <a:pt x="314364" y="272192"/>
+                </a:lnTo>
+                <a:lnTo>
+                  <a:pt x="0" y="272192"/>
+                </a:lnTo>
+                <a:lnTo>
+                  <a:pt x="46" y="0"/>
+                </a:lnTo>
+                <a:close/>
+              </a:path>
+            </a:pathLst>
+          </a:custGeom>
+          <a:solidFill>
+            <a:srgbClr val="8B42C7"/>
+          </a:solidFill>
+          <a:ln>
+            <a:noFill/>
+          </a:ln>
+        </p:spPr>
+        <p:style>
+          <a:lnRef idx="2">
+            <a:schemeClr val="accent1">
+              <a:shade val="50000"/>
+            </a:schemeClr>
+          </a:lnRef>
+          <a:fillRef idx="1">
+            <a:schemeClr val="accent1"/>
+          </a:fillRef>
+          <a:effectRef idx="0">
+            <a:schemeClr val="accent1"/>
+          </a:effectRef>
+          <a:fontRef idx="minor">
+            <a:schemeClr val="lt1"/>
+          </a:fontRef>
+        </p:style>
+        <p:txBody>
+          <a:bodyPr wrap="square" rtlCol="0" anchor="ctr">
+            <a:noAutofit/>
+          </a:bodyPr>
+          <a:lstStyle/>
+          <a:p>
+            <a:pPr algn="ctr"/>
+            <a:endParaRPr lang="sv-SE"/>
+          </a:p>
+        </p:txBody>
+      </p:sp>
+      <p:sp>
+        <p:nvSpPr>
+          <p:cNvPr id="93" name="Frihandsfigur 92">
+            <a:extLst>
+              <a:ext uri="{FF2B5EF4-FFF2-40B4-BE49-F238E27FC236}">
+                <a16:creationId xmlns:a16="http://schemas.microsoft.com/office/drawing/2014/main" id="{7579470A-0DFB-384C-BE3D-DB4B1B17CB34}"/>
+              </a:ext>
+            </a:extLst>
+          </p:cNvPr>
+          <p:cNvSpPr/>
+          <p:nvPr/>
+        </p:nvSpPr>
+        <p:spPr>
+          <a:xfrm>
+            <a:off x="3281365" y="3305629"/>
+            <a:ext cx="628362" cy="363068"/>
+          </a:xfrm>
+          <a:custGeom>
+            <a:avLst/>
+            <a:gdLst>
+              <a:gd name="connsiteX0" fmla="*/ 194493 w 388985"/>
+              <a:gd name="connsiteY0" fmla="*/ 0 h 224756"/>
+              <a:gd name="connsiteX1" fmla="*/ 388985 w 388985"/>
+              <a:gd name="connsiteY1" fmla="*/ 112378 h 224756"/>
+              <a:gd name="connsiteX2" fmla="*/ 194493 w 388985"/>
+              <a:gd name="connsiteY2" fmla="*/ 224756 h 224756"/>
+              <a:gd name="connsiteX3" fmla="*/ 0 w 388985"/>
+              <a:gd name="connsiteY3" fmla="*/ 112378 h 224756"/>
+            </a:gdLst>
+            <a:ahLst/>
+            <a:cxnLst>
+              <a:cxn ang="0">
+                <a:pos x="connsiteX0" y="connsiteY0"/>
+              </a:cxn>
+              <a:cxn ang="0">
+                <a:pos x="connsiteX1" y="connsiteY1"/>
+              </a:cxn>
+              <a:cxn ang="0">
+                <a:pos x="connsiteX2" y="connsiteY2"/>
+              </a:cxn>
+              <a:cxn ang="0">
+                <a:pos x="connsiteX3" y="connsiteY3"/>
+              </a:cxn>
+            </a:cxnLst>
+            <a:rect l="l" t="t" r="r" b="b"/>
+            <a:pathLst>
+              <a:path w="388985" h="224756">
+                <a:moveTo>
+                  <a:pt x="194493" y="0"/>
+                </a:moveTo>
+                <a:lnTo>
+                  <a:pt x="388985" y="112378"/>
+                </a:lnTo>
+                <a:lnTo>
+                  <a:pt x="194493" y="224756"/>
+                </a:lnTo>
+                <a:lnTo>
+                  <a:pt x="0" y="112378"/>
+                </a:lnTo>
+                <a:close/>
+              </a:path>
+            </a:pathLst>
+          </a:custGeom>
+          <a:solidFill>
+            <a:srgbClr val="B07CF2"/>
+          </a:solidFill>
+          <a:ln>
+            <a:noFill/>
+          </a:ln>
+        </p:spPr>
+        <p:style>
+          <a:lnRef idx="2">
+            <a:schemeClr val="accent1">
+              <a:shade val="50000"/>
+            </a:schemeClr>
+          </a:lnRef>
+          <a:fillRef idx="1">
+            <a:schemeClr val="accent1"/>
+          </a:fillRef>
+          <a:effectRef idx="0">
+            <a:schemeClr val="accent1"/>
+          </a:effectRef>
+          <a:fontRef idx="minor">
+            <a:schemeClr val="lt1"/>
+          </a:fontRef>
+        </p:style>
+        <p:txBody>
+          <a:bodyPr wrap="square" rtlCol="0" anchor="ctr">
+            <a:noAutofit/>
+          </a:bodyPr>
+          <a:lstStyle/>
+          <a:p>
+            <a:pPr algn="ctr"/>
+            <a:endParaRPr lang="sv-SE"/>
+          </a:p>
+        </p:txBody>
+      </p:sp>
+      <p:sp>
+        <p:nvSpPr>
+          <p:cNvPr id="94" name="Rektangel 93">
+            <a:extLst>
+              <a:ext uri="{FF2B5EF4-FFF2-40B4-BE49-F238E27FC236}">
+                <a16:creationId xmlns:a16="http://schemas.microsoft.com/office/drawing/2014/main" id="{C29FD283-F023-F14D-B13C-C9F5DBCB9CED}"/>
+              </a:ext>
+            </a:extLst>
+          </p:cNvPr>
+          <p:cNvSpPr/>
+          <p:nvPr/>
+        </p:nvSpPr>
+        <p:spPr>
+          <a:xfrm>
+            <a:off x="3280788" y="3708500"/>
+            <a:ext cx="314396" cy="151965"/>
+          </a:xfrm>
+          <a:prstGeom prst="rect">
+            <a:avLst/>
+          </a:prstGeom>
+          <a:solidFill>
+            <a:srgbClr val="8B42C7"/>
+          </a:solidFill>
+          <a:ln>
+            <a:noFill/>
+          </a:ln>
+        </p:spPr>
+        <p:style>
+          <a:lnRef idx="2">
+            <a:schemeClr val="accent1">
+              <a:shade val="50000"/>
+            </a:schemeClr>
+          </a:lnRef>
+          <a:fillRef idx="1">
+            <a:schemeClr val="accent1"/>
+          </a:fillRef>
+          <a:effectRef idx="0">
+            <a:schemeClr val="accent1"/>
+          </a:effectRef>
+          <a:fontRef idx="minor">
+            <a:schemeClr val="lt1"/>
+          </a:fontRef>
+        </p:style>
+        <p:txBody>
+          <a:bodyPr rtlCol="0" anchor="ctr"/>
+          <a:lstStyle/>
+          <a:p>
+            <a:pPr algn="ctr"/>
+            <a:endParaRPr lang="sv-SE"/>
+          </a:p>
+        </p:txBody>
+      </p:sp>
+      <p:sp>
+        <p:nvSpPr>
+          <p:cNvPr id="95" name="Rektangel 94">
+            <a:extLst>
+              <a:ext uri="{FF2B5EF4-FFF2-40B4-BE49-F238E27FC236}">
+                <a16:creationId xmlns:a16="http://schemas.microsoft.com/office/drawing/2014/main" id="{77FCB820-1458-634F-950E-7988AD91B04D}"/>
+              </a:ext>
+            </a:extLst>
+          </p:cNvPr>
+          <p:cNvSpPr/>
+          <p:nvPr/>
+        </p:nvSpPr>
+        <p:spPr>
+          <a:xfrm>
+            <a:off x="3595177" y="3708498"/>
+            <a:ext cx="314396" cy="151965"/>
+          </a:xfrm>
+          <a:prstGeom prst="rect">
+            <a:avLst/>
+          </a:prstGeom>
+          <a:solidFill>
+            <a:srgbClr val="7030A0"/>
+          </a:solidFill>
+          <a:ln>
+            <a:noFill/>
+          </a:ln>
+        </p:spPr>
+        <p:style>
+          <a:lnRef idx="2">
+            <a:schemeClr val="accent1">
+              <a:shade val="50000"/>
+            </a:schemeClr>
+          </a:lnRef>
+          <a:fillRef idx="1">
+            <a:schemeClr val="accent1"/>
+          </a:fillRef>
+          <a:effectRef idx="0">
+            <a:schemeClr val="accent1"/>
+          </a:effectRef>
+          <a:fontRef idx="minor">
+            <a:schemeClr val="lt1"/>
+          </a:fontRef>
+        </p:style>
+        <p:txBody>
+          <a:bodyPr rtlCol="0" anchor="ctr"/>
+          <a:lstStyle/>
+          <a:p>
+            <a:pPr algn="ctr"/>
+            <a:endParaRPr lang="sv-SE"/>
+          </a:p>
+        </p:txBody>
+      </p:sp>
+      <p:sp>
+        <p:nvSpPr>
+          <p:cNvPr id="70" name="Frihandsfigur 69">
+            <a:extLst>
+              <a:ext uri="{FF2B5EF4-FFF2-40B4-BE49-F238E27FC236}">
+                <a16:creationId xmlns:a16="http://schemas.microsoft.com/office/drawing/2014/main" id="{ABD7C7EE-CA14-8348-AB82-581CCB36F8F4}"/>
+              </a:ext>
+            </a:extLst>
+          </p:cNvPr>
+          <p:cNvSpPr/>
+          <p:nvPr/>
+        </p:nvSpPr>
+        <p:spPr>
+          <a:xfrm>
+            <a:off x="4077253" y="3354415"/>
+            <a:ext cx="314382" cy="272194"/>
+          </a:xfrm>
+          <a:custGeom>
+            <a:avLst/>
+            <a:gdLst>
+              <a:gd name="connsiteX0" fmla="*/ 314336 w 314382"/>
+              <a:gd name="connsiteY0" fmla="*/ 0 h 272194"/>
+              <a:gd name="connsiteX1" fmla="*/ 314382 w 314382"/>
+              <a:gd name="connsiteY1" fmla="*/ 272194 h 272194"/>
+              <a:gd name="connsiteX2" fmla="*/ 18 w 314382"/>
+              <a:gd name="connsiteY2" fmla="*/ 272194 h 272194"/>
+              <a:gd name="connsiteX3" fmla="*/ 33 w 314382"/>
+              <a:gd name="connsiteY3" fmla="*/ 181430 h 272194"/>
+              <a:gd name="connsiteX4" fmla="*/ 0 w 314382"/>
+              <a:gd name="connsiteY4" fmla="*/ 181411 h 272194"/>
+              <a:gd name="connsiteX5" fmla="*/ 314336 w 314382"/>
+              <a:gd name="connsiteY5" fmla="*/ 0 h 272194"/>
+            </a:gdLst>
+            <a:ahLst/>
+            <a:cxnLst>
+              <a:cxn ang="0">
+                <a:pos x="connsiteX0" y="connsiteY0"/>
+              </a:cxn>
+              <a:cxn ang="0">
+                <a:pos x="connsiteX1" y="connsiteY1"/>
+              </a:cxn>
+              <a:cxn ang="0">
+                <a:pos x="connsiteX2" y="connsiteY2"/>
+              </a:cxn>
+              <a:cxn ang="0">
+                <a:pos x="connsiteX3" y="connsiteY3"/>
+              </a:cxn>
+              <a:cxn ang="0">
+                <a:pos x="connsiteX4" y="connsiteY4"/>
+              </a:cxn>
+              <a:cxn ang="0">
+                <a:pos x="connsiteX5" y="connsiteY5"/>
+              </a:cxn>
+            </a:cxnLst>
+            <a:rect l="l" t="t" r="r" b="b"/>
+            <a:pathLst>
+              <a:path w="314382" h="272194">
+                <a:moveTo>
+                  <a:pt x="314336" y="0"/>
+                </a:moveTo>
+                <a:lnTo>
+                  <a:pt x="314382" y="272194"/>
+                </a:lnTo>
+                <a:lnTo>
+                  <a:pt x="18" y="272194"/>
+                </a:lnTo>
+                <a:lnTo>
+                  <a:pt x="33" y="181430"/>
+                </a:lnTo>
+                <a:lnTo>
+                  <a:pt x="0" y="181411"/>
+                </a:lnTo>
+                <a:lnTo>
+                  <a:pt x="314336" y="0"/>
+                </a:lnTo>
+                <a:close/>
+              </a:path>
+            </a:pathLst>
+          </a:custGeom>
+          <a:solidFill>
+            <a:srgbClr val="0F618F"/>
+          </a:solidFill>
+          <a:ln>
+            <a:noFill/>
+          </a:ln>
+        </p:spPr>
+        <p:style>
+          <a:lnRef idx="2">
+            <a:schemeClr val="accent1">
+              <a:shade val="50000"/>
+            </a:schemeClr>
+          </a:lnRef>
+          <a:fillRef idx="1">
+            <a:schemeClr val="accent1"/>
+          </a:fillRef>
+          <a:effectRef idx="0">
+            <a:schemeClr val="accent1"/>
+          </a:effectRef>
+          <a:fontRef idx="minor">
+            <a:schemeClr val="lt1"/>
+          </a:fontRef>
+        </p:style>
+        <p:txBody>
+          <a:bodyPr wrap="square" rtlCol="0" anchor="ctr">
+            <a:noAutofit/>
+          </a:bodyPr>
+          <a:lstStyle/>
+          <a:p>
+            <a:pPr algn="ctr"/>
+            <a:endParaRPr lang="sv-SE"/>
+          </a:p>
+        </p:txBody>
+      </p:sp>
+      <p:sp>
+        <p:nvSpPr>
+          <p:cNvPr id="102" name="Frihandsfigur 101">
+            <a:extLst>
+              <a:ext uri="{FF2B5EF4-FFF2-40B4-BE49-F238E27FC236}">
+                <a16:creationId xmlns:a16="http://schemas.microsoft.com/office/drawing/2014/main" id="{4D960002-06AC-3F4A-8B5D-715EB80D03EC}"/>
+              </a:ext>
+            </a:extLst>
+          </p:cNvPr>
+          <p:cNvSpPr/>
+          <p:nvPr/>
+        </p:nvSpPr>
+        <p:spPr>
+          <a:xfrm>
+            <a:off x="4076710" y="3579631"/>
+            <a:ext cx="314395" cy="272195"/>
+          </a:xfrm>
+          <a:custGeom>
+            <a:avLst/>
+            <a:gdLst>
+              <a:gd name="connsiteX0" fmla="*/ 16 w 314395"/>
+              <a:gd name="connsiteY0" fmla="*/ 0 h 272195"/>
+              <a:gd name="connsiteX1" fmla="*/ 314380 w 314395"/>
+              <a:gd name="connsiteY1" fmla="*/ 0 h 272195"/>
+              <a:gd name="connsiteX2" fmla="*/ 314395 w 314395"/>
+              <a:gd name="connsiteY2" fmla="*/ 90768 h 272195"/>
+              <a:gd name="connsiteX3" fmla="*/ 30 w 314395"/>
+              <a:gd name="connsiteY3" fmla="*/ 272195 h 272195"/>
+              <a:gd name="connsiteX4" fmla="*/ 0 w 314395"/>
+              <a:gd name="connsiteY4" fmla="*/ 95142 h 272195"/>
+              <a:gd name="connsiteX5" fmla="*/ 16 w 314395"/>
+              <a:gd name="connsiteY5" fmla="*/ 0 h 272195"/>
+            </a:gdLst>
+            <a:ahLst/>
+            <a:cxnLst>
+              <a:cxn ang="0">
+                <a:pos x="connsiteX0" y="connsiteY0"/>
+              </a:cxn>
+              <a:cxn ang="0">
+                <a:pos x="connsiteX1" y="connsiteY1"/>
+              </a:cxn>
+              <a:cxn ang="0">
+                <a:pos x="connsiteX2" y="connsiteY2"/>
+              </a:cxn>
+              <a:cxn ang="0">
+                <a:pos x="connsiteX3" y="connsiteY3"/>
+              </a:cxn>
+              <a:cxn ang="0">
+                <a:pos x="connsiteX4" y="connsiteY4"/>
+              </a:cxn>
+              <a:cxn ang="0">
+                <a:pos x="connsiteX5" y="connsiteY5"/>
+              </a:cxn>
+            </a:cxnLst>
+            <a:rect l="l" t="t" r="r" b="b"/>
+            <a:pathLst>
+              <a:path w="314395" h="272195">
+                <a:moveTo>
+                  <a:pt x="16" y="0"/>
+                </a:moveTo>
+                <a:lnTo>
+                  <a:pt x="314380" y="0"/>
+                </a:lnTo>
+                <a:lnTo>
+                  <a:pt x="314395" y="90768"/>
+                </a:lnTo>
+                <a:lnTo>
+                  <a:pt x="30" y="272195"/>
+                </a:lnTo>
+                <a:lnTo>
+                  <a:pt x="0" y="95142"/>
+                </a:lnTo>
+                <a:lnTo>
+                  <a:pt x="16" y="0"/>
+                </a:lnTo>
+                <a:close/>
+              </a:path>
+            </a:pathLst>
+          </a:custGeom>
+          <a:solidFill>
+            <a:srgbClr val="0F618F"/>
+          </a:solidFill>
+          <a:ln>
+            <a:noFill/>
+          </a:ln>
+        </p:spPr>
+        <p:style>
+          <a:lnRef idx="2">
+            <a:schemeClr val="accent1">
+              <a:shade val="50000"/>
+            </a:schemeClr>
+          </a:lnRef>
+          <a:fillRef idx="1">
+            <a:schemeClr val="accent1"/>
+          </a:fillRef>
+          <a:effectRef idx="0">
+            <a:schemeClr val="accent1"/>
+          </a:effectRef>
+          <a:fontRef idx="minor">
+            <a:schemeClr val="lt1"/>
+          </a:fontRef>
+        </p:style>
+        <p:txBody>
+          <a:bodyPr wrap="square" rtlCol="0" anchor="ctr">
+            <a:noAutofit/>
+          </a:bodyPr>
+          <a:lstStyle/>
+          <a:p>
+            <a:pPr algn="ctr"/>
+            <a:endParaRPr lang="sv-SE"/>
+          </a:p>
+        </p:txBody>
+      </p:sp>
+      <p:sp>
+        <p:nvSpPr>
+          <p:cNvPr id="104" name="Rektangel 103">
+            <a:extLst>
+              <a:ext uri="{FF2B5EF4-FFF2-40B4-BE49-F238E27FC236}">
+                <a16:creationId xmlns:a16="http://schemas.microsoft.com/office/drawing/2014/main" id="{66EA6B58-2FA2-B245-921E-89968B7C5EF6}"/>
+              </a:ext>
+            </a:extLst>
+          </p:cNvPr>
+          <p:cNvSpPr/>
+          <p:nvPr/>
+        </p:nvSpPr>
+        <p:spPr>
+          <a:xfrm>
+            <a:off x="4078661" y="3564903"/>
+            <a:ext cx="314396" cy="49228"/>
+          </a:xfrm>
+          <a:prstGeom prst="rect">
+            <a:avLst/>
+          </a:prstGeom>
+          <a:solidFill>
+            <a:srgbClr val="0F618F"/>
+          </a:solidFill>
+          <a:ln>
+            <a:noFill/>
+          </a:ln>
+        </p:spPr>
+        <p:style>
+          <a:lnRef idx="2">
+            <a:schemeClr val="accent1">
+              <a:shade val="50000"/>
+            </a:schemeClr>
+          </a:lnRef>
+          <a:fillRef idx="1">
+            <a:schemeClr val="accent1"/>
+          </a:fillRef>
+          <a:effectRef idx="0">
+            <a:schemeClr val="accent1"/>
+          </a:effectRef>
+          <a:fontRef idx="minor">
+            <a:schemeClr val="lt1"/>
+          </a:fontRef>
+        </p:style>
+        <p:txBody>
+          <a:bodyPr rtlCol="0" anchor="ctr"/>
+          <a:lstStyle/>
+          <a:p>
+            <a:pPr algn="ctr"/>
+            <a:endParaRPr lang="sv-SE"/>
+          </a:p>
+        </p:txBody>
+      </p:sp>
+    </p:spTree>
+    <p:extLst>
+      <p:ext uri="{BB962C8B-B14F-4D97-AF65-F5344CB8AC3E}">
+        <p14:creationId xmlns:p14="http://schemas.microsoft.com/office/powerpoint/2010/main" val="4261232490"/>
+      </p:ext>
+    </p:extLst>
+  </p:cSld>
+  <p:clrMapOvr>
+    <a:masterClrMapping/>
+  </p:clrMapOvr>
+  <mc:AlternateContent xmlns:mc="http://schemas.openxmlformats.org/markup-compatibility/2006">
+    <mc:Choice xmlns:p14="http://schemas.microsoft.com/office/powerpoint/2010/main" Requires="p14">
+      <p:transition spd="med" p14:dur="700">
+        <p:fade/>
+      </p:transition>
+    </mc:Choice>
+    <mc:Fallback>
+      <p:transition spd="med">
+        <p:fade/>
+      </p:transition>
+    </mc:Fallback>
+  </mc:AlternateContent>
+</p:sld>
+</file>
+
+<file path=ppt/slides/slide8.xml><?xml version="1.0" encoding="utf-8"?>
 <p:sld xmlns:a="http://schemas.openxmlformats.org/drawingml/2006/main" xmlns:r="http://schemas.openxmlformats.org/officeDocument/2006/relationships" xmlns:p="http://schemas.openxmlformats.org/presentationml/2006/main">
   <p:cSld>
     <p:bg>
@@ -20868,7 +24466,7 @@
         <p:spPr>
           <a:xfrm>
             <a:off x="4961949" y="2909531"/>
-            <a:ext cx="4691990" cy="707886"/>
+            <a:ext cx="5209760" cy="707886"/>
           </a:xfrm>
           <a:prstGeom prst="rect">
             <a:avLst/>
@@ -20901,7 +24499,7 @@
                 <a:ea typeface="Tahoma" charset="0"/>
                 <a:cs typeface="Tahoma" charset="0"/>
               </a:rPr>
-              <a:t> </a:t>
+              <a:t> &amp; </a:t>
             </a:r>
             <a:r>
               <a:rPr lang="sv-SE" sz="4000" b="1" dirty="0" err="1">
@@ -22678,2319 +26276,18 @@
   <p:clrMapOvr>
     <a:masterClrMapping/>
   </p:clrMapOvr>
-</p:sld>
-</file>
-
-<file path=ppt/slides/slide8.xml><?xml version="1.0" encoding="utf-8"?>
-<p:sld xmlns:a="http://schemas.openxmlformats.org/drawingml/2006/main" xmlns:r="http://schemas.openxmlformats.org/officeDocument/2006/relationships" xmlns:p="http://schemas.openxmlformats.org/presentationml/2006/main">
-  <p:cSld>
-    <p:bg>
-      <p:bgPr>
-        <a:solidFill>
-          <a:srgbClr val="2A2044"/>
-        </a:solidFill>
-        <a:effectLst/>
-      </p:bgPr>
-    </p:bg>
-    <p:spTree>
-      <p:nvGrpSpPr>
-        <p:cNvPr id="1" name=""/>
-        <p:cNvGrpSpPr/>
-        <p:nvPr/>
-      </p:nvGrpSpPr>
-      <p:grpSpPr>
-        <a:xfrm>
-          <a:off x="0" y="0"/>
-          <a:ext cx="0" cy="0"/>
-          <a:chOff x="0" y="0"/>
-          <a:chExt cx="0" cy="0"/>
-        </a:xfrm>
-      </p:grpSpPr>
-      <p:sp>
-        <p:nvSpPr>
-          <p:cNvPr id="182" name="textruta 181"/>
-          <p:cNvSpPr txBox="1"/>
-          <p:nvPr/>
-        </p:nvSpPr>
-        <p:spPr>
-          <a:xfrm>
-            <a:off x="4961949" y="2909531"/>
-            <a:ext cx="4708020" cy="707886"/>
-          </a:xfrm>
-          <a:prstGeom prst="rect">
-            <a:avLst/>
-          </a:prstGeom>
-          <a:noFill/>
-        </p:spPr>
-        <p:txBody>
-          <a:bodyPr wrap="none" rtlCol="0">
-            <a:spAutoFit/>
-          </a:bodyPr>
-          <a:lstStyle/>
-          <a:p>
-            <a:r>
-              <a:rPr lang="sv-SE" sz="4000" b="1" dirty="0" err="1">
-                <a:solidFill>
-                  <a:schemeClr val="bg1"/>
-                </a:solidFill>
-                <a:latin typeface="Arial Rounded MT Bold" panose="020F0704030504030204" pitchFamily="34" charset="77"/>
-                <a:ea typeface="Tahoma" charset="0"/>
-                <a:cs typeface="Tahoma" charset="0"/>
-              </a:rPr>
-              <a:t>Publish</a:t>
-            </a:r>
-            <a:r>
-              <a:rPr lang="sv-SE" sz="4000" b="1" dirty="0">
-                <a:solidFill>
-                  <a:schemeClr val="bg1"/>
-                </a:solidFill>
-                <a:latin typeface="Arial Rounded MT Bold" panose="020F0704030504030204" pitchFamily="34" charset="77"/>
-                <a:ea typeface="Tahoma" charset="0"/>
-                <a:cs typeface="Tahoma" charset="0"/>
-              </a:rPr>
-              <a:t> </a:t>
-            </a:r>
-            <a:r>
-              <a:rPr lang="sv-SE" sz="4000" b="1" dirty="0" err="1">
-                <a:solidFill>
-                  <a:schemeClr val="bg1"/>
-                </a:solidFill>
-                <a:latin typeface="Arial Rounded MT Bold" panose="020F0704030504030204" pitchFamily="34" charset="77"/>
-                <a:ea typeface="Tahoma" charset="0"/>
-                <a:cs typeface="Tahoma" charset="0"/>
-              </a:rPr>
-              <a:t>Subscribe</a:t>
-            </a:r>
-            <a:endParaRPr lang="sv-SE" sz="4000" b="1" dirty="0">
-              <a:solidFill>
-                <a:schemeClr val="bg1"/>
-              </a:solidFill>
-              <a:latin typeface="Arial Rounded MT Bold" panose="020F0704030504030204" pitchFamily="34" charset="77"/>
-              <a:ea typeface="Tahoma" charset="0"/>
-              <a:cs typeface="Tahoma" charset="0"/>
-            </a:endParaRPr>
-          </a:p>
-        </p:txBody>
-      </p:sp>
-      <p:grpSp>
-        <p:nvGrpSpPr>
-          <p:cNvPr id="25" name="Grupp 24">
-            <a:extLst>
-              <a:ext uri="{FF2B5EF4-FFF2-40B4-BE49-F238E27FC236}">
-                <a16:creationId xmlns:a16="http://schemas.microsoft.com/office/drawing/2014/main" id="{99E9FEB6-7DC6-E84D-8020-9785726CD16F}"/>
-              </a:ext>
-            </a:extLst>
-          </p:cNvPr>
-          <p:cNvGrpSpPr/>
-          <p:nvPr/>
-        </p:nvGrpSpPr>
-        <p:grpSpPr>
-          <a:xfrm>
-            <a:off x="-292623" y="-185829"/>
-            <a:ext cx="1940458" cy="7229659"/>
-            <a:chOff x="-292623" y="-185829"/>
-            <a:chExt cx="1940458" cy="7229659"/>
-          </a:xfrm>
-        </p:grpSpPr>
-        <p:sp>
-          <p:nvSpPr>
-            <p:cNvPr id="26" name="Frihandsfigur 25">
-              <a:extLst>
-                <a:ext uri="{FF2B5EF4-FFF2-40B4-BE49-F238E27FC236}">
-                  <a16:creationId xmlns:a16="http://schemas.microsoft.com/office/drawing/2014/main" id="{9374036C-6E04-584E-A00C-34599998D6E3}"/>
-                </a:ext>
-              </a:extLst>
-            </p:cNvPr>
-            <p:cNvSpPr/>
-            <p:nvPr/>
-          </p:nvSpPr>
-          <p:spPr>
-            <a:xfrm rot="20756905">
-              <a:off x="-292623" y="4538160"/>
-              <a:ext cx="571274" cy="2425480"/>
-            </a:xfrm>
-            <a:custGeom>
-              <a:avLst/>
-              <a:gdLst>
-                <a:gd name="connsiteX0" fmla="*/ 639759 w 639759"/>
-                <a:gd name="connsiteY0" fmla="*/ 4804180 h 7229660"/>
-                <a:gd name="connsiteX1" fmla="*/ 639759 w 639759"/>
-                <a:gd name="connsiteY1" fmla="*/ 7229660 h 7229660"/>
-                <a:gd name="connsiteX2" fmla="*/ 68485 w 639759"/>
-                <a:gd name="connsiteY2" fmla="*/ 7086679 h 7229660"/>
-                <a:gd name="connsiteX3" fmla="*/ 0 w 639759"/>
-                <a:gd name="connsiteY3" fmla="*/ 0 h 7229660"/>
-                <a:gd name="connsiteX4" fmla="*/ 319879 w 639759"/>
-                <a:gd name="connsiteY4" fmla="*/ 80061 h 7229660"/>
-                <a:gd name="connsiteX5" fmla="*/ 0 w 639759"/>
-                <a:gd name="connsiteY5" fmla="*/ 0 h 7229660"/>
-                <a:gd name="connsiteX0" fmla="*/ 571274 w 571274"/>
-                <a:gd name="connsiteY0" fmla="*/ 0 h 2425480"/>
-                <a:gd name="connsiteX1" fmla="*/ 571274 w 571274"/>
-                <a:gd name="connsiteY1" fmla="*/ 2425480 h 2425480"/>
-                <a:gd name="connsiteX2" fmla="*/ 0 w 571274"/>
-                <a:gd name="connsiteY2" fmla="*/ 2282499 h 2425480"/>
-                <a:gd name="connsiteX3" fmla="*/ 571274 w 571274"/>
-                <a:gd name="connsiteY3" fmla="*/ 0 h 2425480"/>
-              </a:gdLst>
-              <a:ahLst/>
-              <a:cxnLst>
-                <a:cxn ang="0">
-                  <a:pos x="connsiteX0" y="connsiteY0"/>
-                </a:cxn>
-                <a:cxn ang="0">
-                  <a:pos x="connsiteX1" y="connsiteY1"/>
-                </a:cxn>
-                <a:cxn ang="0">
-                  <a:pos x="connsiteX2" y="connsiteY2"/>
-                </a:cxn>
-                <a:cxn ang="0">
-                  <a:pos x="connsiteX3" y="connsiteY3"/>
-                </a:cxn>
-              </a:cxnLst>
-              <a:rect l="l" t="t" r="r" b="b"/>
-              <a:pathLst>
-                <a:path w="571274" h="2425480">
-                  <a:moveTo>
-                    <a:pt x="571274" y="0"/>
-                  </a:moveTo>
-                  <a:lnTo>
-                    <a:pt x="571274" y="2425480"/>
-                  </a:lnTo>
-                  <a:lnTo>
-                    <a:pt x="0" y="2282499"/>
-                  </a:lnTo>
-                  <a:lnTo>
-                    <a:pt x="571274" y="0"/>
-                  </a:lnTo>
-                  <a:close/>
-                </a:path>
-              </a:pathLst>
-            </a:custGeom>
-            <a:solidFill>
-              <a:srgbClr val="1081BD"/>
-            </a:solidFill>
-            <a:ln>
-              <a:solidFill>
-                <a:schemeClr val="tx1">
-                  <a:lumMod val="95000"/>
-                  <a:lumOff val="5000"/>
-                </a:schemeClr>
-              </a:solidFill>
-            </a:ln>
-          </p:spPr>
-          <p:style>
-            <a:lnRef idx="2">
-              <a:schemeClr val="accent1">
-                <a:shade val="50000"/>
-              </a:schemeClr>
-            </a:lnRef>
-            <a:fillRef idx="1">
-              <a:schemeClr val="accent1"/>
-            </a:fillRef>
-            <a:effectRef idx="0">
-              <a:schemeClr val="accent1"/>
-            </a:effectRef>
-            <a:fontRef idx="minor">
-              <a:schemeClr val="lt1"/>
-            </a:fontRef>
-          </p:style>
-          <p:txBody>
-            <a:bodyPr wrap="square" rtlCol="0" anchor="ctr">
-              <a:noAutofit/>
-            </a:bodyPr>
-            <a:lstStyle/>
-            <a:p>
-              <a:pPr algn="ctr"/>
-              <a:endParaRPr lang="sv-SE"/>
-            </a:p>
-          </p:txBody>
-        </p:sp>
-        <p:sp>
-          <p:nvSpPr>
-            <p:cNvPr id="27" name="Frihandsfigur 26">
-              <a:extLst>
-                <a:ext uri="{FF2B5EF4-FFF2-40B4-BE49-F238E27FC236}">
-                  <a16:creationId xmlns:a16="http://schemas.microsoft.com/office/drawing/2014/main" id="{3FAC1956-21EA-4F4D-A5EE-F2FB0CF3E146}"/>
-                </a:ext>
-              </a:extLst>
-            </p:cNvPr>
-            <p:cNvSpPr/>
-            <p:nvPr/>
-          </p:nvSpPr>
-          <p:spPr>
-            <a:xfrm rot="20756905">
-              <a:off x="-30338" y="1870864"/>
-              <a:ext cx="639759" cy="5141727"/>
-            </a:xfrm>
-            <a:custGeom>
-              <a:avLst/>
-              <a:gdLst>
-                <a:gd name="connsiteX0" fmla="*/ 639759 w 639759"/>
-                <a:gd name="connsiteY0" fmla="*/ 2087933 h 7229660"/>
-                <a:gd name="connsiteX1" fmla="*/ 639759 w 639759"/>
-                <a:gd name="connsiteY1" fmla="*/ 7229660 h 7229660"/>
-                <a:gd name="connsiteX2" fmla="*/ 0 w 639759"/>
-                <a:gd name="connsiteY2" fmla="*/ 7069538 h 7229660"/>
-                <a:gd name="connsiteX3" fmla="*/ 0 w 639759"/>
-                <a:gd name="connsiteY3" fmla="*/ 4644061 h 7229660"/>
-                <a:gd name="connsiteX4" fmla="*/ 0 w 639759"/>
-                <a:gd name="connsiteY4" fmla="*/ 0 h 7229660"/>
-                <a:gd name="connsiteX5" fmla="*/ 319880 w 639759"/>
-                <a:gd name="connsiteY5" fmla="*/ 80061 h 7229660"/>
-                <a:gd name="connsiteX6" fmla="*/ 0 w 639759"/>
-                <a:gd name="connsiteY6" fmla="*/ 0 h 7229660"/>
-                <a:gd name="connsiteX0" fmla="*/ 639759 w 639759"/>
-                <a:gd name="connsiteY0" fmla="*/ 0 h 5141727"/>
-                <a:gd name="connsiteX1" fmla="*/ 639759 w 639759"/>
-                <a:gd name="connsiteY1" fmla="*/ 5141727 h 5141727"/>
-                <a:gd name="connsiteX2" fmla="*/ 0 w 639759"/>
-                <a:gd name="connsiteY2" fmla="*/ 4981605 h 5141727"/>
-                <a:gd name="connsiteX3" fmla="*/ 0 w 639759"/>
-                <a:gd name="connsiteY3" fmla="*/ 2556128 h 5141727"/>
-                <a:gd name="connsiteX4" fmla="*/ 639759 w 639759"/>
-                <a:gd name="connsiteY4" fmla="*/ 0 h 5141727"/>
-              </a:gdLst>
-              <a:ahLst/>
-              <a:cxnLst>
-                <a:cxn ang="0">
-                  <a:pos x="connsiteX0" y="connsiteY0"/>
-                </a:cxn>
-                <a:cxn ang="0">
-                  <a:pos x="connsiteX1" y="connsiteY1"/>
-                </a:cxn>
-                <a:cxn ang="0">
-                  <a:pos x="connsiteX2" y="connsiteY2"/>
-                </a:cxn>
-                <a:cxn ang="0">
-                  <a:pos x="connsiteX3" y="connsiteY3"/>
-                </a:cxn>
-                <a:cxn ang="0">
-                  <a:pos x="connsiteX4" y="connsiteY4"/>
-                </a:cxn>
-              </a:cxnLst>
-              <a:rect l="l" t="t" r="r" b="b"/>
-              <a:pathLst>
-                <a:path w="639759" h="5141727">
-                  <a:moveTo>
-                    <a:pt x="639759" y="0"/>
-                  </a:moveTo>
-                  <a:lnTo>
-                    <a:pt x="639759" y="5141727"/>
-                  </a:lnTo>
-                  <a:lnTo>
-                    <a:pt x="0" y="4981605"/>
-                  </a:lnTo>
-                  <a:lnTo>
-                    <a:pt x="0" y="2556128"/>
-                  </a:lnTo>
-                  <a:lnTo>
-                    <a:pt x="639759" y="0"/>
-                  </a:lnTo>
-                  <a:close/>
-                </a:path>
-              </a:pathLst>
-            </a:custGeom>
-            <a:solidFill>
-              <a:srgbClr val="8B42C7"/>
-            </a:solidFill>
-            <a:ln>
-              <a:solidFill>
-                <a:schemeClr val="tx1">
-                  <a:lumMod val="95000"/>
-                  <a:lumOff val="5000"/>
-                </a:schemeClr>
-              </a:solidFill>
-            </a:ln>
-          </p:spPr>
-          <p:style>
-            <a:lnRef idx="2">
-              <a:schemeClr val="accent1">
-                <a:shade val="50000"/>
-              </a:schemeClr>
-            </a:lnRef>
-            <a:fillRef idx="1">
-              <a:schemeClr val="accent1"/>
-            </a:fillRef>
-            <a:effectRef idx="0">
-              <a:schemeClr val="accent1"/>
-            </a:effectRef>
-            <a:fontRef idx="minor">
-              <a:schemeClr val="lt1"/>
-            </a:fontRef>
-          </p:style>
-          <p:txBody>
-            <a:bodyPr wrap="square" rtlCol="0" anchor="ctr">
-              <a:noAutofit/>
-            </a:bodyPr>
-            <a:lstStyle/>
-            <a:p>
-              <a:pPr algn="ctr"/>
-              <a:endParaRPr lang="sv-SE"/>
-            </a:p>
-          </p:txBody>
-        </p:sp>
-        <p:sp>
-          <p:nvSpPr>
-            <p:cNvPr id="28" name="Frihandsfigur 27">
-              <a:extLst>
-                <a:ext uri="{FF2B5EF4-FFF2-40B4-BE49-F238E27FC236}">
-                  <a16:creationId xmlns:a16="http://schemas.microsoft.com/office/drawing/2014/main" id="{84C7BC7E-B08D-B549-ABD1-047B61B230B8}"/>
-                </a:ext>
-              </a:extLst>
-            </p:cNvPr>
-            <p:cNvSpPr/>
-            <p:nvPr/>
-          </p:nvSpPr>
-          <p:spPr>
-            <a:xfrm rot="20756905">
-              <a:off x="376036" y="-70572"/>
-              <a:ext cx="639759" cy="7112652"/>
-            </a:xfrm>
-            <a:custGeom>
-              <a:avLst/>
-              <a:gdLst>
-                <a:gd name="connsiteX0" fmla="*/ 639759 w 639759"/>
-                <a:gd name="connsiteY0" fmla="*/ 43114 h 7112652"/>
-                <a:gd name="connsiteX1" fmla="*/ 639759 w 639759"/>
-                <a:gd name="connsiteY1" fmla="*/ 7112652 h 7112652"/>
-                <a:gd name="connsiteX2" fmla="*/ 0 w 639759"/>
-                <a:gd name="connsiteY2" fmla="*/ 6952531 h 7112652"/>
-                <a:gd name="connsiteX3" fmla="*/ 0 w 639759"/>
-                <a:gd name="connsiteY3" fmla="*/ 1867863 h 7112652"/>
-                <a:gd name="connsiteX4" fmla="*/ 467497 w 639759"/>
-                <a:gd name="connsiteY4" fmla="*/ 0 h 7112652"/>
-              </a:gdLst>
-              <a:ahLst/>
-              <a:cxnLst>
-                <a:cxn ang="0">
-                  <a:pos x="connsiteX0" y="connsiteY0"/>
-                </a:cxn>
-                <a:cxn ang="0">
-                  <a:pos x="connsiteX1" y="connsiteY1"/>
-                </a:cxn>
-                <a:cxn ang="0">
-                  <a:pos x="connsiteX2" y="connsiteY2"/>
-                </a:cxn>
-                <a:cxn ang="0">
-                  <a:pos x="connsiteX3" y="connsiteY3"/>
-                </a:cxn>
-                <a:cxn ang="0">
-                  <a:pos x="connsiteX4" y="connsiteY4"/>
-                </a:cxn>
-              </a:cxnLst>
-              <a:rect l="l" t="t" r="r" b="b"/>
-              <a:pathLst>
-                <a:path w="639759" h="7112652">
-                  <a:moveTo>
-                    <a:pt x="639759" y="43114"/>
-                  </a:moveTo>
-                  <a:lnTo>
-                    <a:pt x="639759" y="7112652"/>
-                  </a:lnTo>
-                  <a:lnTo>
-                    <a:pt x="0" y="6952531"/>
-                  </a:lnTo>
-                  <a:lnTo>
-                    <a:pt x="0" y="1867863"/>
-                  </a:lnTo>
-                  <a:lnTo>
-                    <a:pt x="467497" y="0"/>
-                  </a:lnTo>
-                  <a:close/>
-                </a:path>
-              </a:pathLst>
-            </a:custGeom>
-            <a:solidFill>
-              <a:srgbClr val="F45A21"/>
-            </a:solidFill>
-            <a:ln>
-              <a:solidFill>
-                <a:schemeClr val="tx1">
-                  <a:lumMod val="95000"/>
-                  <a:lumOff val="5000"/>
-                </a:schemeClr>
-              </a:solidFill>
-            </a:ln>
-          </p:spPr>
-          <p:style>
-            <a:lnRef idx="2">
-              <a:schemeClr val="accent1">
-                <a:shade val="50000"/>
-              </a:schemeClr>
-            </a:lnRef>
-            <a:fillRef idx="1">
-              <a:schemeClr val="accent1"/>
-            </a:fillRef>
-            <a:effectRef idx="0">
-              <a:schemeClr val="accent1"/>
-            </a:effectRef>
-            <a:fontRef idx="minor">
-              <a:schemeClr val="lt1"/>
-            </a:fontRef>
-          </p:style>
-          <p:txBody>
-            <a:bodyPr wrap="square" rtlCol="0" anchor="ctr">
-              <a:noAutofit/>
-            </a:bodyPr>
-            <a:lstStyle/>
-            <a:p>
-              <a:pPr algn="ctr"/>
-              <a:endParaRPr lang="sv-SE" dirty="0"/>
-            </a:p>
-          </p:txBody>
-        </p:sp>
-        <p:sp>
-          <p:nvSpPr>
-            <p:cNvPr id="29" name="Frihandsfigur 28">
-              <a:extLst>
-                <a:ext uri="{FF2B5EF4-FFF2-40B4-BE49-F238E27FC236}">
-                  <a16:creationId xmlns:a16="http://schemas.microsoft.com/office/drawing/2014/main" id="{635D3F99-A46B-1B47-A8CC-510773F8DFA4}"/>
-                </a:ext>
-              </a:extLst>
-            </p:cNvPr>
-            <p:cNvSpPr/>
-            <p:nvPr/>
-          </p:nvSpPr>
-          <p:spPr>
-            <a:xfrm rot="20756905">
-              <a:off x="1008076" y="-185829"/>
-              <a:ext cx="639759" cy="7229659"/>
-            </a:xfrm>
-            <a:custGeom>
-              <a:avLst/>
-              <a:gdLst>
-                <a:gd name="connsiteX0" fmla="*/ 0 w 639759"/>
-                <a:gd name="connsiteY0" fmla="*/ 0 h 7229659"/>
-                <a:gd name="connsiteX1" fmla="*/ 639759 w 639759"/>
-                <a:gd name="connsiteY1" fmla="*/ 160121 h 7229659"/>
-                <a:gd name="connsiteX2" fmla="*/ 639759 w 639759"/>
-                <a:gd name="connsiteY2" fmla="*/ 7229659 h 7229659"/>
-                <a:gd name="connsiteX3" fmla="*/ 0 w 639759"/>
-                <a:gd name="connsiteY3" fmla="*/ 7069538 h 7229659"/>
-              </a:gdLst>
-              <a:ahLst/>
-              <a:cxnLst>
-                <a:cxn ang="0">
-                  <a:pos x="connsiteX0" y="connsiteY0"/>
-                </a:cxn>
-                <a:cxn ang="0">
-                  <a:pos x="connsiteX1" y="connsiteY1"/>
-                </a:cxn>
-                <a:cxn ang="0">
-                  <a:pos x="connsiteX2" y="connsiteY2"/>
-                </a:cxn>
-                <a:cxn ang="0">
-                  <a:pos x="connsiteX3" y="connsiteY3"/>
-                </a:cxn>
-              </a:cxnLst>
-              <a:rect l="l" t="t" r="r" b="b"/>
-              <a:pathLst>
-                <a:path w="639759" h="7229659">
-                  <a:moveTo>
-                    <a:pt x="0" y="0"/>
-                  </a:moveTo>
-                  <a:lnTo>
-                    <a:pt x="639759" y="160121"/>
-                  </a:lnTo>
-                  <a:lnTo>
-                    <a:pt x="639759" y="7229659"/>
-                  </a:lnTo>
-                  <a:lnTo>
-                    <a:pt x="0" y="7069538"/>
-                  </a:lnTo>
-                  <a:close/>
-                </a:path>
-              </a:pathLst>
-            </a:custGeom>
-            <a:solidFill>
-              <a:srgbClr val="E5AD00"/>
-            </a:solidFill>
-            <a:ln>
-              <a:solidFill>
-                <a:schemeClr val="tx1">
-                  <a:lumMod val="95000"/>
-                  <a:lumOff val="5000"/>
-                </a:schemeClr>
-              </a:solidFill>
-            </a:ln>
-          </p:spPr>
-          <p:style>
-            <a:lnRef idx="2">
-              <a:schemeClr val="accent1">
-                <a:shade val="50000"/>
-              </a:schemeClr>
-            </a:lnRef>
-            <a:fillRef idx="1">
-              <a:schemeClr val="accent1"/>
-            </a:fillRef>
-            <a:effectRef idx="0">
-              <a:schemeClr val="accent1"/>
-            </a:effectRef>
-            <a:fontRef idx="minor">
-              <a:schemeClr val="lt1"/>
-            </a:fontRef>
-          </p:style>
-          <p:txBody>
-            <a:bodyPr wrap="square" rtlCol="0" anchor="ctr">
-              <a:noAutofit/>
-            </a:bodyPr>
-            <a:lstStyle/>
-            <a:p>
-              <a:pPr algn="ctr"/>
-              <a:endParaRPr lang="sv-SE"/>
-            </a:p>
-          </p:txBody>
-        </p:sp>
-      </p:grpSp>
-      <p:grpSp>
-        <p:nvGrpSpPr>
-          <p:cNvPr id="77" name="Grupp 76">
-            <a:extLst>
-              <a:ext uri="{FF2B5EF4-FFF2-40B4-BE49-F238E27FC236}">
-                <a16:creationId xmlns:a16="http://schemas.microsoft.com/office/drawing/2014/main" id="{20A4D5F5-AEDC-6645-AB61-2E1D8FB10941}"/>
-              </a:ext>
-            </a:extLst>
-          </p:cNvPr>
-          <p:cNvGrpSpPr/>
-          <p:nvPr/>
-        </p:nvGrpSpPr>
-        <p:grpSpPr>
-          <a:xfrm>
-            <a:off x="2713725" y="2681152"/>
-            <a:ext cx="1931158" cy="1534518"/>
-            <a:chOff x="2499465" y="2375913"/>
-            <a:chExt cx="2342764" cy="1861589"/>
-          </a:xfrm>
-        </p:grpSpPr>
-        <p:sp>
-          <p:nvSpPr>
-            <p:cNvPr id="78" name="Frihandsfigur 77">
-              <a:extLst>
-                <a:ext uri="{FF2B5EF4-FFF2-40B4-BE49-F238E27FC236}">
-                  <a16:creationId xmlns:a16="http://schemas.microsoft.com/office/drawing/2014/main" id="{B911EBDE-E1E5-794C-BE1E-A6CD8E7D6D93}"/>
-                </a:ext>
-              </a:extLst>
-            </p:cNvPr>
-            <p:cNvSpPr/>
-            <p:nvPr/>
-          </p:nvSpPr>
-          <p:spPr>
-            <a:xfrm>
-              <a:off x="2499465" y="2888028"/>
-              <a:ext cx="2201928" cy="1349474"/>
-            </a:xfrm>
-            <a:custGeom>
-              <a:avLst/>
-              <a:gdLst>
-                <a:gd name="connsiteX0" fmla="*/ 396186 w 2201928"/>
-                <a:gd name="connsiteY0" fmla="*/ 825855 h 1349477"/>
-                <a:gd name="connsiteX1" fmla="*/ 792372 w 2201928"/>
-                <a:gd name="connsiteY1" fmla="*/ 1087666 h 1349477"/>
-                <a:gd name="connsiteX2" fmla="*/ 396186 w 2201928"/>
-                <a:gd name="connsiteY2" fmla="*/ 1349477 h 1349477"/>
-                <a:gd name="connsiteX3" fmla="*/ 0 w 2201928"/>
-                <a:gd name="connsiteY3" fmla="*/ 1087666 h 1349477"/>
-                <a:gd name="connsiteX4" fmla="*/ 396186 w 2201928"/>
-                <a:gd name="connsiteY4" fmla="*/ 825855 h 1349477"/>
-                <a:gd name="connsiteX5" fmla="*/ 1805742 w 2201928"/>
-                <a:gd name="connsiteY5" fmla="*/ 804911 h 1349477"/>
-                <a:gd name="connsiteX6" fmla="*/ 2201928 w 2201928"/>
-                <a:gd name="connsiteY6" fmla="*/ 1066722 h 1349477"/>
-                <a:gd name="connsiteX7" fmla="*/ 1805742 w 2201928"/>
-                <a:gd name="connsiteY7" fmla="*/ 1328533 h 1349477"/>
-                <a:gd name="connsiteX8" fmla="*/ 1409556 w 2201928"/>
-                <a:gd name="connsiteY8" fmla="*/ 1066722 h 1349477"/>
-                <a:gd name="connsiteX9" fmla="*/ 1805742 w 2201928"/>
-                <a:gd name="connsiteY9" fmla="*/ 804911 h 1349477"/>
-                <a:gd name="connsiteX10" fmla="*/ 1098238 w 2201928"/>
-                <a:gd name="connsiteY10" fmla="*/ 412810 h 1349477"/>
-                <a:gd name="connsiteX11" fmla="*/ 1494424 w 2201928"/>
-                <a:gd name="connsiteY11" fmla="*/ 674621 h 1349477"/>
-                <a:gd name="connsiteX12" fmla="*/ 1098238 w 2201928"/>
-                <a:gd name="connsiteY12" fmla="*/ 936432 h 1349477"/>
-                <a:gd name="connsiteX13" fmla="*/ 702052 w 2201928"/>
-                <a:gd name="connsiteY13" fmla="*/ 674621 h 1349477"/>
-                <a:gd name="connsiteX14" fmla="*/ 1098238 w 2201928"/>
-                <a:gd name="connsiteY14" fmla="*/ 412810 h 1349477"/>
-                <a:gd name="connsiteX15" fmla="*/ 1805742 w 2201928"/>
-                <a:gd name="connsiteY15" fmla="*/ 0 h 1349477"/>
-                <a:gd name="connsiteX16" fmla="*/ 2201928 w 2201928"/>
-                <a:gd name="connsiteY16" fmla="*/ 261811 h 1349477"/>
-                <a:gd name="connsiteX17" fmla="*/ 1805742 w 2201928"/>
-                <a:gd name="connsiteY17" fmla="*/ 523622 h 1349477"/>
-                <a:gd name="connsiteX18" fmla="*/ 1409556 w 2201928"/>
-                <a:gd name="connsiteY18" fmla="*/ 261811 h 1349477"/>
-                <a:gd name="connsiteX19" fmla="*/ 1805742 w 2201928"/>
-                <a:gd name="connsiteY19" fmla="*/ 0 h 1349477"/>
-              </a:gdLst>
-              <a:ahLst/>
-              <a:cxnLst>
-                <a:cxn ang="0">
-                  <a:pos x="connsiteX0" y="connsiteY0"/>
-                </a:cxn>
-                <a:cxn ang="0">
-                  <a:pos x="connsiteX1" y="connsiteY1"/>
-                </a:cxn>
-                <a:cxn ang="0">
-                  <a:pos x="connsiteX2" y="connsiteY2"/>
-                </a:cxn>
-                <a:cxn ang="0">
-                  <a:pos x="connsiteX3" y="connsiteY3"/>
-                </a:cxn>
-                <a:cxn ang="0">
-                  <a:pos x="connsiteX4" y="connsiteY4"/>
-                </a:cxn>
-                <a:cxn ang="0">
-                  <a:pos x="connsiteX5" y="connsiteY5"/>
-                </a:cxn>
-                <a:cxn ang="0">
-                  <a:pos x="connsiteX6" y="connsiteY6"/>
-                </a:cxn>
-                <a:cxn ang="0">
-                  <a:pos x="connsiteX7" y="connsiteY7"/>
-                </a:cxn>
-                <a:cxn ang="0">
-                  <a:pos x="connsiteX8" y="connsiteY8"/>
-                </a:cxn>
-                <a:cxn ang="0">
-                  <a:pos x="connsiteX9" y="connsiteY9"/>
-                </a:cxn>
-                <a:cxn ang="0">
-                  <a:pos x="connsiteX10" y="connsiteY10"/>
-                </a:cxn>
-                <a:cxn ang="0">
-                  <a:pos x="connsiteX11" y="connsiteY11"/>
-                </a:cxn>
-                <a:cxn ang="0">
-                  <a:pos x="connsiteX12" y="connsiteY12"/>
-                </a:cxn>
-                <a:cxn ang="0">
-                  <a:pos x="connsiteX13" y="connsiteY13"/>
-                </a:cxn>
-                <a:cxn ang="0">
-                  <a:pos x="connsiteX14" y="connsiteY14"/>
-                </a:cxn>
-                <a:cxn ang="0">
-                  <a:pos x="connsiteX15" y="connsiteY15"/>
-                </a:cxn>
-                <a:cxn ang="0">
-                  <a:pos x="connsiteX16" y="connsiteY16"/>
-                </a:cxn>
-                <a:cxn ang="0">
-                  <a:pos x="connsiteX17" y="connsiteY17"/>
-                </a:cxn>
-                <a:cxn ang="0">
-                  <a:pos x="connsiteX18" y="connsiteY18"/>
-                </a:cxn>
-                <a:cxn ang="0">
-                  <a:pos x="connsiteX19" y="connsiteY19"/>
-                </a:cxn>
-              </a:cxnLst>
-              <a:rect l="l" t="t" r="r" b="b"/>
-              <a:pathLst>
-                <a:path w="2201928" h="1349477">
-                  <a:moveTo>
-                    <a:pt x="396186" y="825855"/>
-                  </a:moveTo>
-                  <a:cubicBezTo>
-                    <a:pt x="614993" y="825855"/>
-                    <a:pt x="792372" y="943072"/>
-                    <a:pt x="792372" y="1087666"/>
-                  </a:cubicBezTo>
-                  <a:cubicBezTo>
-                    <a:pt x="792372" y="1232260"/>
-                    <a:pt x="614993" y="1349477"/>
-                    <a:pt x="396186" y="1349477"/>
-                  </a:cubicBezTo>
-                  <a:cubicBezTo>
-                    <a:pt x="177379" y="1349477"/>
-                    <a:pt x="0" y="1232260"/>
-                    <a:pt x="0" y="1087666"/>
-                  </a:cubicBezTo>
-                  <a:cubicBezTo>
-                    <a:pt x="0" y="943072"/>
-                    <a:pt x="177379" y="825855"/>
-                    <a:pt x="396186" y="825855"/>
-                  </a:cubicBezTo>
-                  <a:close/>
-                  <a:moveTo>
-                    <a:pt x="1805742" y="804911"/>
-                  </a:moveTo>
-                  <a:cubicBezTo>
-                    <a:pt x="2024549" y="804911"/>
-                    <a:pt x="2201928" y="922128"/>
-                    <a:pt x="2201928" y="1066722"/>
-                  </a:cubicBezTo>
-                  <a:cubicBezTo>
-                    <a:pt x="2201928" y="1211316"/>
-                    <a:pt x="2024549" y="1328533"/>
-                    <a:pt x="1805742" y="1328533"/>
-                  </a:cubicBezTo>
-                  <a:cubicBezTo>
-                    <a:pt x="1586935" y="1328533"/>
-                    <a:pt x="1409556" y="1211316"/>
-                    <a:pt x="1409556" y="1066722"/>
-                  </a:cubicBezTo>
-                  <a:cubicBezTo>
-                    <a:pt x="1409556" y="922128"/>
-                    <a:pt x="1586935" y="804911"/>
-                    <a:pt x="1805742" y="804911"/>
-                  </a:cubicBezTo>
-                  <a:close/>
-                  <a:moveTo>
-                    <a:pt x="1098238" y="412810"/>
-                  </a:moveTo>
-                  <a:cubicBezTo>
-                    <a:pt x="1317045" y="412810"/>
-                    <a:pt x="1494424" y="530027"/>
-                    <a:pt x="1494424" y="674621"/>
-                  </a:cubicBezTo>
-                  <a:cubicBezTo>
-                    <a:pt x="1494424" y="819215"/>
-                    <a:pt x="1317045" y="936432"/>
-                    <a:pt x="1098238" y="936432"/>
-                  </a:cubicBezTo>
-                  <a:cubicBezTo>
-                    <a:pt x="879431" y="936432"/>
-                    <a:pt x="702052" y="819215"/>
-                    <a:pt x="702052" y="674621"/>
-                  </a:cubicBezTo>
-                  <a:cubicBezTo>
-                    <a:pt x="702052" y="530027"/>
-                    <a:pt x="879431" y="412810"/>
-                    <a:pt x="1098238" y="412810"/>
-                  </a:cubicBezTo>
-                  <a:close/>
-                  <a:moveTo>
-                    <a:pt x="1805742" y="0"/>
-                  </a:moveTo>
-                  <a:cubicBezTo>
-                    <a:pt x="2024549" y="0"/>
-                    <a:pt x="2201928" y="117217"/>
-                    <a:pt x="2201928" y="261811"/>
-                  </a:cubicBezTo>
-                  <a:cubicBezTo>
-                    <a:pt x="2201928" y="406405"/>
-                    <a:pt x="2024549" y="523622"/>
-                    <a:pt x="1805742" y="523622"/>
-                  </a:cubicBezTo>
-                  <a:cubicBezTo>
-                    <a:pt x="1586935" y="523622"/>
-                    <a:pt x="1409556" y="406405"/>
-                    <a:pt x="1409556" y="261811"/>
-                  </a:cubicBezTo>
-                  <a:cubicBezTo>
-                    <a:pt x="1409556" y="117217"/>
-                    <a:pt x="1586935" y="0"/>
-                    <a:pt x="1805742" y="0"/>
-                  </a:cubicBezTo>
-                  <a:close/>
-                </a:path>
-              </a:pathLst>
-            </a:custGeom>
-            <a:solidFill>
-              <a:schemeClr val="tx1">
-                <a:alpha val="31000"/>
-              </a:schemeClr>
-            </a:solidFill>
-            <a:ln>
-              <a:noFill/>
-            </a:ln>
-            <a:effectLst>
-              <a:softEdge rad="141943"/>
-            </a:effectLst>
-          </p:spPr>
-          <p:style>
-            <a:lnRef idx="2">
-              <a:schemeClr val="accent1">
-                <a:shade val="50000"/>
-              </a:schemeClr>
-            </a:lnRef>
-            <a:fillRef idx="1">
-              <a:schemeClr val="accent1"/>
-            </a:fillRef>
-            <a:effectRef idx="0">
-              <a:schemeClr val="accent1"/>
-            </a:effectRef>
-            <a:fontRef idx="minor">
-              <a:schemeClr val="lt1"/>
-            </a:fontRef>
-          </p:style>
-          <p:txBody>
-            <a:bodyPr wrap="square" rtlCol="0" anchor="ctr">
-              <a:noAutofit/>
-            </a:bodyPr>
-            <a:lstStyle/>
-            <a:p>
-              <a:pPr algn="ctr"/>
-              <a:endParaRPr lang="sv-SE"/>
-            </a:p>
-          </p:txBody>
-        </p:sp>
-        <p:grpSp>
-          <p:nvGrpSpPr>
-            <p:cNvPr id="79" name="Grupp 78">
-              <a:extLst>
-                <a:ext uri="{FF2B5EF4-FFF2-40B4-BE49-F238E27FC236}">
-                  <a16:creationId xmlns:a16="http://schemas.microsoft.com/office/drawing/2014/main" id="{F4AC49D4-9DFA-9D44-9938-5534EEA9A826}"/>
-                </a:ext>
-              </a:extLst>
-            </p:cNvPr>
-            <p:cNvGrpSpPr/>
-            <p:nvPr/>
-          </p:nvGrpSpPr>
-          <p:grpSpPr>
-            <a:xfrm>
-              <a:off x="3762229" y="2375913"/>
-              <a:ext cx="1080000" cy="1492653"/>
-              <a:chOff x="2781468" y="2424675"/>
-              <a:chExt cx="1390950" cy="1922413"/>
-            </a:xfrm>
-          </p:grpSpPr>
-          <p:grpSp>
-            <p:nvGrpSpPr>
-              <p:cNvPr id="115" name="Grupp 114">
-                <a:extLst>
-                  <a:ext uri="{FF2B5EF4-FFF2-40B4-BE49-F238E27FC236}">
-                    <a16:creationId xmlns:a16="http://schemas.microsoft.com/office/drawing/2014/main" id="{7920FAAE-F8FA-9D44-B257-358BDE957D5D}"/>
-                  </a:ext>
-                </a:extLst>
-              </p:cNvPr>
-              <p:cNvGrpSpPr/>
-              <p:nvPr/>
-            </p:nvGrpSpPr>
-            <p:grpSpPr>
-              <a:xfrm>
-                <a:off x="3187809" y="2424675"/>
-                <a:ext cx="591946" cy="671109"/>
-                <a:chOff x="3549360" y="3164731"/>
-                <a:chExt cx="680621" cy="771644"/>
-              </a:xfrm>
-            </p:grpSpPr>
-            <p:sp>
-              <p:nvSpPr>
-                <p:cNvPr id="117" name="Freeform 125">
-                  <a:extLst>
-                    <a:ext uri="{FF2B5EF4-FFF2-40B4-BE49-F238E27FC236}">
-                      <a16:creationId xmlns:a16="http://schemas.microsoft.com/office/drawing/2014/main" id="{1D667A9D-5BF5-454C-AEF1-46A1B51F4BDF}"/>
-                    </a:ext>
-                  </a:extLst>
-                </p:cNvPr>
-                <p:cNvSpPr/>
-                <p:nvPr/>
-              </p:nvSpPr>
-              <p:spPr>
-                <a:xfrm rot="9000000">
-                  <a:off x="3549360" y="3304808"/>
-                  <a:ext cx="364776" cy="631567"/>
-                </a:xfrm>
-                <a:custGeom>
-                  <a:avLst/>
-                  <a:gdLst>
-                    <a:gd name="connsiteX0" fmla="*/ 0 w 2013626"/>
-                    <a:gd name="connsiteY0" fmla="*/ 1735884 h 3471768"/>
-                    <a:gd name="connsiteX1" fmla="*/ 1006813 w 2013626"/>
-                    <a:gd name="connsiteY1" fmla="*/ 0 h 3471768"/>
-                    <a:gd name="connsiteX2" fmla="*/ 2013626 w 2013626"/>
-                    <a:gd name="connsiteY2" fmla="*/ 1735884 h 3471768"/>
-                    <a:gd name="connsiteX3" fmla="*/ 1006813 w 2013626"/>
-                    <a:gd name="connsiteY3" fmla="*/ 3471768 h 3471768"/>
-                  </a:gdLst>
-                  <a:ahLst/>
-                  <a:cxnLst>
-                    <a:cxn ang="0">
-                      <a:pos x="connsiteX0" y="connsiteY0"/>
-                    </a:cxn>
-                    <a:cxn ang="0">
-                      <a:pos x="connsiteX1" y="connsiteY1"/>
-                    </a:cxn>
-                    <a:cxn ang="0">
-                      <a:pos x="connsiteX2" y="connsiteY2"/>
-                    </a:cxn>
-                    <a:cxn ang="0">
-                      <a:pos x="connsiteX3" y="connsiteY3"/>
-                    </a:cxn>
-                  </a:cxnLst>
-                  <a:rect l="l" t="t" r="r" b="b"/>
-                  <a:pathLst>
-                    <a:path w="2013626" h="3471768">
-                      <a:moveTo>
-                        <a:pt x="0" y="1735884"/>
-                      </a:moveTo>
-                      <a:lnTo>
-                        <a:pt x="1006813" y="0"/>
-                      </a:lnTo>
-                      <a:lnTo>
-                        <a:pt x="2013626" y="1735884"/>
-                      </a:lnTo>
-                      <a:lnTo>
-                        <a:pt x="1006813" y="3471768"/>
-                      </a:lnTo>
-                      <a:close/>
-                    </a:path>
-                  </a:pathLst>
-                </a:custGeom>
-                <a:solidFill>
-                  <a:srgbClr val="1181BD"/>
-                </a:solidFill>
-                <a:ln cap="rnd">
-                  <a:noFill/>
-                  <a:round/>
-                </a:ln>
-              </p:spPr>
-              <p:style>
-                <a:lnRef idx="2">
-                  <a:schemeClr val="accent1">
-                    <a:shade val="50000"/>
-                  </a:schemeClr>
-                </a:lnRef>
-                <a:fillRef idx="1">
-                  <a:schemeClr val="accent1"/>
-                </a:fillRef>
-                <a:effectRef idx="0">
-                  <a:schemeClr val="accent1"/>
-                </a:effectRef>
-                <a:fontRef idx="minor">
-                  <a:schemeClr val="lt1"/>
-                </a:fontRef>
-              </p:style>
-              <p:txBody>
-                <a:bodyPr rtlCol="0" anchor="ctr"/>
-                <a:lstStyle/>
-                <a:p>
-                  <a:pPr algn="ctr"/>
-                  <a:endParaRPr lang="sv-SE"/>
-                </a:p>
-              </p:txBody>
-            </p:sp>
-            <p:sp>
-              <p:nvSpPr>
-                <p:cNvPr id="118" name="Freeform 126">
-                  <a:extLst>
-                    <a:ext uri="{FF2B5EF4-FFF2-40B4-BE49-F238E27FC236}">
-                      <a16:creationId xmlns:a16="http://schemas.microsoft.com/office/drawing/2014/main" id="{FAF74B7C-675D-1D44-97CE-CB55EFDE6135}"/>
-                    </a:ext>
-                  </a:extLst>
-                </p:cNvPr>
-                <p:cNvSpPr/>
-                <p:nvPr/>
-              </p:nvSpPr>
-              <p:spPr>
-                <a:xfrm rot="12600000" flipH="1">
-                  <a:off x="3865205" y="3304808"/>
-                  <a:ext cx="364776" cy="631567"/>
-                </a:xfrm>
-                <a:custGeom>
-                  <a:avLst/>
-                  <a:gdLst>
-                    <a:gd name="connsiteX0" fmla="*/ 0 w 2013626"/>
-                    <a:gd name="connsiteY0" fmla="*/ 1735884 h 3471768"/>
-                    <a:gd name="connsiteX1" fmla="*/ 1006813 w 2013626"/>
-                    <a:gd name="connsiteY1" fmla="*/ 0 h 3471768"/>
-                    <a:gd name="connsiteX2" fmla="*/ 2013626 w 2013626"/>
-                    <a:gd name="connsiteY2" fmla="*/ 1735884 h 3471768"/>
-                    <a:gd name="connsiteX3" fmla="*/ 1006813 w 2013626"/>
-                    <a:gd name="connsiteY3" fmla="*/ 3471768 h 3471768"/>
-                  </a:gdLst>
-                  <a:ahLst/>
-                  <a:cxnLst>
-                    <a:cxn ang="0">
-                      <a:pos x="connsiteX0" y="connsiteY0"/>
-                    </a:cxn>
-                    <a:cxn ang="0">
-                      <a:pos x="connsiteX1" y="connsiteY1"/>
-                    </a:cxn>
-                    <a:cxn ang="0">
-                      <a:pos x="connsiteX2" y="connsiteY2"/>
-                    </a:cxn>
-                    <a:cxn ang="0">
-                      <a:pos x="connsiteX3" y="connsiteY3"/>
-                    </a:cxn>
-                  </a:cxnLst>
-                  <a:rect l="l" t="t" r="r" b="b"/>
-                  <a:pathLst>
-                    <a:path w="2013626" h="3471768">
-                      <a:moveTo>
-                        <a:pt x="0" y="1735884"/>
-                      </a:moveTo>
-                      <a:lnTo>
-                        <a:pt x="1006813" y="0"/>
-                      </a:lnTo>
-                      <a:lnTo>
-                        <a:pt x="2013626" y="1735884"/>
-                      </a:lnTo>
-                      <a:lnTo>
-                        <a:pt x="1006813" y="3471768"/>
-                      </a:lnTo>
-                      <a:close/>
-                    </a:path>
-                  </a:pathLst>
-                </a:custGeom>
-                <a:solidFill>
-                  <a:srgbClr val="0E6A9C"/>
-                </a:solidFill>
-                <a:ln cap="rnd">
-                  <a:noFill/>
-                  <a:round/>
-                </a:ln>
-              </p:spPr>
-              <p:style>
-                <a:lnRef idx="2">
-                  <a:schemeClr val="accent1">
-                    <a:shade val="50000"/>
-                  </a:schemeClr>
-                </a:lnRef>
-                <a:fillRef idx="1">
-                  <a:schemeClr val="accent1"/>
-                </a:fillRef>
-                <a:effectRef idx="0">
-                  <a:schemeClr val="accent1"/>
-                </a:effectRef>
-                <a:fontRef idx="minor">
-                  <a:schemeClr val="lt1"/>
-                </a:fontRef>
-              </p:style>
-              <p:txBody>
-                <a:bodyPr rtlCol="0" anchor="ctr"/>
-                <a:lstStyle/>
-                <a:p>
-                  <a:pPr algn="ctr"/>
-                  <a:endParaRPr lang="sv-SE"/>
-                </a:p>
-              </p:txBody>
-            </p:sp>
-            <p:sp>
-              <p:nvSpPr>
-                <p:cNvPr id="119" name="Freeform 127">
-                  <a:extLst>
-                    <a:ext uri="{FF2B5EF4-FFF2-40B4-BE49-F238E27FC236}">
-                      <a16:creationId xmlns:a16="http://schemas.microsoft.com/office/drawing/2014/main" id="{F5FE9B0C-0407-2342-9B80-9AC523079304}"/>
-                    </a:ext>
-                  </a:extLst>
-                </p:cNvPr>
-                <p:cNvSpPr/>
-                <p:nvPr/>
-              </p:nvSpPr>
-              <p:spPr>
-                <a:xfrm rot="5400000">
-                  <a:off x="3707644" y="3031459"/>
-                  <a:ext cx="364776" cy="631319"/>
-                </a:xfrm>
-                <a:custGeom>
-                  <a:avLst/>
-                  <a:gdLst>
-                    <a:gd name="connsiteX0" fmla="*/ 0 w 2013626"/>
-                    <a:gd name="connsiteY0" fmla="*/ 1735884 h 3471768"/>
-                    <a:gd name="connsiteX1" fmla="*/ 1006813 w 2013626"/>
-                    <a:gd name="connsiteY1" fmla="*/ 0 h 3471768"/>
-                    <a:gd name="connsiteX2" fmla="*/ 2013626 w 2013626"/>
-                    <a:gd name="connsiteY2" fmla="*/ 1735884 h 3471768"/>
-                    <a:gd name="connsiteX3" fmla="*/ 1006813 w 2013626"/>
-                    <a:gd name="connsiteY3" fmla="*/ 3471768 h 3471768"/>
-                  </a:gdLst>
-                  <a:ahLst/>
-                  <a:cxnLst>
-                    <a:cxn ang="0">
-                      <a:pos x="connsiteX0" y="connsiteY0"/>
-                    </a:cxn>
-                    <a:cxn ang="0">
-                      <a:pos x="connsiteX1" y="connsiteY1"/>
-                    </a:cxn>
-                    <a:cxn ang="0">
-                      <a:pos x="connsiteX2" y="connsiteY2"/>
-                    </a:cxn>
-                    <a:cxn ang="0">
-                      <a:pos x="connsiteX3" y="connsiteY3"/>
-                    </a:cxn>
-                  </a:cxnLst>
-                  <a:rect l="l" t="t" r="r" b="b"/>
-                  <a:pathLst>
-                    <a:path w="2013626" h="3471768">
-                      <a:moveTo>
-                        <a:pt x="0" y="1735884"/>
-                      </a:moveTo>
-                      <a:lnTo>
-                        <a:pt x="1006813" y="0"/>
-                      </a:lnTo>
-                      <a:lnTo>
-                        <a:pt x="2013626" y="1735884"/>
-                      </a:lnTo>
-                      <a:lnTo>
-                        <a:pt x="1006813" y="3471768"/>
-                      </a:lnTo>
-                      <a:close/>
-                    </a:path>
-                  </a:pathLst>
-                </a:custGeom>
-                <a:solidFill>
-                  <a:srgbClr val="4A9DDC"/>
-                </a:solidFill>
-                <a:ln cap="rnd">
-                  <a:noFill/>
-                  <a:round/>
-                </a:ln>
-              </p:spPr>
-              <p:style>
-                <a:lnRef idx="2">
-                  <a:schemeClr val="accent1">
-                    <a:shade val="50000"/>
-                  </a:schemeClr>
-                </a:lnRef>
-                <a:fillRef idx="1">
-                  <a:schemeClr val="accent1"/>
-                </a:fillRef>
-                <a:effectRef idx="0">
-                  <a:schemeClr val="accent1"/>
-                </a:effectRef>
-                <a:fontRef idx="minor">
-                  <a:schemeClr val="lt1"/>
-                </a:fontRef>
-              </p:style>
-              <p:txBody>
-                <a:bodyPr rtlCol="0" anchor="ctr"/>
-                <a:lstStyle/>
-                <a:p>
-                  <a:pPr algn="ctr"/>
-                  <a:endParaRPr lang="sv-SE"/>
-                </a:p>
-              </p:txBody>
-            </p:sp>
-          </p:grpSp>
-          <p:sp>
-            <p:nvSpPr>
-              <p:cNvPr id="116" name="Oval 18">
-                <a:extLst>
-                  <a:ext uri="{FF2B5EF4-FFF2-40B4-BE49-F238E27FC236}">
-                    <a16:creationId xmlns:a16="http://schemas.microsoft.com/office/drawing/2014/main" id="{8CC79C01-86B5-B044-9927-D797626869D9}"/>
-                  </a:ext>
-                </a:extLst>
-              </p:cNvPr>
-              <p:cNvSpPr/>
-              <p:nvPr/>
-            </p:nvSpPr>
-            <p:spPr>
-              <a:xfrm>
-                <a:off x="2781468" y="3419788"/>
-                <a:ext cx="1390950" cy="927300"/>
-              </a:xfrm>
-              <a:prstGeom prst="ellipse">
-                <a:avLst/>
-              </a:prstGeom>
-              <a:solidFill>
-                <a:schemeClr val="tx1">
-                  <a:alpha val="80000"/>
-                </a:schemeClr>
-              </a:solidFill>
-              <a:ln>
-                <a:noFill/>
-              </a:ln>
-              <a:effectLst>
-                <a:softEdge rad="317500"/>
-              </a:effectLst>
-            </p:spPr>
-            <p:style>
-              <a:lnRef idx="2">
-                <a:schemeClr val="accent1">
-                  <a:shade val="50000"/>
-                </a:schemeClr>
-              </a:lnRef>
-              <a:fillRef idx="1">
-                <a:schemeClr val="accent1"/>
-              </a:fillRef>
-              <a:effectRef idx="0">
-                <a:schemeClr val="accent1"/>
-              </a:effectRef>
-              <a:fontRef idx="minor">
-                <a:schemeClr val="lt1"/>
-              </a:fontRef>
-            </p:style>
-            <p:txBody>
-              <a:bodyPr rtlCol="0" anchor="ctr"/>
-              <a:lstStyle/>
-              <a:p>
-                <a:pPr algn="ctr"/>
-                <a:endParaRPr lang="sv-SE" dirty="0"/>
-              </a:p>
-            </p:txBody>
-          </p:sp>
-        </p:grpSp>
-        <p:cxnSp>
-          <p:nvCxnSpPr>
-            <p:cNvPr id="80" name="Rak 79">
-              <a:extLst>
-                <a:ext uri="{FF2B5EF4-FFF2-40B4-BE49-F238E27FC236}">
-                  <a16:creationId xmlns:a16="http://schemas.microsoft.com/office/drawing/2014/main" id="{52EA5B1A-CF9D-1F4A-9EF2-E0302E778AFA}"/>
-                </a:ext>
-              </a:extLst>
-            </p:cNvPr>
-            <p:cNvCxnSpPr>
-              <a:cxnSpLocks/>
-              <a:endCxn id="113" idx="0"/>
-            </p:cNvCxnSpPr>
-            <p:nvPr/>
-          </p:nvCxnSpPr>
-          <p:spPr>
-            <a:xfrm flipH="1">
-              <a:off x="3602377" y="2682327"/>
-              <a:ext cx="597350" cy="349960"/>
-            </a:xfrm>
-            <a:prstGeom prst="line">
-              <a:avLst/>
-            </a:prstGeom>
-            <a:ln w="63500" cap="rnd">
-              <a:solidFill>
-                <a:srgbClr val="3BFF00"/>
-              </a:solidFill>
-              <a:prstDash val="solid"/>
-              <a:round/>
-            </a:ln>
-          </p:spPr>
-          <p:style>
-            <a:lnRef idx="1">
-              <a:schemeClr val="accent1"/>
-            </a:lnRef>
-            <a:fillRef idx="0">
-              <a:schemeClr val="accent1"/>
-            </a:fillRef>
-            <a:effectRef idx="0">
-              <a:schemeClr val="accent1"/>
-            </a:effectRef>
-            <a:fontRef idx="minor">
-              <a:schemeClr val="tx1"/>
-            </a:fontRef>
-          </p:style>
-        </p:cxnSp>
-        <p:grpSp>
-          <p:nvGrpSpPr>
-            <p:cNvPr id="81" name="Grupp 80">
-              <a:extLst>
-                <a:ext uri="{FF2B5EF4-FFF2-40B4-BE49-F238E27FC236}">
-                  <a16:creationId xmlns:a16="http://schemas.microsoft.com/office/drawing/2014/main" id="{D5FFDF9D-94D3-BE4A-AD56-4343113D137C}"/>
-                </a:ext>
-              </a:extLst>
-            </p:cNvPr>
-            <p:cNvGrpSpPr/>
-            <p:nvPr/>
-          </p:nvGrpSpPr>
-          <p:grpSpPr>
-            <a:xfrm>
-              <a:off x="3372590" y="2786033"/>
-              <a:ext cx="459615" cy="521081"/>
-              <a:chOff x="3549360" y="3164731"/>
-              <a:chExt cx="680621" cy="771644"/>
-            </a:xfrm>
-          </p:grpSpPr>
-          <p:sp>
-            <p:nvSpPr>
-              <p:cNvPr id="112" name="Freeform 125">
-                <a:extLst>
-                  <a:ext uri="{FF2B5EF4-FFF2-40B4-BE49-F238E27FC236}">
-                    <a16:creationId xmlns:a16="http://schemas.microsoft.com/office/drawing/2014/main" id="{B29DEAEF-AE8F-1A4C-9D97-B46AC1CED94E}"/>
-                  </a:ext>
-                </a:extLst>
-              </p:cNvPr>
-              <p:cNvSpPr/>
-              <p:nvPr/>
-            </p:nvSpPr>
-            <p:spPr>
-              <a:xfrm rot="9000000">
-                <a:off x="3549360" y="3304808"/>
-                <a:ext cx="364776" cy="631567"/>
-              </a:xfrm>
-              <a:custGeom>
-                <a:avLst/>
-                <a:gdLst>
-                  <a:gd name="connsiteX0" fmla="*/ 0 w 2013626"/>
-                  <a:gd name="connsiteY0" fmla="*/ 1735884 h 3471768"/>
-                  <a:gd name="connsiteX1" fmla="*/ 1006813 w 2013626"/>
-                  <a:gd name="connsiteY1" fmla="*/ 0 h 3471768"/>
-                  <a:gd name="connsiteX2" fmla="*/ 2013626 w 2013626"/>
-                  <a:gd name="connsiteY2" fmla="*/ 1735884 h 3471768"/>
-                  <a:gd name="connsiteX3" fmla="*/ 1006813 w 2013626"/>
-                  <a:gd name="connsiteY3" fmla="*/ 3471768 h 3471768"/>
-                </a:gdLst>
-                <a:ahLst/>
-                <a:cxnLst>
-                  <a:cxn ang="0">
-                    <a:pos x="connsiteX0" y="connsiteY0"/>
-                  </a:cxn>
-                  <a:cxn ang="0">
-                    <a:pos x="connsiteX1" y="connsiteY1"/>
-                  </a:cxn>
-                  <a:cxn ang="0">
-                    <a:pos x="connsiteX2" y="connsiteY2"/>
-                  </a:cxn>
-                  <a:cxn ang="0">
-                    <a:pos x="connsiteX3" y="connsiteY3"/>
-                  </a:cxn>
-                </a:cxnLst>
-                <a:rect l="l" t="t" r="r" b="b"/>
-                <a:pathLst>
-                  <a:path w="2013626" h="3471768">
-                    <a:moveTo>
-                      <a:pt x="0" y="1735884"/>
-                    </a:moveTo>
-                    <a:lnTo>
-                      <a:pt x="1006813" y="0"/>
-                    </a:lnTo>
-                    <a:lnTo>
-                      <a:pt x="2013626" y="1735884"/>
-                    </a:lnTo>
-                    <a:lnTo>
-                      <a:pt x="1006813" y="3471768"/>
-                    </a:lnTo>
-                    <a:close/>
-                  </a:path>
-                </a:pathLst>
-              </a:custGeom>
-              <a:solidFill>
-                <a:srgbClr val="E4AD03"/>
-              </a:solidFill>
-              <a:ln cap="rnd">
-                <a:noFill/>
-                <a:round/>
-              </a:ln>
-            </p:spPr>
-            <p:style>
-              <a:lnRef idx="2">
-                <a:schemeClr val="accent1">
-                  <a:shade val="50000"/>
-                </a:schemeClr>
-              </a:lnRef>
-              <a:fillRef idx="1">
-                <a:schemeClr val="accent1"/>
-              </a:fillRef>
-              <a:effectRef idx="0">
-                <a:schemeClr val="accent1"/>
-              </a:effectRef>
-              <a:fontRef idx="minor">
-                <a:schemeClr val="lt1"/>
-              </a:fontRef>
-            </p:style>
-            <p:txBody>
-              <a:bodyPr rtlCol="0" anchor="ctr"/>
-              <a:lstStyle/>
-              <a:p>
-                <a:pPr algn="ctr"/>
-                <a:endParaRPr lang="sv-SE"/>
-              </a:p>
-            </p:txBody>
-          </p:sp>
-          <p:sp>
-            <p:nvSpPr>
-              <p:cNvPr id="113" name="Freeform 126">
-                <a:extLst>
-                  <a:ext uri="{FF2B5EF4-FFF2-40B4-BE49-F238E27FC236}">
-                    <a16:creationId xmlns:a16="http://schemas.microsoft.com/office/drawing/2014/main" id="{E0972CB5-4C56-E648-90F7-BA1674E3CE75}"/>
-                  </a:ext>
-                </a:extLst>
-              </p:cNvPr>
-              <p:cNvSpPr/>
-              <p:nvPr/>
-            </p:nvSpPr>
-            <p:spPr>
-              <a:xfrm rot="12600000" flipH="1">
-                <a:off x="3865205" y="3304808"/>
-                <a:ext cx="364776" cy="631567"/>
-              </a:xfrm>
-              <a:custGeom>
-                <a:avLst/>
-                <a:gdLst>
-                  <a:gd name="connsiteX0" fmla="*/ 0 w 2013626"/>
-                  <a:gd name="connsiteY0" fmla="*/ 1735884 h 3471768"/>
-                  <a:gd name="connsiteX1" fmla="*/ 1006813 w 2013626"/>
-                  <a:gd name="connsiteY1" fmla="*/ 0 h 3471768"/>
-                  <a:gd name="connsiteX2" fmla="*/ 2013626 w 2013626"/>
-                  <a:gd name="connsiteY2" fmla="*/ 1735884 h 3471768"/>
-                  <a:gd name="connsiteX3" fmla="*/ 1006813 w 2013626"/>
-                  <a:gd name="connsiteY3" fmla="*/ 3471768 h 3471768"/>
-                </a:gdLst>
-                <a:ahLst/>
-                <a:cxnLst>
-                  <a:cxn ang="0">
-                    <a:pos x="connsiteX0" y="connsiteY0"/>
-                  </a:cxn>
-                  <a:cxn ang="0">
-                    <a:pos x="connsiteX1" y="connsiteY1"/>
-                  </a:cxn>
-                  <a:cxn ang="0">
-                    <a:pos x="connsiteX2" y="connsiteY2"/>
-                  </a:cxn>
-                  <a:cxn ang="0">
-                    <a:pos x="connsiteX3" y="connsiteY3"/>
-                  </a:cxn>
-                </a:cxnLst>
-                <a:rect l="l" t="t" r="r" b="b"/>
-                <a:pathLst>
-                  <a:path w="2013626" h="3471768">
-                    <a:moveTo>
-                      <a:pt x="0" y="1735884"/>
-                    </a:moveTo>
-                    <a:lnTo>
-                      <a:pt x="1006813" y="0"/>
-                    </a:lnTo>
-                    <a:lnTo>
-                      <a:pt x="2013626" y="1735884"/>
-                    </a:lnTo>
-                    <a:lnTo>
-                      <a:pt x="1006813" y="3471768"/>
-                    </a:lnTo>
-                    <a:close/>
-                  </a:path>
-                </a:pathLst>
-              </a:custGeom>
-              <a:solidFill>
-                <a:srgbClr val="BE9005"/>
-              </a:solidFill>
-              <a:ln cap="rnd">
-                <a:noFill/>
-                <a:round/>
-              </a:ln>
-            </p:spPr>
-            <p:style>
-              <a:lnRef idx="2">
-                <a:schemeClr val="accent1">
-                  <a:shade val="50000"/>
-                </a:schemeClr>
-              </a:lnRef>
-              <a:fillRef idx="1">
-                <a:schemeClr val="accent1"/>
-              </a:fillRef>
-              <a:effectRef idx="0">
-                <a:schemeClr val="accent1"/>
-              </a:effectRef>
-              <a:fontRef idx="minor">
-                <a:schemeClr val="lt1"/>
-              </a:fontRef>
-            </p:style>
-            <p:txBody>
-              <a:bodyPr rtlCol="0" anchor="ctr"/>
-              <a:lstStyle/>
-              <a:p>
-                <a:pPr algn="ctr"/>
-                <a:endParaRPr lang="sv-SE"/>
-              </a:p>
-            </p:txBody>
-          </p:sp>
-          <p:sp>
-            <p:nvSpPr>
-              <p:cNvPr id="114" name="Freeform 127">
-                <a:extLst>
-                  <a:ext uri="{FF2B5EF4-FFF2-40B4-BE49-F238E27FC236}">
-                    <a16:creationId xmlns:a16="http://schemas.microsoft.com/office/drawing/2014/main" id="{597F0A69-E635-0C4D-80EE-B0069838E88F}"/>
-                  </a:ext>
-                </a:extLst>
-              </p:cNvPr>
-              <p:cNvSpPr/>
-              <p:nvPr/>
-            </p:nvSpPr>
-            <p:spPr>
-              <a:xfrm rot="5400000">
-                <a:off x="3707644" y="3031459"/>
-                <a:ext cx="364776" cy="631319"/>
-              </a:xfrm>
-              <a:custGeom>
-                <a:avLst/>
-                <a:gdLst>
-                  <a:gd name="connsiteX0" fmla="*/ 0 w 2013626"/>
-                  <a:gd name="connsiteY0" fmla="*/ 1735884 h 3471768"/>
-                  <a:gd name="connsiteX1" fmla="*/ 1006813 w 2013626"/>
-                  <a:gd name="connsiteY1" fmla="*/ 0 h 3471768"/>
-                  <a:gd name="connsiteX2" fmla="*/ 2013626 w 2013626"/>
-                  <a:gd name="connsiteY2" fmla="*/ 1735884 h 3471768"/>
-                  <a:gd name="connsiteX3" fmla="*/ 1006813 w 2013626"/>
-                  <a:gd name="connsiteY3" fmla="*/ 3471768 h 3471768"/>
-                </a:gdLst>
-                <a:ahLst/>
-                <a:cxnLst>
-                  <a:cxn ang="0">
-                    <a:pos x="connsiteX0" y="connsiteY0"/>
-                  </a:cxn>
-                  <a:cxn ang="0">
-                    <a:pos x="connsiteX1" y="connsiteY1"/>
-                  </a:cxn>
-                  <a:cxn ang="0">
-                    <a:pos x="connsiteX2" y="connsiteY2"/>
-                  </a:cxn>
-                  <a:cxn ang="0">
-                    <a:pos x="connsiteX3" y="connsiteY3"/>
-                  </a:cxn>
-                </a:cxnLst>
-                <a:rect l="l" t="t" r="r" b="b"/>
-                <a:pathLst>
-                  <a:path w="2013626" h="3471768">
-                    <a:moveTo>
-                      <a:pt x="0" y="1735884"/>
-                    </a:moveTo>
-                    <a:lnTo>
-                      <a:pt x="1006813" y="0"/>
-                    </a:lnTo>
-                    <a:lnTo>
-                      <a:pt x="2013626" y="1735884"/>
-                    </a:lnTo>
-                    <a:lnTo>
-                      <a:pt x="1006813" y="3471768"/>
-                    </a:lnTo>
-                    <a:close/>
-                  </a:path>
-                </a:pathLst>
-              </a:custGeom>
-              <a:solidFill>
-                <a:srgbClr val="FFC001"/>
-              </a:solidFill>
-              <a:ln cap="rnd">
-                <a:noFill/>
-                <a:round/>
-              </a:ln>
-            </p:spPr>
-            <p:style>
-              <a:lnRef idx="2">
-                <a:schemeClr val="accent1">
-                  <a:shade val="50000"/>
-                </a:schemeClr>
-              </a:lnRef>
-              <a:fillRef idx="1">
-                <a:schemeClr val="accent1"/>
-              </a:fillRef>
-              <a:effectRef idx="0">
-                <a:schemeClr val="accent1"/>
-              </a:effectRef>
-              <a:fontRef idx="minor">
-                <a:schemeClr val="lt1"/>
-              </a:fontRef>
-            </p:style>
-            <p:txBody>
-              <a:bodyPr rtlCol="0" anchor="ctr"/>
-              <a:lstStyle/>
-              <a:p>
-                <a:pPr algn="ctr"/>
-                <a:endParaRPr lang="sv-SE"/>
-              </a:p>
-            </p:txBody>
-          </p:sp>
-        </p:grpSp>
-        <p:cxnSp>
-          <p:nvCxnSpPr>
-            <p:cNvPr id="82" name="Rak 81">
-              <a:extLst>
-                <a:ext uri="{FF2B5EF4-FFF2-40B4-BE49-F238E27FC236}">
-                  <a16:creationId xmlns:a16="http://schemas.microsoft.com/office/drawing/2014/main" id="{143A5D87-1D5D-B540-84A6-D5CB486362F6}"/>
-                </a:ext>
-              </a:extLst>
-            </p:cNvPr>
-            <p:cNvCxnSpPr>
-              <a:cxnSpLocks/>
-              <a:endCxn id="109" idx="0"/>
-            </p:cNvCxnSpPr>
-            <p:nvPr/>
-          </p:nvCxnSpPr>
-          <p:spPr>
-            <a:xfrm flipH="1">
-              <a:off x="2889361" y="3093870"/>
-              <a:ext cx="602068" cy="349960"/>
-            </a:xfrm>
-            <a:prstGeom prst="line">
-              <a:avLst/>
-            </a:prstGeom>
-            <a:ln w="63500" cap="rnd">
-              <a:solidFill>
-                <a:srgbClr val="3BFF00"/>
-              </a:solidFill>
-              <a:prstDash val="solid"/>
-              <a:round/>
-            </a:ln>
-          </p:spPr>
-          <p:style>
-            <a:lnRef idx="1">
-              <a:schemeClr val="accent1"/>
-            </a:lnRef>
-            <a:fillRef idx="0">
-              <a:schemeClr val="accent1"/>
-            </a:fillRef>
-            <a:effectRef idx="0">
-              <a:schemeClr val="accent1"/>
-            </a:effectRef>
-            <a:fontRef idx="minor">
-              <a:schemeClr val="tx1"/>
-            </a:fontRef>
-          </p:style>
-        </p:cxnSp>
-        <p:grpSp>
-          <p:nvGrpSpPr>
-            <p:cNvPr id="83" name="Grupp 82">
-              <a:extLst>
-                <a:ext uri="{FF2B5EF4-FFF2-40B4-BE49-F238E27FC236}">
-                  <a16:creationId xmlns:a16="http://schemas.microsoft.com/office/drawing/2014/main" id="{310B04B6-8D91-2E47-B31E-D4C94828E0D1}"/>
-                </a:ext>
-              </a:extLst>
-            </p:cNvPr>
-            <p:cNvGrpSpPr/>
-            <p:nvPr/>
-          </p:nvGrpSpPr>
-          <p:grpSpPr>
-            <a:xfrm>
-              <a:off x="2659533" y="3197575"/>
-              <a:ext cx="459615" cy="521082"/>
-              <a:chOff x="3549360" y="3164731"/>
-              <a:chExt cx="680621" cy="771644"/>
-            </a:xfrm>
-          </p:grpSpPr>
-          <p:sp>
-            <p:nvSpPr>
-              <p:cNvPr id="109" name="Freeform 125">
-                <a:extLst>
-                  <a:ext uri="{FF2B5EF4-FFF2-40B4-BE49-F238E27FC236}">
-                    <a16:creationId xmlns:a16="http://schemas.microsoft.com/office/drawing/2014/main" id="{27E1E73D-9B58-CD4A-9D24-AB16E937676C}"/>
-                  </a:ext>
-                </a:extLst>
-              </p:cNvPr>
-              <p:cNvSpPr/>
-              <p:nvPr/>
-            </p:nvSpPr>
-            <p:spPr>
-              <a:xfrm rot="9000000">
-                <a:off x="3549360" y="3304808"/>
-                <a:ext cx="364776" cy="631567"/>
-              </a:xfrm>
-              <a:custGeom>
-                <a:avLst/>
-                <a:gdLst>
-                  <a:gd name="connsiteX0" fmla="*/ 0 w 2013626"/>
-                  <a:gd name="connsiteY0" fmla="*/ 1735884 h 3471768"/>
-                  <a:gd name="connsiteX1" fmla="*/ 1006813 w 2013626"/>
-                  <a:gd name="connsiteY1" fmla="*/ 0 h 3471768"/>
-                  <a:gd name="connsiteX2" fmla="*/ 2013626 w 2013626"/>
-                  <a:gd name="connsiteY2" fmla="*/ 1735884 h 3471768"/>
-                  <a:gd name="connsiteX3" fmla="*/ 1006813 w 2013626"/>
-                  <a:gd name="connsiteY3" fmla="*/ 3471768 h 3471768"/>
-                </a:gdLst>
-                <a:ahLst/>
-                <a:cxnLst>
-                  <a:cxn ang="0">
-                    <a:pos x="connsiteX0" y="connsiteY0"/>
-                  </a:cxn>
-                  <a:cxn ang="0">
-                    <a:pos x="connsiteX1" y="connsiteY1"/>
-                  </a:cxn>
-                  <a:cxn ang="0">
-                    <a:pos x="connsiteX2" y="connsiteY2"/>
-                  </a:cxn>
-                  <a:cxn ang="0">
-                    <a:pos x="connsiteX3" y="connsiteY3"/>
-                  </a:cxn>
-                </a:cxnLst>
-                <a:rect l="l" t="t" r="r" b="b"/>
-                <a:pathLst>
-                  <a:path w="2013626" h="3471768">
-                    <a:moveTo>
-                      <a:pt x="0" y="1735884"/>
-                    </a:moveTo>
-                    <a:lnTo>
-                      <a:pt x="1006813" y="0"/>
-                    </a:lnTo>
-                    <a:lnTo>
-                      <a:pt x="2013626" y="1735884"/>
-                    </a:lnTo>
-                    <a:lnTo>
-                      <a:pt x="1006813" y="3471768"/>
-                    </a:lnTo>
-                    <a:close/>
-                  </a:path>
-                </a:pathLst>
-              </a:custGeom>
-              <a:solidFill>
-                <a:srgbClr val="F45A22"/>
-              </a:solidFill>
-              <a:ln cap="rnd">
-                <a:noFill/>
-                <a:round/>
-              </a:ln>
-            </p:spPr>
-            <p:style>
-              <a:lnRef idx="2">
-                <a:schemeClr val="accent1">
-                  <a:shade val="50000"/>
-                </a:schemeClr>
-              </a:lnRef>
-              <a:fillRef idx="1">
-                <a:schemeClr val="accent1"/>
-              </a:fillRef>
-              <a:effectRef idx="0">
-                <a:schemeClr val="accent1"/>
-              </a:effectRef>
-              <a:fontRef idx="minor">
-                <a:schemeClr val="lt1"/>
-              </a:fontRef>
-            </p:style>
-            <p:txBody>
-              <a:bodyPr rtlCol="0" anchor="ctr"/>
-              <a:lstStyle/>
-              <a:p>
-                <a:pPr algn="ctr"/>
-                <a:endParaRPr lang="sv-SE"/>
-              </a:p>
-            </p:txBody>
-          </p:sp>
-          <p:sp>
-            <p:nvSpPr>
-              <p:cNvPr id="110" name="Freeform 126">
-                <a:extLst>
-                  <a:ext uri="{FF2B5EF4-FFF2-40B4-BE49-F238E27FC236}">
-                    <a16:creationId xmlns:a16="http://schemas.microsoft.com/office/drawing/2014/main" id="{1C404844-C8E2-4246-A5FB-4F54819641B2}"/>
-                  </a:ext>
-                </a:extLst>
-              </p:cNvPr>
-              <p:cNvSpPr/>
-              <p:nvPr/>
-            </p:nvSpPr>
-            <p:spPr>
-              <a:xfrm rot="12600000" flipH="1">
-                <a:off x="3865205" y="3304808"/>
-                <a:ext cx="364776" cy="631567"/>
-              </a:xfrm>
-              <a:custGeom>
-                <a:avLst/>
-                <a:gdLst>
-                  <a:gd name="connsiteX0" fmla="*/ 0 w 2013626"/>
-                  <a:gd name="connsiteY0" fmla="*/ 1735884 h 3471768"/>
-                  <a:gd name="connsiteX1" fmla="*/ 1006813 w 2013626"/>
-                  <a:gd name="connsiteY1" fmla="*/ 0 h 3471768"/>
-                  <a:gd name="connsiteX2" fmla="*/ 2013626 w 2013626"/>
-                  <a:gd name="connsiteY2" fmla="*/ 1735884 h 3471768"/>
-                  <a:gd name="connsiteX3" fmla="*/ 1006813 w 2013626"/>
-                  <a:gd name="connsiteY3" fmla="*/ 3471768 h 3471768"/>
-                </a:gdLst>
-                <a:ahLst/>
-                <a:cxnLst>
-                  <a:cxn ang="0">
-                    <a:pos x="connsiteX0" y="connsiteY0"/>
-                  </a:cxn>
-                  <a:cxn ang="0">
-                    <a:pos x="connsiteX1" y="connsiteY1"/>
-                  </a:cxn>
-                  <a:cxn ang="0">
-                    <a:pos x="connsiteX2" y="connsiteY2"/>
-                  </a:cxn>
-                  <a:cxn ang="0">
-                    <a:pos x="connsiteX3" y="connsiteY3"/>
-                  </a:cxn>
-                </a:cxnLst>
-                <a:rect l="l" t="t" r="r" b="b"/>
-                <a:pathLst>
-                  <a:path w="2013626" h="3471768">
-                    <a:moveTo>
-                      <a:pt x="0" y="1735884"/>
-                    </a:moveTo>
-                    <a:lnTo>
-                      <a:pt x="1006813" y="0"/>
-                    </a:lnTo>
-                    <a:lnTo>
-                      <a:pt x="2013626" y="1735884"/>
-                    </a:lnTo>
-                    <a:lnTo>
-                      <a:pt x="1006813" y="3471768"/>
-                    </a:lnTo>
-                    <a:close/>
-                  </a:path>
-                </a:pathLst>
-              </a:custGeom>
-              <a:solidFill>
-                <a:srgbClr val="B6431A"/>
-              </a:solidFill>
-              <a:ln cap="rnd">
-                <a:noFill/>
-                <a:round/>
-              </a:ln>
-            </p:spPr>
-            <p:style>
-              <a:lnRef idx="2">
-                <a:schemeClr val="accent1">
-                  <a:shade val="50000"/>
-                </a:schemeClr>
-              </a:lnRef>
-              <a:fillRef idx="1">
-                <a:schemeClr val="accent1"/>
-              </a:fillRef>
-              <a:effectRef idx="0">
-                <a:schemeClr val="accent1"/>
-              </a:effectRef>
-              <a:fontRef idx="minor">
-                <a:schemeClr val="lt1"/>
-              </a:fontRef>
-            </p:style>
-            <p:txBody>
-              <a:bodyPr rtlCol="0" anchor="ctr"/>
-              <a:lstStyle/>
-              <a:p>
-                <a:pPr algn="ctr"/>
-                <a:endParaRPr lang="sv-SE"/>
-              </a:p>
-            </p:txBody>
-          </p:sp>
-          <p:sp>
-            <p:nvSpPr>
-              <p:cNvPr id="111" name="Freeform 127">
-                <a:extLst>
-                  <a:ext uri="{FF2B5EF4-FFF2-40B4-BE49-F238E27FC236}">
-                    <a16:creationId xmlns:a16="http://schemas.microsoft.com/office/drawing/2014/main" id="{F1912568-49E1-C94D-9DEC-754938151CA2}"/>
-                  </a:ext>
-                </a:extLst>
-              </p:cNvPr>
-              <p:cNvSpPr/>
-              <p:nvPr/>
-            </p:nvSpPr>
-            <p:spPr>
-              <a:xfrm rot="5400000">
-                <a:off x="3707644" y="3031459"/>
-                <a:ext cx="364776" cy="631319"/>
-              </a:xfrm>
-              <a:custGeom>
-                <a:avLst/>
-                <a:gdLst>
-                  <a:gd name="connsiteX0" fmla="*/ 0 w 2013626"/>
-                  <a:gd name="connsiteY0" fmla="*/ 1735884 h 3471768"/>
-                  <a:gd name="connsiteX1" fmla="*/ 1006813 w 2013626"/>
-                  <a:gd name="connsiteY1" fmla="*/ 0 h 3471768"/>
-                  <a:gd name="connsiteX2" fmla="*/ 2013626 w 2013626"/>
-                  <a:gd name="connsiteY2" fmla="*/ 1735884 h 3471768"/>
-                  <a:gd name="connsiteX3" fmla="*/ 1006813 w 2013626"/>
-                  <a:gd name="connsiteY3" fmla="*/ 3471768 h 3471768"/>
-                </a:gdLst>
-                <a:ahLst/>
-                <a:cxnLst>
-                  <a:cxn ang="0">
-                    <a:pos x="connsiteX0" y="connsiteY0"/>
-                  </a:cxn>
-                  <a:cxn ang="0">
-                    <a:pos x="connsiteX1" y="connsiteY1"/>
-                  </a:cxn>
-                  <a:cxn ang="0">
-                    <a:pos x="connsiteX2" y="connsiteY2"/>
-                  </a:cxn>
-                  <a:cxn ang="0">
-                    <a:pos x="connsiteX3" y="connsiteY3"/>
-                  </a:cxn>
-                </a:cxnLst>
-                <a:rect l="l" t="t" r="r" b="b"/>
-                <a:pathLst>
-                  <a:path w="2013626" h="3471768">
-                    <a:moveTo>
-                      <a:pt x="0" y="1735884"/>
-                    </a:moveTo>
-                    <a:lnTo>
-                      <a:pt x="1006813" y="0"/>
-                    </a:lnTo>
-                    <a:lnTo>
-                      <a:pt x="2013626" y="1735884"/>
-                    </a:lnTo>
-                    <a:lnTo>
-                      <a:pt x="1006813" y="3471768"/>
-                    </a:lnTo>
-                    <a:close/>
-                  </a:path>
-                </a:pathLst>
-              </a:custGeom>
-              <a:solidFill>
-                <a:srgbClr val="FF7941"/>
-              </a:solidFill>
-              <a:ln cap="rnd">
-                <a:noFill/>
-                <a:round/>
-              </a:ln>
-            </p:spPr>
-            <p:style>
-              <a:lnRef idx="2">
-                <a:schemeClr val="accent1">
-                  <a:shade val="50000"/>
-                </a:schemeClr>
-              </a:lnRef>
-              <a:fillRef idx="1">
-                <a:schemeClr val="accent1"/>
-              </a:fillRef>
-              <a:effectRef idx="0">
-                <a:schemeClr val="accent1"/>
-              </a:effectRef>
-              <a:fontRef idx="minor">
-                <a:schemeClr val="lt1"/>
-              </a:fontRef>
-            </p:style>
-            <p:txBody>
-              <a:bodyPr rtlCol="0" anchor="ctr"/>
-              <a:lstStyle/>
-              <a:p>
-                <a:pPr algn="ctr"/>
-                <a:endParaRPr lang="sv-SE"/>
-              </a:p>
-            </p:txBody>
-          </p:sp>
-        </p:grpSp>
-        <p:cxnSp>
-          <p:nvCxnSpPr>
-            <p:cNvPr id="84" name="Rak 83">
-              <a:extLst>
-                <a:ext uri="{FF2B5EF4-FFF2-40B4-BE49-F238E27FC236}">
-                  <a16:creationId xmlns:a16="http://schemas.microsoft.com/office/drawing/2014/main" id="{B9CE769F-87FF-BE41-84E4-954590FCC2D7}"/>
-                </a:ext>
-              </a:extLst>
-            </p:cNvPr>
-            <p:cNvCxnSpPr>
-              <a:cxnSpLocks/>
-              <a:endCxn id="107" idx="0"/>
-            </p:cNvCxnSpPr>
-            <p:nvPr/>
-          </p:nvCxnSpPr>
-          <p:spPr>
-            <a:xfrm>
-              <a:off x="3709429" y="3093870"/>
-              <a:ext cx="596921" cy="352660"/>
-            </a:xfrm>
-            <a:prstGeom prst="line">
-              <a:avLst/>
-            </a:prstGeom>
-            <a:ln w="63500" cap="rnd">
-              <a:solidFill>
-                <a:srgbClr val="3BFF00"/>
-              </a:solidFill>
-              <a:prstDash val="solid"/>
-              <a:round/>
-            </a:ln>
-          </p:spPr>
-          <p:style>
-            <a:lnRef idx="1">
-              <a:schemeClr val="accent1"/>
-            </a:lnRef>
-            <a:fillRef idx="0">
-              <a:schemeClr val="accent1"/>
-            </a:fillRef>
-            <a:effectRef idx="0">
-              <a:schemeClr val="accent1"/>
-            </a:effectRef>
-            <a:fontRef idx="minor">
-              <a:schemeClr val="tx1"/>
-            </a:fontRef>
-          </p:style>
-        </p:cxnSp>
-        <p:grpSp>
-          <p:nvGrpSpPr>
-            <p:cNvPr id="85" name="Grupp 84">
-              <a:extLst>
-                <a:ext uri="{FF2B5EF4-FFF2-40B4-BE49-F238E27FC236}">
-                  <a16:creationId xmlns:a16="http://schemas.microsoft.com/office/drawing/2014/main" id="{EDC85CAB-6C5E-734E-AB27-5904A11D113A}"/>
-                </a:ext>
-              </a:extLst>
-            </p:cNvPr>
-            <p:cNvGrpSpPr/>
-            <p:nvPr/>
-          </p:nvGrpSpPr>
-          <p:grpSpPr>
-            <a:xfrm>
-              <a:off x="4076563" y="3200276"/>
-              <a:ext cx="459615" cy="521081"/>
-              <a:chOff x="3549360" y="3164731"/>
-              <a:chExt cx="680621" cy="771644"/>
-            </a:xfrm>
-          </p:grpSpPr>
-          <p:sp>
-            <p:nvSpPr>
-              <p:cNvPr id="86" name="Freeform 125">
-                <a:extLst>
-                  <a:ext uri="{FF2B5EF4-FFF2-40B4-BE49-F238E27FC236}">
-                    <a16:creationId xmlns:a16="http://schemas.microsoft.com/office/drawing/2014/main" id="{95955219-3B4B-CF45-82FA-62B30F2DDDBE}"/>
-                  </a:ext>
-                </a:extLst>
-              </p:cNvPr>
-              <p:cNvSpPr/>
-              <p:nvPr/>
-            </p:nvSpPr>
-            <p:spPr>
-              <a:xfrm rot="9000000">
-                <a:off x="3549360" y="3304808"/>
-                <a:ext cx="364776" cy="631567"/>
-              </a:xfrm>
-              <a:custGeom>
-                <a:avLst/>
-                <a:gdLst>
-                  <a:gd name="connsiteX0" fmla="*/ 0 w 2013626"/>
-                  <a:gd name="connsiteY0" fmla="*/ 1735884 h 3471768"/>
-                  <a:gd name="connsiteX1" fmla="*/ 1006813 w 2013626"/>
-                  <a:gd name="connsiteY1" fmla="*/ 0 h 3471768"/>
-                  <a:gd name="connsiteX2" fmla="*/ 2013626 w 2013626"/>
-                  <a:gd name="connsiteY2" fmla="*/ 1735884 h 3471768"/>
-                  <a:gd name="connsiteX3" fmla="*/ 1006813 w 2013626"/>
-                  <a:gd name="connsiteY3" fmla="*/ 3471768 h 3471768"/>
-                </a:gdLst>
-                <a:ahLst/>
-                <a:cxnLst>
-                  <a:cxn ang="0">
-                    <a:pos x="connsiteX0" y="connsiteY0"/>
-                  </a:cxn>
-                  <a:cxn ang="0">
-                    <a:pos x="connsiteX1" y="connsiteY1"/>
-                  </a:cxn>
-                  <a:cxn ang="0">
-                    <a:pos x="connsiteX2" y="connsiteY2"/>
-                  </a:cxn>
-                  <a:cxn ang="0">
-                    <a:pos x="connsiteX3" y="connsiteY3"/>
-                  </a:cxn>
-                </a:cxnLst>
-                <a:rect l="l" t="t" r="r" b="b"/>
-                <a:pathLst>
-                  <a:path w="2013626" h="3471768">
-                    <a:moveTo>
-                      <a:pt x="0" y="1735884"/>
-                    </a:moveTo>
-                    <a:lnTo>
-                      <a:pt x="1006813" y="0"/>
-                    </a:lnTo>
-                    <a:lnTo>
-                      <a:pt x="2013626" y="1735884"/>
-                    </a:lnTo>
-                    <a:lnTo>
-                      <a:pt x="1006813" y="3471768"/>
-                    </a:lnTo>
-                    <a:close/>
-                  </a:path>
-                </a:pathLst>
-              </a:custGeom>
-              <a:solidFill>
-                <a:srgbClr val="8D42C7"/>
-              </a:solidFill>
-              <a:ln cap="rnd">
-                <a:noFill/>
-                <a:round/>
-              </a:ln>
-            </p:spPr>
-            <p:style>
-              <a:lnRef idx="2">
-                <a:schemeClr val="accent1">
-                  <a:shade val="50000"/>
-                </a:schemeClr>
-              </a:lnRef>
-              <a:fillRef idx="1">
-                <a:schemeClr val="accent1"/>
-              </a:fillRef>
-              <a:effectRef idx="0">
-                <a:schemeClr val="accent1"/>
-              </a:effectRef>
-              <a:fontRef idx="minor">
-                <a:schemeClr val="lt1"/>
-              </a:fontRef>
-            </p:style>
-            <p:txBody>
-              <a:bodyPr rtlCol="0" anchor="ctr"/>
-              <a:lstStyle/>
-              <a:p>
-                <a:pPr algn="ctr"/>
-                <a:endParaRPr lang="sv-SE"/>
-              </a:p>
-            </p:txBody>
-          </p:sp>
-          <p:sp>
-            <p:nvSpPr>
-              <p:cNvPr id="107" name="Freeform 126">
-                <a:extLst>
-                  <a:ext uri="{FF2B5EF4-FFF2-40B4-BE49-F238E27FC236}">
-                    <a16:creationId xmlns:a16="http://schemas.microsoft.com/office/drawing/2014/main" id="{B299B23A-703D-3545-9C9B-8A4283F007E6}"/>
-                  </a:ext>
-                </a:extLst>
-              </p:cNvPr>
-              <p:cNvSpPr/>
-              <p:nvPr/>
-            </p:nvSpPr>
-            <p:spPr>
-              <a:xfrm rot="12600000" flipH="1">
-                <a:off x="3865205" y="3304808"/>
-                <a:ext cx="364776" cy="631567"/>
-              </a:xfrm>
-              <a:custGeom>
-                <a:avLst/>
-                <a:gdLst>
-                  <a:gd name="connsiteX0" fmla="*/ 0 w 2013626"/>
-                  <a:gd name="connsiteY0" fmla="*/ 1735884 h 3471768"/>
-                  <a:gd name="connsiteX1" fmla="*/ 1006813 w 2013626"/>
-                  <a:gd name="connsiteY1" fmla="*/ 0 h 3471768"/>
-                  <a:gd name="connsiteX2" fmla="*/ 2013626 w 2013626"/>
-                  <a:gd name="connsiteY2" fmla="*/ 1735884 h 3471768"/>
-                  <a:gd name="connsiteX3" fmla="*/ 1006813 w 2013626"/>
-                  <a:gd name="connsiteY3" fmla="*/ 3471768 h 3471768"/>
-                </a:gdLst>
-                <a:ahLst/>
-                <a:cxnLst>
-                  <a:cxn ang="0">
-                    <a:pos x="connsiteX0" y="connsiteY0"/>
-                  </a:cxn>
-                  <a:cxn ang="0">
-                    <a:pos x="connsiteX1" y="connsiteY1"/>
-                  </a:cxn>
-                  <a:cxn ang="0">
-                    <a:pos x="connsiteX2" y="connsiteY2"/>
-                  </a:cxn>
-                  <a:cxn ang="0">
-                    <a:pos x="connsiteX3" y="connsiteY3"/>
-                  </a:cxn>
-                </a:cxnLst>
-                <a:rect l="l" t="t" r="r" b="b"/>
-                <a:pathLst>
-                  <a:path w="2013626" h="3471768">
-                    <a:moveTo>
-                      <a:pt x="0" y="1735884"/>
-                    </a:moveTo>
-                    <a:lnTo>
-                      <a:pt x="1006813" y="0"/>
-                    </a:lnTo>
-                    <a:lnTo>
-                      <a:pt x="2013626" y="1735884"/>
-                    </a:lnTo>
-                    <a:lnTo>
-                      <a:pt x="1006813" y="3471768"/>
-                    </a:lnTo>
-                    <a:close/>
-                  </a:path>
-                </a:pathLst>
-              </a:custGeom>
-              <a:solidFill>
-                <a:srgbClr val="7030A0"/>
-              </a:solidFill>
-              <a:ln cap="rnd">
-                <a:noFill/>
-                <a:round/>
-              </a:ln>
-            </p:spPr>
-            <p:style>
-              <a:lnRef idx="2">
-                <a:schemeClr val="accent1">
-                  <a:shade val="50000"/>
-                </a:schemeClr>
-              </a:lnRef>
-              <a:fillRef idx="1">
-                <a:schemeClr val="accent1"/>
-              </a:fillRef>
-              <a:effectRef idx="0">
-                <a:schemeClr val="accent1"/>
-              </a:effectRef>
-              <a:fontRef idx="minor">
-                <a:schemeClr val="lt1"/>
-              </a:fontRef>
-            </p:style>
-            <p:txBody>
-              <a:bodyPr rtlCol="0" anchor="ctr"/>
-              <a:lstStyle/>
-              <a:p>
-                <a:pPr algn="ctr"/>
-                <a:endParaRPr lang="sv-SE"/>
-              </a:p>
-            </p:txBody>
-          </p:sp>
-          <p:sp>
-            <p:nvSpPr>
-              <p:cNvPr id="108" name="Freeform 127">
-                <a:extLst>
-                  <a:ext uri="{FF2B5EF4-FFF2-40B4-BE49-F238E27FC236}">
-                    <a16:creationId xmlns:a16="http://schemas.microsoft.com/office/drawing/2014/main" id="{F070FB1F-AFC1-F941-B634-1B95B4AE5184}"/>
-                  </a:ext>
-                </a:extLst>
-              </p:cNvPr>
-              <p:cNvSpPr/>
-              <p:nvPr/>
-            </p:nvSpPr>
-            <p:spPr>
-              <a:xfrm rot="5400000">
-                <a:off x="3707644" y="3031459"/>
-                <a:ext cx="364776" cy="631319"/>
-              </a:xfrm>
-              <a:custGeom>
-                <a:avLst/>
-                <a:gdLst>
-                  <a:gd name="connsiteX0" fmla="*/ 0 w 2013626"/>
-                  <a:gd name="connsiteY0" fmla="*/ 1735884 h 3471768"/>
-                  <a:gd name="connsiteX1" fmla="*/ 1006813 w 2013626"/>
-                  <a:gd name="connsiteY1" fmla="*/ 0 h 3471768"/>
-                  <a:gd name="connsiteX2" fmla="*/ 2013626 w 2013626"/>
-                  <a:gd name="connsiteY2" fmla="*/ 1735884 h 3471768"/>
-                  <a:gd name="connsiteX3" fmla="*/ 1006813 w 2013626"/>
-                  <a:gd name="connsiteY3" fmla="*/ 3471768 h 3471768"/>
-                </a:gdLst>
-                <a:ahLst/>
-                <a:cxnLst>
-                  <a:cxn ang="0">
-                    <a:pos x="connsiteX0" y="connsiteY0"/>
-                  </a:cxn>
-                  <a:cxn ang="0">
-                    <a:pos x="connsiteX1" y="connsiteY1"/>
-                  </a:cxn>
-                  <a:cxn ang="0">
-                    <a:pos x="connsiteX2" y="connsiteY2"/>
-                  </a:cxn>
-                  <a:cxn ang="0">
-                    <a:pos x="connsiteX3" y="connsiteY3"/>
-                  </a:cxn>
-                </a:cxnLst>
-                <a:rect l="l" t="t" r="r" b="b"/>
-                <a:pathLst>
-                  <a:path w="2013626" h="3471768">
-                    <a:moveTo>
-                      <a:pt x="0" y="1735884"/>
-                    </a:moveTo>
-                    <a:lnTo>
-                      <a:pt x="1006813" y="0"/>
-                    </a:lnTo>
-                    <a:lnTo>
-                      <a:pt x="2013626" y="1735884"/>
-                    </a:lnTo>
-                    <a:lnTo>
-                      <a:pt x="1006813" y="3471768"/>
-                    </a:lnTo>
-                    <a:close/>
-                  </a:path>
-                </a:pathLst>
-              </a:custGeom>
-              <a:solidFill>
-                <a:srgbClr val="B07CF2"/>
-              </a:solidFill>
-              <a:ln cap="rnd">
-                <a:noFill/>
-                <a:round/>
-              </a:ln>
-            </p:spPr>
-            <p:style>
-              <a:lnRef idx="2">
-                <a:schemeClr val="accent1">
-                  <a:shade val="50000"/>
-                </a:schemeClr>
-              </a:lnRef>
-              <a:fillRef idx="1">
-                <a:schemeClr val="accent1"/>
-              </a:fillRef>
-              <a:effectRef idx="0">
-                <a:schemeClr val="accent1"/>
-              </a:effectRef>
-              <a:fontRef idx="minor">
-                <a:schemeClr val="lt1"/>
-              </a:fontRef>
-            </p:style>
-            <p:txBody>
-              <a:bodyPr rtlCol="0" anchor="ctr"/>
-              <a:lstStyle/>
-              <a:p>
-                <a:pPr algn="ctr"/>
-                <a:endParaRPr lang="sv-SE"/>
-              </a:p>
-            </p:txBody>
-          </p:sp>
-        </p:grpSp>
-      </p:grpSp>
-    </p:spTree>
-    <p:extLst>
-      <p:ext uri="{BB962C8B-B14F-4D97-AF65-F5344CB8AC3E}">
-        <p14:creationId xmlns:p14="http://schemas.microsoft.com/office/powerpoint/2010/main" val="1427133242"/>
-      </p:ext>
-    </p:extLst>
-  </p:cSld>
-  <p:clrMapOvr>
-    <a:masterClrMapping/>
-  </p:clrMapOvr>
+  <mc:AlternateContent xmlns:mc="http://schemas.openxmlformats.org/markup-compatibility/2006">
+    <mc:Choice xmlns:p14="http://schemas.microsoft.com/office/powerpoint/2010/main" Requires="p14">
+      <p:transition spd="med" p14:dur="700">
+        <p:fade/>
+      </p:transition>
+    </mc:Choice>
+    <mc:Fallback>
+      <p:transition spd="med">
+        <p:fade/>
+      </p:transition>
+    </mc:Fallback>
+  </mc:AlternateContent>
 </p:sld>
 </file>
 

--- a/media/retro.pptx
+++ b/media/retro.pptx
@@ -4781,7 +4781,7 @@
         </p:nvGrpSpPr>
         <p:grpSpPr>
           <a:xfrm>
-            <a:off x="59436" y="2251476"/>
+            <a:off x="444902" y="211772"/>
             <a:ext cx="2168039" cy="2329621"/>
             <a:chOff x="2342397" y="1261447"/>
             <a:chExt cx="2168039" cy="2329621"/>
@@ -6132,7 +6132,7 @@
         </p:nvGrpSpPr>
         <p:grpSpPr>
           <a:xfrm>
-            <a:off x="10895861" y="2250912"/>
+            <a:off x="8874891" y="2868927"/>
             <a:ext cx="2016522" cy="2329621"/>
             <a:chOff x="7831623" y="4255489"/>
             <a:chExt cx="2016522" cy="2329621"/>
@@ -7556,7 +7556,7 @@
               <a:lstStyle/>
               <a:p>
                 <a:pPr algn="ctr"/>
-                <a:endParaRPr lang="sv-SE"/>
+                <a:endParaRPr lang="sv-SE" dirty="0"/>
               </a:p>
             </p:txBody>
           </p:sp>
@@ -9153,7 +9153,7 @@
         </p:nvGrpSpPr>
         <p:grpSpPr>
           <a:xfrm>
-            <a:off x="8754662" y="2250912"/>
+            <a:off x="9140128" y="211208"/>
             <a:ext cx="2016522" cy="2329621"/>
             <a:chOff x="2418157" y="1261447"/>
             <a:chExt cx="2016522" cy="2329621"/>
@@ -16858,7 +16858,7 @@
         </p:nvGrpSpPr>
         <p:grpSpPr>
           <a:xfrm>
-            <a:off x="2301533" y="2257253"/>
+            <a:off x="2686999" y="217549"/>
             <a:ext cx="2016522" cy="2329621"/>
             <a:chOff x="2418157" y="1261447"/>
             <a:chExt cx="2016522" cy="2329621"/>
@@ -17796,7 +17796,7 @@
                   <a:lstStyle/>
                   <a:p>
                     <a:pPr algn="ctr"/>
-                    <a:endParaRPr lang="sv-SE"/>
+                    <a:endParaRPr lang="sv-SE" dirty="0"/>
                   </a:p>
                 </p:txBody>
               </p:sp>
@@ -19499,7 +19499,7 @@
         </p:nvGrpSpPr>
         <p:grpSpPr>
           <a:xfrm>
-            <a:off x="6613462" y="2264189"/>
+            <a:off x="6998928" y="224485"/>
             <a:ext cx="2016522" cy="2329621"/>
             <a:chOff x="2417497" y="1236269"/>
             <a:chExt cx="2016522" cy="2329621"/>
@@ -20679,7 +20679,7 @@
         </p:nvGrpSpPr>
         <p:grpSpPr>
           <a:xfrm>
-            <a:off x="4442734" y="2292267"/>
+            <a:off x="4828200" y="252563"/>
             <a:ext cx="2016522" cy="2329621"/>
             <a:chOff x="2419069" y="1237223"/>
             <a:chExt cx="2016522" cy="2329621"/>
@@ -20878,7 +20878,7 @@
                 <a:lstStyle/>
                 <a:p>
                   <a:pPr algn="ctr"/>
-                  <a:endParaRPr lang="sv-SE"/>
+                  <a:endParaRPr lang="sv-SE" dirty="0"/>
                 </a:p>
               </p:txBody>
             </p:sp>
@@ -21399,7 +21399,7 @@
                   <a:lstStyle/>
                   <a:p>
                     <a:pPr algn="ctr"/>
-                    <a:endParaRPr lang="sv-SE"/>
+                    <a:endParaRPr lang="sv-SE" dirty="0"/>
                   </a:p>
                 </p:txBody>
               </p:sp>
@@ -21457,6 +21457,7126 @@
                 <a:p>
                   <a:pPr algn="ctr"/>
                   <a:endParaRPr lang="sv-SE"/>
+                </a:p>
+              </p:txBody>
+            </p:sp>
+          </p:grpSp>
+        </p:grpSp>
+      </p:grpSp>
+      <p:grpSp>
+        <p:nvGrpSpPr>
+          <p:cNvPr id="552" name="Grupp 551">
+            <a:extLst>
+              <a:ext uri="{FF2B5EF4-FFF2-40B4-BE49-F238E27FC236}">
+                <a16:creationId xmlns:a16="http://schemas.microsoft.com/office/drawing/2014/main" id="{EDBD8353-CB5F-A840-AA02-50BFA193ADF3}"/>
+              </a:ext>
+            </a:extLst>
+          </p:cNvPr>
+          <p:cNvGrpSpPr/>
+          <p:nvPr/>
+        </p:nvGrpSpPr>
+        <p:grpSpPr>
+          <a:xfrm>
+            <a:off x="443344" y="2857961"/>
+            <a:ext cx="2016522" cy="2329621"/>
+            <a:chOff x="4637925" y="1780425"/>
+            <a:chExt cx="2016522" cy="2329621"/>
+          </a:xfrm>
+        </p:grpSpPr>
+        <p:sp>
+          <p:nvSpPr>
+            <p:cNvPr id="553" name="Hexagon 42">
+              <a:extLst>
+                <a:ext uri="{FF2B5EF4-FFF2-40B4-BE49-F238E27FC236}">
+                  <a16:creationId xmlns:a16="http://schemas.microsoft.com/office/drawing/2014/main" id="{3BBE9462-87CD-1B4B-B340-F0FC8282B683}"/>
+                </a:ext>
+              </a:extLst>
+            </p:cNvPr>
+            <p:cNvSpPr/>
+            <p:nvPr/>
+          </p:nvSpPr>
+          <p:spPr>
+            <a:xfrm rot="5400000">
+              <a:off x="4481375" y="1936975"/>
+              <a:ext cx="2329621" cy="2016522"/>
+            </a:xfrm>
+            <a:prstGeom prst="hexagon">
+              <a:avLst>
+                <a:gd name="adj" fmla="val 29001"/>
+                <a:gd name="vf" fmla="val 115470"/>
+              </a:avLst>
+            </a:prstGeom>
+            <a:solidFill>
+              <a:srgbClr val="210F31">
+                <a:alpha val="67451"/>
+              </a:srgbClr>
+            </a:solidFill>
+            <a:ln w="12700" cap="rnd">
+              <a:noFill/>
+              <a:miter lim="800000"/>
+            </a:ln>
+          </p:spPr>
+          <p:style>
+            <a:lnRef idx="2">
+              <a:schemeClr val="accent1">
+                <a:shade val="50000"/>
+              </a:schemeClr>
+            </a:lnRef>
+            <a:fillRef idx="1">
+              <a:schemeClr val="accent1"/>
+            </a:fillRef>
+            <a:effectRef idx="0">
+              <a:schemeClr val="accent1"/>
+            </a:effectRef>
+            <a:fontRef idx="minor">
+              <a:schemeClr val="lt1"/>
+            </a:fontRef>
+          </p:style>
+          <p:txBody>
+            <a:bodyPr rtlCol="0" anchor="ctr"/>
+            <a:lstStyle/>
+            <a:p>
+              <a:pPr algn="ctr"/>
+              <a:endParaRPr lang="sv-SE" dirty="0"/>
+            </a:p>
+          </p:txBody>
+        </p:sp>
+        <p:grpSp>
+          <p:nvGrpSpPr>
+            <p:cNvPr id="554" name="Grupp 553">
+              <a:extLst>
+                <a:ext uri="{FF2B5EF4-FFF2-40B4-BE49-F238E27FC236}">
+                  <a16:creationId xmlns:a16="http://schemas.microsoft.com/office/drawing/2014/main" id="{4AC13065-9C23-7644-BA49-46761F664B5A}"/>
+                </a:ext>
+              </a:extLst>
+            </p:cNvPr>
+            <p:cNvGrpSpPr/>
+            <p:nvPr/>
+          </p:nvGrpSpPr>
+          <p:grpSpPr>
+            <a:xfrm>
+              <a:off x="4911880" y="2237825"/>
+              <a:ext cx="1468609" cy="1414821"/>
+              <a:chOff x="3217369" y="746119"/>
+              <a:chExt cx="5318686" cy="5123892"/>
+            </a:xfrm>
+          </p:grpSpPr>
+          <p:sp>
+            <p:nvSpPr>
+              <p:cNvPr id="555" name="Frihandsfigur 554">
+                <a:extLst>
+                  <a:ext uri="{FF2B5EF4-FFF2-40B4-BE49-F238E27FC236}">
+                    <a16:creationId xmlns:a16="http://schemas.microsoft.com/office/drawing/2014/main" id="{86483CFB-E8E3-DE4F-87DA-4AFF369BCC01}"/>
+                  </a:ext>
+                </a:extLst>
+              </p:cNvPr>
+              <p:cNvSpPr/>
+              <p:nvPr/>
+            </p:nvSpPr>
+            <p:spPr>
+              <a:xfrm rot="14400000">
+                <a:off x="5868351" y="1732389"/>
+                <a:ext cx="25477" cy="41936"/>
+              </a:xfrm>
+              <a:custGeom>
+                <a:avLst/>
+                <a:gdLst>
+                  <a:gd name="connsiteX0" fmla="*/ 12738 w 25477"/>
+                  <a:gd name="connsiteY0" fmla="*/ 23248 h 41936"/>
+                  <a:gd name="connsiteX1" fmla="*/ 0 w 25477"/>
+                  <a:gd name="connsiteY1" fmla="*/ 41936 h 41936"/>
+                  <a:gd name="connsiteX2" fmla="*/ 25477 w 25477"/>
+                  <a:gd name="connsiteY2" fmla="*/ 0 h 41936"/>
+                  <a:gd name="connsiteX3" fmla="*/ 12738 w 25477"/>
+                  <a:gd name="connsiteY3" fmla="*/ 23248 h 41936"/>
+                </a:gdLst>
+                <a:ahLst/>
+                <a:cxnLst>
+                  <a:cxn ang="0">
+                    <a:pos x="connsiteX0" y="connsiteY0"/>
+                  </a:cxn>
+                  <a:cxn ang="0">
+                    <a:pos x="connsiteX1" y="connsiteY1"/>
+                  </a:cxn>
+                  <a:cxn ang="0">
+                    <a:pos x="connsiteX2" y="connsiteY2"/>
+                  </a:cxn>
+                  <a:cxn ang="0">
+                    <a:pos x="connsiteX3" y="connsiteY3"/>
+                  </a:cxn>
+                </a:cxnLst>
+                <a:rect l="l" t="t" r="r" b="b"/>
+                <a:pathLst>
+                  <a:path w="25477" h="41936">
+                    <a:moveTo>
+                      <a:pt x="12738" y="23248"/>
+                    </a:moveTo>
+                    <a:lnTo>
+                      <a:pt x="0" y="41936"/>
+                    </a:lnTo>
+                    <a:lnTo>
+                      <a:pt x="25477" y="0"/>
+                    </a:lnTo>
+                    <a:lnTo>
+                      <a:pt x="12738" y="23248"/>
+                    </a:lnTo>
+                    <a:close/>
+                  </a:path>
+                </a:pathLst>
+              </a:custGeom>
+              <a:solidFill>
+                <a:srgbClr val="AE5ECC"/>
+              </a:solidFill>
+              <a:ln w="0">
+                <a:noFill/>
+              </a:ln>
+            </p:spPr>
+            <p:style>
+              <a:lnRef idx="2">
+                <a:schemeClr val="accent1">
+                  <a:shade val="50000"/>
+                </a:schemeClr>
+              </a:lnRef>
+              <a:fillRef idx="1">
+                <a:schemeClr val="accent1"/>
+              </a:fillRef>
+              <a:effectRef idx="0">
+                <a:schemeClr val="accent1"/>
+              </a:effectRef>
+              <a:fontRef idx="minor">
+                <a:schemeClr val="lt1"/>
+              </a:fontRef>
+            </p:style>
+            <p:txBody>
+              <a:bodyPr wrap="square" rtlCol="0" anchor="ctr">
+                <a:noAutofit/>
+              </a:bodyPr>
+              <a:lstStyle/>
+              <a:p>
+                <a:pPr algn="ctr"/>
+                <a:endParaRPr lang="sv-SE"/>
+              </a:p>
+            </p:txBody>
+          </p:sp>
+          <p:sp>
+            <p:nvSpPr>
+              <p:cNvPr id="556" name="Frihandsfigur 555">
+                <a:extLst>
+                  <a:ext uri="{FF2B5EF4-FFF2-40B4-BE49-F238E27FC236}">
+                    <a16:creationId xmlns:a16="http://schemas.microsoft.com/office/drawing/2014/main" id="{756E9B4D-F324-E945-96BF-17371CDD2BCA}"/>
+                  </a:ext>
+                </a:extLst>
+              </p:cNvPr>
+              <p:cNvSpPr/>
+              <p:nvPr/>
+            </p:nvSpPr>
+            <p:spPr>
+              <a:xfrm rot="14400000">
+                <a:off x="5820367" y="1731913"/>
+                <a:ext cx="23499" cy="42885"/>
+              </a:xfrm>
+              <a:custGeom>
+                <a:avLst/>
+                <a:gdLst>
+                  <a:gd name="connsiteX0" fmla="*/ 13717 w 23499"/>
+                  <a:gd name="connsiteY0" fmla="*/ 20306 h 42885"/>
+                  <a:gd name="connsiteX1" fmla="*/ 0 w 23499"/>
+                  <a:gd name="connsiteY1" fmla="*/ 42885 h 42885"/>
+                  <a:gd name="connsiteX2" fmla="*/ 23499 w 23499"/>
+                  <a:gd name="connsiteY2" fmla="*/ 0 h 42885"/>
+                  <a:gd name="connsiteX3" fmla="*/ 13717 w 23499"/>
+                  <a:gd name="connsiteY3" fmla="*/ 20306 h 42885"/>
+                </a:gdLst>
+                <a:ahLst/>
+                <a:cxnLst>
+                  <a:cxn ang="0">
+                    <a:pos x="connsiteX0" y="connsiteY0"/>
+                  </a:cxn>
+                  <a:cxn ang="0">
+                    <a:pos x="connsiteX1" y="connsiteY1"/>
+                  </a:cxn>
+                  <a:cxn ang="0">
+                    <a:pos x="connsiteX2" y="connsiteY2"/>
+                  </a:cxn>
+                  <a:cxn ang="0">
+                    <a:pos x="connsiteX3" y="connsiteY3"/>
+                  </a:cxn>
+                </a:cxnLst>
+                <a:rect l="l" t="t" r="r" b="b"/>
+                <a:pathLst>
+                  <a:path w="23499" h="42885">
+                    <a:moveTo>
+                      <a:pt x="13717" y="20306"/>
+                    </a:moveTo>
+                    <a:lnTo>
+                      <a:pt x="0" y="42885"/>
+                    </a:lnTo>
+                    <a:lnTo>
+                      <a:pt x="23499" y="0"/>
+                    </a:lnTo>
+                    <a:lnTo>
+                      <a:pt x="13717" y="20306"/>
+                    </a:lnTo>
+                    <a:close/>
+                  </a:path>
+                </a:pathLst>
+              </a:custGeom>
+              <a:solidFill>
+                <a:srgbClr val="AE5ECC"/>
+              </a:solidFill>
+              <a:ln w="0">
+                <a:noFill/>
+              </a:ln>
+            </p:spPr>
+            <p:style>
+              <a:lnRef idx="2">
+                <a:schemeClr val="accent1">
+                  <a:shade val="50000"/>
+                </a:schemeClr>
+              </a:lnRef>
+              <a:fillRef idx="1">
+                <a:schemeClr val="accent1"/>
+              </a:fillRef>
+              <a:effectRef idx="0">
+                <a:schemeClr val="accent1"/>
+              </a:effectRef>
+              <a:fontRef idx="minor">
+                <a:schemeClr val="lt1"/>
+              </a:fontRef>
+            </p:style>
+            <p:txBody>
+              <a:bodyPr wrap="square" rtlCol="0" anchor="ctr">
+                <a:noAutofit/>
+              </a:bodyPr>
+              <a:lstStyle/>
+              <a:p>
+                <a:pPr algn="ctr"/>
+                <a:endParaRPr lang="sv-SE"/>
+              </a:p>
+            </p:txBody>
+          </p:sp>
+          <p:sp>
+            <p:nvSpPr>
+              <p:cNvPr id="557" name="Frihandsfigur 556">
+                <a:extLst>
+                  <a:ext uri="{FF2B5EF4-FFF2-40B4-BE49-F238E27FC236}">
+                    <a16:creationId xmlns:a16="http://schemas.microsoft.com/office/drawing/2014/main" id="{DFA9F286-DE80-2A40-9A90-418318689C52}"/>
+                  </a:ext>
+                </a:extLst>
+              </p:cNvPr>
+              <p:cNvSpPr/>
+              <p:nvPr/>
+            </p:nvSpPr>
+            <p:spPr>
+              <a:xfrm rot="14400000">
+                <a:off x="7140656" y="3754994"/>
+                <a:ext cx="6291" cy="8413"/>
+              </a:xfrm>
+              <a:custGeom>
+                <a:avLst/>
+                <a:gdLst>
+                  <a:gd name="connsiteX0" fmla="*/ 6291 w 6291"/>
+                  <a:gd name="connsiteY0" fmla="*/ 8413 h 8413"/>
+                  <a:gd name="connsiteX1" fmla="*/ 3277 w 6291"/>
+                  <a:gd name="connsiteY1" fmla="*/ 4808 h 8413"/>
+                  <a:gd name="connsiteX2" fmla="*/ 0 w 6291"/>
+                  <a:gd name="connsiteY2" fmla="*/ 0 h 8413"/>
+                  <a:gd name="connsiteX3" fmla="*/ 6291 w 6291"/>
+                  <a:gd name="connsiteY3" fmla="*/ 8413 h 8413"/>
+                </a:gdLst>
+                <a:ahLst/>
+                <a:cxnLst>
+                  <a:cxn ang="0">
+                    <a:pos x="connsiteX0" y="connsiteY0"/>
+                  </a:cxn>
+                  <a:cxn ang="0">
+                    <a:pos x="connsiteX1" y="connsiteY1"/>
+                  </a:cxn>
+                  <a:cxn ang="0">
+                    <a:pos x="connsiteX2" y="connsiteY2"/>
+                  </a:cxn>
+                  <a:cxn ang="0">
+                    <a:pos x="connsiteX3" y="connsiteY3"/>
+                  </a:cxn>
+                </a:cxnLst>
+                <a:rect l="l" t="t" r="r" b="b"/>
+                <a:pathLst>
+                  <a:path w="6291" h="8413">
+                    <a:moveTo>
+                      <a:pt x="6291" y="8413"/>
+                    </a:moveTo>
+                    <a:lnTo>
+                      <a:pt x="3277" y="4808"/>
+                    </a:lnTo>
+                    <a:lnTo>
+                      <a:pt x="0" y="0"/>
+                    </a:lnTo>
+                    <a:lnTo>
+                      <a:pt x="6291" y="8413"/>
+                    </a:lnTo>
+                    <a:close/>
+                  </a:path>
+                </a:pathLst>
+              </a:custGeom>
+              <a:solidFill>
+                <a:srgbClr val="F25A22"/>
+              </a:solidFill>
+              <a:ln w="0">
+                <a:noFill/>
+              </a:ln>
+            </p:spPr>
+            <p:style>
+              <a:lnRef idx="2">
+                <a:schemeClr val="accent1">
+                  <a:shade val="50000"/>
+                </a:schemeClr>
+              </a:lnRef>
+              <a:fillRef idx="1">
+                <a:schemeClr val="accent1"/>
+              </a:fillRef>
+              <a:effectRef idx="0">
+                <a:schemeClr val="accent1"/>
+              </a:effectRef>
+              <a:fontRef idx="minor">
+                <a:schemeClr val="lt1"/>
+              </a:fontRef>
+            </p:style>
+            <p:txBody>
+              <a:bodyPr wrap="square" rtlCol="0" anchor="ctr">
+                <a:noAutofit/>
+              </a:bodyPr>
+              <a:lstStyle/>
+              <a:p>
+                <a:pPr algn="ctr"/>
+                <a:endParaRPr lang="sv-SE"/>
+              </a:p>
+            </p:txBody>
+          </p:sp>
+          <p:sp>
+            <p:nvSpPr>
+              <p:cNvPr id="558" name="Frihandsfigur 557">
+                <a:extLst>
+                  <a:ext uri="{FF2B5EF4-FFF2-40B4-BE49-F238E27FC236}">
+                    <a16:creationId xmlns:a16="http://schemas.microsoft.com/office/drawing/2014/main" id="{A152573E-2218-714A-A4AF-5A14615D6456}"/>
+                  </a:ext>
+                </a:extLst>
+              </p:cNvPr>
+              <p:cNvSpPr/>
+              <p:nvPr/>
+            </p:nvSpPr>
+            <p:spPr>
+              <a:xfrm rot="14400000">
+                <a:off x="7126035" y="3765203"/>
+                <a:ext cx="17731" cy="26013"/>
+              </a:xfrm>
+              <a:custGeom>
+                <a:avLst/>
+                <a:gdLst>
+                  <a:gd name="connsiteX0" fmla="*/ 17731 w 17731"/>
+                  <a:gd name="connsiteY0" fmla="*/ 26013 h 26013"/>
+                  <a:gd name="connsiteX1" fmla="*/ 7455 w 17731"/>
+                  <a:gd name="connsiteY1" fmla="*/ 12272 h 26013"/>
+                  <a:gd name="connsiteX2" fmla="*/ 0 w 17731"/>
+                  <a:gd name="connsiteY2" fmla="*/ 0 h 26013"/>
+                  <a:gd name="connsiteX3" fmla="*/ 17731 w 17731"/>
+                  <a:gd name="connsiteY3" fmla="*/ 26013 h 26013"/>
+                </a:gdLst>
+                <a:ahLst/>
+                <a:cxnLst>
+                  <a:cxn ang="0">
+                    <a:pos x="connsiteX0" y="connsiteY0"/>
+                  </a:cxn>
+                  <a:cxn ang="0">
+                    <a:pos x="connsiteX1" y="connsiteY1"/>
+                  </a:cxn>
+                  <a:cxn ang="0">
+                    <a:pos x="connsiteX2" y="connsiteY2"/>
+                  </a:cxn>
+                  <a:cxn ang="0">
+                    <a:pos x="connsiteX3" y="connsiteY3"/>
+                  </a:cxn>
+                </a:cxnLst>
+                <a:rect l="l" t="t" r="r" b="b"/>
+                <a:pathLst>
+                  <a:path w="17731" h="26013">
+                    <a:moveTo>
+                      <a:pt x="17731" y="26013"/>
+                    </a:moveTo>
+                    <a:lnTo>
+                      <a:pt x="7455" y="12272"/>
+                    </a:lnTo>
+                    <a:lnTo>
+                      <a:pt x="0" y="0"/>
+                    </a:lnTo>
+                    <a:lnTo>
+                      <a:pt x="17731" y="26013"/>
+                    </a:lnTo>
+                    <a:close/>
+                  </a:path>
+                </a:pathLst>
+              </a:custGeom>
+              <a:solidFill>
+                <a:srgbClr val="F25A22"/>
+              </a:solidFill>
+              <a:ln w="0">
+                <a:noFill/>
+              </a:ln>
+            </p:spPr>
+            <p:style>
+              <a:lnRef idx="2">
+                <a:schemeClr val="accent1">
+                  <a:shade val="50000"/>
+                </a:schemeClr>
+              </a:lnRef>
+              <a:fillRef idx="1">
+                <a:schemeClr val="accent1"/>
+              </a:fillRef>
+              <a:effectRef idx="0">
+                <a:schemeClr val="accent1"/>
+              </a:effectRef>
+              <a:fontRef idx="minor">
+                <a:schemeClr val="lt1"/>
+              </a:fontRef>
+            </p:style>
+            <p:txBody>
+              <a:bodyPr wrap="square" rtlCol="0" anchor="ctr">
+                <a:noAutofit/>
+              </a:bodyPr>
+              <a:lstStyle/>
+              <a:p>
+                <a:pPr algn="ctr"/>
+                <a:endParaRPr lang="sv-SE"/>
+              </a:p>
+            </p:txBody>
+          </p:sp>
+          <p:sp>
+            <p:nvSpPr>
+              <p:cNvPr id="559" name="Frihandsfigur 558">
+                <a:extLst>
+                  <a:ext uri="{FF2B5EF4-FFF2-40B4-BE49-F238E27FC236}">
+                    <a16:creationId xmlns:a16="http://schemas.microsoft.com/office/drawing/2014/main" id="{7FCFB409-312D-0A4A-8B25-83CCF93E615C}"/>
+                  </a:ext>
+                </a:extLst>
+              </p:cNvPr>
+              <p:cNvSpPr/>
+              <p:nvPr/>
+            </p:nvSpPr>
+            <p:spPr>
+              <a:xfrm rot="14400000">
+                <a:off x="3969966" y="609740"/>
+                <a:ext cx="3314171" cy="3586929"/>
+              </a:xfrm>
+              <a:custGeom>
+                <a:avLst/>
+                <a:gdLst>
+                  <a:gd name="connsiteX0" fmla="*/ 3125084 w 3314171"/>
+                  <a:gd name="connsiteY0" fmla="*/ 2881890 h 3586929"/>
+                  <a:gd name="connsiteX1" fmla="*/ 1199518 w 3314171"/>
+                  <a:gd name="connsiteY1" fmla="*/ 3397844 h 3586929"/>
+                  <a:gd name="connsiteX2" fmla="*/ 617332 w 3314171"/>
+                  <a:gd name="connsiteY2" fmla="*/ 3061714 h 3586929"/>
+                  <a:gd name="connsiteX3" fmla="*/ 1149638 w 3314171"/>
+                  <a:gd name="connsiteY3" fmla="*/ 2754387 h 3586929"/>
+                  <a:gd name="connsiteX4" fmla="*/ 1154830 w 3314171"/>
+                  <a:gd name="connsiteY4" fmla="*/ 2752486 h 3586929"/>
+                  <a:gd name="connsiteX5" fmla="*/ 1394273 w 3314171"/>
+                  <a:gd name="connsiteY5" fmla="*/ 2622522 h 3586929"/>
+                  <a:gd name="connsiteX6" fmla="*/ 1424464 w 3314171"/>
+                  <a:gd name="connsiteY6" fmla="*/ 2599946 h 3586929"/>
+                  <a:gd name="connsiteX7" fmla="*/ 1525315 w 3314171"/>
+                  <a:gd name="connsiteY7" fmla="*/ 2658172 h 3586929"/>
+                  <a:gd name="connsiteX8" fmla="*/ 2353323 w 3314171"/>
+                  <a:gd name="connsiteY8" fmla="*/ 2436308 h 3586929"/>
+                  <a:gd name="connsiteX9" fmla="*/ 2231095 w 3314171"/>
+                  <a:gd name="connsiteY9" fmla="*/ 1680044 h 3586929"/>
+                  <a:gd name="connsiteX10" fmla="*/ 2141844 w 3314171"/>
+                  <a:gd name="connsiteY10" fmla="*/ 1615778 h 3586929"/>
+                  <a:gd name="connsiteX11" fmla="*/ 1409636 w 3314171"/>
+                  <a:gd name="connsiteY11" fmla="*/ 1193037 h 3586929"/>
+                  <a:gd name="connsiteX12" fmla="*/ 1410278 w 3314171"/>
+                  <a:gd name="connsiteY12" fmla="*/ 1191925 h 3586929"/>
+                  <a:gd name="connsiteX13" fmla="*/ 1212290 w 3314171"/>
+                  <a:gd name="connsiteY13" fmla="*/ 1077617 h 3586929"/>
+                  <a:gd name="connsiteX14" fmla="*/ 954445 w 3314171"/>
+                  <a:gd name="connsiteY14" fmla="*/ 928750 h 3586929"/>
+                  <a:gd name="connsiteX15" fmla="*/ 488742 w 3314171"/>
+                  <a:gd name="connsiteY15" fmla="*/ 859490 h 3586929"/>
+                  <a:gd name="connsiteX16" fmla="*/ 238528 w 3314171"/>
+                  <a:gd name="connsiteY16" fmla="*/ 952828 h 3586929"/>
+                  <a:gd name="connsiteX17" fmla="*/ 0 w 3314171"/>
+                  <a:gd name="connsiteY17" fmla="*/ 1090540 h 3586929"/>
+                  <a:gd name="connsiteX18" fmla="*/ 1 w 3314171"/>
+                  <a:gd name="connsiteY18" fmla="*/ 168486 h 3586929"/>
+                  <a:gd name="connsiteX19" fmla="*/ 2 w 3314171"/>
+                  <a:gd name="connsiteY19" fmla="*/ 168485 h 3586929"/>
+                  <a:gd name="connsiteX20" fmla="*/ 2 w 3314171"/>
+                  <a:gd name="connsiteY20" fmla="*/ 124526 h 3586929"/>
+                  <a:gd name="connsiteX21" fmla="*/ 81752 w 3314171"/>
+                  <a:gd name="connsiteY21" fmla="*/ 89468 h 3586929"/>
+                  <a:gd name="connsiteX22" fmla="*/ 1151778 w 3314171"/>
+                  <a:gd name="connsiteY22" fmla="*/ 123328 h 3586929"/>
+                  <a:gd name="connsiteX23" fmla="*/ 1212290 w 3314171"/>
+                  <a:gd name="connsiteY23" fmla="*/ 154305 h 3586929"/>
+                  <a:gd name="connsiteX24" fmla="*/ 1280231 w 3314171"/>
+                  <a:gd name="connsiteY24" fmla="*/ 189085 h 3586929"/>
+                  <a:gd name="connsiteX25" fmla="*/ 1314212 w 3314171"/>
+                  <a:gd name="connsiteY25" fmla="*/ 208704 h 3586929"/>
+                  <a:gd name="connsiteX26" fmla="*/ 1325750 w 3314171"/>
+                  <a:gd name="connsiteY26" fmla="*/ 214847 h 3586929"/>
+                  <a:gd name="connsiteX27" fmla="*/ 1335733 w 3314171"/>
+                  <a:gd name="connsiteY27" fmla="*/ 221129 h 3586929"/>
+                  <a:gd name="connsiteX28" fmla="*/ 2015759 w 3314171"/>
+                  <a:gd name="connsiteY28" fmla="*/ 613743 h 3586929"/>
+                  <a:gd name="connsiteX29" fmla="*/ 2017415 w 3314171"/>
+                  <a:gd name="connsiteY29" fmla="*/ 617534 h 3586929"/>
+                  <a:gd name="connsiteX30" fmla="*/ 2607671 w 3314171"/>
+                  <a:gd name="connsiteY30" fmla="*/ 958318 h 3586929"/>
+                  <a:gd name="connsiteX31" fmla="*/ 2609131 w 3314171"/>
+                  <a:gd name="connsiteY31" fmla="*/ 956326 h 3586929"/>
+                  <a:gd name="connsiteX32" fmla="*/ 3125084 w 3314171"/>
+                  <a:gd name="connsiteY32" fmla="*/ 2881890 h 3586929"/>
+                  <a:gd name="connsiteX0" fmla="*/ 3125084 w 3314171"/>
+                  <a:gd name="connsiteY0" fmla="*/ 2881890 h 3586929"/>
+                  <a:gd name="connsiteX1" fmla="*/ 1199518 w 3314171"/>
+                  <a:gd name="connsiteY1" fmla="*/ 3397844 h 3586929"/>
+                  <a:gd name="connsiteX2" fmla="*/ 617332 w 3314171"/>
+                  <a:gd name="connsiteY2" fmla="*/ 3061714 h 3586929"/>
+                  <a:gd name="connsiteX3" fmla="*/ 1149638 w 3314171"/>
+                  <a:gd name="connsiteY3" fmla="*/ 2754387 h 3586929"/>
+                  <a:gd name="connsiteX4" fmla="*/ 1154830 w 3314171"/>
+                  <a:gd name="connsiteY4" fmla="*/ 2752486 h 3586929"/>
+                  <a:gd name="connsiteX5" fmla="*/ 1394273 w 3314171"/>
+                  <a:gd name="connsiteY5" fmla="*/ 2622522 h 3586929"/>
+                  <a:gd name="connsiteX6" fmla="*/ 1424464 w 3314171"/>
+                  <a:gd name="connsiteY6" fmla="*/ 2599946 h 3586929"/>
+                  <a:gd name="connsiteX7" fmla="*/ 1525315 w 3314171"/>
+                  <a:gd name="connsiteY7" fmla="*/ 2658172 h 3586929"/>
+                  <a:gd name="connsiteX8" fmla="*/ 2353323 w 3314171"/>
+                  <a:gd name="connsiteY8" fmla="*/ 2436308 h 3586929"/>
+                  <a:gd name="connsiteX9" fmla="*/ 2231095 w 3314171"/>
+                  <a:gd name="connsiteY9" fmla="*/ 1680044 h 3586929"/>
+                  <a:gd name="connsiteX10" fmla="*/ 2141844 w 3314171"/>
+                  <a:gd name="connsiteY10" fmla="*/ 1615778 h 3586929"/>
+                  <a:gd name="connsiteX11" fmla="*/ 1409636 w 3314171"/>
+                  <a:gd name="connsiteY11" fmla="*/ 1193037 h 3586929"/>
+                  <a:gd name="connsiteX12" fmla="*/ 1410278 w 3314171"/>
+                  <a:gd name="connsiteY12" fmla="*/ 1191925 h 3586929"/>
+                  <a:gd name="connsiteX13" fmla="*/ 1212290 w 3314171"/>
+                  <a:gd name="connsiteY13" fmla="*/ 1077617 h 3586929"/>
+                  <a:gd name="connsiteX14" fmla="*/ 954445 w 3314171"/>
+                  <a:gd name="connsiteY14" fmla="*/ 928750 h 3586929"/>
+                  <a:gd name="connsiteX15" fmla="*/ 488742 w 3314171"/>
+                  <a:gd name="connsiteY15" fmla="*/ 859490 h 3586929"/>
+                  <a:gd name="connsiteX16" fmla="*/ 238528 w 3314171"/>
+                  <a:gd name="connsiteY16" fmla="*/ 952828 h 3586929"/>
+                  <a:gd name="connsiteX17" fmla="*/ 0 w 3314171"/>
+                  <a:gd name="connsiteY17" fmla="*/ 1090540 h 3586929"/>
+                  <a:gd name="connsiteX18" fmla="*/ 1 w 3314171"/>
+                  <a:gd name="connsiteY18" fmla="*/ 168486 h 3586929"/>
+                  <a:gd name="connsiteX19" fmla="*/ 2 w 3314171"/>
+                  <a:gd name="connsiteY19" fmla="*/ 168485 h 3586929"/>
+                  <a:gd name="connsiteX20" fmla="*/ 2 w 3314171"/>
+                  <a:gd name="connsiteY20" fmla="*/ 124526 h 3586929"/>
+                  <a:gd name="connsiteX21" fmla="*/ 81752 w 3314171"/>
+                  <a:gd name="connsiteY21" fmla="*/ 89468 h 3586929"/>
+                  <a:gd name="connsiteX22" fmla="*/ 1151778 w 3314171"/>
+                  <a:gd name="connsiteY22" fmla="*/ 123328 h 3586929"/>
+                  <a:gd name="connsiteX23" fmla="*/ 1212290 w 3314171"/>
+                  <a:gd name="connsiteY23" fmla="*/ 154305 h 3586929"/>
+                  <a:gd name="connsiteX24" fmla="*/ 1280231 w 3314171"/>
+                  <a:gd name="connsiteY24" fmla="*/ 189085 h 3586929"/>
+                  <a:gd name="connsiteX25" fmla="*/ 1314212 w 3314171"/>
+                  <a:gd name="connsiteY25" fmla="*/ 208704 h 3586929"/>
+                  <a:gd name="connsiteX26" fmla="*/ 1325750 w 3314171"/>
+                  <a:gd name="connsiteY26" fmla="*/ 214847 h 3586929"/>
+                  <a:gd name="connsiteX27" fmla="*/ 1335733 w 3314171"/>
+                  <a:gd name="connsiteY27" fmla="*/ 221129 h 3586929"/>
+                  <a:gd name="connsiteX28" fmla="*/ 2015759 w 3314171"/>
+                  <a:gd name="connsiteY28" fmla="*/ 613743 h 3586929"/>
+                  <a:gd name="connsiteX29" fmla="*/ 2607671 w 3314171"/>
+                  <a:gd name="connsiteY29" fmla="*/ 958318 h 3586929"/>
+                  <a:gd name="connsiteX30" fmla="*/ 2609131 w 3314171"/>
+                  <a:gd name="connsiteY30" fmla="*/ 956326 h 3586929"/>
+                  <a:gd name="connsiteX31" fmla="*/ 3125084 w 3314171"/>
+                  <a:gd name="connsiteY31" fmla="*/ 2881890 h 3586929"/>
+                  <a:gd name="connsiteX0" fmla="*/ 3125084 w 3314171"/>
+                  <a:gd name="connsiteY0" fmla="*/ 2881890 h 3586929"/>
+                  <a:gd name="connsiteX1" fmla="*/ 1199518 w 3314171"/>
+                  <a:gd name="connsiteY1" fmla="*/ 3397844 h 3586929"/>
+                  <a:gd name="connsiteX2" fmla="*/ 617332 w 3314171"/>
+                  <a:gd name="connsiteY2" fmla="*/ 3061714 h 3586929"/>
+                  <a:gd name="connsiteX3" fmla="*/ 1149638 w 3314171"/>
+                  <a:gd name="connsiteY3" fmla="*/ 2754387 h 3586929"/>
+                  <a:gd name="connsiteX4" fmla="*/ 1154830 w 3314171"/>
+                  <a:gd name="connsiteY4" fmla="*/ 2752486 h 3586929"/>
+                  <a:gd name="connsiteX5" fmla="*/ 1394273 w 3314171"/>
+                  <a:gd name="connsiteY5" fmla="*/ 2622522 h 3586929"/>
+                  <a:gd name="connsiteX6" fmla="*/ 1424464 w 3314171"/>
+                  <a:gd name="connsiteY6" fmla="*/ 2599946 h 3586929"/>
+                  <a:gd name="connsiteX7" fmla="*/ 1525315 w 3314171"/>
+                  <a:gd name="connsiteY7" fmla="*/ 2658172 h 3586929"/>
+                  <a:gd name="connsiteX8" fmla="*/ 2353323 w 3314171"/>
+                  <a:gd name="connsiteY8" fmla="*/ 2436308 h 3586929"/>
+                  <a:gd name="connsiteX9" fmla="*/ 2231095 w 3314171"/>
+                  <a:gd name="connsiteY9" fmla="*/ 1680044 h 3586929"/>
+                  <a:gd name="connsiteX10" fmla="*/ 2141844 w 3314171"/>
+                  <a:gd name="connsiteY10" fmla="*/ 1615778 h 3586929"/>
+                  <a:gd name="connsiteX11" fmla="*/ 1409636 w 3314171"/>
+                  <a:gd name="connsiteY11" fmla="*/ 1193037 h 3586929"/>
+                  <a:gd name="connsiteX12" fmla="*/ 1410278 w 3314171"/>
+                  <a:gd name="connsiteY12" fmla="*/ 1191925 h 3586929"/>
+                  <a:gd name="connsiteX13" fmla="*/ 1212290 w 3314171"/>
+                  <a:gd name="connsiteY13" fmla="*/ 1077617 h 3586929"/>
+                  <a:gd name="connsiteX14" fmla="*/ 954445 w 3314171"/>
+                  <a:gd name="connsiteY14" fmla="*/ 928750 h 3586929"/>
+                  <a:gd name="connsiteX15" fmla="*/ 488742 w 3314171"/>
+                  <a:gd name="connsiteY15" fmla="*/ 859490 h 3586929"/>
+                  <a:gd name="connsiteX16" fmla="*/ 238528 w 3314171"/>
+                  <a:gd name="connsiteY16" fmla="*/ 952828 h 3586929"/>
+                  <a:gd name="connsiteX17" fmla="*/ 0 w 3314171"/>
+                  <a:gd name="connsiteY17" fmla="*/ 1090540 h 3586929"/>
+                  <a:gd name="connsiteX18" fmla="*/ 1 w 3314171"/>
+                  <a:gd name="connsiteY18" fmla="*/ 168486 h 3586929"/>
+                  <a:gd name="connsiteX19" fmla="*/ 2 w 3314171"/>
+                  <a:gd name="connsiteY19" fmla="*/ 168485 h 3586929"/>
+                  <a:gd name="connsiteX20" fmla="*/ 2 w 3314171"/>
+                  <a:gd name="connsiteY20" fmla="*/ 124526 h 3586929"/>
+                  <a:gd name="connsiteX21" fmla="*/ 81752 w 3314171"/>
+                  <a:gd name="connsiteY21" fmla="*/ 89468 h 3586929"/>
+                  <a:gd name="connsiteX22" fmla="*/ 1151778 w 3314171"/>
+                  <a:gd name="connsiteY22" fmla="*/ 123328 h 3586929"/>
+                  <a:gd name="connsiteX23" fmla="*/ 1212290 w 3314171"/>
+                  <a:gd name="connsiteY23" fmla="*/ 154305 h 3586929"/>
+                  <a:gd name="connsiteX24" fmla="*/ 1280231 w 3314171"/>
+                  <a:gd name="connsiteY24" fmla="*/ 189085 h 3586929"/>
+                  <a:gd name="connsiteX25" fmla="*/ 1314212 w 3314171"/>
+                  <a:gd name="connsiteY25" fmla="*/ 208704 h 3586929"/>
+                  <a:gd name="connsiteX26" fmla="*/ 1325750 w 3314171"/>
+                  <a:gd name="connsiteY26" fmla="*/ 214847 h 3586929"/>
+                  <a:gd name="connsiteX27" fmla="*/ 1335733 w 3314171"/>
+                  <a:gd name="connsiteY27" fmla="*/ 221129 h 3586929"/>
+                  <a:gd name="connsiteX28" fmla="*/ 2607671 w 3314171"/>
+                  <a:gd name="connsiteY28" fmla="*/ 958318 h 3586929"/>
+                  <a:gd name="connsiteX29" fmla="*/ 2609131 w 3314171"/>
+                  <a:gd name="connsiteY29" fmla="*/ 956326 h 3586929"/>
+                  <a:gd name="connsiteX30" fmla="*/ 3125084 w 3314171"/>
+                  <a:gd name="connsiteY30" fmla="*/ 2881890 h 3586929"/>
+                  <a:gd name="connsiteX0" fmla="*/ 3125084 w 3314171"/>
+                  <a:gd name="connsiteY0" fmla="*/ 2881890 h 3586929"/>
+                  <a:gd name="connsiteX1" fmla="*/ 1199518 w 3314171"/>
+                  <a:gd name="connsiteY1" fmla="*/ 3397844 h 3586929"/>
+                  <a:gd name="connsiteX2" fmla="*/ 617332 w 3314171"/>
+                  <a:gd name="connsiteY2" fmla="*/ 3061714 h 3586929"/>
+                  <a:gd name="connsiteX3" fmla="*/ 1149638 w 3314171"/>
+                  <a:gd name="connsiteY3" fmla="*/ 2754387 h 3586929"/>
+                  <a:gd name="connsiteX4" fmla="*/ 1154830 w 3314171"/>
+                  <a:gd name="connsiteY4" fmla="*/ 2752486 h 3586929"/>
+                  <a:gd name="connsiteX5" fmla="*/ 1394273 w 3314171"/>
+                  <a:gd name="connsiteY5" fmla="*/ 2622522 h 3586929"/>
+                  <a:gd name="connsiteX6" fmla="*/ 1424464 w 3314171"/>
+                  <a:gd name="connsiteY6" fmla="*/ 2599946 h 3586929"/>
+                  <a:gd name="connsiteX7" fmla="*/ 1525315 w 3314171"/>
+                  <a:gd name="connsiteY7" fmla="*/ 2658172 h 3586929"/>
+                  <a:gd name="connsiteX8" fmla="*/ 2353323 w 3314171"/>
+                  <a:gd name="connsiteY8" fmla="*/ 2436308 h 3586929"/>
+                  <a:gd name="connsiteX9" fmla="*/ 2231095 w 3314171"/>
+                  <a:gd name="connsiteY9" fmla="*/ 1680044 h 3586929"/>
+                  <a:gd name="connsiteX10" fmla="*/ 2141844 w 3314171"/>
+                  <a:gd name="connsiteY10" fmla="*/ 1615778 h 3586929"/>
+                  <a:gd name="connsiteX11" fmla="*/ 1409636 w 3314171"/>
+                  <a:gd name="connsiteY11" fmla="*/ 1193037 h 3586929"/>
+                  <a:gd name="connsiteX12" fmla="*/ 1410278 w 3314171"/>
+                  <a:gd name="connsiteY12" fmla="*/ 1191925 h 3586929"/>
+                  <a:gd name="connsiteX13" fmla="*/ 1212290 w 3314171"/>
+                  <a:gd name="connsiteY13" fmla="*/ 1077617 h 3586929"/>
+                  <a:gd name="connsiteX14" fmla="*/ 954445 w 3314171"/>
+                  <a:gd name="connsiteY14" fmla="*/ 928750 h 3586929"/>
+                  <a:gd name="connsiteX15" fmla="*/ 488742 w 3314171"/>
+                  <a:gd name="connsiteY15" fmla="*/ 859490 h 3586929"/>
+                  <a:gd name="connsiteX16" fmla="*/ 238528 w 3314171"/>
+                  <a:gd name="connsiteY16" fmla="*/ 952828 h 3586929"/>
+                  <a:gd name="connsiteX17" fmla="*/ 0 w 3314171"/>
+                  <a:gd name="connsiteY17" fmla="*/ 1090540 h 3586929"/>
+                  <a:gd name="connsiteX18" fmla="*/ 1 w 3314171"/>
+                  <a:gd name="connsiteY18" fmla="*/ 168486 h 3586929"/>
+                  <a:gd name="connsiteX19" fmla="*/ 2 w 3314171"/>
+                  <a:gd name="connsiteY19" fmla="*/ 168485 h 3586929"/>
+                  <a:gd name="connsiteX20" fmla="*/ 2 w 3314171"/>
+                  <a:gd name="connsiteY20" fmla="*/ 124526 h 3586929"/>
+                  <a:gd name="connsiteX21" fmla="*/ 81752 w 3314171"/>
+                  <a:gd name="connsiteY21" fmla="*/ 89468 h 3586929"/>
+                  <a:gd name="connsiteX22" fmla="*/ 1151778 w 3314171"/>
+                  <a:gd name="connsiteY22" fmla="*/ 123328 h 3586929"/>
+                  <a:gd name="connsiteX23" fmla="*/ 1212290 w 3314171"/>
+                  <a:gd name="connsiteY23" fmla="*/ 154305 h 3586929"/>
+                  <a:gd name="connsiteX24" fmla="*/ 1280231 w 3314171"/>
+                  <a:gd name="connsiteY24" fmla="*/ 189085 h 3586929"/>
+                  <a:gd name="connsiteX25" fmla="*/ 1314212 w 3314171"/>
+                  <a:gd name="connsiteY25" fmla="*/ 208704 h 3586929"/>
+                  <a:gd name="connsiteX26" fmla="*/ 1325750 w 3314171"/>
+                  <a:gd name="connsiteY26" fmla="*/ 214847 h 3586929"/>
+                  <a:gd name="connsiteX27" fmla="*/ 2607671 w 3314171"/>
+                  <a:gd name="connsiteY27" fmla="*/ 958318 h 3586929"/>
+                  <a:gd name="connsiteX28" fmla="*/ 2609131 w 3314171"/>
+                  <a:gd name="connsiteY28" fmla="*/ 956326 h 3586929"/>
+                  <a:gd name="connsiteX29" fmla="*/ 3125084 w 3314171"/>
+                  <a:gd name="connsiteY29" fmla="*/ 2881890 h 3586929"/>
+                  <a:gd name="connsiteX0" fmla="*/ 3125084 w 3314171"/>
+                  <a:gd name="connsiteY0" fmla="*/ 2881890 h 3586929"/>
+                  <a:gd name="connsiteX1" fmla="*/ 1199518 w 3314171"/>
+                  <a:gd name="connsiteY1" fmla="*/ 3397844 h 3586929"/>
+                  <a:gd name="connsiteX2" fmla="*/ 617332 w 3314171"/>
+                  <a:gd name="connsiteY2" fmla="*/ 3061714 h 3586929"/>
+                  <a:gd name="connsiteX3" fmla="*/ 1149638 w 3314171"/>
+                  <a:gd name="connsiteY3" fmla="*/ 2754387 h 3586929"/>
+                  <a:gd name="connsiteX4" fmla="*/ 1154830 w 3314171"/>
+                  <a:gd name="connsiteY4" fmla="*/ 2752486 h 3586929"/>
+                  <a:gd name="connsiteX5" fmla="*/ 1394273 w 3314171"/>
+                  <a:gd name="connsiteY5" fmla="*/ 2622522 h 3586929"/>
+                  <a:gd name="connsiteX6" fmla="*/ 1424464 w 3314171"/>
+                  <a:gd name="connsiteY6" fmla="*/ 2599946 h 3586929"/>
+                  <a:gd name="connsiteX7" fmla="*/ 1525315 w 3314171"/>
+                  <a:gd name="connsiteY7" fmla="*/ 2658172 h 3586929"/>
+                  <a:gd name="connsiteX8" fmla="*/ 2353323 w 3314171"/>
+                  <a:gd name="connsiteY8" fmla="*/ 2436308 h 3586929"/>
+                  <a:gd name="connsiteX9" fmla="*/ 2231095 w 3314171"/>
+                  <a:gd name="connsiteY9" fmla="*/ 1680044 h 3586929"/>
+                  <a:gd name="connsiteX10" fmla="*/ 2141844 w 3314171"/>
+                  <a:gd name="connsiteY10" fmla="*/ 1615778 h 3586929"/>
+                  <a:gd name="connsiteX11" fmla="*/ 1409636 w 3314171"/>
+                  <a:gd name="connsiteY11" fmla="*/ 1193037 h 3586929"/>
+                  <a:gd name="connsiteX12" fmla="*/ 1410278 w 3314171"/>
+                  <a:gd name="connsiteY12" fmla="*/ 1191925 h 3586929"/>
+                  <a:gd name="connsiteX13" fmla="*/ 1212290 w 3314171"/>
+                  <a:gd name="connsiteY13" fmla="*/ 1077617 h 3586929"/>
+                  <a:gd name="connsiteX14" fmla="*/ 954445 w 3314171"/>
+                  <a:gd name="connsiteY14" fmla="*/ 928750 h 3586929"/>
+                  <a:gd name="connsiteX15" fmla="*/ 488742 w 3314171"/>
+                  <a:gd name="connsiteY15" fmla="*/ 859490 h 3586929"/>
+                  <a:gd name="connsiteX16" fmla="*/ 238528 w 3314171"/>
+                  <a:gd name="connsiteY16" fmla="*/ 952828 h 3586929"/>
+                  <a:gd name="connsiteX17" fmla="*/ 0 w 3314171"/>
+                  <a:gd name="connsiteY17" fmla="*/ 1090540 h 3586929"/>
+                  <a:gd name="connsiteX18" fmla="*/ 1 w 3314171"/>
+                  <a:gd name="connsiteY18" fmla="*/ 168486 h 3586929"/>
+                  <a:gd name="connsiteX19" fmla="*/ 2 w 3314171"/>
+                  <a:gd name="connsiteY19" fmla="*/ 168485 h 3586929"/>
+                  <a:gd name="connsiteX20" fmla="*/ 2 w 3314171"/>
+                  <a:gd name="connsiteY20" fmla="*/ 124526 h 3586929"/>
+                  <a:gd name="connsiteX21" fmla="*/ 81752 w 3314171"/>
+                  <a:gd name="connsiteY21" fmla="*/ 89468 h 3586929"/>
+                  <a:gd name="connsiteX22" fmla="*/ 1151778 w 3314171"/>
+                  <a:gd name="connsiteY22" fmla="*/ 123328 h 3586929"/>
+                  <a:gd name="connsiteX23" fmla="*/ 1212290 w 3314171"/>
+                  <a:gd name="connsiteY23" fmla="*/ 154305 h 3586929"/>
+                  <a:gd name="connsiteX24" fmla="*/ 1280231 w 3314171"/>
+                  <a:gd name="connsiteY24" fmla="*/ 189085 h 3586929"/>
+                  <a:gd name="connsiteX25" fmla="*/ 1314212 w 3314171"/>
+                  <a:gd name="connsiteY25" fmla="*/ 208704 h 3586929"/>
+                  <a:gd name="connsiteX26" fmla="*/ 2607671 w 3314171"/>
+                  <a:gd name="connsiteY26" fmla="*/ 958318 h 3586929"/>
+                  <a:gd name="connsiteX27" fmla="*/ 2609131 w 3314171"/>
+                  <a:gd name="connsiteY27" fmla="*/ 956326 h 3586929"/>
+                  <a:gd name="connsiteX28" fmla="*/ 3125084 w 3314171"/>
+                  <a:gd name="connsiteY28" fmla="*/ 2881890 h 3586929"/>
+                  <a:gd name="connsiteX0" fmla="*/ 3125084 w 3314171"/>
+                  <a:gd name="connsiteY0" fmla="*/ 2881890 h 3586929"/>
+                  <a:gd name="connsiteX1" fmla="*/ 1199518 w 3314171"/>
+                  <a:gd name="connsiteY1" fmla="*/ 3397844 h 3586929"/>
+                  <a:gd name="connsiteX2" fmla="*/ 617332 w 3314171"/>
+                  <a:gd name="connsiteY2" fmla="*/ 3061714 h 3586929"/>
+                  <a:gd name="connsiteX3" fmla="*/ 1149638 w 3314171"/>
+                  <a:gd name="connsiteY3" fmla="*/ 2754387 h 3586929"/>
+                  <a:gd name="connsiteX4" fmla="*/ 1154830 w 3314171"/>
+                  <a:gd name="connsiteY4" fmla="*/ 2752486 h 3586929"/>
+                  <a:gd name="connsiteX5" fmla="*/ 1394273 w 3314171"/>
+                  <a:gd name="connsiteY5" fmla="*/ 2622522 h 3586929"/>
+                  <a:gd name="connsiteX6" fmla="*/ 1424464 w 3314171"/>
+                  <a:gd name="connsiteY6" fmla="*/ 2599946 h 3586929"/>
+                  <a:gd name="connsiteX7" fmla="*/ 1525315 w 3314171"/>
+                  <a:gd name="connsiteY7" fmla="*/ 2658172 h 3586929"/>
+                  <a:gd name="connsiteX8" fmla="*/ 2353323 w 3314171"/>
+                  <a:gd name="connsiteY8" fmla="*/ 2436308 h 3586929"/>
+                  <a:gd name="connsiteX9" fmla="*/ 2231095 w 3314171"/>
+                  <a:gd name="connsiteY9" fmla="*/ 1680044 h 3586929"/>
+                  <a:gd name="connsiteX10" fmla="*/ 2141844 w 3314171"/>
+                  <a:gd name="connsiteY10" fmla="*/ 1615778 h 3586929"/>
+                  <a:gd name="connsiteX11" fmla="*/ 1409636 w 3314171"/>
+                  <a:gd name="connsiteY11" fmla="*/ 1193037 h 3586929"/>
+                  <a:gd name="connsiteX12" fmla="*/ 1410278 w 3314171"/>
+                  <a:gd name="connsiteY12" fmla="*/ 1191925 h 3586929"/>
+                  <a:gd name="connsiteX13" fmla="*/ 1212290 w 3314171"/>
+                  <a:gd name="connsiteY13" fmla="*/ 1077617 h 3586929"/>
+                  <a:gd name="connsiteX14" fmla="*/ 954445 w 3314171"/>
+                  <a:gd name="connsiteY14" fmla="*/ 928750 h 3586929"/>
+                  <a:gd name="connsiteX15" fmla="*/ 488742 w 3314171"/>
+                  <a:gd name="connsiteY15" fmla="*/ 859490 h 3586929"/>
+                  <a:gd name="connsiteX16" fmla="*/ 238528 w 3314171"/>
+                  <a:gd name="connsiteY16" fmla="*/ 952828 h 3586929"/>
+                  <a:gd name="connsiteX17" fmla="*/ 0 w 3314171"/>
+                  <a:gd name="connsiteY17" fmla="*/ 1090540 h 3586929"/>
+                  <a:gd name="connsiteX18" fmla="*/ 1 w 3314171"/>
+                  <a:gd name="connsiteY18" fmla="*/ 168486 h 3586929"/>
+                  <a:gd name="connsiteX19" fmla="*/ 2 w 3314171"/>
+                  <a:gd name="connsiteY19" fmla="*/ 168485 h 3586929"/>
+                  <a:gd name="connsiteX20" fmla="*/ 2 w 3314171"/>
+                  <a:gd name="connsiteY20" fmla="*/ 124526 h 3586929"/>
+                  <a:gd name="connsiteX21" fmla="*/ 81752 w 3314171"/>
+                  <a:gd name="connsiteY21" fmla="*/ 89468 h 3586929"/>
+                  <a:gd name="connsiteX22" fmla="*/ 1151778 w 3314171"/>
+                  <a:gd name="connsiteY22" fmla="*/ 123328 h 3586929"/>
+                  <a:gd name="connsiteX23" fmla="*/ 1212290 w 3314171"/>
+                  <a:gd name="connsiteY23" fmla="*/ 154305 h 3586929"/>
+                  <a:gd name="connsiteX24" fmla="*/ 1280231 w 3314171"/>
+                  <a:gd name="connsiteY24" fmla="*/ 189085 h 3586929"/>
+                  <a:gd name="connsiteX25" fmla="*/ 2607671 w 3314171"/>
+                  <a:gd name="connsiteY25" fmla="*/ 958318 h 3586929"/>
+                  <a:gd name="connsiteX26" fmla="*/ 2609131 w 3314171"/>
+                  <a:gd name="connsiteY26" fmla="*/ 956326 h 3586929"/>
+                  <a:gd name="connsiteX27" fmla="*/ 3125084 w 3314171"/>
+                  <a:gd name="connsiteY27" fmla="*/ 2881890 h 3586929"/>
+                  <a:gd name="connsiteX0" fmla="*/ 3125084 w 3314171"/>
+                  <a:gd name="connsiteY0" fmla="*/ 2881890 h 3586929"/>
+                  <a:gd name="connsiteX1" fmla="*/ 1199518 w 3314171"/>
+                  <a:gd name="connsiteY1" fmla="*/ 3397844 h 3586929"/>
+                  <a:gd name="connsiteX2" fmla="*/ 617332 w 3314171"/>
+                  <a:gd name="connsiteY2" fmla="*/ 3061714 h 3586929"/>
+                  <a:gd name="connsiteX3" fmla="*/ 1149638 w 3314171"/>
+                  <a:gd name="connsiteY3" fmla="*/ 2754387 h 3586929"/>
+                  <a:gd name="connsiteX4" fmla="*/ 1154830 w 3314171"/>
+                  <a:gd name="connsiteY4" fmla="*/ 2752486 h 3586929"/>
+                  <a:gd name="connsiteX5" fmla="*/ 1394273 w 3314171"/>
+                  <a:gd name="connsiteY5" fmla="*/ 2622522 h 3586929"/>
+                  <a:gd name="connsiteX6" fmla="*/ 1424464 w 3314171"/>
+                  <a:gd name="connsiteY6" fmla="*/ 2599946 h 3586929"/>
+                  <a:gd name="connsiteX7" fmla="*/ 1525315 w 3314171"/>
+                  <a:gd name="connsiteY7" fmla="*/ 2658172 h 3586929"/>
+                  <a:gd name="connsiteX8" fmla="*/ 2353323 w 3314171"/>
+                  <a:gd name="connsiteY8" fmla="*/ 2436308 h 3586929"/>
+                  <a:gd name="connsiteX9" fmla="*/ 2231095 w 3314171"/>
+                  <a:gd name="connsiteY9" fmla="*/ 1680044 h 3586929"/>
+                  <a:gd name="connsiteX10" fmla="*/ 2141844 w 3314171"/>
+                  <a:gd name="connsiteY10" fmla="*/ 1615778 h 3586929"/>
+                  <a:gd name="connsiteX11" fmla="*/ 1409636 w 3314171"/>
+                  <a:gd name="connsiteY11" fmla="*/ 1193037 h 3586929"/>
+                  <a:gd name="connsiteX12" fmla="*/ 1410278 w 3314171"/>
+                  <a:gd name="connsiteY12" fmla="*/ 1191925 h 3586929"/>
+                  <a:gd name="connsiteX13" fmla="*/ 954445 w 3314171"/>
+                  <a:gd name="connsiteY13" fmla="*/ 928750 h 3586929"/>
+                  <a:gd name="connsiteX14" fmla="*/ 488742 w 3314171"/>
+                  <a:gd name="connsiteY14" fmla="*/ 859490 h 3586929"/>
+                  <a:gd name="connsiteX15" fmla="*/ 238528 w 3314171"/>
+                  <a:gd name="connsiteY15" fmla="*/ 952828 h 3586929"/>
+                  <a:gd name="connsiteX16" fmla="*/ 0 w 3314171"/>
+                  <a:gd name="connsiteY16" fmla="*/ 1090540 h 3586929"/>
+                  <a:gd name="connsiteX17" fmla="*/ 1 w 3314171"/>
+                  <a:gd name="connsiteY17" fmla="*/ 168486 h 3586929"/>
+                  <a:gd name="connsiteX18" fmla="*/ 2 w 3314171"/>
+                  <a:gd name="connsiteY18" fmla="*/ 168485 h 3586929"/>
+                  <a:gd name="connsiteX19" fmla="*/ 2 w 3314171"/>
+                  <a:gd name="connsiteY19" fmla="*/ 124526 h 3586929"/>
+                  <a:gd name="connsiteX20" fmla="*/ 81752 w 3314171"/>
+                  <a:gd name="connsiteY20" fmla="*/ 89468 h 3586929"/>
+                  <a:gd name="connsiteX21" fmla="*/ 1151778 w 3314171"/>
+                  <a:gd name="connsiteY21" fmla="*/ 123328 h 3586929"/>
+                  <a:gd name="connsiteX22" fmla="*/ 1212290 w 3314171"/>
+                  <a:gd name="connsiteY22" fmla="*/ 154305 h 3586929"/>
+                  <a:gd name="connsiteX23" fmla="*/ 1280231 w 3314171"/>
+                  <a:gd name="connsiteY23" fmla="*/ 189085 h 3586929"/>
+                  <a:gd name="connsiteX24" fmla="*/ 2607671 w 3314171"/>
+                  <a:gd name="connsiteY24" fmla="*/ 958318 h 3586929"/>
+                  <a:gd name="connsiteX25" fmla="*/ 2609131 w 3314171"/>
+                  <a:gd name="connsiteY25" fmla="*/ 956326 h 3586929"/>
+                  <a:gd name="connsiteX26" fmla="*/ 3125084 w 3314171"/>
+                  <a:gd name="connsiteY26" fmla="*/ 2881890 h 3586929"/>
+                  <a:gd name="connsiteX0" fmla="*/ 3125084 w 3314171"/>
+                  <a:gd name="connsiteY0" fmla="*/ 2881890 h 3586929"/>
+                  <a:gd name="connsiteX1" fmla="*/ 1199518 w 3314171"/>
+                  <a:gd name="connsiteY1" fmla="*/ 3397844 h 3586929"/>
+                  <a:gd name="connsiteX2" fmla="*/ 617332 w 3314171"/>
+                  <a:gd name="connsiteY2" fmla="*/ 3061714 h 3586929"/>
+                  <a:gd name="connsiteX3" fmla="*/ 1149638 w 3314171"/>
+                  <a:gd name="connsiteY3" fmla="*/ 2754387 h 3586929"/>
+                  <a:gd name="connsiteX4" fmla="*/ 1154830 w 3314171"/>
+                  <a:gd name="connsiteY4" fmla="*/ 2752486 h 3586929"/>
+                  <a:gd name="connsiteX5" fmla="*/ 1394273 w 3314171"/>
+                  <a:gd name="connsiteY5" fmla="*/ 2622522 h 3586929"/>
+                  <a:gd name="connsiteX6" fmla="*/ 1424464 w 3314171"/>
+                  <a:gd name="connsiteY6" fmla="*/ 2599946 h 3586929"/>
+                  <a:gd name="connsiteX7" fmla="*/ 1525315 w 3314171"/>
+                  <a:gd name="connsiteY7" fmla="*/ 2658172 h 3586929"/>
+                  <a:gd name="connsiteX8" fmla="*/ 2353323 w 3314171"/>
+                  <a:gd name="connsiteY8" fmla="*/ 2436308 h 3586929"/>
+                  <a:gd name="connsiteX9" fmla="*/ 2231095 w 3314171"/>
+                  <a:gd name="connsiteY9" fmla="*/ 1680044 h 3586929"/>
+                  <a:gd name="connsiteX10" fmla="*/ 2141844 w 3314171"/>
+                  <a:gd name="connsiteY10" fmla="*/ 1615778 h 3586929"/>
+                  <a:gd name="connsiteX11" fmla="*/ 1409636 w 3314171"/>
+                  <a:gd name="connsiteY11" fmla="*/ 1193037 h 3586929"/>
+                  <a:gd name="connsiteX12" fmla="*/ 954445 w 3314171"/>
+                  <a:gd name="connsiteY12" fmla="*/ 928750 h 3586929"/>
+                  <a:gd name="connsiteX13" fmla="*/ 488742 w 3314171"/>
+                  <a:gd name="connsiteY13" fmla="*/ 859490 h 3586929"/>
+                  <a:gd name="connsiteX14" fmla="*/ 238528 w 3314171"/>
+                  <a:gd name="connsiteY14" fmla="*/ 952828 h 3586929"/>
+                  <a:gd name="connsiteX15" fmla="*/ 0 w 3314171"/>
+                  <a:gd name="connsiteY15" fmla="*/ 1090540 h 3586929"/>
+                  <a:gd name="connsiteX16" fmla="*/ 1 w 3314171"/>
+                  <a:gd name="connsiteY16" fmla="*/ 168486 h 3586929"/>
+                  <a:gd name="connsiteX17" fmla="*/ 2 w 3314171"/>
+                  <a:gd name="connsiteY17" fmla="*/ 168485 h 3586929"/>
+                  <a:gd name="connsiteX18" fmla="*/ 2 w 3314171"/>
+                  <a:gd name="connsiteY18" fmla="*/ 124526 h 3586929"/>
+                  <a:gd name="connsiteX19" fmla="*/ 81752 w 3314171"/>
+                  <a:gd name="connsiteY19" fmla="*/ 89468 h 3586929"/>
+                  <a:gd name="connsiteX20" fmla="*/ 1151778 w 3314171"/>
+                  <a:gd name="connsiteY20" fmla="*/ 123328 h 3586929"/>
+                  <a:gd name="connsiteX21" fmla="*/ 1212290 w 3314171"/>
+                  <a:gd name="connsiteY21" fmla="*/ 154305 h 3586929"/>
+                  <a:gd name="connsiteX22" fmla="*/ 1280231 w 3314171"/>
+                  <a:gd name="connsiteY22" fmla="*/ 189085 h 3586929"/>
+                  <a:gd name="connsiteX23" fmla="*/ 2607671 w 3314171"/>
+                  <a:gd name="connsiteY23" fmla="*/ 958318 h 3586929"/>
+                  <a:gd name="connsiteX24" fmla="*/ 2609131 w 3314171"/>
+                  <a:gd name="connsiteY24" fmla="*/ 956326 h 3586929"/>
+                  <a:gd name="connsiteX25" fmla="*/ 3125084 w 3314171"/>
+                  <a:gd name="connsiteY25" fmla="*/ 2881890 h 3586929"/>
+                  <a:gd name="connsiteX0" fmla="*/ 3125084 w 3314171"/>
+                  <a:gd name="connsiteY0" fmla="*/ 2881890 h 3586929"/>
+                  <a:gd name="connsiteX1" fmla="*/ 1199518 w 3314171"/>
+                  <a:gd name="connsiteY1" fmla="*/ 3397844 h 3586929"/>
+                  <a:gd name="connsiteX2" fmla="*/ 617332 w 3314171"/>
+                  <a:gd name="connsiteY2" fmla="*/ 3061714 h 3586929"/>
+                  <a:gd name="connsiteX3" fmla="*/ 1149638 w 3314171"/>
+                  <a:gd name="connsiteY3" fmla="*/ 2754387 h 3586929"/>
+                  <a:gd name="connsiteX4" fmla="*/ 1154830 w 3314171"/>
+                  <a:gd name="connsiteY4" fmla="*/ 2752486 h 3586929"/>
+                  <a:gd name="connsiteX5" fmla="*/ 1394273 w 3314171"/>
+                  <a:gd name="connsiteY5" fmla="*/ 2622522 h 3586929"/>
+                  <a:gd name="connsiteX6" fmla="*/ 1424464 w 3314171"/>
+                  <a:gd name="connsiteY6" fmla="*/ 2599946 h 3586929"/>
+                  <a:gd name="connsiteX7" fmla="*/ 1525315 w 3314171"/>
+                  <a:gd name="connsiteY7" fmla="*/ 2658172 h 3586929"/>
+                  <a:gd name="connsiteX8" fmla="*/ 2353323 w 3314171"/>
+                  <a:gd name="connsiteY8" fmla="*/ 2436308 h 3586929"/>
+                  <a:gd name="connsiteX9" fmla="*/ 2231095 w 3314171"/>
+                  <a:gd name="connsiteY9" fmla="*/ 1680044 h 3586929"/>
+                  <a:gd name="connsiteX10" fmla="*/ 2141844 w 3314171"/>
+                  <a:gd name="connsiteY10" fmla="*/ 1615778 h 3586929"/>
+                  <a:gd name="connsiteX11" fmla="*/ 1409636 w 3314171"/>
+                  <a:gd name="connsiteY11" fmla="*/ 1193037 h 3586929"/>
+                  <a:gd name="connsiteX12" fmla="*/ 954445 w 3314171"/>
+                  <a:gd name="connsiteY12" fmla="*/ 928750 h 3586929"/>
+                  <a:gd name="connsiteX13" fmla="*/ 488742 w 3314171"/>
+                  <a:gd name="connsiteY13" fmla="*/ 859490 h 3586929"/>
+                  <a:gd name="connsiteX14" fmla="*/ 238528 w 3314171"/>
+                  <a:gd name="connsiteY14" fmla="*/ 952828 h 3586929"/>
+                  <a:gd name="connsiteX15" fmla="*/ 0 w 3314171"/>
+                  <a:gd name="connsiteY15" fmla="*/ 1090540 h 3586929"/>
+                  <a:gd name="connsiteX16" fmla="*/ 1 w 3314171"/>
+                  <a:gd name="connsiteY16" fmla="*/ 168486 h 3586929"/>
+                  <a:gd name="connsiteX17" fmla="*/ 2 w 3314171"/>
+                  <a:gd name="connsiteY17" fmla="*/ 168485 h 3586929"/>
+                  <a:gd name="connsiteX18" fmla="*/ 2 w 3314171"/>
+                  <a:gd name="connsiteY18" fmla="*/ 124526 h 3586929"/>
+                  <a:gd name="connsiteX19" fmla="*/ 81752 w 3314171"/>
+                  <a:gd name="connsiteY19" fmla="*/ 89468 h 3586929"/>
+                  <a:gd name="connsiteX20" fmla="*/ 1151778 w 3314171"/>
+                  <a:gd name="connsiteY20" fmla="*/ 123328 h 3586929"/>
+                  <a:gd name="connsiteX21" fmla="*/ 1212290 w 3314171"/>
+                  <a:gd name="connsiteY21" fmla="*/ 154305 h 3586929"/>
+                  <a:gd name="connsiteX22" fmla="*/ 1280231 w 3314171"/>
+                  <a:gd name="connsiteY22" fmla="*/ 189085 h 3586929"/>
+                  <a:gd name="connsiteX23" fmla="*/ 2490287 w 3314171"/>
+                  <a:gd name="connsiteY23" fmla="*/ 875882 h 3586929"/>
+                  <a:gd name="connsiteX24" fmla="*/ 2609131 w 3314171"/>
+                  <a:gd name="connsiteY24" fmla="*/ 956326 h 3586929"/>
+                  <a:gd name="connsiteX25" fmla="*/ 3125084 w 3314171"/>
+                  <a:gd name="connsiteY25" fmla="*/ 2881890 h 3586929"/>
+                  <a:gd name="connsiteX0" fmla="*/ 3125084 w 3314171"/>
+                  <a:gd name="connsiteY0" fmla="*/ 2881890 h 3586929"/>
+                  <a:gd name="connsiteX1" fmla="*/ 1199518 w 3314171"/>
+                  <a:gd name="connsiteY1" fmla="*/ 3397844 h 3586929"/>
+                  <a:gd name="connsiteX2" fmla="*/ 617332 w 3314171"/>
+                  <a:gd name="connsiteY2" fmla="*/ 3061714 h 3586929"/>
+                  <a:gd name="connsiteX3" fmla="*/ 1149638 w 3314171"/>
+                  <a:gd name="connsiteY3" fmla="*/ 2754387 h 3586929"/>
+                  <a:gd name="connsiteX4" fmla="*/ 1154830 w 3314171"/>
+                  <a:gd name="connsiteY4" fmla="*/ 2752486 h 3586929"/>
+                  <a:gd name="connsiteX5" fmla="*/ 1394273 w 3314171"/>
+                  <a:gd name="connsiteY5" fmla="*/ 2622522 h 3586929"/>
+                  <a:gd name="connsiteX6" fmla="*/ 1424464 w 3314171"/>
+                  <a:gd name="connsiteY6" fmla="*/ 2599946 h 3586929"/>
+                  <a:gd name="connsiteX7" fmla="*/ 1525315 w 3314171"/>
+                  <a:gd name="connsiteY7" fmla="*/ 2658172 h 3586929"/>
+                  <a:gd name="connsiteX8" fmla="*/ 2353323 w 3314171"/>
+                  <a:gd name="connsiteY8" fmla="*/ 2436308 h 3586929"/>
+                  <a:gd name="connsiteX9" fmla="*/ 2231095 w 3314171"/>
+                  <a:gd name="connsiteY9" fmla="*/ 1680044 h 3586929"/>
+                  <a:gd name="connsiteX10" fmla="*/ 2141844 w 3314171"/>
+                  <a:gd name="connsiteY10" fmla="*/ 1615778 h 3586929"/>
+                  <a:gd name="connsiteX11" fmla="*/ 1409636 w 3314171"/>
+                  <a:gd name="connsiteY11" fmla="*/ 1193037 h 3586929"/>
+                  <a:gd name="connsiteX12" fmla="*/ 954445 w 3314171"/>
+                  <a:gd name="connsiteY12" fmla="*/ 928750 h 3586929"/>
+                  <a:gd name="connsiteX13" fmla="*/ 488742 w 3314171"/>
+                  <a:gd name="connsiteY13" fmla="*/ 859490 h 3586929"/>
+                  <a:gd name="connsiteX14" fmla="*/ 238528 w 3314171"/>
+                  <a:gd name="connsiteY14" fmla="*/ 952828 h 3586929"/>
+                  <a:gd name="connsiteX15" fmla="*/ 0 w 3314171"/>
+                  <a:gd name="connsiteY15" fmla="*/ 1090540 h 3586929"/>
+                  <a:gd name="connsiteX16" fmla="*/ 1 w 3314171"/>
+                  <a:gd name="connsiteY16" fmla="*/ 168486 h 3586929"/>
+                  <a:gd name="connsiteX17" fmla="*/ 2 w 3314171"/>
+                  <a:gd name="connsiteY17" fmla="*/ 168485 h 3586929"/>
+                  <a:gd name="connsiteX18" fmla="*/ 2 w 3314171"/>
+                  <a:gd name="connsiteY18" fmla="*/ 124526 h 3586929"/>
+                  <a:gd name="connsiteX19" fmla="*/ 81752 w 3314171"/>
+                  <a:gd name="connsiteY19" fmla="*/ 89468 h 3586929"/>
+                  <a:gd name="connsiteX20" fmla="*/ 1151778 w 3314171"/>
+                  <a:gd name="connsiteY20" fmla="*/ 123328 h 3586929"/>
+                  <a:gd name="connsiteX21" fmla="*/ 1212290 w 3314171"/>
+                  <a:gd name="connsiteY21" fmla="*/ 154305 h 3586929"/>
+                  <a:gd name="connsiteX22" fmla="*/ 1280231 w 3314171"/>
+                  <a:gd name="connsiteY22" fmla="*/ 189085 h 3586929"/>
+                  <a:gd name="connsiteX23" fmla="*/ 2609131 w 3314171"/>
+                  <a:gd name="connsiteY23" fmla="*/ 956326 h 3586929"/>
+                  <a:gd name="connsiteX24" fmla="*/ 3125084 w 3314171"/>
+                  <a:gd name="connsiteY24" fmla="*/ 2881890 h 3586929"/>
+                  <a:gd name="connsiteX0" fmla="*/ 3125084 w 3314171"/>
+                  <a:gd name="connsiteY0" fmla="*/ 2881890 h 3586929"/>
+                  <a:gd name="connsiteX1" fmla="*/ 1199518 w 3314171"/>
+                  <a:gd name="connsiteY1" fmla="*/ 3397844 h 3586929"/>
+                  <a:gd name="connsiteX2" fmla="*/ 617332 w 3314171"/>
+                  <a:gd name="connsiteY2" fmla="*/ 3061714 h 3586929"/>
+                  <a:gd name="connsiteX3" fmla="*/ 1149638 w 3314171"/>
+                  <a:gd name="connsiteY3" fmla="*/ 2754387 h 3586929"/>
+                  <a:gd name="connsiteX4" fmla="*/ 1154830 w 3314171"/>
+                  <a:gd name="connsiteY4" fmla="*/ 2752486 h 3586929"/>
+                  <a:gd name="connsiteX5" fmla="*/ 1394273 w 3314171"/>
+                  <a:gd name="connsiteY5" fmla="*/ 2622522 h 3586929"/>
+                  <a:gd name="connsiteX6" fmla="*/ 1424464 w 3314171"/>
+                  <a:gd name="connsiteY6" fmla="*/ 2599946 h 3586929"/>
+                  <a:gd name="connsiteX7" fmla="*/ 1525315 w 3314171"/>
+                  <a:gd name="connsiteY7" fmla="*/ 2658172 h 3586929"/>
+                  <a:gd name="connsiteX8" fmla="*/ 2353323 w 3314171"/>
+                  <a:gd name="connsiteY8" fmla="*/ 2436308 h 3586929"/>
+                  <a:gd name="connsiteX9" fmla="*/ 2231095 w 3314171"/>
+                  <a:gd name="connsiteY9" fmla="*/ 1680044 h 3586929"/>
+                  <a:gd name="connsiteX10" fmla="*/ 2141844 w 3314171"/>
+                  <a:gd name="connsiteY10" fmla="*/ 1615778 h 3586929"/>
+                  <a:gd name="connsiteX11" fmla="*/ 954445 w 3314171"/>
+                  <a:gd name="connsiteY11" fmla="*/ 928750 h 3586929"/>
+                  <a:gd name="connsiteX12" fmla="*/ 488742 w 3314171"/>
+                  <a:gd name="connsiteY12" fmla="*/ 859490 h 3586929"/>
+                  <a:gd name="connsiteX13" fmla="*/ 238528 w 3314171"/>
+                  <a:gd name="connsiteY13" fmla="*/ 952828 h 3586929"/>
+                  <a:gd name="connsiteX14" fmla="*/ 0 w 3314171"/>
+                  <a:gd name="connsiteY14" fmla="*/ 1090540 h 3586929"/>
+                  <a:gd name="connsiteX15" fmla="*/ 1 w 3314171"/>
+                  <a:gd name="connsiteY15" fmla="*/ 168486 h 3586929"/>
+                  <a:gd name="connsiteX16" fmla="*/ 2 w 3314171"/>
+                  <a:gd name="connsiteY16" fmla="*/ 168485 h 3586929"/>
+                  <a:gd name="connsiteX17" fmla="*/ 2 w 3314171"/>
+                  <a:gd name="connsiteY17" fmla="*/ 124526 h 3586929"/>
+                  <a:gd name="connsiteX18" fmla="*/ 81752 w 3314171"/>
+                  <a:gd name="connsiteY18" fmla="*/ 89468 h 3586929"/>
+                  <a:gd name="connsiteX19" fmla="*/ 1151778 w 3314171"/>
+                  <a:gd name="connsiteY19" fmla="*/ 123328 h 3586929"/>
+                  <a:gd name="connsiteX20" fmla="*/ 1212290 w 3314171"/>
+                  <a:gd name="connsiteY20" fmla="*/ 154305 h 3586929"/>
+                  <a:gd name="connsiteX21" fmla="*/ 1280231 w 3314171"/>
+                  <a:gd name="connsiteY21" fmla="*/ 189085 h 3586929"/>
+                  <a:gd name="connsiteX22" fmla="*/ 2609131 w 3314171"/>
+                  <a:gd name="connsiteY22" fmla="*/ 956326 h 3586929"/>
+                  <a:gd name="connsiteX23" fmla="*/ 3125084 w 3314171"/>
+                  <a:gd name="connsiteY23" fmla="*/ 2881890 h 3586929"/>
+                  <a:gd name="connsiteX0" fmla="*/ 3125084 w 3314171"/>
+                  <a:gd name="connsiteY0" fmla="*/ 2881890 h 3586929"/>
+                  <a:gd name="connsiteX1" fmla="*/ 1199518 w 3314171"/>
+                  <a:gd name="connsiteY1" fmla="*/ 3397844 h 3586929"/>
+                  <a:gd name="connsiteX2" fmla="*/ 617332 w 3314171"/>
+                  <a:gd name="connsiteY2" fmla="*/ 3061714 h 3586929"/>
+                  <a:gd name="connsiteX3" fmla="*/ 1149638 w 3314171"/>
+                  <a:gd name="connsiteY3" fmla="*/ 2754387 h 3586929"/>
+                  <a:gd name="connsiteX4" fmla="*/ 1394273 w 3314171"/>
+                  <a:gd name="connsiteY4" fmla="*/ 2622522 h 3586929"/>
+                  <a:gd name="connsiteX5" fmla="*/ 1424464 w 3314171"/>
+                  <a:gd name="connsiteY5" fmla="*/ 2599946 h 3586929"/>
+                  <a:gd name="connsiteX6" fmla="*/ 1525315 w 3314171"/>
+                  <a:gd name="connsiteY6" fmla="*/ 2658172 h 3586929"/>
+                  <a:gd name="connsiteX7" fmla="*/ 2353323 w 3314171"/>
+                  <a:gd name="connsiteY7" fmla="*/ 2436308 h 3586929"/>
+                  <a:gd name="connsiteX8" fmla="*/ 2231095 w 3314171"/>
+                  <a:gd name="connsiteY8" fmla="*/ 1680044 h 3586929"/>
+                  <a:gd name="connsiteX9" fmla="*/ 2141844 w 3314171"/>
+                  <a:gd name="connsiteY9" fmla="*/ 1615778 h 3586929"/>
+                  <a:gd name="connsiteX10" fmla="*/ 954445 w 3314171"/>
+                  <a:gd name="connsiteY10" fmla="*/ 928750 h 3586929"/>
+                  <a:gd name="connsiteX11" fmla="*/ 488742 w 3314171"/>
+                  <a:gd name="connsiteY11" fmla="*/ 859490 h 3586929"/>
+                  <a:gd name="connsiteX12" fmla="*/ 238528 w 3314171"/>
+                  <a:gd name="connsiteY12" fmla="*/ 952828 h 3586929"/>
+                  <a:gd name="connsiteX13" fmla="*/ 0 w 3314171"/>
+                  <a:gd name="connsiteY13" fmla="*/ 1090540 h 3586929"/>
+                  <a:gd name="connsiteX14" fmla="*/ 1 w 3314171"/>
+                  <a:gd name="connsiteY14" fmla="*/ 168486 h 3586929"/>
+                  <a:gd name="connsiteX15" fmla="*/ 2 w 3314171"/>
+                  <a:gd name="connsiteY15" fmla="*/ 168485 h 3586929"/>
+                  <a:gd name="connsiteX16" fmla="*/ 2 w 3314171"/>
+                  <a:gd name="connsiteY16" fmla="*/ 124526 h 3586929"/>
+                  <a:gd name="connsiteX17" fmla="*/ 81752 w 3314171"/>
+                  <a:gd name="connsiteY17" fmla="*/ 89468 h 3586929"/>
+                  <a:gd name="connsiteX18" fmla="*/ 1151778 w 3314171"/>
+                  <a:gd name="connsiteY18" fmla="*/ 123328 h 3586929"/>
+                  <a:gd name="connsiteX19" fmla="*/ 1212290 w 3314171"/>
+                  <a:gd name="connsiteY19" fmla="*/ 154305 h 3586929"/>
+                  <a:gd name="connsiteX20" fmla="*/ 1280231 w 3314171"/>
+                  <a:gd name="connsiteY20" fmla="*/ 189085 h 3586929"/>
+                  <a:gd name="connsiteX21" fmla="*/ 2609131 w 3314171"/>
+                  <a:gd name="connsiteY21" fmla="*/ 956326 h 3586929"/>
+                  <a:gd name="connsiteX22" fmla="*/ 3125084 w 3314171"/>
+                  <a:gd name="connsiteY22" fmla="*/ 2881890 h 3586929"/>
+                  <a:gd name="connsiteX0" fmla="*/ 3125084 w 3314171"/>
+                  <a:gd name="connsiteY0" fmla="*/ 2881890 h 3586929"/>
+                  <a:gd name="connsiteX1" fmla="*/ 1199518 w 3314171"/>
+                  <a:gd name="connsiteY1" fmla="*/ 3397844 h 3586929"/>
+                  <a:gd name="connsiteX2" fmla="*/ 617332 w 3314171"/>
+                  <a:gd name="connsiteY2" fmla="*/ 3061714 h 3586929"/>
+                  <a:gd name="connsiteX3" fmla="*/ 1149638 w 3314171"/>
+                  <a:gd name="connsiteY3" fmla="*/ 2754387 h 3586929"/>
+                  <a:gd name="connsiteX4" fmla="*/ 1424464 w 3314171"/>
+                  <a:gd name="connsiteY4" fmla="*/ 2599946 h 3586929"/>
+                  <a:gd name="connsiteX5" fmla="*/ 1525315 w 3314171"/>
+                  <a:gd name="connsiteY5" fmla="*/ 2658172 h 3586929"/>
+                  <a:gd name="connsiteX6" fmla="*/ 2353323 w 3314171"/>
+                  <a:gd name="connsiteY6" fmla="*/ 2436308 h 3586929"/>
+                  <a:gd name="connsiteX7" fmla="*/ 2231095 w 3314171"/>
+                  <a:gd name="connsiteY7" fmla="*/ 1680044 h 3586929"/>
+                  <a:gd name="connsiteX8" fmla="*/ 2141844 w 3314171"/>
+                  <a:gd name="connsiteY8" fmla="*/ 1615778 h 3586929"/>
+                  <a:gd name="connsiteX9" fmla="*/ 954445 w 3314171"/>
+                  <a:gd name="connsiteY9" fmla="*/ 928750 h 3586929"/>
+                  <a:gd name="connsiteX10" fmla="*/ 488742 w 3314171"/>
+                  <a:gd name="connsiteY10" fmla="*/ 859490 h 3586929"/>
+                  <a:gd name="connsiteX11" fmla="*/ 238528 w 3314171"/>
+                  <a:gd name="connsiteY11" fmla="*/ 952828 h 3586929"/>
+                  <a:gd name="connsiteX12" fmla="*/ 0 w 3314171"/>
+                  <a:gd name="connsiteY12" fmla="*/ 1090540 h 3586929"/>
+                  <a:gd name="connsiteX13" fmla="*/ 1 w 3314171"/>
+                  <a:gd name="connsiteY13" fmla="*/ 168486 h 3586929"/>
+                  <a:gd name="connsiteX14" fmla="*/ 2 w 3314171"/>
+                  <a:gd name="connsiteY14" fmla="*/ 168485 h 3586929"/>
+                  <a:gd name="connsiteX15" fmla="*/ 2 w 3314171"/>
+                  <a:gd name="connsiteY15" fmla="*/ 124526 h 3586929"/>
+                  <a:gd name="connsiteX16" fmla="*/ 81752 w 3314171"/>
+                  <a:gd name="connsiteY16" fmla="*/ 89468 h 3586929"/>
+                  <a:gd name="connsiteX17" fmla="*/ 1151778 w 3314171"/>
+                  <a:gd name="connsiteY17" fmla="*/ 123328 h 3586929"/>
+                  <a:gd name="connsiteX18" fmla="*/ 1212290 w 3314171"/>
+                  <a:gd name="connsiteY18" fmla="*/ 154305 h 3586929"/>
+                  <a:gd name="connsiteX19" fmla="*/ 1280231 w 3314171"/>
+                  <a:gd name="connsiteY19" fmla="*/ 189085 h 3586929"/>
+                  <a:gd name="connsiteX20" fmla="*/ 2609131 w 3314171"/>
+                  <a:gd name="connsiteY20" fmla="*/ 956326 h 3586929"/>
+                  <a:gd name="connsiteX21" fmla="*/ 3125084 w 3314171"/>
+                  <a:gd name="connsiteY21" fmla="*/ 2881890 h 3586929"/>
+                  <a:gd name="connsiteX0" fmla="*/ 3125084 w 3314171"/>
+                  <a:gd name="connsiteY0" fmla="*/ 2881890 h 3586929"/>
+                  <a:gd name="connsiteX1" fmla="*/ 1199518 w 3314171"/>
+                  <a:gd name="connsiteY1" fmla="*/ 3397844 h 3586929"/>
+                  <a:gd name="connsiteX2" fmla="*/ 617332 w 3314171"/>
+                  <a:gd name="connsiteY2" fmla="*/ 3061714 h 3586929"/>
+                  <a:gd name="connsiteX3" fmla="*/ 1424464 w 3314171"/>
+                  <a:gd name="connsiteY3" fmla="*/ 2599946 h 3586929"/>
+                  <a:gd name="connsiteX4" fmla="*/ 1525315 w 3314171"/>
+                  <a:gd name="connsiteY4" fmla="*/ 2658172 h 3586929"/>
+                  <a:gd name="connsiteX5" fmla="*/ 2353323 w 3314171"/>
+                  <a:gd name="connsiteY5" fmla="*/ 2436308 h 3586929"/>
+                  <a:gd name="connsiteX6" fmla="*/ 2231095 w 3314171"/>
+                  <a:gd name="connsiteY6" fmla="*/ 1680044 h 3586929"/>
+                  <a:gd name="connsiteX7" fmla="*/ 2141844 w 3314171"/>
+                  <a:gd name="connsiteY7" fmla="*/ 1615778 h 3586929"/>
+                  <a:gd name="connsiteX8" fmla="*/ 954445 w 3314171"/>
+                  <a:gd name="connsiteY8" fmla="*/ 928750 h 3586929"/>
+                  <a:gd name="connsiteX9" fmla="*/ 488742 w 3314171"/>
+                  <a:gd name="connsiteY9" fmla="*/ 859490 h 3586929"/>
+                  <a:gd name="connsiteX10" fmla="*/ 238528 w 3314171"/>
+                  <a:gd name="connsiteY10" fmla="*/ 952828 h 3586929"/>
+                  <a:gd name="connsiteX11" fmla="*/ 0 w 3314171"/>
+                  <a:gd name="connsiteY11" fmla="*/ 1090540 h 3586929"/>
+                  <a:gd name="connsiteX12" fmla="*/ 1 w 3314171"/>
+                  <a:gd name="connsiteY12" fmla="*/ 168486 h 3586929"/>
+                  <a:gd name="connsiteX13" fmla="*/ 2 w 3314171"/>
+                  <a:gd name="connsiteY13" fmla="*/ 168485 h 3586929"/>
+                  <a:gd name="connsiteX14" fmla="*/ 2 w 3314171"/>
+                  <a:gd name="connsiteY14" fmla="*/ 124526 h 3586929"/>
+                  <a:gd name="connsiteX15" fmla="*/ 81752 w 3314171"/>
+                  <a:gd name="connsiteY15" fmla="*/ 89468 h 3586929"/>
+                  <a:gd name="connsiteX16" fmla="*/ 1151778 w 3314171"/>
+                  <a:gd name="connsiteY16" fmla="*/ 123328 h 3586929"/>
+                  <a:gd name="connsiteX17" fmla="*/ 1212290 w 3314171"/>
+                  <a:gd name="connsiteY17" fmla="*/ 154305 h 3586929"/>
+                  <a:gd name="connsiteX18" fmla="*/ 1280231 w 3314171"/>
+                  <a:gd name="connsiteY18" fmla="*/ 189085 h 3586929"/>
+                  <a:gd name="connsiteX19" fmla="*/ 2609131 w 3314171"/>
+                  <a:gd name="connsiteY19" fmla="*/ 956326 h 3586929"/>
+                  <a:gd name="connsiteX20" fmla="*/ 3125084 w 3314171"/>
+                  <a:gd name="connsiteY20" fmla="*/ 2881890 h 3586929"/>
+                </a:gdLst>
+                <a:ahLst/>
+                <a:cxnLst>
+                  <a:cxn ang="0">
+                    <a:pos x="connsiteX0" y="connsiteY0"/>
+                  </a:cxn>
+                  <a:cxn ang="0">
+                    <a:pos x="connsiteX1" y="connsiteY1"/>
+                  </a:cxn>
+                  <a:cxn ang="0">
+                    <a:pos x="connsiteX2" y="connsiteY2"/>
+                  </a:cxn>
+                  <a:cxn ang="0">
+                    <a:pos x="connsiteX3" y="connsiteY3"/>
+                  </a:cxn>
+                  <a:cxn ang="0">
+                    <a:pos x="connsiteX4" y="connsiteY4"/>
+                  </a:cxn>
+                  <a:cxn ang="0">
+                    <a:pos x="connsiteX5" y="connsiteY5"/>
+                  </a:cxn>
+                  <a:cxn ang="0">
+                    <a:pos x="connsiteX6" y="connsiteY6"/>
+                  </a:cxn>
+                  <a:cxn ang="0">
+                    <a:pos x="connsiteX7" y="connsiteY7"/>
+                  </a:cxn>
+                  <a:cxn ang="0">
+                    <a:pos x="connsiteX8" y="connsiteY8"/>
+                  </a:cxn>
+                  <a:cxn ang="0">
+                    <a:pos x="connsiteX9" y="connsiteY9"/>
+                  </a:cxn>
+                  <a:cxn ang="0">
+                    <a:pos x="connsiteX10" y="connsiteY10"/>
+                  </a:cxn>
+                  <a:cxn ang="0">
+                    <a:pos x="connsiteX11" y="connsiteY11"/>
+                  </a:cxn>
+                  <a:cxn ang="0">
+                    <a:pos x="connsiteX12" y="connsiteY12"/>
+                  </a:cxn>
+                  <a:cxn ang="0">
+                    <a:pos x="connsiteX13" y="connsiteY13"/>
+                  </a:cxn>
+                  <a:cxn ang="0">
+                    <a:pos x="connsiteX14" y="connsiteY14"/>
+                  </a:cxn>
+                  <a:cxn ang="0">
+                    <a:pos x="connsiteX15" y="connsiteY15"/>
+                  </a:cxn>
+                  <a:cxn ang="0">
+                    <a:pos x="connsiteX16" y="connsiteY16"/>
+                  </a:cxn>
+                  <a:cxn ang="0">
+                    <a:pos x="connsiteX17" y="connsiteY17"/>
+                  </a:cxn>
+                  <a:cxn ang="0">
+                    <a:pos x="connsiteX18" y="connsiteY18"/>
+                  </a:cxn>
+                  <a:cxn ang="0">
+                    <a:pos x="connsiteX19" y="connsiteY19"/>
+                  </a:cxn>
+                  <a:cxn ang="0">
+                    <a:pos x="connsiteX20" y="connsiteY20"/>
+                  </a:cxn>
+                </a:cxnLst>
+                <a:rect l="l" t="t" r="r" b="b"/>
+                <a:pathLst>
+                  <a:path w="3314171" h="3586929">
+                    <a:moveTo>
+                      <a:pt x="3125084" y="2881890"/>
+                    </a:moveTo>
+                    <a:cubicBezTo>
+                      <a:pt x="2735832" y="3556095"/>
+                      <a:pt x="1873725" y="3787095"/>
+                      <a:pt x="1199518" y="3397844"/>
+                    </a:cubicBezTo>
+                    <a:lnTo>
+                      <a:pt x="617332" y="3061714"/>
+                    </a:lnTo>
+                    <a:lnTo>
+                      <a:pt x="1424464" y="2599946"/>
+                    </a:lnTo>
+                    <a:lnTo>
+                      <a:pt x="1525315" y="2658172"/>
+                    </a:lnTo>
+                    <a:cubicBezTo>
+                      <a:pt x="1815229" y="2825554"/>
+                      <a:pt x="2185941" y="2726222"/>
+                      <a:pt x="2353323" y="2436308"/>
+                    </a:cubicBezTo>
+                    <a:cubicBezTo>
+                      <a:pt x="2499782" y="2182633"/>
+                      <a:pt x="2442039" y="1867098"/>
+                      <a:pt x="2231095" y="1680044"/>
+                    </a:cubicBezTo>
+                    <a:lnTo>
+                      <a:pt x="2141844" y="1615778"/>
+                    </a:lnTo>
+                    <a:lnTo>
+                      <a:pt x="954445" y="928750"/>
+                    </a:lnTo>
+                    <a:cubicBezTo>
+                      <a:pt x="809488" y="845059"/>
+                      <a:pt x="638583" y="819341"/>
+                      <a:pt x="488742" y="859490"/>
+                    </a:cubicBezTo>
+                    <a:cubicBezTo>
+                      <a:pt x="340941" y="883951"/>
+                      <a:pt x="323849" y="924617"/>
+                      <a:pt x="238528" y="952828"/>
+                    </a:cubicBezTo>
+                    <a:lnTo>
+                      <a:pt x="0" y="1090540"/>
+                    </a:lnTo>
+                    <a:cubicBezTo>
+                      <a:pt x="0" y="783189"/>
+                      <a:pt x="1" y="475837"/>
+                      <a:pt x="1" y="168486"/>
+                    </a:cubicBezTo>
+                    <a:lnTo>
+                      <a:pt x="2" y="168485"/>
+                    </a:lnTo>
+                    <a:lnTo>
+                      <a:pt x="2" y="124526"/>
+                    </a:lnTo>
+                    <a:lnTo>
+                      <a:pt x="81752" y="89468"/>
+                    </a:lnTo>
+                    <a:cubicBezTo>
+                      <a:pt x="420016" y="-36788"/>
+                      <a:pt x="804223" y="-32879"/>
+                      <a:pt x="1151778" y="123328"/>
+                    </a:cubicBezTo>
+                    <a:lnTo>
+                      <a:pt x="1212290" y="154305"/>
+                    </a:lnTo>
+                    <a:lnTo>
+                      <a:pt x="1280231" y="189085"/>
+                    </a:lnTo>
+                    <a:lnTo>
+                      <a:pt x="2609131" y="956326"/>
+                    </a:lnTo>
+                    <a:cubicBezTo>
+                      <a:pt x="3283336" y="1345578"/>
+                      <a:pt x="3514337" y="2207685"/>
+                      <a:pt x="3125084" y="2881890"/>
+                    </a:cubicBezTo>
+                    <a:close/>
+                  </a:path>
+                </a:pathLst>
+              </a:custGeom>
+              <a:solidFill>
+                <a:srgbClr val="FFC004"/>
+              </a:solidFill>
+              <a:ln w="63500">
+                <a:noFill/>
+              </a:ln>
+            </p:spPr>
+            <p:style>
+              <a:lnRef idx="2">
+                <a:schemeClr val="accent1">
+                  <a:shade val="50000"/>
+                </a:schemeClr>
+              </a:lnRef>
+              <a:fillRef idx="1">
+                <a:schemeClr val="accent1"/>
+              </a:fillRef>
+              <a:effectRef idx="0">
+                <a:schemeClr val="accent1"/>
+              </a:effectRef>
+              <a:fontRef idx="minor">
+                <a:schemeClr val="lt1"/>
+              </a:fontRef>
+            </p:style>
+            <p:txBody>
+              <a:bodyPr wrap="square" rtlCol="0" anchor="ctr">
+                <a:noAutofit/>
+              </a:bodyPr>
+              <a:lstStyle/>
+              <a:p>
+                <a:pPr algn="ctr"/>
+                <a:endParaRPr lang="sv-SE"/>
+              </a:p>
+            </p:txBody>
+          </p:sp>
+          <p:sp>
+            <p:nvSpPr>
+              <p:cNvPr id="560" name="Frihandsfigur 559">
+                <a:extLst>
+                  <a:ext uri="{FF2B5EF4-FFF2-40B4-BE49-F238E27FC236}">
+                    <a16:creationId xmlns:a16="http://schemas.microsoft.com/office/drawing/2014/main" id="{863BAF49-7DE7-CF4A-9839-F4A5E7F775DE}"/>
+                  </a:ext>
+                </a:extLst>
+              </p:cNvPr>
+              <p:cNvSpPr/>
+              <p:nvPr/>
+            </p:nvSpPr>
+            <p:spPr>
+              <a:xfrm rot="7200000">
+                <a:off x="3353748" y="2419461"/>
+                <a:ext cx="3314171" cy="3586929"/>
+              </a:xfrm>
+              <a:custGeom>
+                <a:avLst/>
+                <a:gdLst>
+                  <a:gd name="connsiteX0" fmla="*/ 3125084 w 3314171"/>
+                  <a:gd name="connsiteY0" fmla="*/ 2881890 h 3586929"/>
+                  <a:gd name="connsiteX1" fmla="*/ 1199518 w 3314171"/>
+                  <a:gd name="connsiteY1" fmla="*/ 3397844 h 3586929"/>
+                  <a:gd name="connsiteX2" fmla="*/ 617332 w 3314171"/>
+                  <a:gd name="connsiteY2" fmla="*/ 3061714 h 3586929"/>
+                  <a:gd name="connsiteX3" fmla="*/ 1149638 w 3314171"/>
+                  <a:gd name="connsiteY3" fmla="*/ 2754387 h 3586929"/>
+                  <a:gd name="connsiteX4" fmla="*/ 1154830 w 3314171"/>
+                  <a:gd name="connsiteY4" fmla="*/ 2752486 h 3586929"/>
+                  <a:gd name="connsiteX5" fmla="*/ 1394273 w 3314171"/>
+                  <a:gd name="connsiteY5" fmla="*/ 2622522 h 3586929"/>
+                  <a:gd name="connsiteX6" fmla="*/ 1424464 w 3314171"/>
+                  <a:gd name="connsiteY6" fmla="*/ 2599946 h 3586929"/>
+                  <a:gd name="connsiteX7" fmla="*/ 1525315 w 3314171"/>
+                  <a:gd name="connsiteY7" fmla="*/ 2658172 h 3586929"/>
+                  <a:gd name="connsiteX8" fmla="*/ 2353323 w 3314171"/>
+                  <a:gd name="connsiteY8" fmla="*/ 2436308 h 3586929"/>
+                  <a:gd name="connsiteX9" fmla="*/ 2231095 w 3314171"/>
+                  <a:gd name="connsiteY9" fmla="*/ 1680044 h 3586929"/>
+                  <a:gd name="connsiteX10" fmla="*/ 2141844 w 3314171"/>
+                  <a:gd name="connsiteY10" fmla="*/ 1615778 h 3586929"/>
+                  <a:gd name="connsiteX11" fmla="*/ 1409636 w 3314171"/>
+                  <a:gd name="connsiteY11" fmla="*/ 1193037 h 3586929"/>
+                  <a:gd name="connsiteX12" fmla="*/ 1410278 w 3314171"/>
+                  <a:gd name="connsiteY12" fmla="*/ 1191925 h 3586929"/>
+                  <a:gd name="connsiteX13" fmla="*/ 1212290 w 3314171"/>
+                  <a:gd name="connsiteY13" fmla="*/ 1077617 h 3586929"/>
+                  <a:gd name="connsiteX14" fmla="*/ 954445 w 3314171"/>
+                  <a:gd name="connsiteY14" fmla="*/ 928750 h 3586929"/>
+                  <a:gd name="connsiteX15" fmla="*/ 488742 w 3314171"/>
+                  <a:gd name="connsiteY15" fmla="*/ 859490 h 3586929"/>
+                  <a:gd name="connsiteX16" fmla="*/ 238528 w 3314171"/>
+                  <a:gd name="connsiteY16" fmla="*/ 952828 h 3586929"/>
+                  <a:gd name="connsiteX17" fmla="*/ 0 w 3314171"/>
+                  <a:gd name="connsiteY17" fmla="*/ 1090540 h 3586929"/>
+                  <a:gd name="connsiteX18" fmla="*/ 1 w 3314171"/>
+                  <a:gd name="connsiteY18" fmla="*/ 168486 h 3586929"/>
+                  <a:gd name="connsiteX19" fmla="*/ 2 w 3314171"/>
+                  <a:gd name="connsiteY19" fmla="*/ 168485 h 3586929"/>
+                  <a:gd name="connsiteX20" fmla="*/ 2 w 3314171"/>
+                  <a:gd name="connsiteY20" fmla="*/ 124526 h 3586929"/>
+                  <a:gd name="connsiteX21" fmla="*/ 81752 w 3314171"/>
+                  <a:gd name="connsiteY21" fmla="*/ 89468 h 3586929"/>
+                  <a:gd name="connsiteX22" fmla="*/ 1151778 w 3314171"/>
+                  <a:gd name="connsiteY22" fmla="*/ 123328 h 3586929"/>
+                  <a:gd name="connsiteX23" fmla="*/ 1212290 w 3314171"/>
+                  <a:gd name="connsiteY23" fmla="*/ 154305 h 3586929"/>
+                  <a:gd name="connsiteX24" fmla="*/ 1280231 w 3314171"/>
+                  <a:gd name="connsiteY24" fmla="*/ 189085 h 3586929"/>
+                  <a:gd name="connsiteX25" fmla="*/ 1314212 w 3314171"/>
+                  <a:gd name="connsiteY25" fmla="*/ 208704 h 3586929"/>
+                  <a:gd name="connsiteX26" fmla="*/ 1325750 w 3314171"/>
+                  <a:gd name="connsiteY26" fmla="*/ 214847 h 3586929"/>
+                  <a:gd name="connsiteX27" fmla="*/ 1335733 w 3314171"/>
+                  <a:gd name="connsiteY27" fmla="*/ 221129 h 3586929"/>
+                  <a:gd name="connsiteX28" fmla="*/ 2015759 w 3314171"/>
+                  <a:gd name="connsiteY28" fmla="*/ 613743 h 3586929"/>
+                  <a:gd name="connsiteX29" fmla="*/ 2017415 w 3314171"/>
+                  <a:gd name="connsiteY29" fmla="*/ 617534 h 3586929"/>
+                  <a:gd name="connsiteX30" fmla="*/ 2607671 w 3314171"/>
+                  <a:gd name="connsiteY30" fmla="*/ 958318 h 3586929"/>
+                  <a:gd name="connsiteX31" fmla="*/ 2609131 w 3314171"/>
+                  <a:gd name="connsiteY31" fmla="*/ 956326 h 3586929"/>
+                  <a:gd name="connsiteX32" fmla="*/ 3125084 w 3314171"/>
+                  <a:gd name="connsiteY32" fmla="*/ 2881890 h 3586929"/>
+                  <a:gd name="connsiteX0" fmla="*/ 3125084 w 3314171"/>
+                  <a:gd name="connsiteY0" fmla="*/ 2881890 h 3586929"/>
+                  <a:gd name="connsiteX1" fmla="*/ 1199518 w 3314171"/>
+                  <a:gd name="connsiteY1" fmla="*/ 3397844 h 3586929"/>
+                  <a:gd name="connsiteX2" fmla="*/ 617332 w 3314171"/>
+                  <a:gd name="connsiteY2" fmla="*/ 3061714 h 3586929"/>
+                  <a:gd name="connsiteX3" fmla="*/ 1149638 w 3314171"/>
+                  <a:gd name="connsiteY3" fmla="*/ 2754387 h 3586929"/>
+                  <a:gd name="connsiteX4" fmla="*/ 1154830 w 3314171"/>
+                  <a:gd name="connsiteY4" fmla="*/ 2752486 h 3586929"/>
+                  <a:gd name="connsiteX5" fmla="*/ 1394273 w 3314171"/>
+                  <a:gd name="connsiteY5" fmla="*/ 2622522 h 3586929"/>
+                  <a:gd name="connsiteX6" fmla="*/ 1424464 w 3314171"/>
+                  <a:gd name="connsiteY6" fmla="*/ 2599946 h 3586929"/>
+                  <a:gd name="connsiteX7" fmla="*/ 1525315 w 3314171"/>
+                  <a:gd name="connsiteY7" fmla="*/ 2658172 h 3586929"/>
+                  <a:gd name="connsiteX8" fmla="*/ 2353323 w 3314171"/>
+                  <a:gd name="connsiteY8" fmla="*/ 2436308 h 3586929"/>
+                  <a:gd name="connsiteX9" fmla="*/ 2231095 w 3314171"/>
+                  <a:gd name="connsiteY9" fmla="*/ 1680044 h 3586929"/>
+                  <a:gd name="connsiteX10" fmla="*/ 2141844 w 3314171"/>
+                  <a:gd name="connsiteY10" fmla="*/ 1615778 h 3586929"/>
+                  <a:gd name="connsiteX11" fmla="*/ 1409636 w 3314171"/>
+                  <a:gd name="connsiteY11" fmla="*/ 1193037 h 3586929"/>
+                  <a:gd name="connsiteX12" fmla="*/ 1410278 w 3314171"/>
+                  <a:gd name="connsiteY12" fmla="*/ 1191925 h 3586929"/>
+                  <a:gd name="connsiteX13" fmla="*/ 1212290 w 3314171"/>
+                  <a:gd name="connsiteY13" fmla="*/ 1077617 h 3586929"/>
+                  <a:gd name="connsiteX14" fmla="*/ 954445 w 3314171"/>
+                  <a:gd name="connsiteY14" fmla="*/ 928750 h 3586929"/>
+                  <a:gd name="connsiteX15" fmla="*/ 488742 w 3314171"/>
+                  <a:gd name="connsiteY15" fmla="*/ 859490 h 3586929"/>
+                  <a:gd name="connsiteX16" fmla="*/ 238528 w 3314171"/>
+                  <a:gd name="connsiteY16" fmla="*/ 952828 h 3586929"/>
+                  <a:gd name="connsiteX17" fmla="*/ 0 w 3314171"/>
+                  <a:gd name="connsiteY17" fmla="*/ 1090540 h 3586929"/>
+                  <a:gd name="connsiteX18" fmla="*/ 1 w 3314171"/>
+                  <a:gd name="connsiteY18" fmla="*/ 168486 h 3586929"/>
+                  <a:gd name="connsiteX19" fmla="*/ 2 w 3314171"/>
+                  <a:gd name="connsiteY19" fmla="*/ 168485 h 3586929"/>
+                  <a:gd name="connsiteX20" fmla="*/ 2 w 3314171"/>
+                  <a:gd name="connsiteY20" fmla="*/ 124526 h 3586929"/>
+                  <a:gd name="connsiteX21" fmla="*/ 81752 w 3314171"/>
+                  <a:gd name="connsiteY21" fmla="*/ 89468 h 3586929"/>
+                  <a:gd name="connsiteX22" fmla="*/ 1151778 w 3314171"/>
+                  <a:gd name="connsiteY22" fmla="*/ 123328 h 3586929"/>
+                  <a:gd name="connsiteX23" fmla="*/ 1212290 w 3314171"/>
+                  <a:gd name="connsiteY23" fmla="*/ 154305 h 3586929"/>
+                  <a:gd name="connsiteX24" fmla="*/ 1280231 w 3314171"/>
+                  <a:gd name="connsiteY24" fmla="*/ 189085 h 3586929"/>
+                  <a:gd name="connsiteX25" fmla="*/ 1314212 w 3314171"/>
+                  <a:gd name="connsiteY25" fmla="*/ 208704 h 3586929"/>
+                  <a:gd name="connsiteX26" fmla="*/ 1325750 w 3314171"/>
+                  <a:gd name="connsiteY26" fmla="*/ 214847 h 3586929"/>
+                  <a:gd name="connsiteX27" fmla="*/ 1335733 w 3314171"/>
+                  <a:gd name="connsiteY27" fmla="*/ 221129 h 3586929"/>
+                  <a:gd name="connsiteX28" fmla="*/ 2015759 w 3314171"/>
+                  <a:gd name="connsiteY28" fmla="*/ 613743 h 3586929"/>
+                  <a:gd name="connsiteX29" fmla="*/ 2607671 w 3314171"/>
+                  <a:gd name="connsiteY29" fmla="*/ 958318 h 3586929"/>
+                  <a:gd name="connsiteX30" fmla="*/ 2609131 w 3314171"/>
+                  <a:gd name="connsiteY30" fmla="*/ 956326 h 3586929"/>
+                  <a:gd name="connsiteX31" fmla="*/ 3125084 w 3314171"/>
+                  <a:gd name="connsiteY31" fmla="*/ 2881890 h 3586929"/>
+                  <a:gd name="connsiteX0" fmla="*/ 3125084 w 3314171"/>
+                  <a:gd name="connsiteY0" fmla="*/ 2881890 h 3586929"/>
+                  <a:gd name="connsiteX1" fmla="*/ 1199518 w 3314171"/>
+                  <a:gd name="connsiteY1" fmla="*/ 3397844 h 3586929"/>
+                  <a:gd name="connsiteX2" fmla="*/ 617332 w 3314171"/>
+                  <a:gd name="connsiteY2" fmla="*/ 3061714 h 3586929"/>
+                  <a:gd name="connsiteX3" fmla="*/ 1149638 w 3314171"/>
+                  <a:gd name="connsiteY3" fmla="*/ 2754387 h 3586929"/>
+                  <a:gd name="connsiteX4" fmla="*/ 1154830 w 3314171"/>
+                  <a:gd name="connsiteY4" fmla="*/ 2752486 h 3586929"/>
+                  <a:gd name="connsiteX5" fmla="*/ 1394273 w 3314171"/>
+                  <a:gd name="connsiteY5" fmla="*/ 2622522 h 3586929"/>
+                  <a:gd name="connsiteX6" fmla="*/ 1424464 w 3314171"/>
+                  <a:gd name="connsiteY6" fmla="*/ 2599946 h 3586929"/>
+                  <a:gd name="connsiteX7" fmla="*/ 1525315 w 3314171"/>
+                  <a:gd name="connsiteY7" fmla="*/ 2658172 h 3586929"/>
+                  <a:gd name="connsiteX8" fmla="*/ 2353323 w 3314171"/>
+                  <a:gd name="connsiteY8" fmla="*/ 2436308 h 3586929"/>
+                  <a:gd name="connsiteX9" fmla="*/ 2231095 w 3314171"/>
+                  <a:gd name="connsiteY9" fmla="*/ 1680044 h 3586929"/>
+                  <a:gd name="connsiteX10" fmla="*/ 2141844 w 3314171"/>
+                  <a:gd name="connsiteY10" fmla="*/ 1615778 h 3586929"/>
+                  <a:gd name="connsiteX11" fmla="*/ 1409636 w 3314171"/>
+                  <a:gd name="connsiteY11" fmla="*/ 1193037 h 3586929"/>
+                  <a:gd name="connsiteX12" fmla="*/ 1410278 w 3314171"/>
+                  <a:gd name="connsiteY12" fmla="*/ 1191925 h 3586929"/>
+                  <a:gd name="connsiteX13" fmla="*/ 1212290 w 3314171"/>
+                  <a:gd name="connsiteY13" fmla="*/ 1077617 h 3586929"/>
+                  <a:gd name="connsiteX14" fmla="*/ 954445 w 3314171"/>
+                  <a:gd name="connsiteY14" fmla="*/ 928750 h 3586929"/>
+                  <a:gd name="connsiteX15" fmla="*/ 488742 w 3314171"/>
+                  <a:gd name="connsiteY15" fmla="*/ 859490 h 3586929"/>
+                  <a:gd name="connsiteX16" fmla="*/ 238528 w 3314171"/>
+                  <a:gd name="connsiteY16" fmla="*/ 952828 h 3586929"/>
+                  <a:gd name="connsiteX17" fmla="*/ 0 w 3314171"/>
+                  <a:gd name="connsiteY17" fmla="*/ 1090540 h 3586929"/>
+                  <a:gd name="connsiteX18" fmla="*/ 1 w 3314171"/>
+                  <a:gd name="connsiteY18" fmla="*/ 168486 h 3586929"/>
+                  <a:gd name="connsiteX19" fmla="*/ 2 w 3314171"/>
+                  <a:gd name="connsiteY19" fmla="*/ 168485 h 3586929"/>
+                  <a:gd name="connsiteX20" fmla="*/ 2 w 3314171"/>
+                  <a:gd name="connsiteY20" fmla="*/ 124526 h 3586929"/>
+                  <a:gd name="connsiteX21" fmla="*/ 81752 w 3314171"/>
+                  <a:gd name="connsiteY21" fmla="*/ 89468 h 3586929"/>
+                  <a:gd name="connsiteX22" fmla="*/ 1151778 w 3314171"/>
+                  <a:gd name="connsiteY22" fmla="*/ 123328 h 3586929"/>
+                  <a:gd name="connsiteX23" fmla="*/ 1212290 w 3314171"/>
+                  <a:gd name="connsiteY23" fmla="*/ 154305 h 3586929"/>
+                  <a:gd name="connsiteX24" fmla="*/ 1280231 w 3314171"/>
+                  <a:gd name="connsiteY24" fmla="*/ 189085 h 3586929"/>
+                  <a:gd name="connsiteX25" fmla="*/ 1314212 w 3314171"/>
+                  <a:gd name="connsiteY25" fmla="*/ 208704 h 3586929"/>
+                  <a:gd name="connsiteX26" fmla="*/ 1325750 w 3314171"/>
+                  <a:gd name="connsiteY26" fmla="*/ 214847 h 3586929"/>
+                  <a:gd name="connsiteX27" fmla="*/ 1335733 w 3314171"/>
+                  <a:gd name="connsiteY27" fmla="*/ 221129 h 3586929"/>
+                  <a:gd name="connsiteX28" fmla="*/ 2607671 w 3314171"/>
+                  <a:gd name="connsiteY28" fmla="*/ 958318 h 3586929"/>
+                  <a:gd name="connsiteX29" fmla="*/ 2609131 w 3314171"/>
+                  <a:gd name="connsiteY29" fmla="*/ 956326 h 3586929"/>
+                  <a:gd name="connsiteX30" fmla="*/ 3125084 w 3314171"/>
+                  <a:gd name="connsiteY30" fmla="*/ 2881890 h 3586929"/>
+                  <a:gd name="connsiteX0" fmla="*/ 3125084 w 3314171"/>
+                  <a:gd name="connsiteY0" fmla="*/ 2881890 h 3586929"/>
+                  <a:gd name="connsiteX1" fmla="*/ 1199518 w 3314171"/>
+                  <a:gd name="connsiteY1" fmla="*/ 3397844 h 3586929"/>
+                  <a:gd name="connsiteX2" fmla="*/ 617332 w 3314171"/>
+                  <a:gd name="connsiteY2" fmla="*/ 3061714 h 3586929"/>
+                  <a:gd name="connsiteX3" fmla="*/ 1149638 w 3314171"/>
+                  <a:gd name="connsiteY3" fmla="*/ 2754387 h 3586929"/>
+                  <a:gd name="connsiteX4" fmla="*/ 1154830 w 3314171"/>
+                  <a:gd name="connsiteY4" fmla="*/ 2752486 h 3586929"/>
+                  <a:gd name="connsiteX5" fmla="*/ 1394273 w 3314171"/>
+                  <a:gd name="connsiteY5" fmla="*/ 2622522 h 3586929"/>
+                  <a:gd name="connsiteX6" fmla="*/ 1424464 w 3314171"/>
+                  <a:gd name="connsiteY6" fmla="*/ 2599946 h 3586929"/>
+                  <a:gd name="connsiteX7" fmla="*/ 1525315 w 3314171"/>
+                  <a:gd name="connsiteY7" fmla="*/ 2658172 h 3586929"/>
+                  <a:gd name="connsiteX8" fmla="*/ 2353323 w 3314171"/>
+                  <a:gd name="connsiteY8" fmla="*/ 2436308 h 3586929"/>
+                  <a:gd name="connsiteX9" fmla="*/ 2231095 w 3314171"/>
+                  <a:gd name="connsiteY9" fmla="*/ 1680044 h 3586929"/>
+                  <a:gd name="connsiteX10" fmla="*/ 2141844 w 3314171"/>
+                  <a:gd name="connsiteY10" fmla="*/ 1615778 h 3586929"/>
+                  <a:gd name="connsiteX11" fmla="*/ 1409636 w 3314171"/>
+                  <a:gd name="connsiteY11" fmla="*/ 1193037 h 3586929"/>
+                  <a:gd name="connsiteX12" fmla="*/ 1410278 w 3314171"/>
+                  <a:gd name="connsiteY12" fmla="*/ 1191925 h 3586929"/>
+                  <a:gd name="connsiteX13" fmla="*/ 1212290 w 3314171"/>
+                  <a:gd name="connsiteY13" fmla="*/ 1077617 h 3586929"/>
+                  <a:gd name="connsiteX14" fmla="*/ 954445 w 3314171"/>
+                  <a:gd name="connsiteY14" fmla="*/ 928750 h 3586929"/>
+                  <a:gd name="connsiteX15" fmla="*/ 488742 w 3314171"/>
+                  <a:gd name="connsiteY15" fmla="*/ 859490 h 3586929"/>
+                  <a:gd name="connsiteX16" fmla="*/ 238528 w 3314171"/>
+                  <a:gd name="connsiteY16" fmla="*/ 952828 h 3586929"/>
+                  <a:gd name="connsiteX17" fmla="*/ 0 w 3314171"/>
+                  <a:gd name="connsiteY17" fmla="*/ 1090540 h 3586929"/>
+                  <a:gd name="connsiteX18" fmla="*/ 1 w 3314171"/>
+                  <a:gd name="connsiteY18" fmla="*/ 168486 h 3586929"/>
+                  <a:gd name="connsiteX19" fmla="*/ 2 w 3314171"/>
+                  <a:gd name="connsiteY19" fmla="*/ 168485 h 3586929"/>
+                  <a:gd name="connsiteX20" fmla="*/ 2 w 3314171"/>
+                  <a:gd name="connsiteY20" fmla="*/ 124526 h 3586929"/>
+                  <a:gd name="connsiteX21" fmla="*/ 81752 w 3314171"/>
+                  <a:gd name="connsiteY21" fmla="*/ 89468 h 3586929"/>
+                  <a:gd name="connsiteX22" fmla="*/ 1151778 w 3314171"/>
+                  <a:gd name="connsiteY22" fmla="*/ 123328 h 3586929"/>
+                  <a:gd name="connsiteX23" fmla="*/ 1212290 w 3314171"/>
+                  <a:gd name="connsiteY23" fmla="*/ 154305 h 3586929"/>
+                  <a:gd name="connsiteX24" fmla="*/ 1280231 w 3314171"/>
+                  <a:gd name="connsiteY24" fmla="*/ 189085 h 3586929"/>
+                  <a:gd name="connsiteX25" fmla="*/ 1314212 w 3314171"/>
+                  <a:gd name="connsiteY25" fmla="*/ 208704 h 3586929"/>
+                  <a:gd name="connsiteX26" fmla="*/ 1325750 w 3314171"/>
+                  <a:gd name="connsiteY26" fmla="*/ 214847 h 3586929"/>
+                  <a:gd name="connsiteX27" fmla="*/ 2607671 w 3314171"/>
+                  <a:gd name="connsiteY27" fmla="*/ 958318 h 3586929"/>
+                  <a:gd name="connsiteX28" fmla="*/ 2609131 w 3314171"/>
+                  <a:gd name="connsiteY28" fmla="*/ 956326 h 3586929"/>
+                  <a:gd name="connsiteX29" fmla="*/ 3125084 w 3314171"/>
+                  <a:gd name="connsiteY29" fmla="*/ 2881890 h 3586929"/>
+                  <a:gd name="connsiteX0" fmla="*/ 3125084 w 3314171"/>
+                  <a:gd name="connsiteY0" fmla="*/ 2881890 h 3586929"/>
+                  <a:gd name="connsiteX1" fmla="*/ 1199518 w 3314171"/>
+                  <a:gd name="connsiteY1" fmla="*/ 3397844 h 3586929"/>
+                  <a:gd name="connsiteX2" fmla="*/ 617332 w 3314171"/>
+                  <a:gd name="connsiteY2" fmla="*/ 3061714 h 3586929"/>
+                  <a:gd name="connsiteX3" fmla="*/ 1149638 w 3314171"/>
+                  <a:gd name="connsiteY3" fmla="*/ 2754387 h 3586929"/>
+                  <a:gd name="connsiteX4" fmla="*/ 1154830 w 3314171"/>
+                  <a:gd name="connsiteY4" fmla="*/ 2752486 h 3586929"/>
+                  <a:gd name="connsiteX5" fmla="*/ 1394273 w 3314171"/>
+                  <a:gd name="connsiteY5" fmla="*/ 2622522 h 3586929"/>
+                  <a:gd name="connsiteX6" fmla="*/ 1424464 w 3314171"/>
+                  <a:gd name="connsiteY6" fmla="*/ 2599946 h 3586929"/>
+                  <a:gd name="connsiteX7" fmla="*/ 1525315 w 3314171"/>
+                  <a:gd name="connsiteY7" fmla="*/ 2658172 h 3586929"/>
+                  <a:gd name="connsiteX8" fmla="*/ 2353323 w 3314171"/>
+                  <a:gd name="connsiteY8" fmla="*/ 2436308 h 3586929"/>
+                  <a:gd name="connsiteX9" fmla="*/ 2231095 w 3314171"/>
+                  <a:gd name="connsiteY9" fmla="*/ 1680044 h 3586929"/>
+                  <a:gd name="connsiteX10" fmla="*/ 2141844 w 3314171"/>
+                  <a:gd name="connsiteY10" fmla="*/ 1615778 h 3586929"/>
+                  <a:gd name="connsiteX11" fmla="*/ 1409636 w 3314171"/>
+                  <a:gd name="connsiteY11" fmla="*/ 1193037 h 3586929"/>
+                  <a:gd name="connsiteX12" fmla="*/ 1410278 w 3314171"/>
+                  <a:gd name="connsiteY12" fmla="*/ 1191925 h 3586929"/>
+                  <a:gd name="connsiteX13" fmla="*/ 1212290 w 3314171"/>
+                  <a:gd name="connsiteY13" fmla="*/ 1077617 h 3586929"/>
+                  <a:gd name="connsiteX14" fmla="*/ 954445 w 3314171"/>
+                  <a:gd name="connsiteY14" fmla="*/ 928750 h 3586929"/>
+                  <a:gd name="connsiteX15" fmla="*/ 488742 w 3314171"/>
+                  <a:gd name="connsiteY15" fmla="*/ 859490 h 3586929"/>
+                  <a:gd name="connsiteX16" fmla="*/ 238528 w 3314171"/>
+                  <a:gd name="connsiteY16" fmla="*/ 952828 h 3586929"/>
+                  <a:gd name="connsiteX17" fmla="*/ 0 w 3314171"/>
+                  <a:gd name="connsiteY17" fmla="*/ 1090540 h 3586929"/>
+                  <a:gd name="connsiteX18" fmla="*/ 1 w 3314171"/>
+                  <a:gd name="connsiteY18" fmla="*/ 168486 h 3586929"/>
+                  <a:gd name="connsiteX19" fmla="*/ 2 w 3314171"/>
+                  <a:gd name="connsiteY19" fmla="*/ 168485 h 3586929"/>
+                  <a:gd name="connsiteX20" fmla="*/ 2 w 3314171"/>
+                  <a:gd name="connsiteY20" fmla="*/ 124526 h 3586929"/>
+                  <a:gd name="connsiteX21" fmla="*/ 81752 w 3314171"/>
+                  <a:gd name="connsiteY21" fmla="*/ 89468 h 3586929"/>
+                  <a:gd name="connsiteX22" fmla="*/ 1151778 w 3314171"/>
+                  <a:gd name="connsiteY22" fmla="*/ 123328 h 3586929"/>
+                  <a:gd name="connsiteX23" fmla="*/ 1212290 w 3314171"/>
+                  <a:gd name="connsiteY23" fmla="*/ 154305 h 3586929"/>
+                  <a:gd name="connsiteX24" fmla="*/ 1280231 w 3314171"/>
+                  <a:gd name="connsiteY24" fmla="*/ 189085 h 3586929"/>
+                  <a:gd name="connsiteX25" fmla="*/ 1314212 w 3314171"/>
+                  <a:gd name="connsiteY25" fmla="*/ 208704 h 3586929"/>
+                  <a:gd name="connsiteX26" fmla="*/ 2607671 w 3314171"/>
+                  <a:gd name="connsiteY26" fmla="*/ 958318 h 3586929"/>
+                  <a:gd name="connsiteX27" fmla="*/ 2609131 w 3314171"/>
+                  <a:gd name="connsiteY27" fmla="*/ 956326 h 3586929"/>
+                  <a:gd name="connsiteX28" fmla="*/ 3125084 w 3314171"/>
+                  <a:gd name="connsiteY28" fmla="*/ 2881890 h 3586929"/>
+                  <a:gd name="connsiteX0" fmla="*/ 3125084 w 3314171"/>
+                  <a:gd name="connsiteY0" fmla="*/ 2881890 h 3586929"/>
+                  <a:gd name="connsiteX1" fmla="*/ 1199518 w 3314171"/>
+                  <a:gd name="connsiteY1" fmla="*/ 3397844 h 3586929"/>
+                  <a:gd name="connsiteX2" fmla="*/ 617332 w 3314171"/>
+                  <a:gd name="connsiteY2" fmla="*/ 3061714 h 3586929"/>
+                  <a:gd name="connsiteX3" fmla="*/ 1149638 w 3314171"/>
+                  <a:gd name="connsiteY3" fmla="*/ 2754387 h 3586929"/>
+                  <a:gd name="connsiteX4" fmla="*/ 1154830 w 3314171"/>
+                  <a:gd name="connsiteY4" fmla="*/ 2752486 h 3586929"/>
+                  <a:gd name="connsiteX5" fmla="*/ 1394273 w 3314171"/>
+                  <a:gd name="connsiteY5" fmla="*/ 2622522 h 3586929"/>
+                  <a:gd name="connsiteX6" fmla="*/ 1424464 w 3314171"/>
+                  <a:gd name="connsiteY6" fmla="*/ 2599946 h 3586929"/>
+                  <a:gd name="connsiteX7" fmla="*/ 1525315 w 3314171"/>
+                  <a:gd name="connsiteY7" fmla="*/ 2658172 h 3586929"/>
+                  <a:gd name="connsiteX8" fmla="*/ 2353323 w 3314171"/>
+                  <a:gd name="connsiteY8" fmla="*/ 2436308 h 3586929"/>
+                  <a:gd name="connsiteX9" fmla="*/ 2231095 w 3314171"/>
+                  <a:gd name="connsiteY9" fmla="*/ 1680044 h 3586929"/>
+                  <a:gd name="connsiteX10" fmla="*/ 2141844 w 3314171"/>
+                  <a:gd name="connsiteY10" fmla="*/ 1615778 h 3586929"/>
+                  <a:gd name="connsiteX11" fmla="*/ 1409636 w 3314171"/>
+                  <a:gd name="connsiteY11" fmla="*/ 1193037 h 3586929"/>
+                  <a:gd name="connsiteX12" fmla="*/ 1410278 w 3314171"/>
+                  <a:gd name="connsiteY12" fmla="*/ 1191925 h 3586929"/>
+                  <a:gd name="connsiteX13" fmla="*/ 1212290 w 3314171"/>
+                  <a:gd name="connsiteY13" fmla="*/ 1077617 h 3586929"/>
+                  <a:gd name="connsiteX14" fmla="*/ 954445 w 3314171"/>
+                  <a:gd name="connsiteY14" fmla="*/ 928750 h 3586929"/>
+                  <a:gd name="connsiteX15" fmla="*/ 488742 w 3314171"/>
+                  <a:gd name="connsiteY15" fmla="*/ 859490 h 3586929"/>
+                  <a:gd name="connsiteX16" fmla="*/ 238528 w 3314171"/>
+                  <a:gd name="connsiteY16" fmla="*/ 952828 h 3586929"/>
+                  <a:gd name="connsiteX17" fmla="*/ 0 w 3314171"/>
+                  <a:gd name="connsiteY17" fmla="*/ 1090540 h 3586929"/>
+                  <a:gd name="connsiteX18" fmla="*/ 1 w 3314171"/>
+                  <a:gd name="connsiteY18" fmla="*/ 168486 h 3586929"/>
+                  <a:gd name="connsiteX19" fmla="*/ 2 w 3314171"/>
+                  <a:gd name="connsiteY19" fmla="*/ 168485 h 3586929"/>
+                  <a:gd name="connsiteX20" fmla="*/ 2 w 3314171"/>
+                  <a:gd name="connsiteY20" fmla="*/ 124526 h 3586929"/>
+                  <a:gd name="connsiteX21" fmla="*/ 81752 w 3314171"/>
+                  <a:gd name="connsiteY21" fmla="*/ 89468 h 3586929"/>
+                  <a:gd name="connsiteX22" fmla="*/ 1151778 w 3314171"/>
+                  <a:gd name="connsiteY22" fmla="*/ 123328 h 3586929"/>
+                  <a:gd name="connsiteX23" fmla="*/ 1212290 w 3314171"/>
+                  <a:gd name="connsiteY23" fmla="*/ 154305 h 3586929"/>
+                  <a:gd name="connsiteX24" fmla="*/ 1280231 w 3314171"/>
+                  <a:gd name="connsiteY24" fmla="*/ 189085 h 3586929"/>
+                  <a:gd name="connsiteX25" fmla="*/ 2607671 w 3314171"/>
+                  <a:gd name="connsiteY25" fmla="*/ 958318 h 3586929"/>
+                  <a:gd name="connsiteX26" fmla="*/ 2609131 w 3314171"/>
+                  <a:gd name="connsiteY26" fmla="*/ 956326 h 3586929"/>
+                  <a:gd name="connsiteX27" fmla="*/ 3125084 w 3314171"/>
+                  <a:gd name="connsiteY27" fmla="*/ 2881890 h 3586929"/>
+                  <a:gd name="connsiteX0" fmla="*/ 3125084 w 3314171"/>
+                  <a:gd name="connsiteY0" fmla="*/ 2881890 h 3586929"/>
+                  <a:gd name="connsiteX1" fmla="*/ 1199518 w 3314171"/>
+                  <a:gd name="connsiteY1" fmla="*/ 3397844 h 3586929"/>
+                  <a:gd name="connsiteX2" fmla="*/ 617332 w 3314171"/>
+                  <a:gd name="connsiteY2" fmla="*/ 3061714 h 3586929"/>
+                  <a:gd name="connsiteX3" fmla="*/ 1149638 w 3314171"/>
+                  <a:gd name="connsiteY3" fmla="*/ 2754387 h 3586929"/>
+                  <a:gd name="connsiteX4" fmla="*/ 1154830 w 3314171"/>
+                  <a:gd name="connsiteY4" fmla="*/ 2752486 h 3586929"/>
+                  <a:gd name="connsiteX5" fmla="*/ 1394273 w 3314171"/>
+                  <a:gd name="connsiteY5" fmla="*/ 2622522 h 3586929"/>
+                  <a:gd name="connsiteX6" fmla="*/ 1424464 w 3314171"/>
+                  <a:gd name="connsiteY6" fmla="*/ 2599946 h 3586929"/>
+                  <a:gd name="connsiteX7" fmla="*/ 1525315 w 3314171"/>
+                  <a:gd name="connsiteY7" fmla="*/ 2658172 h 3586929"/>
+                  <a:gd name="connsiteX8" fmla="*/ 2353323 w 3314171"/>
+                  <a:gd name="connsiteY8" fmla="*/ 2436308 h 3586929"/>
+                  <a:gd name="connsiteX9" fmla="*/ 2231095 w 3314171"/>
+                  <a:gd name="connsiteY9" fmla="*/ 1680044 h 3586929"/>
+                  <a:gd name="connsiteX10" fmla="*/ 2141844 w 3314171"/>
+                  <a:gd name="connsiteY10" fmla="*/ 1615778 h 3586929"/>
+                  <a:gd name="connsiteX11" fmla="*/ 1409636 w 3314171"/>
+                  <a:gd name="connsiteY11" fmla="*/ 1193037 h 3586929"/>
+                  <a:gd name="connsiteX12" fmla="*/ 1410278 w 3314171"/>
+                  <a:gd name="connsiteY12" fmla="*/ 1191925 h 3586929"/>
+                  <a:gd name="connsiteX13" fmla="*/ 954445 w 3314171"/>
+                  <a:gd name="connsiteY13" fmla="*/ 928750 h 3586929"/>
+                  <a:gd name="connsiteX14" fmla="*/ 488742 w 3314171"/>
+                  <a:gd name="connsiteY14" fmla="*/ 859490 h 3586929"/>
+                  <a:gd name="connsiteX15" fmla="*/ 238528 w 3314171"/>
+                  <a:gd name="connsiteY15" fmla="*/ 952828 h 3586929"/>
+                  <a:gd name="connsiteX16" fmla="*/ 0 w 3314171"/>
+                  <a:gd name="connsiteY16" fmla="*/ 1090540 h 3586929"/>
+                  <a:gd name="connsiteX17" fmla="*/ 1 w 3314171"/>
+                  <a:gd name="connsiteY17" fmla="*/ 168486 h 3586929"/>
+                  <a:gd name="connsiteX18" fmla="*/ 2 w 3314171"/>
+                  <a:gd name="connsiteY18" fmla="*/ 168485 h 3586929"/>
+                  <a:gd name="connsiteX19" fmla="*/ 2 w 3314171"/>
+                  <a:gd name="connsiteY19" fmla="*/ 124526 h 3586929"/>
+                  <a:gd name="connsiteX20" fmla="*/ 81752 w 3314171"/>
+                  <a:gd name="connsiteY20" fmla="*/ 89468 h 3586929"/>
+                  <a:gd name="connsiteX21" fmla="*/ 1151778 w 3314171"/>
+                  <a:gd name="connsiteY21" fmla="*/ 123328 h 3586929"/>
+                  <a:gd name="connsiteX22" fmla="*/ 1212290 w 3314171"/>
+                  <a:gd name="connsiteY22" fmla="*/ 154305 h 3586929"/>
+                  <a:gd name="connsiteX23" fmla="*/ 1280231 w 3314171"/>
+                  <a:gd name="connsiteY23" fmla="*/ 189085 h 3586929"/>
+                  <a:gd name="connsiteX24" fmla="*/ 2607671 w 3314171"/>
+                  <a:gd name="connsiteY24" fmla="*/ 958318 h 3586929"/>
+                  <a:gd name="connsiteX25" fmla="*/ 2609131 w 3314171"/>
+                  <a:gd name="connsiteY25" fmla="*/ 956326 h 3586929"/>
+                  <a:gd name="connsiteX26" fmla="*/ 3125084 w 3314171"/>
+                  <a:gd name="connsiteY26" fmla="*/ 2881890 h 3586929"/>
+                  <a:gd name="connsiteX0" fmla="*/ 3125084 w 3314171"/>
+                  <a:gd name="connsiteY0" fmla="*/ 2881890 h 3586929"/>
+                  <a:gd name="connsiteX1" fmla="*/ 1199518 w 3314171"/>
+                  <a:gd name="connsiteY1" fmla="*/ 3397844 h 3586929"/>
+                  <a:gd name="connsiteX2" fmla="*/ 617332 w 3314171"/>
+                  <a:gd name="connsiteY2" fmla="*/ 3061714 h 3586929"/>
+                  <a:gd name="connsiteX3" fmla="*/ 1149638 w 3314171"/>
+                  <a:gd name="connsiteY3" fmla="*/ 2754387 h 3586929"/>
+                  <a:gd name="connsiteX4" fmla="*/ 1154830 w 3314171"/>
+                  <a:gd name="connsiteY4" fmla="*/ 2752486 h 3586929"/>
+                  <a:gd name="connsiteX5" fmla="*/ 1394273 w 3314171"/>
+                  <a:gd name="connsiteY5" fmla="*/ 2622522 h 3586929"/>
+                  <a:gd name="connsiteX6" fmla="*/ 1424464 w 3314171"/>
+                  <a:gd name="connsiteY6" fmla="*/ 2599946 h 3586929"/>
+                  <a:gd name="connsiteX7" fmla="*/ 1525315 w 3314171"/>
+                  <a:gd name="connsiteY7" fmla="*/ 2658172 h 3586929"/>
+                  <a:gd name="connsiteX8" fmla="*/ 2353323 w 3314171"/>
+                  <a:gd name="connsiteY8" fmla="*/ 2436308 h 3586929"/>
+                  <a:gd name="connsiteX9" fmla="*/ 2231095 w 3314171"/>
+                  <a:gd name="connsiteY9" fmla="*/ 1680044 h 3586929"/>
+                  <a:gd name="connsiteX10" fmla="*/ 2141844 w 3314171"/>
+                  <a:gd name="connsiteY10" fmla="*/ 1615778 h 3586929"/>
+                  <a:gd name="connsiteX11" fmla="*/ 1409636 w 3314171"/>
+                  <a:gd name="connsiteY11" fmla="*/ 1193037 h 3586929"/>
+                  <a:gd name="connsiteX12" fmla="*/ 954445 w 3314171"/>
+                  <a:gd name="connsiteY12" fmla="*/ 928750 h 3586929"/>
+                  <a:gd name="connsiteX13" fmla="*/ 488742 w 3314171"/>
+                  <a:gd name="connsiteY13" fmla="*/ 859490 h 3586929"/>
+                  <a:gd name="connsiteX14" fmla="*/ 238528 w 3314171"/>
+                  <a:gd name="connsiteY14" fmla="*/ 952828 h 3586929"/>
+                  <a:gd name="connsiteX15" fmla="*/ 0 w 3314171"/>
+                  <a:gd name="connsiteY15" fmla="*/ 1090540 h 3586929"/>
+                  <a:gd name="connsiteX16" fmla="*/ 1 w 3314171"/>
+                  <a:gd name="connsiteY16" fmla="*/ 168486 h 3586929"/>
+                  <a:gd name="connsiteX17" fmla="*/ 2 w 3314171"/>
+                  <a:gd name="connsiteY17" fmla="*/ 168485 h 3586929"/>
+                  <a:gd name="connsiteX18" fmla="*/ 2 w 3314171"/>
+                  <a:gd name="connsiteY18" fmla="*/ 124526 h 3586929"/>
+                  <a:gd name="connsiteX19" fmla="*/ 81752 w 3314171"/>
+                  <a:gd name="connsiteY19" fmla="*/ 89468 h 3586929"/>
+                  <a:gd name="connsiteX20" fmla="*/ 1151778 w 3314171"/>
+                  <a:gd name="connsiteY20" fmla="*/ 123328 h 3586929"/>
+                  <a:gd name="connsiteX21" fmla="*/ 1212290 w 3314171"/>
+                  <a:gd name="connsiteY21" fmla="*/ 154305 h 3586929"/>
+                  <a:gd name="connsiteX22" fmla="*/ 1280231 w 3314171"/>
+                  <a:gd name="connsiteY22" fmla="*/ 189085 h 3586929"/>
+                  <a:gd name="connsiteX23" fmla="*/ 2607671 w 3314171"/>
+                  <a:gd name="connsiteY23" fmla="*/ 958318 h 3586929"/>
+                  <a:gd name="connsiteX24" fmla="*/ 2609131 w 3314171"/>
+                  <a:gd name="connsiteY24" fmla="*/ 956326 h 3586929"/>
+                  <a:gd name="connsiteX25" fmla="*/ 3125084 w 3314171"/>
+                  <a:gd name="connsiteY25" fmla="*/ 2881890 h 3586929"/>
+                  <a:gd name="connsiteX0" fmla="*/ 3125084 w 3314171"/>
+                  <a:gd name="connsiteY0" fmla="*/ 2881890 h 3586929"/>
+                  <a:gd name="connsiteX1" fmla="*/ 1199518 w 3314171"/>
+                  <a:gd name="connsiteY1" fmla="*/ 3397844 h 3586929"/>
+                  <a:gd name="connsiteX2" fmla="*/ 617332 w 3314171"/>
+                  <a:gd name="connsiteY2" fmla="*/ 3061714 h 3586929"/>
+                  <a:gd name="connsiteX3" fmla="*/ 1149638 w 3314171"/>
+                  <a:gd name="connsiteY3" fmla="*/ 2754387 h 3586929"/>
+                  <a:gd name="connsiteX4" fmla="*/ 1154830 w 3314171"/>
+                  <a:gd name="connsiteY4" fmla="*/ 2752486 h 3586929"/>
+                  <a:gd name="connsiteX5" fmla="*/ 1394273 w 3314171"/>
+                  <a:gd name="connsiteY5" fmla="*/ 2622522 h 3586929"/>
+                  <a:gd name="connsiteX6" fmla="*/ 1424464 w 3314171"/>
+                  <a:gd name="connsiteY6" fmla="*/ 2599946 h 3586929"/>
+                  <a:gd name="connsiteX7" fmla="*/ 1525315 w 3314171"/>
+                  <a:gd name="connsiteY7" fmla="*/ 2658172 h 3586929"/>
+                  <a:gd name="connsiteX8" fmla="*/ 2353323 w 3314171"/>
+                  <a:gd name="connsiteY8" fmla="*/ 2436308 h 3586929"/>
+                  <a:gd name="connsiteX9" fmla="*/ 2231095 w 3314171"/>
+                  <a:gd name="connsiteY9" fmla="*/ 1680044 h 3586929"/>
+                  <a:gd name="connsiteX10" fmla="*/ 2141844 w 3314171"/>
+                  <a:gd name="connsiteY10" fmla="*/ 1615778 h 3586929"/>
+                  <a:gd name="connsiteX11" fmla="*/ 1409636 w 3314171"/>
+                  <a:gd name="connsiteY11" fmla="*/ 1193037 h 3586929"/>
+                  <a:gd name="connsiteX12" fmla="*/ 954445 w 3314171"/>
+                  <a:gd name="connsiteY12" fmla="*/ 928750 h 3586929"/>
+                  <a:gd name="connsiteX13" fmla="*/ 488742 w 3314171"/>
+                  <a:gd name="connsiteY13" fmla="*/ 859490 h 3586929"/>
+                  <a:gd name="connsiteX14" fmla="*/ 238528 w 3314171"/>
+                  <a:gd name="connsiteY14" fmla="*/ 952828 h 3586929"/>
+                  <a:gd name="connsiteX15" fmla="*/ 0 w 3314171"/>
+                  <a:gd name="connsiteY15" fmla="*/ 1090540 h 3586929"/>
+                  <a:gd name="connsiteX16" fmla="*/ 1 w 3314171"/>
+                  <a:gd name="connsiteY16" fmla="*/ 168486 h 3586929"/>
+                  <a:gd name="connsiteX17" fmla="*/ 2 w 3314171"/>
+                  <a:gd name="connsiteY17" fmla="*/ 168485 h 3586929"/>
+                  <a:gd name="connsiteX18" fmla="*/ 2 w 3314171"/>
+                  <a:gd name="connsiteY18" fmla="*/ 124526 h 3586929"/>
+                  <a:gd name="connsiteX19" fmla="*/ 81752 w 3314171"/>
+                  <a:gd name="connsiteY19" fmla="*/ 89468 h 3586929"/>
+                  <a:gd name="connsiteX20" fmla="*/ 1151778 w 3314171"/>
+                  <a:gd name="connsiteY20" fmla="*/ 123328 h 3586929"/>
+                  <a:gd name="connsiteX21" fmla="*/ 1212290 w 3314171"/>
+                  <a:gd name="connsiteY21" fmla="*/ 154305 h 3586929"/>
+                  <a:gd name="connsiteX22" fmla="*/ 1280231 w 3314171"/>
+                  <a:gd name="connsiteY22" fmla="*/ 189085 h 3586929"/>
+                  <a:gd name="connsiteX23" fmla="*/ 2490287 w 3314171"/>
+                  <a:gd name="connsiteY23" fmla="*/ 875882 h 3586929"/>
+                  <a:gd name="connsiteX24" fmla="*/ 2609131 w 3314171"/>
+                  <a:gd name="connsiteY24" fmla="*/ 956326 h 3586929"/>
+                  <a:gd name="connsiteX25" fmla="*/ 3125084 w 3314171"/>
+                  <a:gd name="connsiteY25" fmla="*/ 2881890 h 3586929"/>
+                  <a:gd name="connsiteX0" fmla="*/ 3125084 w 3314171"/>
+                  <a:gd name="connsiteY0" fmla="*/ 2881890 h 3586929"/>
+                  <a:gd name="connsiteX1" fmla="*/ 1199518 w 3314171"/>
+                  <a:gd name="connsiteY1" fmla="*/ 3397844 h 3586929"/>
+                  <a:gd name="connsiteX2" fmla="*/ 617332 w 3314171"/>
+                  <a:gd name="connsiteY2" fmla="*/ 3061714 h 3586929"/>
+                  <a:gd name="connsiteX3" fmla="*/ 1149638 w 3314171"/>
+                  <a:gd name="connsiteY3" fmla="*/ 2754387 h 3586929"/>
+                  <a:gd name="connsiteX4" fmla="*/ 1154830 w 3314171"/>
+                  <a:gd name="connsiteY4" fmla="*/ 2752486 h 3586929"/>
+                  <a:gd name="connsiteX5" fmla="*/ 1394273 w 3314171"/>
+                  <a:gd name="connsiteY5" fmla="*/ 2622522 h 3586929"/>
+                  <a:gd name="connsiteX6" fmla="*/ 1424464 w 3314171"/>
+                  <a:gd name="connsiteY6" fmla="*/ 2599946 h 3586929"/>
+                  <a:gd name="connsiteX7" fmla="*/ 1525315 w 3314171"/>
+                  <a:gd name="connsiteY7" fmla="*/ 2658172 h 3586929"/>
+                  <a:gd name="connsiteX8" fmla="*/ 2353323 w 3314171"/>
+                  <a:gd name="connsiteY8" fmla="*/ 2436308 h 3586929"/>
+                  <a:gd name="connsiteX9" fmla="*/ 2231095 w 3314171"/>
+                  <a:gd name="connsiteY9" fmla="*/ 1680044 h 3586929"/>
+                  <a:gd name="connsiteX10" fmla="*/ 2141844 w 3314171"/>
+                  <a:gd name="connsiteY10" fmla="*/ 1615778 h 3586929"/>
+                  <a:gd name="connsiteX11" fmla="*/ 1409636 w 3314171"/>
+                  <a:gd name="connsiteY11" fmla="*/ 1193037 h 3586929"/>
+                  <a:gd name="connsiteX12" fmla="*/ 954445 w 3314171"/>
+                  <a:gd name="connsiteY12" fmla="*/ 928750 h 3586929"/>
+                  <a:gd name="connsiteX13" fmla="*/ 488742 w 3314171"/>
+                  <a:gd name="connsiteY13" fmla="*/ 859490 h 3586929"/>
+                  <a:gd name="connsiteX14" fmla="*/ 238528 w 3314171"/>
+                  <a:gd name="connsiteY14" fmla="*/ 952828 h 3586929"/>
+                  <a:gd name="connsiteX15" fmla="*/ 0 w 3314171"/>
+                  <a:gd name="connsiteY15" fmla="*/ 1090540 h 3586929"/>
+                  <a:gd name="connsiteX16" fmla="*/ 1 w 3314171"/>
+                  <a:gd name="connsiteY16" fmla="*/ 168486 h 3586929"/>
+                  <a:gd name="connsiteX17" fmla="*/ 2 w 3314171"/>
+                  <a:gd name="connsiteY17" fmla="*/ 168485 h 3586929"/>
+                  <a:gd name="connsiteX18" fmla="*/ 2 w 3314171"/>
+                  <a:gd name="connsiteY18" fmla="*/ 124526 h 3586929"/>
+                  <a:gd name="connsiteX19" fmla="*/ 81752 w 3314171"/>
+                  <a:gd name="connsiteY19" fmla="*/ 89468 h 3586929"/>
+                  <a:gd name="connsiteX20" fmla="*/ 1151778 w 3314171"/>
+                  <a:gd name="connsiteY20" fmla="*/ 123328 h 3586929"/>
+                  <a:gd name="connsiteX21" fmla="*/ 1212290 w 3314171"/>
+                  <a:gd name="connsiteY21" fmla="*/ 154305 h 3586929"/>
+                  <a:gd name="connsiteX22" fmla="*/ 1280231 w 3314171"/>
+                  <a:gd name="connsiteY22" fmla="*/ 189085 h 3586929"/>
+                  <a:gd name="connsiteX23" fmla="*/ 2609131 w 3314171"/>
+                  <a:gd name="connsiteY23" fmla="*/ 956326 h 3586929"/>
+                  <a:gd name="connsiteX24" fmla="*/ 3125084 w 3314171"/>
+                  <a:gd name="connsiteY24" fmla="*/ 2881890 h 3586929"/>
+                  <a:gd name="connsiteX0" fmla="*/ 3125084 w 3314171"/>
+                  <a:gd name="connsiteY0" fmla="*/ 2881890 h 3586929"/>
+                  <a:gd name="connsiteX1" fmla="*/ 1199518 w 3314171"/>
+                  <a:gd name="connsiteY1" fmla="*/ 3397844 h 3586929"/>
+                  <a:gd name="connsiteX2" fmla="*/ 617332 w 3314171"/>
+                  <a:gd name="connsiteY2" fmla="*/ 3061714 h 3586929"/>
+                  <a:gd name="connsiteX3" fmla="*/ 1149638 w 3314171"/>
+                  <a:gd name="connsiteY3" fmla="*/ 2754387 h 3586929"/>
+                  <a:gd name="connsiteX4" fmla="*/ 1154830 w 3314171"/>
+                  <a:gd name="connsiteY4" fmla="*/ 2752486 h 3586929"/>
+                  <a:gd name="connsiteX5" fmla="*/ 1394273 w 3314171"/>
+                  <a:gd name="connsiteY5" fmla="*/ 2622522 h 3586929"/>
+                  <a:gd name="connsiteX6" fmla="*/ 1424464 w 3314171"/>
+                  <a:gd name="connsiteY6" fmla="*/ 2599946 h 3586929"/>
+                  <a:gd name="connsiteX7" fmla="*/ 1525315 w 3314171"/>
+                  <a:gd name="connsiteY7" fmla="*/ 2658172 h 3586929"/>
+                  <a:gd name="connsiteX8" fmla="*/ 2353323 w 3314171"/>
+                  <a:gd name="connsiteY8" fmla="*/ 2436308 h 3586929"/>
+                  <a:gd name="connsiteX9" fmla="*/ 2231095 w 3314171"/>
+                  <a:gd name="connsiteY9" fmla="*/ 1680044 h 3586929"/>
+                  <a:gd name="connsiteX10" fmla="*/ 2141844 w 3314171"/>
+                  <a:gd name="connsiteY10" fmla="*/ 1615778 h 3586929"/>
+                  <a:gd name="connsiteX11" fmla="*/ 954445 w 3314171"/>
+                  <a:gd name="connsiteY11" fmla="*/ 928750 h 3586929"/>
+                  <a:gd name="connsiteX12" fmla="*/ 488742 w 3314171"/>
+                  <a:gd name="connsiteY12" fmla="*/ 859490 h 3586929"/>
+                  <a:gd name="connsiteX13" fmla="*/ 238528 w 3314171"/>
+                  <a:gd name="connsiteY13" fmla="*/ 952828 h 3586929"/>
+                  <a:gd name="connsiteX14" fmla="*/ 0 w 3314171"/>
+                  <a:gd name="connsiteY14" fmla="*/ 1090540 h 3586929"/>
+                  <a:gd name="connsiteX15" fmla="*/ 1 w 3314171"/>
+                  <a:gd name="connsiteY15" fmla="*/ 168486 h 3586929"/>
+                  <a:gd name="connsiteX16" fmla="*/ 2 w 3314171"/>
+                  <a:gd name="connsiteY16" fmla="*/ 168485 h 3586929"/>
+                  <a:gd name="connsiteX17" fmla="*/ 2 w 3314171"/>
+                  <a:gd name="connsiteY17" fmla="*/ 124526 h 3586929"/>
+                  <a:gd name="connsiteX18" fmla="*/ 81752 w 3314171"/>
+                  <a:gd name="connsiteY18" fmla="*/ 89468 h 3586929"/>
+                  <a:gd name="connsiteX19" fmla="*/ 1151778 w 3314171"/>
+                  <a:gd name="connsiteY19" fmla="*/ 123328 h 3586929"/>
+                  <a:gd name="connsiteX20" fmla="*/ 1212290 w 3314171"/>
+                  <a:gd name="connsiteY20" fmla="*/ 154305 h 3586929"/>
+                  <a:gd name="connsiteX21" fmla="*/ 1280231 w 3314171"/>
+                  <a:gd name="connsiteY21" fmla="*/ 189085 h 3586929"/>
+                  <a:gd name="connsiteX22" fmla="*/ 2609131 w 3314171"/>
+                  <a:gd name="connsiteY22" fmla="*/ 956326 h 3586929"/>
+                  <a:gd name="connsiteX23" fmla="*/ 3125084 w 3314171"/>
+                  <a:gd name="connsiteY23" fmla="*/ 2881890 h 3586929"/>
+                  <a:gd name="connsiteX0" fmla="*/ 3125084 w 3314171"/>
+                  <a:gd name="connsiteY0" fmla="*/ 2881890 h 3586929"/>
+                  <a:gd name="connsiteX1" fmla="*/ 1199518 w 3314171"/>
+                  <a:gd name="connsiteY1" fmla="*/ 3397844 h 3586929"/>
+                  <a:gd name="connsiteX2" fmla="*/ 617332 w 3314171"/>
+                  <a:gd name="connsiteY2" fmla="*/ 3061714 h 3586929"/>
+                  <a:gd name="connsiteX3" fmla="*/ 1149638 w 3314171"/>
+                  <a:gd name="connsiteY3" fmla="*/ 2754387 h 3586929"/>
+                  <a:gd name="connsiteX4" fmla="*/ 1394273 w 3314171"/>
+                  <a:gd name="connsiteY4" fmla="*/ 2622522 h 3586929"/>
+                  <a:gd name="connsiteX5" fmla="*/ 1424464 w 3314171"/>
+                  <a:gd name="connsiteY5" fmla="*/ 2599946 h 3586929"/>
+                  <a:gd name="connsiteX6" fmla="*/ 1525315 w 3314171"/>
+                  <a:gd name="connsiteY6" fmla="*/ 2658172 h 3586929"/>
+                  <a:gd name="connsiteX7" fmla="*/ 2353323 w 3314171"/>
+                  <a:gd name="connsiteY7" fmla="*/ 2436308 h 3586929"/>
+                  <a:gd name="connsiteX8" fmla="*/ 2231095 w 3314171"/>
+                  <a:gd name="connsiteY8" fmla="*/ 1680044 h 3586929"/>
+                  <a:gd name="connsiteX9" fmla="*/ 2141844 w 3314171"/>
+                  <a:gd name="connsiteY9" fmla="*/ 1615778 h 3586929"/>
+                  <a:gd name="connsiteX10" fmla="*/ 954445 w 3314171"/>
+                  <a:gd name="connsiteY10" fmla="*/ 928750 h 3586929"/>
+                  <a:gd name="connsiteX11" fmla="*/ 488742 w 3314171"/>
+                  <a:gd name="connsiteY11" fmla="*/ 859490 h 3586929"/>
+                  <a:gd name="connsiteX12" fmla="*/ 238528 w 3314171"/>
+                  <a:gd name="connsiteY12" fmla="*/ 952828 h 3586929"/>
+                  <a:gd name="connsiteX13" fmla="*/ 0 w 3314171"/>
+                  <a:gd name="connsiteY13" fmla="*/ 1090540 h 3586929"/>
+                  <a:gd name="connsiteX14" fmla="*/ 1 w 3314171"/>
+                  <a:gd name="connsiteY14" fmla="*/ 168486 h 3586929"/>
+                  <a:gd name="connsiteX15" fmla="*/ 2 w 3314171"/>
+                  <a:gd name="connsiteY15" fmla="*/ 168485 h 3586929"/>
+                  <a:gd name="connsiteX16" fmla="*/ 2 w 3314171"/>
+                  <a:gd name="connsiteY16" fmla="*/ 124526 h 3586929"/>
+                  <a:gd name="connsiteX17" fmla="*/ 81752 w 3314171"/>
+                  <a:gd name="connsiteY17" fmla="*/ 89468 h 3586929"/>
+                  <a:gd name="connsiteX18" fmla="*/ 1151778 w 3314171"/>
+                  <a:gd name="connsiteY18" fmla="*/ 123328 h 3586929"/>
+                  <a:gd name="connsiteX19" fmla="*/ 1212290 w 3314171"/>
+                  <a:gd name="connsiteY19" fmla="*/ 154305 h 3586929"/>
+                  <a:gd name="connsiteX20" fmla="*/ 1280231 w 3314171"/>
+                  <a:gd name="connsiteY20" fmla="*/ 189085 h 3586929"/>
+                  <a:gd name="connsiteX21" fmla="*/ 2609131 w 3314171"/>
+                  <a:gd name="connsiteY21" fmla="*/ 956326 h 3586929"/>
+                  <a:gd name="connsiteX22" fmla="*/ 3125084 w 3314171"/>
+                  <a:gd name="connsiteY22" fmla="*/ 2881890 h 3586929"/>
+                  <a:gd name="connsiteX0" fmla="*/ 3125084 w 3314171"/>
+                  <a:gd name="connsiteY0" fmla="*/ 2881890 h 3586929"/>
+                  <a:gd name="connsiteX1" fmla="*/ 1199518 w 3314171"/>
+                  <a:gd name="connsiteY1" fmla="*/ 3397844 h 3586929"/>
+                  <a:gd name="connsiteX2" fmla="*/ 617332 w 3314171"/>
+                  <a:gd name="connsiteY2" fmla="*/ 3061714 h 3586929"/>
+                  <a:gd name="connsiteX3" fmla="*/ 1149638 w 3314171"/>
+                  <a:gd name="connsiteY3" fmla="*/ 2754387 h 3586929"/>
+                  <a:gd name="connsiteX4" fmla="*/ 1424464 w 3314171"/>
+                  <a:gd name="connsiteY4" fmla="*/ 2599946 h 3586929"/>
+                  <a:gd name="connsiteX5" fmla="*/ 1525315 w 3314171"/>
+                  <a:gd name="connsiteY5" fmla="*/ 2658172 h 3586929"/>
+                  <a:gd name="connsiteX6" fmla="*/ 2353323 w 3314171"/>
+                  <a:gd name="connsiteY6" fmla="*/ 2436308 h 3586929"/>
+                  <a:gd name="connsiteX7" fmla="*/ 2231095 w 3314171"/>
+                  <a:gd name="connsiteY7" fmla="*/ 1680044 h 3586929"/>
+                  <a:gd name="connsiteX8" fmla="*/ 2141844 w 3314171"/>
+                  <a:gd name="connsiteY8" fmla="*/ 1615778 h 3586929"/>
+                  <a:gd name="connsiteX9" fmla="*/ 954445 w 3314171"/>
+                  <a:gd name="connsiteY9" fmla="*/ 928750 h 3586929"/>
+                  <a:gd name="connsiteX10" fmla="*/ 488742 w 3314171"/>
+                  <a:gd name="connsiteY10" fmla="*/ 859490 h 3586929"/>
+                  <a:gd name="connsiteX11" fmla="*/ 238528 w 3314171"/>
+                  <a:gd name="connsiteY11" fmla="*/ 952828 h 3586929"/>
+                  <a:gd name="connsiteX12" fmla="*/ 0 w 3314171"/>
+                  <a:gd name="connsiteY12" fmla="*/ 1090540 h 3586929"/>
+                  <a:gd name="connsiteX13" fmla="*/ 1 w 3314171"/>
+                  <a:gd name="connsiteY13" fmla="*/ 168486 h 3586929"/>
+                  <a:gd name="connsiteX14" fmla="*/ 2 w 3314171"/>
+                  <a:gd name="connsiteY14" fmla="*/ 168485 h 3586929"/>
+                  <a:gd name="connsiteX15" fmla="*/ 2 w 3314171"/>
+                  <a:gd name="connsiteY15" fmla="*/ 124526 h 3586929"/>
+                  <a:gd name="connsiteX16" fmla="*/ 81752 w 3314171"/>
+                  <a:gd name="connsiteY16" fmla="*/ 89468 h 3586929"/>
+                  <a:gd name="connsiteX17" fmla="*/ 1151778 w 3314171"/>
+                  <a:gd name="connsiteY17" fmla="*/ 123328 h 3586929"/>
+                  <a:gd name="connsiteX18" fmla="*/ 1212290 w 3314171"/>
+                  <a:gd name="connsiteY18" fmla="*/ 154305 h 3586929"/>
+                  <a:gd name="connsiteX19" fmla="*/ 1280231 w 3314171"/>
+                  <a:gd name="connsiteY19" fmla="*/ 189085 h 3586929"/>
+                  <a:gd name="connsiteX20" fmla="*/ 2609131 w 3314171"/>
+                  <a:gd name="connsiteY20" fmla="*/ 956326 h 3586929"/>
+                  <a:gd name="connsiteX21" fmla="*/ 3125084 w 3314171"/>
+                  <a:gd name="connsiteY21" fmla="*/ 2881890 h 3586929"/>
+                  <a:gd name="connsiteX0" fmla="*/ 3125084 w 3314171"/>
+                  <a:gd name="connsiteY0" fmla="*/ 2881890 h 3586929"/>
+                  <a:gd name="connsiteX1" fmla="*/ 1199518 w 3314171"/>
+                  <a:gd name="connsiteY1" fmla="*/ 3397844 h 3586929"/>
+                  <a:gd name="connsiteX2" fmla="*/ 617332 w 3314171"/>
+                  <a:gd name="connsiteY2" fmla="*/ 3061714 h 3586929"/>
+                  <a:gd name="connsiteX3" fmla="*/ 1424464 w 3314171"/>
+                  <a:gd name="connsiteY3" fmla="*/ 2599946 h 3586929"/>
+                  <a:gd name="connsiteX4" fmla="*/ 1525315 w 3314171"/>
+                  <a:gd name="connsiteY4" fmla="*/ 2658172 h 3586929"/>
+                  <a:gd name="connsiteX5" fmla="*/ 2353323 w 3314171"/>
+                  <a:gd name="connsiteY5" fmla="*/ 2436308 h 3586929"/>
+                  <a:gd name="connsiteX6" fmla="*/ 2231095 w 3314171"/>
+                  <a:gd name="connsiteY6" fmla="*/ 1680044 h 3586929"/>
+                  <a:gd name="connsiteX7" fmla="*/ 2141844 w 3314171"/>
+                  <a:gd name="connsiteY7" fmla="*/ 1615778 h 3586929"/>
+                  <a:gd name="connsiteX8" fmla="*/ 954445 w 3314171"/>
+                  <a:gd name="connsiteY8" fmla="*/ 928750 h 3586929"/>
+                  <a:gd name="connsiteX9" fmla="*/ 488742 w 3314171"/>
+                  <a:gd name="connsiteY9" fmla="*/ 859490 h 3586929"/>
+                  <a:gd name="connsiteX10" fmla="*/ 238528 w 3314171"/>
+                  <a:gd name="connsiteY10" fmla="*/ 952828 h 3586929"/>
+                  <a:gd name="connsiteX11" fmla="*/ 0 w 3314171"/>
+                  <a:gd name="connsiteY11" fmla="*/ 1090540 h 3586929"/>
+                  <a:gd name="connsiteX12" fmla="*/ 1 w 3314171"/>
+                  <a:gd name="connsiteY12" fmla="*/ 168486 h 3586929"/>
+                  <a:gd name="connsiteX13" fmla="*/ 2 w 3314171"/>
+                  <a:gd name="connsiteY13" fmla="*/ 168485 h 3586929"/>
+                  <a:gd name="connsiteX14" fmla="*/ 2 w 3314171"/>
+                  <a:gd name="connsiteY14" fmla="*/ 124526 h 3586929"/>
+                  <a:gd name="connsiteX15" fmla="*/ 81752 w 3314171"/>
+                  <a:gd name="connsiteY15" fmla="*/ 89468 h 3586929"/>
+                  <a:gd name="connsiteX16" fmla="*/ 1151778 w 3314171"/>
+                  <a:gd name="connsiteY16" fmla="*/ 123328 h 3586929"/>
+                  <a:gd name="connsiteX17" fmla="*/ 1212290 w 3314171"/>
+                  <a:gd name="connsiteY17" fmla="*/ 154305 h 3586929"/>
+                  <a:gd name="connsiteX18" fmla="*/ 1280231 w 3314171"/>
+                  <a:gd name="connsiteY18" fmla="*/ 189085 h 3586929"/>
+                  <a:gd name="connsiteX19" fmla="*/ 2609131 w 3314171"/>
+                  <a:gd name="connsiteY19" fmla="*/ 956326 h 3586929"/>
+                  <a:gd name="connsiteX20" fmla="*/ 3125084 w 3314171"/>
+                  <a:gd name="connsiteY20" fmla="*/ 2881890 h 3586929"/>
+                </a:gdLst>
+                <a:ahLst/>
+                <a:cxnLst>
+                  <a:cxn ang="0">
+                    <a:pos x="connsiteX0" y="connsiteY0"/>
+                  </a:cxn>
+                  <a:cxn ang="0">
+                    <a:pos x="connsiteX1" y="connsiteY1"/>
+                  </a:cxn>
+                  <a:cxn ang="0">
+                    <a:pos x="connsiteX2" y="connsiteY2"/>
+                  </a:cxn>
+                  <a:cxn ang="0">
+                    <a:pos x="connsiteX3" y="connsiteY3"/>
+                  </a:cxn>
+                  <a:cxn ang="0">
+                    <a:pos x="connsiteX4" y="connsiteY4"/>
+                  </a:cxn>
+                  <a:cxn ang="0">
+                    <a:pos x="connsiteX5" y="connsiteY5"/>
+                  </a:cxn>
+                  <a:cxn ang="0">
+                    <a:pos x="connsiteX6" y="connsiteY6"/>
+                  </a:cxn>
+                  <a:cxn ang="0">
+                    <a:pos x="connsiteX7" y="connsiteY7"/>
+                  </a:cxn>
+                  <a:cxn ang="0">
+                    <a:pos x="connsiteX8" y="connsiteY8"/>
+                  </a:cxn>
+                  <a:cxn ang="0">
+                    <a:pos x="connsiteX9" y="connsiteY9"/>
+                  </a:cxn>
+                  <a:cxn ang="0">
+                    <a:pos x="connsiteX10" y="connsiteY10"/>
+                  </a:cxn>
+                  <a:cxn ang="0">
+                    <a:pos x="connsiteX11" y="connsiteY11"/>
+                  </a:cxn>
+                  <a:cxn ang="0">
+                    <a:pos x="connsiteX12" y="connsiteY12"/>
+                  </a:cxn>
+                  <a:cxn ang="0">
+                    <a:pos x="connsiteX13" y="connsiteY13"/>
+                  </a:cxn>
+                  <a:cxn ang="0">
+                    <a:pos x="connsiteX14" y="connsiteY14"/>
+                  </a:cxn>
+                  <a:cxn ang="0">
+                    <a:pos x="connsiteX15" y="connsiteY15"/>
+                  </a:cxn>
+                  <a:cxn ang="0">
+                    <a:pos x="connsiteX16" y="connsiteY16"/>
+                  </a:cxn>
+                  <a:cxn ang="0">
+                    <a:pos x="connsiteX17" y="connsiteY17"/>
+                  </a:cxn>
+                  <a:cxn ang="0">
+                    <a:pos x="connsiteX18" y="connsiteY18"/>
+                  </a:cxn>
+                  <a:cxn ang="0">
+                    <a:pos x="connsiteX19" y="connsiteY19"/>
+                  </a:cxn>
+                  <a:cxn ang="0">
+                    <a:pos x="connsiteX20" y="connsiteY20"/>
+                  </a:cxn>
+                </a:cxnLst>
+                <a:rect l="l" t="t" r="r" b="b"/>
+                <a:pathLst>
+                  <a:path w="3314171" h="3586929">
+                    <a:moveTo>
+                      <a:pt x="3125084" y="2881890"/>
+                    </a:moveTo>
+                    <a:cubicBezTo>
+                      <a:pt x="2735832" y="3556095"/>
+                      <a:pt x="1873725" y="3787095"/>
+                      <a:pt x="1199518" y="3397844"/>
+                    </a:cubicBezTo>
+                    <a:lnTo>
+                      <a:pt x="617332" y="3061714"/>
+                    </a:lnTo>
+                    <a:lnTo>
+                      <a:pt x="1424464" y="2599946"/>
+                    </a:lnTo>
+                    <a:lnTo>
+                      <a:pt x="1525315" y="2658172"/>
+                    </a:lnTo>
+                    <a:cubicBezTo>
+                      <a:pt x="1815229" y="2825554"/>
+                      <a:pt x="2185941" y="2726222"/>
+                      <a:pt x="2353323" y="2436308"/>
+                    </a:cubicBezTo>
+                    <a:cubicBezTo>
+                      <a:pt x="2499782" y="2182633"/>
+                      <a:pt x="2442039" y="1867098"/>
+                      <a:pt x="2231095" y="1680044"/>
+                    </a:cubicBezTo>
+                    <a:lnTo>
+                      <a:pt x="2141844" y="1615778"/>
+                    </a:lnTo>
+                    <a:lnTo>
+                      <a:pt x="954445" y="928750"/>
+                    </a:lnTo>
+                    <a:cubicBezTo>
+                      <a:pt x="809488" y="845059"/>
+                      <a:pt x="638583" y="819341"/>
+                      <a:pt x="488742" y="859490"/>
+                    </a:cubicBezTo>
+                    <a:cubicBezTo>
+                      <a:pt x="340941" y="883951"/>
+                      <a:pt x="323849" y="924617"/>
+                      <a:pt x="238528" y="952828"/>
+                    </a:cubicBezTo>
+                    <a:lnTo>
+                      <a:pt x="0" y="1090540"/>
+                    </a:lnTo>
+                    <a:cubicBezTo>
+                      <a:pt x="0" y="783189"/>
+                      <a:pt x="1" y="475837"/>
+                      <a:pt x="1" y="168486"/>
+                    </a:cubicBezTo>
+                    <a:lnTo>
+                      <a:pt x="2" y="168485"/>
+                    </a:lnTo>
+                    <a:lnTo>
+                      <a:pt x="2" y="124526"/>
+                    </a:lnTo>
+                    <a:lnTo>
+                      <a:pt x="81752" y="89468"/>
+                    </a:lnTo>
+                    <a:cubicBezTo>
+                      <a:pt x="420016" y="-36788"/>
+                      <a:pt x="804223" y="-32879"/>
+                      <a:pt x="1151778" y="123328"/>
+                    </a:cubicBezTo>
+                    <a:lnTo>
+                      <a:pt x="1212290" y="154305"/>
+                    </a:lnTo>
+                    <a:lnTo>
+                      <a:pt x="1280231" y="189085"/>
+                    </a:lnTo>
+                    <a:lnTo>
+                      <a:pt x="2609131" y="956326"/>
+                    </a:lnTo>
+                    <a:cubicBezTo>
+                      <a:pt x="3283336" y="1345578"/>
+                      <a:pt x="3514337" y="2207685"/>
+                      <a:pt x="3125084" y="2881890"/>
+                    </a:cubicBezTo>
+                    <a:close/>
+                  </a:path>
+                </a:pathLst>
+              </a:custGeom>
+              <a:solidFill>
+                <a:srgbClr val="F35A22"/>
+              </a:solidFill>
+              <a:ln w="63500">
+                <a:noFill/>
+              </a:ln>
+            </p:spPr>
+            <p:style>
+              <a:lnRef idx="2">
+                <a:schemeClr val="accent1">
+                  <a:shade val="50000"/>
+                </a:schemeClr>
+              </a:lnRef>
+              <a:fillRef idx="1">
+                <a:schemeClr val="accent1"/>
+              </a:fillRef>
+              <a:effectRef idx="0">
+                <a:schemeClr val="accent1"/>
+              </a:effectRef>
+              <a:fontRef idx="minor">
+                <a:schemeClr val="lt1"/>
+              </a:fontRef>
+            </p:style>
+            <p:txBody>
+              <a:bodyPr wrap="square" rtlCol="0" anchor="ctr">
+                <a:noAutofit/>
+              </a:bodyPr>
+              <a:lstStyle/>
+              <a:p>
+                <a:pPr algn="ctr"/>
+                <a:endParaRPr lang="sv-SE" dirty="0"/>
+              </a:p>
+            </p:txBody>
+          </p:sp>
+          <p:sp>
+            <p:nvSpPr>
+              <p:cNvPr id="561" name="Frihandsfigur 560">
+                <a:extLst>
+                  <a:ext uri="{FF2B5EF4-FFF2-40B4-BE49-F238E27FC236}">
+                    <a16:creationId xmlns:a16="http://schemas.microsoft.com/office/drawing/2014/main" id="{4B5FBD5C-C9AB-AB46-BABC-348611FB8665}"/>
+                  </a:ext>
+                </a:extLst>
+              </p:cNvPr>
+              <p:cNvSpPr/>
+              <p:nvPr/>
+            </p:nvSpPr>
+            <p:spPr>
+              <a:xfrm>
+                <a:off x="5221884" y="2044202"/>
+                <a:ext cx="3314171" cy="3586929"/>
+              </a:xfrm>
+              <a:custGeom>
+                <a:avLst/>
+                <a:gdLst>
+                  <a:gd name="connsiteX0" fmla="*/ 3125084 w 3314171"/>
+                  <a:gd name="connsiteY0" fmla="*/ 2881890 h 3586929"/>
+                  <a:gd name="connsiteX1" fmla="*/ 1199518 w 3314171"/>
+                  <a:gd name="connsiteY1" fmla="*/ 3397844 h 3586929"/>
+                  <a:gd name="connsiteX2" fmla="*/ 617332 w 3314171"/>
+                  <a:gd name="connsiteY2" fmla="*/ 3061714 h 3586929"/>
+                  <a:gd name="connsiteX3" fmla="*/ 1149638 w 3314171"/>
+                  <a:gd name="connsiteY3" fmla="*/ 2754387 h 3586929"/>
+                  <a:gd name="connsiteX4" fmla="*/ 1154830 w 3314171"/>
+                  <a:gd name="connsiteY4" fmla="*/ 2752486 h 3586929"/>
+                  <a:gd name="connsiteX5" fmla="*/ 1394273 w 3314171"/>
+                  <a:gd name="connsiteY5" fmla="*/ 2622522 h 3586929"/>
+                  <a:gd name="connsiteX6" fmla="*/ 1424464 w 3314171"/>
+                  <a:gd name="connsiteY6" fmla="*/ 2599946 h 3586929"/>
+                  <a:gd name="connsiteX7" fmla="*/ 1525315 w 3314171"/>
+                  <a:gd name="connsiteY7" fmla="*/ 2658172 h 3586929"/>
+                  <a:gd name="connsiteX8" fmla="*/ 2353323 w 3314171"/>
+                  <a:gd name="connsiteY8" fmla="*/ 2436308 h 3586929"/>
+                  <a:gd name="connsiteX9" fmla="*/ 2231095 w 3314171"/>
+                  <a:gd name="connsiteY9" fmla="*/ 1680044 h 3586929"/>
+                  <a:gd name="connsiteX10" fmla="*/ 2141844 w 3314171"/>
+                  <a:gd name="connsiteY10" fmla="*/ 1615778 h 3586929"/>
+                  <a:gd name="connsiteX11" fmla="*/ 1409636 w 3314171"/>
+                  <a:gd name="connsiteY11" fmla="*/ 1193037 h 3586929"/>
+                  <a:gd name="connsiteX12" fmla="*/ 1410278 w 3314171"/>
+                  <a:gd name="connsiteY12" fmla="*/ 1191925 h 3586929"/>
+                  <a:gd name="connsiteX13" fmla="*/ 1212290 w 3314171"/>
+                  <a:gd name="connsiteY13" fmla="*/ 1077617 h 3586929"/>
+                  <a:gd name="connsiteX14" fmla="*/ 954445 w 3314171"/>
+                  <a:gd name="connsiteY14" fmla="*/ 928750 h 3586929"/>
+                  <a:gd name="connsiteX15" fmla="*/ 488742 w 3314171"/>
+                  <a:gd name="connsiteY15" fmla="*/ 859490 h 3586929"/>
+                  <a:gd name="connsiteX16" fmla="*/ 238528 w 3314171"/>
+                  <a:gd name="connsiteY16" fmla="*/ 952828 h 3586929"/>
+                  <a:gd name="connsiteX17" fmla="*/ 0 w 3314171"/>
+                  <a:gd name="connsiteY17" fmla="*/ 1090540 h 3586929"/>
+                  <a:gd name="connsiteX18" fmla="*/ 1 w 3314171"/>
+                  <a:gd name="connsiteY18" fmla="*/ 168486 h 3586929"/>
+                  <a:gd name="connsiteX19" fmla="*/ 2 w 3314171"/>
+                  <a:gd name="connsiteY19" fmla="*/ 168485 h 3586929"/>
+                  <a:gd name="connsiteX20" fmla="*/ 2 w 3314171"/>
+                  <a:gd name="connsiteY20" fmla="*/ 124526 h 3586929"/>
+                  <a:gd name="connsiteX21" fmla="*/ 81752 w 3314171"/>
+                  <a:gd name="connsiteY21" fmla="*/ 89468 h 3586929"/>
+                  <a:gd name="connsiteX22" fmla="*/ 1151778 w 3314171"/>
+                  <a:gd name="connsiteY22" fmla="*/ 123328 h 3586929"/>
+                  <a:gd name="connsiteX23" fmla="*/ 1212290 w 3314171"/>
+                  <a:gd name="connsiteY23" fmla="*/ 154305 h 3586929"/>
+                  <a:gd name="connsiteX24" fmla="*/ 1280231 w 3314171"/>
+                  <a:gd name="connsiteY24" fmla="*/ 189085 h 3586929"/>
+                  <a:gd name="connsiteX25" fmla="*/ 1314212 w 3314171"/>
+                  <a:gd name="connsiteY25" fmla="*/ 208704 h 3586929"/>
+                  <a:gd name="connsiteX26" fmla="*/ 1325750 w 3314171"/>
+                  <a:gd name="connsiteY26" fmla="*/ 214847 h 3586929"/>
+                  <a:gd name="connsiteX27" fmla="*/ 1335733 w 3314171"/>
+                  <a:gd name="connsiteY27" fmla="*/ 221129 h 3586929"/>
+                  <a:gd name="connsiteX28" fmla="*/ 2015759 w 3314171"/>
+                  <a:gd name="connsiteY28" fmla="*/ 613743 h 3586929"/>
+                  <a:gd name="connsiteX29" fmla="*/ 2017415 w 3314171"/>
+                  <a:gd name="connsiteY29" fmla="*/ 617534 h 3586929"/>
+                  <a:gd name="connsiteX30" fmla="*/ 2607671 w 3314171"/>
+                  <a:gd name="connsiteY30" fmla="*/ 958318 h 3586929"/>
+                  <a:gd name="connsiteX31" fmla="*/ 2609131 w 3314171"/>
+                  <a:gd name="connsiteY31" fmla="*/ 956326 h 3586929"/>
+                  <a:gd name="connsiteX32" fmla="*/ 3125084 w 3314171"/>
+                  <a:gd name="connsiteY32" fmla="*/ 2881890 h 3586929"/>
+                  <a:gd name="connsiteX0" fmla="*/ 3125084 w 3314171"/>
+                  <a:gd name="connsiteY0" fmla="*/ 2881890 h 3586929"/>
+                  <a:gd name="connsiteX1" fmla="*/ 1199518 w 3314171"/>
+                  <a:gd name="connsiteY1" fmla="*/ 3397844 h 3586929"/>
+                  <a:gd name="connsiteX2" fmla="*/ 617332 w 3314171"/>
+                  <a:gd name="connsiteY2" fmla="*/ 3061714 h 3586929"/>
+                  <a:gd name="connsiteX3" fmla="*/ 1149638 w 3314171"/>
+                  <a:gd name="connsiteY3" fmla="*/ 2754387 h 3586929"/>
+                  <a:gd name="connsiteX4" fmla="*/ 1154830 w 3314171"/>
+                  <a:gd name="connsiteY4" fmla="*/ 2752486 h 3586929"/>
+                  <a:gd name="connsiteX5" fmla="*/ 1394273 w 3314171"/>
+                  <a:gd name="connsiteY5" fmla="*/ 2622522 h 3586929"/>
+                  <a:gd name="connsiteX6" fmla="*/ 1424464 w 3314171"/>
+                  <a:gd name="connsiteY6" fmla="*/ 2599946 h 3586929"/>
+                  <a:gd name="connsiteX7" fmla="*/ 1525315 w 3314171"/>
+                  <a:gd name="connsiteY7" fmla="*/ 2658172 h 3586929"/>
+                  <a:gd name="connsiteX8" fmla="*/ 2353323 w 3314171"/>
+                  <a:gd name="connsiteY8" fmla="*/ 2436308 h 3586929"/>
+                  <a:gd name="connsiteX9" fmla="*/ 2231095 w 3314171"/>
+                  <a:gd name="connsiteY9" fmla="*/ 1680044 h 3586929"/>
+                  <a:gd name="connsiteX10" fmla="*/ 2141844 w 3314171"/>
+                  <a:gd name="connsiteY10" fmla="*/ 1615778 h 3586929"/>
+                  <a:gd name="connsiteX11" fmla="*/ 1409636 w 3314171"/>
+                  <a:gd name="connsiteY11" fmla="*/ 1193037 h 3586929"/>
+                  <a:gd name="connsiteX12" fmla="*/ 1410278 w 3314171"/>
+                  <a:gd name="connsiteY12" fmla="*/ 1191925 h 3586929"/>
+                  <a:gd name="connsiteX13" fmla="*/ 1212290 w 3314171"/>
+                  <a:gd name="connsiteY13" fmla="*/ 1077617 h 3586929"/>
+                  <a:gd name="connsiteX14" fmla="*/ 954445 w 3314171"/>
+                  <a:gd name="connsiteY14" fmla="*/ 928750 h 3586929"/>
+                  <a:gd name="connsiteX15" fmla="*/ 488742 w 3314171"/>
+                  <a:gd name="connsiteY15" fmla="*/ 859490 h 3586929"/>
+                  <a:gd name="connsiteX16" fmla="*/ 238528 w 3314171"/>
+                  <a:gd name="connsiteY16" fmla="*/ 952828 h 3586929"/>
+                  <a:gd name="connsiteX17" fmla="*/ 0 w 3314171"/>
+                  <a:gd name="connsiteY17" fmla="*/ 1090540 h 3586929"/>
+                  <a:gd name="connsiteX18" fmla="*/ 1 w 3314171"/>
+                  <a:gd name="connsiteY18" fmla="*/ 168486 h 3586929"/>
+                  <a:gd name="connsiteX19" fmla="*/ 2 w 3314171"/>
+                  <a:gd name="connsiteY19" fmla="*/ 168485 h 3586929"/>
+                  <a:gd name="connsiteX20" fmla="*/ 2 w 3314171"/>
+                  <a:gd name="connsiteY20" fmla="*/ 124526 h 3586929"/>
+                  <a:gd name="connsiteX21" fmla="*/ 81752 w 3314171"/>
+                  <a:gd name="connsiteY21" fmla="*/ 89468 h 3586929"/>
+                  <a:gd name="connsiteX22" fmla="*/ 1151778 w 3314171"/>
+                  <a:gd name="connsiteY22" fmla="*/ 123328 h 3586929"/>
+                  <a:gd name="connsiteX23" fmla="*/ 1212290 w 3314171"/>
+                  <a:gd name="connsiteY23" fmla="*/ 154305 h 3586929"/>
+                  <a:gd name="connsiteX24" fmla="*/ 1280231 w 3314171"/>
+                  <a:gd name="connsiteY24" fmla="*/ 189085 h 3586929"/>
+                  <a:gd name="connsiteX25" fmla="*/ 1314212 w 3314171"/>
+                  <a:gd name="connsiteY25" fmla="*/ 208704 h 3586929"/>
+                  <a:gd name="connsiteX26" fmla="*/ 1325750 w 3314171"/>
+                  <a:gd name="connsiteY26" fmla="*/ 214847 h 3586929"/>
+                  <a:gd name="connsiteX27" fmla="*/ 1335733 w 3314171"/>
+                  <a:gd name="connsiteY27" fmla="*/ 221129 h 3586929"/>
+                  <a:gd name="connsiteX28" fmla="*/ 2015759 w 3314171"/>
+                  <a:gd name="connsiteY28" fmla="*/ 613743 h 3586929"/>
+                  <a:gd name="connsiteX29" fmla="*/ 2607671 w 3314171"/>
+                  <a:gd name="connsiteY29" fmla="*/ 958318 h 3586929"/>
+                  <a:gd name="connsiteX30" fmla="*/ 2609131 w 3314171"/>
+                  <a:gd name="connsiteY30" fmla="*/ 956326 h 3586929"/>
+                  <a:gd name="connsiteX31" fmla="*/ 3125084 w 3314171"/>
+                  <a:gd name="connsiteY31" fmla="*/ 2881890 h 3586929"/>
+                  <a:gd name="connsiteX0" fmla="*/ 3125084 w 3314171"/>
+                  <a:gd name="connsiteY0" fmla="*/ 2881890 h 3586929"/>
+                  <a:gd name="connsiteX1" fmla="*/ 1199518 w 3314171"/>
+                  <a:gd name="connsiteY1" fmla="*/ 3397844 h 3586929"/>
+                  <a:gd name="connsiteX2" fmla="*/ 617332 w 3314171"/>
+                  <a:gd name="connsiteY2" fmla="*/ 3061714 h 3586929"/>
+                  <a:gd name="connsiteX3" fmla="*/ 1149638 w 3314171"/>
+                  <a:gd name="connsiteY3" fmla="*/ 2754387 h 3586929"/>
+                  <a:gd name="connsiteX4" fmla="*/ 1154830 w 3314171"/>
+                  <a:gd name="connsiteY4" fmla="*/ 2752486 h 3586929"/>
+                  <a:gd name="connsiteX5" fmla="*/ 1394273 w 3314171"/>
+                  <a:gd name="connsiteY5" fmla="*/ 2622522 h 3586929"/>
+                  <a:gd name="connsiteX6" fmla="*/ 1424464 w 3314171"/>
+                  <a:gd name="connsiteY6" fmla="*/ 2599946 h 3586929"/>
+                  <a:gd name="connsiteX7" fmla="*/ 1525315 w 3314171"/>
+                  <a:gd name="connsiteY7" fmla="*/ 2658172 h 3586929"/>
+                  <a:gd name="connsiteX8" fmla="*/ 2353323 w 3314171"/>
+                  <a:gd name="connsiteY8" fmla="*/ 2436308 h 3586929"/>
+                  <a:gd name="connsiteX9" fmla="*/ 2231095 w 3314171"/>
+                  <a:gd name="connsiteY9" fmla="*/ 1680044 h 3586929"/>
+                  <a:gd name="connsiteX10" fmla="*/ 2141844 w 3314171"/>
+                  <a:gd name="connsiteY10" fmla="*/ 1615778 h 3586929"/>
+                  <a:gd name="connsiteX11" fmla="*/ 1409636 w 3314171"/>
+                  <a:gd name="connsiteY11" fmla="*/ 1193037 h 3586929"/>
+                  <a:gd name="connsiteX12" fmla="*/ 1410278 w 3314171"/>
+                  <a:gd name="connsiteY12" fmla="*/ 1191925 h 3586929"/>
+                  <a:gd name="connsiteX13" fmla="*/ 1212290 w 3314171"/>
+                  <a:gd name="connsiteY13" fmla="*/ 1077617 h 3586929"/>
+                  <a:gd name="connsiteX14" fmla="*/ 954445 w 3314171"/>
+                  <a:gd name="connsiteY14" fmla="*/ 928750 h 3586929"/>
+                  <a:gd name="connsiteX15" fmla="*/ 488742 w 3314171"/>
+                  <a:gd name="connsiteY15" fmla="*/ 859490 h 3586929"/>
+                  <a:gd name="connsiteX16" fmla="*/ 238528 w 3314171"/>
+                  <a:gd name="connsiteY16" fmla="*/ 952828 h 3586929"/>
+                  <a:gd name="connsiteX17" fmla="*/ 0 w 3314171"/>
+                  <a:gd name="connsiteY17" fmla="*/ 1090540 h 3586929"/>
+                  <a:gd name="connsiteX18" fmla="*/ 1 w 3314171"/>
+                  <a:gd name="connsiteY18" fmla="*/ 168486 h 3586929"/>
+                  <a:gd name="connsiteX19" fmla="*/ 2 w 3314171"/>
+                  <a:gd name="connsiteY19" fmla="*/ 168485 h 3586929"/>
+                  <a:gd name="connsiteX20" fmla="*/ 2 w 3314171"/>
+                  <a:gd name="connsiteY20" fmla="*/ 124526 h 3586929"/>
+                  <a:gd name="connsiteX21" fmla="*/ 81752 w 3314171"/>
+                  <a:gd name="connsiteY21" fmla="*/ 89468 h 3586929"/>
+                  <a:gd name="connsiteX22" fmla="*/ 1151778 w 3314171"/>
+                  <a:gd name="connsiteY22" fmla="*/ 123328 h 3586929"/>
+                  <a:gd name="connsiteX23" fmla="*/ 1212290 w 3314171"/>
+                  <a:gd name="connsiteY23" fmla="*/ 154305 h 3586929"/>
+                  <a:gd name="connsiteX24" fmla="*/ 1280231 w 3314171"/>
+                  <a:gd name="connsiteY24" fmla="*/ 189085 h 3586929"/>
+                  <a:gd name="connsiteX25" fmla="*/ 1314212 w 3314171"/>
+                  <a:gd name="connsiteY25" fmla="*/ 208704 h 3586929"/>
+                  <a:gd name="connsiteX26" fmla="*/ 1325750 w 3314171"/>
+                  <a:gd name="connsiteY26" fmla="*/ 214847 h 3586929"/>
+                  <a:gd name="connsiteX27" fmla="*/ 1335733 w 3314171"/>
+                  <a:gd name="connsiteY27" fmla="*/ 221129 h 3586929"/>
+                  <a:gd name="connsiteX28" fmla="*/ 2607671 w 3314171"/>
+                  <a:gd name="connsiteY28" fmla="*/ 958318 h 3586929"/>
+                  <a:gd name="connsiteX29" fmla="*/ 2609131 w 3314171"/>
+                  <a:gd name="connsiteY29" fmla="*/ 956326 h 3586929"/>
+                  <a:gd name="connsiteX30" fmla="*/ 3125084 w 3314171"/>
+                  <a:gd name="connsiteY30" fmla="*/ 2881890 h 3586929"/>
+                  <a:gd name="connsiteX0" fmla="*/ 3125084 w 3314171"/>
+                  <a:gd name="connsiteY0" fmla="*/ 2881890 h 3586929"/>
+                  <a:gd name="connsiteX1" fmla="*/ 1199518 w 3314171"/>
+                  <a:gd name="connsiteY1" fmla="*/ 3397844 h 3586929"/>
+                  <a:gd name="connsiteX2" fmla="*/ 617332 w 3314171"/>
+                  <a:gd name="connsiteY2" fmla="*/ 3061714 h 3586929"/>
+                  <a:gd name="connsiteX3" fmla="*/ 1149638 w 3314171"/>
+                  <a:gd name="connsiteY3" fmla="*/ 2754387 h 3586929"/>
+                  <a:gd name="connsiteX4" fmla="*/ 1154830 w 3314171"/>
+                  <a:gd name="connsiteY4" fmla="*/ 2752486 h 3586929"/>
+                  <a:gd name="connsiteX5" fmla="*/ 1394273 w 3314171"/>
+                  <a:gd name="connsiteY5" fmla="*/ 2622522 h 3586929"/>
+                  <a:gd name="connsiteX6" fmla="*/ 1424464 w 3314171"/>
+                  <a:gd name="connsiteY6" fmla="*/ 2599946 h 3586929"/>
+                  <a:gd name="connsiteX7" fmla="*/ 1525315 w 3314171"/>
+                  <a:gd name="connsiteY7" fmla="*/ 2658172 h 3586929"/>
+                  <a:gd name="connsiteX8" fmla="*/ 2353323 w 3314171"/>
+                  <a:gd name="connsiteY8" fmla="*/ 2436308 h 3586929"/>
+                  <a:gd name="connsiteX9" fmla="*/ 2231095 w 3314171"/>
+                  <a:gd name="connsiteY9" fmla="*/ 1680044 h 3586929"/>
+                  <a:gd name="connsiteX10" fmla="*/ 2141844 w 3314171"/>
+                  <a:gd name="connsiteY10" fmla="*/ 1615778 h 3586929"/>
+                  <a:gd name="connsiteX11" fmla="*/ 1409636 w 3314171"/>
+                  <a:gd name="connsiteY11" fmla="*/ 1193037 h 3586929"/>
+                  <a:gd name="connsiteX12" fmla="*/ 1410278 w 3314171"/>
+                  <a:gd name="connsiteY12" fmla="*/ 1191925 h 3586929"/>
+                  <a:gd name="connsiteX13" fmla="*/ 1212290 w 3314171"/>
+                  <a:gd name="connsiteY13" fmla="*/ 1077617 h 3586929"/>
+                  <a:gd name="connsiteX14" fmla="*/ 954445 w 3314171"/>
+                  <a:gd name="connsiteY14" fmla="*/ 928750 h 3586929"/>
+                  <a:gd name="connsiteX15" fmla="*/ 488742 w 3314171"/>
+                  <a:gd name="connsiteY15" fmla="*/ 859490 h 3586929"/>
+                  <a:gd name="connsiteX16" fmla="*/ 238528 w 3314171"/>
+                  <a:gd name="connsiteY16" fmla="*/ 952828 h 3586929"/>
+                  <a:gd name="connsiteX17" fmla="*/ 0 w 3314171"/>
+                  <a:gd name="connsiteY17" fmla="*/ 1090540 h 3586929"/>
+                  <a:gd name="connsiteX18" fmla="*/ 1 w 3314171"/>
+                  <a:gd name="connsiteY18" fmla="*/ 168486 h 3586929"/>
+                  <a:gd name="connsiteX19" fmla="*/ 2 w 3314171"/>
+                  <a:gd name="connsiteY19" fmla="*/ 168485 h 3586929"/>
+                  <a:gd name="connsiteX20" fmla="*/ 2 w 3314171"/>
+                  <a:gd name="connsiteY20" fmla="*/ 124526 h 3586929"/>
+                  <a:gd name="connsiteX21" fmla="*/ 81752 w 3314171"/>
+                  <a:gd name="connsiteY21" fmla="*/ 89468 h 3586929"/>
+                  <a:gd name="connsiteX22" fmla="*/ 1151778 w 3314171"/>
+                  <a:gd name="connsiteY22" fmla="*/ 123328 h 3586929"/>
+                  <a:gd name="connsiteX23" fmla="*/ 1212290 w 3314171"/>
+                  <a:gd name="connsiteY23" fmla="*/ 154305 h 3586929"/>
+                  <a:gd name="connsiteX24" fmla="*/ 1280231 w 3314171"/>
+                  <a:gd name="connsiteY24" fmla="*/ 189085 h 3586929"/>
+                  <a:gd name="connsiteX25" fmla="*/ 1314212 w 3314171"/>
+                  <a:gd name="connsiteY25" fmla="*/ 208704 h 3586929"/>
+                  <a:gd name="connsiteX26" fmla="*/ 1325750 w 3314171"/>
+                  <a:gd name="connsiteY26" fmla="*/ 214847 h 3586929"/>
+                  <a:gd name="connsiteX27" fmla="*/ 2607671 w 3314171"/>
+                  <a:gd name="connsiteY27" fmla="*/ 958318 h 3586929"/>
+                  <a:gd name="connsiteX28" fmla="*/ 2609131 w 3314171"/>
+                  <a:gd name="connsiteY28" fmla="*/ 956326 h 3586929"/>
+                  <a:gd name="connsiteX29" fmla="*/ 3125084 w 3314171"/>
+                  <a:gd name="connsiteY29" fmla="*/ 2881890 h 3586929"/>
+                  <a:gd name="connsiteX0" fmla="*/ 3125084 w 3314171"/>
+                  <a:gd name="connsiteY0" fmla="*/ 2881890 h 3586929"/>
+                  <a:gd name="connsiteX1" fmla="*/ 1199518 w 3314171"/>
+                  <a:gd name="connsiteY1" fmla="*/ 3397844 h 3586929"/>
+                  <a:gd name="connsiteX2" fmla="*/ 617332 w 3314171"/>
+                  <a:gd name="connsiteY2" fmla="*/ 3061714 h 3586929"/>
+                  <a:gd name="connsiteX3" fmla="*/ 1149638 w 3314171"/>
+                  <a:gd name="connsiteY3" fmla="*/ 2754387 h 3586929"/>
+                  <a:gd name="connsiteX4" fmla="*/ 1154830 w 3314171"/>
+                  <a:gd name="connsiteY4" fmla="*/ 2752486 h 3586929"/>
+                  <a:gd name="connsiteX5" fmla="*/ 1394273 w 3314171"/>
+                  <a:gd name="connsiteY5" fmla="*/ 2622522 h 3586929"/>
+                  <a:gd name="connsiteX6" fmla="*/ 1424464 w 3314171"/>
+                  <a:gd name="connsiteY6" fmla="*/ 2599946 h 3586929"/>
+                  <a:gd name="connsiteX7" fmla="*/ 1525315 w 3314171"/>
+                  <a:gd name="connsiteY7" fmla="*/ 2658172 h 3586929"/>
+                  <a:gd name="connsiteX8" fmla="*/ 2353323 w 3314171"/>
+                  <a:gd name="connsiteY8" fmla="*/ 2436308 h 3586929"/>
+                  <a:gd name="connsiteX9" fmla="*/ 2231095 w 3314171"/>
+                  <a:gd name="connsiteY9" fmla="*/ 1680044 h 3586929"/>
+                  <a:gd name="connsiteX10" fmla="*/ 2141844 w 3314171"/>
+                  <a:gd name="connsiteY10" fmla="*/ 1615778 h 3586929"/>
+                  <a:gd name="connsiteX11" fmla="*/ 1409636 w 3314171"/>
+                  <a:gd name="connsiteY11" fmla="*/ 1193037 h 3586929"/>
+                  <a:gd name="connsiteX12" fmla="*/ 1410278 w 3314171"/>
+                  <a:gd name="connsiteY12" fmla="*/ 1191925 h 3586929"/>
+                  <a:gd name="connsiteX13" fmla="*/ 1212290 w 3314171"/>
+                  <a:gd name="connsiteY13" fmla="*/ 1077617 h 3586929"/>
+                  <a:gd name="connsiteX14" fmla="*/ 954445 w 3314171"/>
+                  <a:gd name="connsiteY14" fmla="*/ 928750 h 3586929"/>
+                  <a:gd name="connsiteX15" fmla="*/ 488742 w 3314171"/>
+                  <a:gd name="connsiteY15" fmla="*/ 859490 h 3586929"/>
+                  <a:gd name="connsiteX16" fmla="*/ 238528 w 3314171"/>
+                  <a:gd name="connsiteY16" fmla="*/ 952828 h 3586929"/>
+                  <a:gd name="connsiteX17" fmla="*/ 0 w 3314171"/>
+                  <a:gd name="connsiteY17" fmla="*/ 1090540 h 3586929"/>
+                  <a:gd name="connsiteX18" fmla="*/ 1 w 3314171"/>
+                  <a:gd name="connsiteY18" fmla="*/ 168486 h 3586929"/>
+                  <a:gd name="connsiteX19" fmla="*/ 2 w 3314171"/>
+                  <a:gd name="connsiteY19" fmla="*/ 168485 h 3586929"/>
+                  <a:gd name="connsiteX20" fmla="*/ 2 w 3314171"/>
+                  <a:gd name="connsiteY20" fmla="*/ 124526 h 3586929"/>
+                  <a:gd name="connsiteX21" fmla="*/ 81752 w 3314171"/>
+                  <a:gd name="connsiteY21" fmla="*/ 89468 h 3586929"/>
+                  <a:gd name="connsiteX22" fmla="*/ 1151778 w 3314171"/>
+                  <a:gd name="connsiteY22" fmla="*/ 123328 h 3586929"/>
+                  <a:gd name="connsiteX23" fmla="*/ 1212290 w 3314171"/>
+                  <a:gd name="connsiteY23" fmla="*/ 154305 h 3586929"/>
+                  <a:gd name="connsiteX24" fmla="*/ 1280231 w 3314171"/>
+                  <a:gd name="connsiteY24" fmla="*/ 189085 h 3586929"/>
+                  <a:gd name="connsiteX25" fmla="*/ 1314212 w 3314171"/>
+                  <a:gd name="connsiteY25" fmla="*/ 208704 h 3586929"/>
+                  <a:gd name="connsiteX26" fmla="*/ 2607671 w 3314171"/>
+                  <a:gd name="connsiteY26" fmla="*/ 958318 h 3586929"/>
+                  <a:gd name="connsiteX27" fmla="*/ 2609131 w 3314171"/>
+                  <a:gd name="connsiteY27" fmla="*/ 956326 h 3586929"/>
+                  <a:gd name="connsiteX28" fmla="*/ 3125084 w 3314171"/>
+                  <a:gd name="connsiteY28" fmla="*/ 2881890 h 3586929"/>
+                  <a:gd name="connsiteX0" fmla="*/ 3125084 w 3314171"/>
+                  <a:gd name="connsiteY0" fmla="*/ 2881890 h 3586929"/>
+                  <a:gd name="connsiteX1" fmla="*/ 1199518 w 3314171"/>
+                  <a:gd name="connsiteY1" fmla="*/ 3397844 h 3586929"/>
+                  <a:gd name="connsiteX2" fmla="*/ 617332 w 3314171"/>
+                  <a:gd name="connsiteY2" fmla="*/ 3061714 h 3586929"/>
+                  <a:gd name="connsiteX3" fmla="*/ 1149638 w 3314171"/>
+                  <a:gd name="connsiteY3" fmla="*/ 2754387 h 3586929"/>
+                  <a:gd name="connsiteX4" fmla="*/ 1154830 w 3314171"/>
+                  <a:gd name="connsiteY4" fmla="*/ 2752486 h 3586929"/>
+                  <a:gd name="connsiteX5" fmla="*/ 1394273 w 3314171"/>
+                  <a:gd name="connsiteY5" fmla="*/ 2622522 h 3586929"/>
+                  <a:gd name="connsiteX6" fmla="*/ 1424464 w 3314171"/>
+                  <a:gd name="connsiteY6" fmla="*/ 2599946 h 3586929"/>
+                  <a:gd name="connsiteX7" fmla="*/ 1525315 w 3314171"/>
+                  <a:gd name="connsiteY7" fmla="*/ 2658172 h 3586929"/>
+                  <a:gd name="connsiteX8" fmla="*/ 2353323 w 3314171"/>
+                  <a:gd name="connsiteY8" fmla="*/ 2436308 h 3586929"/>
+                  <a:gd name="connsiteX9" fmla="*/ 2231095 w 3314171"/>
+                  <a:gd name="connsiteY9" fmla="*/ 1680044 h 3586929"/>
+                  <a:gd name="connsiteX10" fmla="*/ 2141844 w 3314171"/>
+                  <a:gd name="connsiteY10" fmla="*/ 1615778 h 3586929"/>
+                  <a:gd name="connsiteX11" fmla="*/ 1409636 w 3314171"/>
+                  <a:gd name="connsiteY11" fmla="*/ 1193037 h 3586929"/>
+                  <a:gd name="connsiteX12" fmla="*/ 1410278 w 3314171"/>
+                  <a:gd name="connsiteY12" fmla="*/ 1191925 h 3586929"/>
+                  <a:gd name="connsiteX13" fmla="*/ 1212290 w 3314171"/>
+                  <a:gd name="connsiteY13" fmla="*/ 1077617 h 3586929"/>
+                  <a:gd name="connsiteX14" fmla="*/ 954445 w 3314171"/>
+                  <a:gd name="connsiteY14" fmla="*/ 928750 h 3586929"/>
+                  <a:gd name="connsiteX15" fmla="*/ 488742 w 3314171"/>
+                  <a:gd name="connsiteY15" fmla="*/ 859490 h 3586929"/>
+                  <a:gd name="connsiteX16" fmla="*/ 238528 w 3314171"/>
+                  <a:gd name="connsiteY16" fmla="*/ 952828 h 3586929"/>
+                  <a:gd name="connsiteX17" fmla="*/ 0 w 3314171"/>
+                  <a:gd name="connsiteY17" fmla="*/ 1090540 h 3586929"/>
+                  <a:gd name="connsiteX18" fmla="*/ 1 w 3314171"/>
+                  <a:gd name="connsiteY18" fmla="*/ 168486 h 3586929"/>
+                  <a:gd name="connsiteX19" fmla="*/ 2 w 3314171"/>
+                  <a:gd name="connsiteY19" fmla="*/ 168485 h 3586929"/>
+                  <a:gd name="connsiteX20" fmla="*/ 2 w 3314171"/>
+                  <a:gd name="connsiteY20" fmla="*/ 124526 h 3586929"/>
+                  <a:gd name="connsiteX21" fmla="*/ 81752 w 3314171"/>
+                  <a:gd name="connsiteY21" fmla="*/ 89468 h 3586929"/>
+                  <a:gd name="connsiteX22" fmla="*/ 1151778 w 3314171"/>
+                  <a:gd name="connsiteY22" fmla="*/ 123328 h 3586929"/>
+                  <a:gd name="connsiteX23" fmla="*/ 1212290 w 3314171"/>
+                  <a:gd name="connsiteY23" fmla="*/ 154305 h 3586929"/>
+                  <a:gd name="connsiteX24" fmla="*/ 1280231 w 3314171"/>
+                  <a:gd name="connsiteY24" fmla="*/ 189085 h 3586929"/>
+                  <a:gd name="connsiteX25" fmla="*/ 2607671 w 3314171"/>
+                  <a:gd name="connsiteY25" fmla="*/ 958318 h 3586929"/>
+                  <a:gd name="connsiteX26" fmla="*/ 2609131 w 3314171"/>
+                  <a:gd name="connsiteY26" fmla="*/ 956326 h 3586929"/>
+                  <a:gd name="connsiteX27" fmla="*/ 3125084 w 3314171"/>
+                  <a:gd name="connsiteY27" fmla="*/ 2881890 h 3586929"/>
+                  <a:gd name="connsiteX0" fmla="*/ 3125084 w 3314171"/>
+                  <a:gd name="connsiteY0" fmla="*/ 2881890 h 3586929"/>
+                  <a:gd name="connsiteX1" fmla="*/ 1199518 w 3314171"/>
+                  <a:gd name="connsiteY1" fmla="*/ 3397844 h 3586929"/>
+                  <a:gd name="connsiteX2" fmla="*/ 617332 w 3314171"/>
+                  <a:gd name="connsiteY2" fmla="*/ 3061714 h 3586929"/>
+                  <a:gd name="connsiteX3" fmla="*/ 1149638 w 3314171"/>
+                  <a:gd name="connsiteY3" fmla="*/ 2754387 h 3586929"/>
+                  <a:gd name="connsiteX4" fmla="*/ 1154830 w 3314171"/>
+                  <a:gd name="connsiteY4" fmla="*/ 2752486 h 3586929"/>
+                  <a:gd name="connsiteX5" fmla="*/ 1394273 w 3314171"/>
+                  <a:gd name="connsiteY5" fmla="*/ 2622522 h 3586929"/>
+                  <a:gd name="connsiteX6" fmla="*/ 1424464 w 3314171"/>
+                  <a:gd name="connsiteY6" fmla="*/ 2599946 h 3586929"/>
+                  <a:gd name="connsiteX7" fmla="*/ 1525315 w 3314171"/>
+                  <a:gd name="connsiteY7" fmla="*/ 2658172 h 3586929"/>
+                  <a:gd name="connsiteX8" fmla="*/ 2353323 w 3314171"/>
+                  <a:gd name="connsiteY8" fmla="*/ 2436308 h 3586929"/>
+                  <a:gd name="connsiteX9" fmla="*/ 2231095 w 3314171"/>
+                  <a:gd name="connsiteY9" fmla="*/ 1680044 h 3586929"/>
+                  <a:gd name="connsiteX10" fmla="*/ 2141844 w 3314171"/>
+                  <a:gd name="connsiteY10" fmla="*/ 1615778 h 3586929"/>
+                  <a:gd name="connsiteX11" fmla="*/ 1409636 w 3314171"/>
+                  <a:gd name="connsiteY11" fmla="*/ 1193037 h 3586929"/>
+                  <a:gd name="connsiteX12" fmla="*/ 1410278 w 3314171"/>
+                  <a:gd name="connsiteY12" fmla="*/ 1191925 h 3586929"/>
+                  <a:gd name="connsiteX13" fmla="*/ 954445 w 3314171"/>
+                  <a:gd name="connsiteY13" fmla="*/ 928750 h 3586929"/>
+                  <a:gd name="connsiteX14" fmla="*/ 488742 w 3314171"/>
+                  <a:gd name="connsiteY14" fmla="*/ 859490 h 3586929"/>
+                  <a:gd name="connsiteX15" fmla="*/ 238528 w 3314171"/>
+                  <a:gd name="connsiteY15" fmla="*/ 952828 h 3586929"/>
+                  <a:gd name="connsiteX16" fmla="*/ 0 w 3314171"/>
+                  <a:gd name="connsiteY16" fmla="*/ 1090540 h 3586929"/>
+                  <a:gd name="connsiteX17" fmla="*/ 1 w 3314171"/>
+                  <a:gd name="connsiteY17" fmla="*/ 168486 h 3586929"/>
+                  <a:gd name="connsiteX18" fmla="*/ 2 w 3314171"/>
+                  <a:gd name="connsiteY18" fmla="*/ 168485 h 3586929"/>
+                  <a:gd name="connsiteX19" fmla="*/ 2 w 3314171"/>
+                  <a:gd name="connsiteY19" fmla="*/ 124526 h 3586929"/>
+                  <a:gd name="connsiteX20" fmla="*/ 81752 w 3314171"/>
+                  <a:gd name="connsiteY20" fmla="*/ 89468 h 3586929"/>
+                  <a:gd name="connsiteX21" fmla="*/ 1151778 w 3314171"/>
+                  <a:gd name="connsiteY21" fmla="*/ 123328 h 3586929"/>
+                  <a:gd name="connsiteX22" fmla="*/ 1212290 w 3314171"/>
+                  <a:gd name="connsiteY22" fmla="*/ 154305 h 3586929"/>
+                  <a:gd name="connsiteX23" fmla="*/ 1280231 w 3314171"/>
+                  <a:gd name="connsiteY23" fmla="*/ 189085 h 3586929"/>
+                  <a:gd name="connsiteX24" fmla="*/ 2607671 w 3314171"/>
+                  <a:gd name="connsiteY24" fmla="*/ 958318 h 3586929"/>
+                  <a:gd name="connsiteX25" fmla="*/ 2609131 w 3314171"/>
+                  <a:gd name="connsiteY25" fmla="*/ 956326 h 3586929"/>
+                  <a:gd name="connsiteX26" fmla="*/ 3125084 w 3314171"/>
+                  <a:gd name="connsiteY26" fmla="*/ 2881890 h 3586929"/>
+                  <a:gd name="connsiteX0" fmla="*/ 3125084 w 3314171"/>
+                  <a:gd name="connsiteY0" fmla="*/ 2881890 h 3586929"/>
+                  <a:gd name="connsiteX1" fmla="*/ 1199518 w 3314171"/>
+                  <a:gd name="connsiteY1" fmla="*/ 3397844 h 3586929"/>
+                  <a:gd name="connsiteX2" fmla="*/ 617332 w 3314171"/>
+                  <a:gd name="connsiteY2" fmla="*/ 3061714 h 3586929"/>
+                  <a:gd name="connsiteX3" fmla="*/ 1149638 w 3314171"/>
+                  <a:gd name="connsiteY3" fmla="*/ 2754387 h 3586929"/>
+                  <a:gd name="connsiteX4" fmla="*/ 1154830 w 3314171"/>
+                  <a:gd name="connsiteY4" fmla="*/ 2752486 h 3586929"/>
+                  <a:gd name="connsiteX5" fmla="*/ 1394273 w 3314171"/>
+                  <a:gd name="connsiteY5" fmla="*/ 2622522 h 3586929"/>
+                  <a:gd name="connsiteX6" fmla="*/ 1424464 w 3314171"/>
+                  <a:gd name="connsiteY6" fmla="*/ 2599946 h 3586929"/>
+                  <a:gd name="connsiteX7" fmla="*/ 1525315 w 3314171"/>
+                  <a:gd name="connsiteY7" fmla="*/ 2658172 h 3586929"/>
+                  <a:gd name="connsiteX8" fmla="*/ 2353323 w 3314171"/>
+                  <a:gd name="connsiteY8" fmla="*/ 2436308 h 3586929"/>
+                  <a:gd name="connsiteX9" fmla="*/ 2231095 w 3314171"/>
+                  <a:gd name="connsiteY9" fmla="*/ 1680044 h 3586929"/>
+                  <a:gd name="connsiteX10" fmla="*/ 2141844 w 3314171"/>
+                  <a:gd name="connsiteY10" fmla="*/ 1615778 h 3586929"/>
+                  <a:gd name="connsiteX11" fmla="*/ 1409636 w 3314171"/>
+                  <a:gd name="connsiteY11" fmla="*/ 1193037 h 3586929"/>
+                  <a:gd name="connsiteX12" fmla="*/ 954445 w 3314171"/>
+                  <a:gd name="connsiteY12" fmla="*/ 928750 h 3586929"/>
+                  <a:gd name="connsiteX13" fmla="*/ 488742 w 3314171"/>
+                  <a:gd name="connsiteY13" fmla="*/ 859490 h 3586929"/>
+                  <a:gd name="connsiteX14" fmla="*/ 238528 w 3314171"/>
+                  <a:gd name="connsiteY14" fmla="*/ 952828 h 3586929"/>
+                  <a:gd name="connsiteX15" fmla="*/ 0 w 3314171"/>
+                  <a:gd name="connsiteY15" fmla="*/ 1090540 h 3586929"/>
+                  <a:gd name="connsiteX16" fmla="*/ 1 w 3314171"/>
+                  <a:gd name="connsiteY16" fmla="*/ 168486 h 3586929"/>
+                  <a:gd name="connsiteX17" fmla="*/ 2 w 3314171"/>
+                  <a:gd name="connsiteY17" fmla="*/ 168485 h 3586929"/>
+                  <a:gd name="connsiteX18" fmla="*/ 2 w 3314171"/>
+                  <a:gd name="connsiteY18" fmla="*/ 124526 h 3586929"/>
+                  <a:gd name="connsiteX19" fmla="*/ 81752 w 3314171"/>
+                  <a:gd name="connsiteY19" fmla="*/ 89468 h 3586929"/>
+                  <a:gd name="connsiteX20" fmla="*/ 1151778 w 3314171"/>
+                  <a:gd name="connsiteY20" fmla="*/ 123328 h 3586929"/>
+                  <a:gd name="connsiteX21" fmla="*/ 1212290 w 3314171"/>
+                  <a:gd name="connsiteY21" fmla="*/ 154305 h 3586929"/>
+                  <a:gd name="connsiteX22" fmla="*/ 1280231 w 3314171"/>
+                  <a:gd name="connsiteY22" fmla="*/ 189085 h 3586929"/>
+                  <a:gd name="connsiteX23" fmla="*/ 2607671 w 3314171"/>
+                  <a:gd name="connsiteY23" fmla="*/ 958318 h 3586929"/>
+                  <a:gd name="connsiteX24" fmla="*/ 2609131 w 3314171"/>
+                  <a:gd name="connsiteY24" fmla="*/ 956326 h 3586929"/>
+                  <a:gd name="connsiteX25" fmla="*/ 3125084 w 3314171"/>
+                  <a:gd name="connsiteY25" fmla="*/ 2881890 h 3586929"/>
+                  <a:gd name="connsiteX0" fmla="*/ 3125084 w 3314171"/>
+                  <a:gd name="connsiteY0" fmla="*/ 2881890 h 3586929"/>
+                  <a:gd name="connsiteX1" fmla="*/ 1199518 w 3314171"/>
+                  <a:gd name="connsiteY1" fmla="*/ 3397844 h 3586929"/>
+                  <a:gd name="connsiteX2" fmla="*/ 617332 w 3314171"/>
+                  <a:gd name="connsiteY2" fmla="*/ 3061714 h 3586929"/>
+                  <a:gd name="connsiteX3" fmla="*/ 1149638 w 3314171"/>
+                  <a:gd name="connsiteY3" fmla="*/ 2754387 h 3586929"/>
+                  <a:gd name="connsiteX4" fmla="*/ 1154830 w 3314171"/>
+                  <a:gd name="connsiteY4" fmla="*/ 2752486 h 3586929"/>
+                  <a:gd name="connsiteX5" fmla="*/ 1394273 w 3314171"/>
+                  <a:gd name="connsiteY5" fmla="*/ 2622522 h 3586929"/>
+                  <a:gd name="connsiteX6" fmla="*/ 1424464 w 3314171"/>
+                  <a:gd name="connsiteY6" fmla="*/ 2599946 h 3586929"/>
+                  <a:gd name="connsiteX7" fmla="*/ 1525315 w 3314171"/>
+                  <a:gd name="connsiteY7" fmla="*/ 2658172 h 3586929"/>
+                  <a:gd name="connsiteX8" fmla="*/ 2353323 w 3314171"/>
+                  <a:gd name="connsiteY8" fmla="*/ 2436308 h 3586929"/>
+                  <a:gd name="connsiteX9" fmla="*/ 2231095 w 3314171"/>
+                  <a:gd name="connsiteY9" fmla="*/ 1680044 h 3586929"/>
+                  <a:gd name="connsiteX10" fmla="*/ 2141844 w 3314171"/>
+                  <a:gd name="connsiteY10" fmla="*/ 1615778 h 3586929"/>
+                  <a:gd name="connsiteX11" fmla="*/ 1409636 w 3314171"/>
+                  <a:gd name="connsiteY11" fmla="*/ 1193037 h 3586929"/>
+                  <a:gd name="connsiteX12" fmla="*/ 954445 w 3314171"/>
+                  <a:gd name="connsiteY12" fmla="*/ 928750 h 3586929"/>
+                  <a:gd name="connsiteX13" fmla="*/ 488742 w 3314171"/>
+                  <a:gd name="connsiteY13" fmla="*/ 859490 h 3586929"/>
+                  <a:gd name="connsiteX14" fmla="*/ 238528 w 3314171"/>
+                  <a:gd name="connsiteY14" fmla="*/ 952828 h 3586929"/>
+                  <a:gd name="connsiteX15" fmla="*/ 0 w 3314171"/>
+                  <a:gd name="connsiteY15" fmla="*/ 1090540 h 3586929"/>
+                  <a:gd name="connsiteX16" fmla="*/ 1 w 3314171"/>
+                  <a:gd name="connsiteY16" fmla="*/ 168486 h 3586929"/>
+                  <a:gd name="connsiteX17" fmla="*/ 2 w 3314171"/>
+                  <a:gd name="connsiteY17" fmla="*/ 168485 h 3586929"/>
+                  <a:gd name="connsiteX18" fmla="*/ 2 w 3314171"/>
+                  <a:gd name="connsiteY18" fmla="*/ 124526 h 3586929"/>
+                  <a:gd name="connsiteX19" fmla="*/ 81752 w 3314171"/>
+                  <a:gd name="connsiteY19" fmla="*/ 89468 h 3586929"/>
+                  <a:gd name="connsiteX20" fmla="*/ 1151778 w 3314171"/>
+                  <a:gd name="connsiteY20" fmla="*/ 123328 h 3586929"/>
+                  <a:gd name="connsiteX21" fmla="*/ 1212290 w 3314171"/>
+                  <a:gd name="connsiteY21" fmla="*/ 154305 h 3586929"/>
+                  <a:gd name="connsiteX22" fmla="*/ 1280231 w 3314171"/>
+                  <a:gd name="connsiteY22" fmla="*/ 189085 h 3586929"/>
+                  <a:gd name="connsiteX23" fmla="*/ 2490287 w 3314171"/>
+                  <a:gd name="connsiteY23" fmla="*/ 875882 h 3586929"/>
+                  <a:gd name="connsiteX24" fmla="*/ 2609131 w 3314171"/>
+                  <a:gd name="connsiteY24" fmla="*/ 956326 h 3586929"/>
+                  <a:gd name="connsiteX25" fmla="*/ 3125084 w 3314171"/>
+                  <a:gd name="connsiteY25" fmla="*/ 2881890 h 3586929"/>
+                  <a:gd name="connsiteX0" fmla="*/ 3125084 w 3314171"/>
+                  <a:gd name="connsiteY0" fmla="*/ 2881890 h 3586929"/>
+                  <a:gd name="connsiteX1" fmla="*/ 1199518 w 3314171"/>
+                  <a:gd name="connsiteY1" fmla="*/ 3397844 h 3586929"/>
+                  <a:gd name="connsiteX2" fmla="*/ 617332 w 3314171"/>
+                  <a:gd name="connsiteY2" fmla="*/ 3061714 h 3586929"/>
+                  <a:gd name="connsiteX3" fmla="*/ 1149638 w 3314171"/>
+                  <a:gd name="connsiteY3" fmla="*/ 2754387 h 3586929"/>
+                  <a:gd name="connsiteX4" fmla="*/ 1154830 w 3314171"/>
+                  <a:gd name="connsiteY4" fmla="*/ 2752486 h 3586929"/>
+                  <a:gd name="connsiteX5" fmla="*/ 1394273 w 3314171"/>
+                  <a:gd name="connsiteY5" fmla="*/ 2622522 h 3586929"/>
+                  <a:gd name="connsiteX6" fmla="*/ 1424464 w 3314171"/>
+                  <a:gd name="connsiteY6" fmla="*/ 2599946 h 3586929"/>
+                  <a:gd name="connsiteX7" fmla="*/ 1525315 w 3314171"/>
+                  <a:gd name="connsiteY7" fmla="*/ 2658172 h 3586929"/>
+                  <a:gd name="connsiteX8" fmla="*/ 2353323 w 3314171"/>
+                  <a:gd name="connsiteY8" fmla="*/ 2436308 h 3586929"/>
+                  <a:gd name="connsiteX9" fmla="*/ 2231095 w 3314171"/>
+                  <a:gd name="connsiteY9" fmla="*/ 1680044 h 3586929"/>
+                  <a:gd name="connsiteX10" fmla="*/ 2141844 w 3314171"/>
+                  <a:gd name="connsiteY10" fmla="*/ 1615778 h 3586929"/>
+                  <a:gd name="connsiteX11" fmla="*/ 1409636 w 3314171"/>
+                  <a:gd name="connsiteY11" fmla="*/ 1193037 h 3586929"/>
+                  <a:gd name="connsiteX12" fmla="*/ 954445 w 3314171"/>
+                  <a:gd name="connsiteY12" fmla="*/ 928750 h 3586929"/>
+                  <a:gd name="connsiteX13" fmla="*/ 488742 w 3314171"/>
+                  <a:gd name="connsiteY13" fmla="*/ 859490 h 3586929"/>
+                  <a:gd name="connsiteX14" fmla="*/ 238528 w 3314171"/>
+                  <a:gd name="connsiteY14" fmla="*/ 952828 h 3586929"/>
+                  <a:gd name="connsiteX15" fmla="*/ 0 w 3314171"/>
+                  <a:gd name="connsiteY15" fmla="*/ 1090540 h 3586929"/>
+                  <a:gd name="connsiteX16" fmla="*/ 1 w 3314171"/>
+                  <a:gd name="connsiteY16" fmla="*/ 168486 h 3586929"/>
+                  <a:gd name="connsiteX17" fmla="*/ 2 w 3314171"/>
+                  <a:gd name="connsiteY17" fmla="*/ 168485 h 3586929"/>
+                  <a:gd name="connsiteX18" fmla="*/ 2 w 3314171"/>
+                  <a:gd name="connsiteY18" fmla="*/ 124526 h 3586929"/>
+                  <a:gd name="connsiteX19" fmla="*/ 81752 w 3314171"/>
+                  <a:gd name="connsiteY19" fmla="*/ 89468 h 3586929"/>
+                  <a:gd name="connsiteX20" fmla="*/ 1151778 w 3314171"/>
+                  <a:gd name="connsiteY20" fmla="*/ 123328 h 3586929"/>
+                  <a:gd name="connsiteX21" fmla="*/ 1212290 w 3314171"/>
+                  <a:gd name="connsiteY21" fmla="*/ 154305 h 3586929"/>
+                  <a:gd name="connsiteX22" fmla="*/ 1280231 w 3314171"/>
+                  <a:gd name="connsiteY22" fmla="*/ 189085 h 3586929"/>
+                  <a:gd name="connsiteX23" fmla="*/ 2609131 w 3314171"/>
+                  <a:gd name="connsiteY23" fmla="*/ 956326 h 3586929"/>
+                  <a:gd name="connsiteX24" fmla="*/ 3125084 w 3314171"/>
+                  <a:gd name="connsiteY24" fmla="*/ 2881890 h 3586929"/>
+                  <a:gd name="connsiteX0" fmla="*/ 3125084 w 3314171"/>
+                  <a:gd name="connsiteY0" fmla="*/ 2881890 h 3586929"/>
+                  <a:gd name="connsiteX1" fmla="*/ 1199518 w 3314171"/>
+                  <a:gd name="connsiteY1" fmla="*/ 3397844 h 3586929"/>
+                  <a:gd name="connsiteX2" fmla="*/ 617332 w 3314171"/>
+                  <a:gd name="connsiteY2" fmla="*/ 3061714 h 3586929"/>
+                  <a:gd name="connsiteX3" fmla="*/ 1149638 w 3314171"/>
+                  <a:gd name="connsiteY3" fmla="*/ 2754387 h 3586929"/>
+                  <a:gd name="connsiteX4" fmla="*/ 1154830 w 3314171"/>
+                  <a:gd name="connsiteY4" fmla="*/ 2752486 h 3586929"/>
+                  <a:gd name="connsiteX5" fmla="*/ 1394273 w 3314171"/>
+                  <a:gd name="connsiteY5" fmla="*/ 2622522 h 3586929"/>
+                  <a:gd name="connsiteX6" fmla="*/ 1424464 w 3314171"/>
+                  <a:gd name="connsiteY6" fmla="*/ 2599946 h 3586929"/>
+                  <a:gd name="connsiteX7" fmla="*/ 1525315 w 3314171"/>
+                  <a:gd name="connsiteY7" fmla="*/ 2658172 h 3586929"/>
+                  <a:gd name="connsiteX8" fmla="*/ 2353323 w 3314171"/>
+                  <a:gd name="connsiteY8" fmla="*/ 2436308 h 3586929"/>
+                  <a:gd name="connsiteX9" fmla="*/ 2231095 w 3314171"/>
+                  <a:gd name="connsiteY9" fmla="*/ 1680044 h 3586929"/>
+                  <a:gd name="connsiteX10" fmla="*/ 2141844 w 3314171"/>
+                  <a:gd name="connsiteY10" fmla="*/ 1615778 h 3586929"/>
+                  <a:gd name="connsiteX11" fmla="*/ 954445 w 3314171"/>
+                  <a:gd name="connsiteY11" fmla="*/ 928750 h 3586929"/>
+                  <a:gd name="connsiteX12" fmla="*/ 488742 w 3314171"/>
+                  <a:gd name="connsiteY12" fmla="*/ 859490 h 3586929"/>
+                  <a:gd name="connsiteX13" fmla="*/ 238528 w 3314171"/>
+                  <a:gd name="connsiteY13" fmla="*/ 952828 h 3586929"/>
+                  <a:gd name="connsiteX14" fmla="*/ 0 w 3314171"/>
+                  <a:gd name="connsiteY14" fmla="*/ 1090540 h 3586929"/>
+                  <a:gd name="connsiteX15" fmla="*/ 1 w 3314171"/>
+                  <a:gd name="connsiteY15" fmla="*/ 168486 h 3586929"/>
+                  <a:gd name="connsiteX16" fmla="*/ 2 w 3314171"/>
+                  <a:gd name="connsiteY16" fmla="*/ 168485 h 3586929"/>
+                  <a:gd name="connsiteX17" fmla="*/ 2 w 3314171"/>
+                  <a:gd name="connsiteY17" fmla="*/ 124526 h 3586929"/>
+                  <a:gd name="connsiteX18" fmla="*/ 81752 w 3314171"/>
+                  <a:gd name="connsiteY18" fmla="*/ 89468 h 3586929"/>
+                  <a:gd name="connsiteX19" fmla="*/ 1151778 w 3314171"/>
+                  <a:gd name="connsiteY19" fmla="*/ 123328 h 3586929"/>
+                  <a:gd name="connsiteX20" fmla="*/ 1212290 w 3314171"/>
+                  <a:gd name="connsiteY20" fmla="*/ 154305 h 3586929"/>
+                  <a:gd name="connsiteX21" fmla="*/ 1280231 w 3314171"/>
+                  <a:gd name="connsiteY21" fmla="*/ 189085 h 3586929"/>
+                  <a:gd name="connsiteX22" fmla="*/ 2609131 w 3314171"/>
+                  <a:gd name="connsiteY22" fmla="*/ 956326 h 3586929"/>
+                  <a:gd name="connsiteX23" fmla="*/ 3125084 w 3314171"/>
+                  <a:gd name="connsiteY23" fmla="*/ 2881890 h 3586929"/>
+                  <a:gd name="connsiteX0" fmla="*/ 3125084 w 3314171"/>
+                  <a:gd name="connsiteY0" fmla="*/ 2881890 h 3586929"/>
+                  <a:gd name="connsiteX1" fmla="*/ 1199518 w 3314171"/>
+                  <a:gd name="connsiteY1" fmla="*/ 3397844 h 3586929"/>
+                  <a:gd name="connsiteX2" fmla="*/ 617332 w 3314171"/>
+                  <a:gd name="connsiteY2" fmla="*/ 3061714 h 3586929"/>
+                  <a:gd name="connsiteX3" fmla="*/ 1149638 w 3314171"/>
+                  <a:gd name="connsiteY3" fmla="*/ 2754387 h 3586929"/>
+                  <a:gd name="connsiteX4" fmla="*/ 1394273 w 3314171"/>
+                  <a:gd name="connsiteY4" fmla="*/ 2622522 h 3586929"/>
+                  <a:gd name="connsiteX5" fmla="*/ 1424464 w 3314171"/>
+                  <a:gd name="connsiteY5" fmla="*/ 2599946 h 3586929"/>
+                  <a:gd name="connsiteX6" fmla="*/ 1525315 w 3314171"/>
+                  <a:gd name="connsiteY6" fmla="*/ 2658172 h 3586929"/>
+                  <a:gd name="connsiteX7" fmla="*/ 2353323 w 3314171"/>
+                  <a:gd name="connsiteY7" fmla="*/ 2436308 h 3586929"/>
+                  <a:gd name="connsiteX8" fmla="*/ 2231095 w 3314171"/>
+                  <a:gd name="connsiteY8" fmla="*/ 1680044 h 3586929"/>
+                  <a:gd name="connsiteX9" fmla="*/ 2141844 w 3314171"/>
+                  <a:gd name="connsiteY9" fmla="*/ 1615778 h 3586929"/>
+                  <a:gd name="connsiteX10" fmla="*/ 954445 w 3314171"/>
+                  <a:gd name="connsiteY10" fmla="*/ 928750 h 3586929"/>
+                  <a:gd name="connsiteX11" fmla="*/ 488742 w 3314171"/>
+                  <a:gd name="connsiteY11" fmla="*/ 859490 h 3586929"/>
+                  <a:gd name="connsiteX12" fmla="*/ 238528 w 3314171"/>
+                  <a:gd name="connsiteY12" fmla="*/ 952828 h 3586929"/>
+                  <a:gd name="connsiteX13" fmla="*/ 0 w 3314171"/>
+                  <a:gd name="connsiteY13" fmla="*/ 1090540 h 3586929"/>
+                  <a:gd name="connsiteX14" fmla="*/ 1 w 3314171"/>
+                  <a:gd name="connsiteY14" fmla="*/ 168486 h 3586929"/>
+                  <a:gd name="connsiteX15" fmla="*/ 2 w 3314171"/>
+                  <a:gd name="connsiteY15" fmla="*/ 168485 h 3586929"/>
+                  <a:gd name="connsiteX16" fmla="*/ 2 w 3314171"/>
+                  <a:gd name="connsiteY16" fmla="*/ 124526 h 3586929"/>
+                  <a:gd name="connsiteX17" fmla="*/ 81752 w 3314171"/>
+                  <a:gd name="connsiteY17" fmla="*/ 89468 h 3586929"/>
+                  <a:gd name="connsiteX18" fmla="*/ 1151778 w 3314171"/>
+                  <a:gd name="connsiteY18" fmla="*/ 123328 h 3586929"/>
+                  <a:gd name="connsiteX19" fmla="*/ 1212290 w 3314171"/>
+                  <a:gd name="connsiteY19" fmla="*/ 154305 h 3586929"/>
+                  <a:gd name="connsiteX20" fmla="*/ 1280231 w 3314171"/>
+                  <a:gd name="connsiteY20" fmla="*/ 189085 h 3586929"/>
+                  <a:gd name="connsiteX21" fmla="*/ 2609131 w 3314171"/>
+                  <a:gd name="connsiteY21" fmla="*/ 956326 h 3586929"/>
+                  <a:gd name="connsiteX22" fmla="*/ 3125084 w 3314171"/>
+                  <a:gd name="connsiteY22" fmla="*/ 2881890 h 3586929"/>
+                  <a:gd name="connsiteX0" fmla="*/ 3125084 w 3314171"/>
+                  <a:gd name="connsiteY0" fmla="*/ 2881890 h 3586929"/>
+                  <a:gd name="connsiteX1" fmla="*/ 1199518 w 3314171"/>
+                  <a:gd name="connsiteY1" fmla="*/ 3397844 h 3586929"/>
+                  <a:gd name="connsiteX2" fmla="*/ 617332 w 3314171"/>
+                  <a:gd name="connsiteY2" fmla="*/ 3061714 h 3586929"/>
+                  <a:gd name="connsiteX3" fmla="*/ 1149638 w 3314171"/>
+                  <a:gd name="connsiteY3" fmla="*/ 2754387 h 3586929"/>
+                  <a:gd name="connsiteX4" fmla="*/ 1424464 w 3314171"/>
+                  <a:gd name="connsiteY4" fmla="*/ 2599946 h 3586929"/>
+                  <a:gd name="connsiteX5" fmla="*/ 1525315 w 3314171"/>
+                  <a:gd name="connsiteY5" fmla="*/ 2658172 h 3586929"/>
+                  <a:gd name="connsiteX6" fmla="*/ 2353323 w 3314171"/>
+                  <a:gd name="connsiteY6" fmla="*/ 2436308 h 3586929"/>
+                  <a:gd name="connsiteX7" fmla="*/ 2231095 w 3314171"/>
+                  <a:gd name="connsiteY7" fmla="*/ 1680044 h 3586929"/>
+                  <a:gd name="connsiteX8" fmla="*/ 2141844 w 3314171"/>
+                  <a:gd name="connsiteY8" fmla="*/ 1615778 h 3586929"/>
+                  <a:gd name="connsiteX9" fmla="*/ 954445 w 3314171"/>
+                  <a:gd name="connsiteY9" fmla="*/ 928750 h 3586929"/>
+                  <a:gd name="connsiteX10" fmla="*/ 488742 w 3314171"/>
+                  <a:gd name="connsiteY10" fmla="*/ 859490 h 3586929"/>
+                  <a:gd name="connsiteX11" fmla="*/ 238528 w 3314171"/>
+                  <a:gd name="connsiteY11" fmla="*/ 952828 h 3586929"/>
+                  <a:gd name="connsiteX12" fmla="*/ 0 w 3314171"/>
+                  <a:gd name="connsiteY12" fmla="*/ 1090540 h 3586929"/>
+                  <a:gd name="connsiteX13" fmla="*/ 1 w 3314171"/>
+                  <a:gd name="connsiteY13" fmla="*/ 168486 h 3586929"/>
+                  <a:gd name="connsiteX14" fmla="*/ 2 w 3314171"/>
+                  <a:gd name="connsiteY14" fmla="*/ 168485 h 3586929"/>
+                  <a:gd name="connsiteX15" fmla="*/ 2 w 3314171"/>
+                  <a:gd name="connsiteY15" fmla="*/ 124526 h 3586929"/>
+                  <a:gd name="connsiteX16" fmla="*/ 81752 w 3314171"/>
+                  <a:gd name="connsiteY16" fmla="*/ 89468 h 3586929"/>
+                  <a:gd name="connsiteX17" fmla="*/ 1151778 w 3314171"/>
+                  <a:gd name="connsiteY17" fmla="*/ 123328 h 3586929"/>
+                  <a:gd name="connsiteX18" fmla="*/ 1212290 w 3314171"/>
+                  <a:gd name="connsiteY18" fmla="*/ 154305 h 3586929"/>
+                  <a:gd name="connsiteX19" fmla="*/ 1280231 w 3314171"/>
+                  <a:gd name="connsiteY19" fmla="*/ 189085 h 3586929"/>
+                  <a:gd name="connsiteX20" fmla="*/ 2609131 w 3314171"/>
+                  <a:gd name="connsiteY20" fmla="*/ 956326 h 3586929"/>
+                  <a:gd name="connsiteX21" fmla="*/ 3125084 w 3314171"/>
+                  <a:gd name="connsiteY21" fmla="*/ 2881890 h 3586929"/>
+                  <a:gd name="connsiteX0" fmla="*/ 3125084 w 3314171"/>
+                  <a:gd name="connsiteY0" fmla="*/ 2881890 h 3586929"/>
+                  <a:gd name="connsiteX1" fmla="*/ 1199518 w 3314171"/>
+                  <a:gd name="connsiteY1" fmla="*/ 3397844 h 3586929"/>
+                  <a:gd name="connsiteX2" fmla="*/ 617332 w 3314171"/>
+                  <a:gd name="connsiteY2" fmla="*/ 3061714 h 3586929"/>
+                  <a:gd name="connsiteX3" fmla="*/ 1424464 w 3314171"/>
+                  <a:gd name="connsiteY3" fmla="*/ 2599946 h 3586929"/>
+                  <a:gd name="connsiteX4" fmla="*/ 1525315 w 3314171"/>
+                  <a:gd name="connsiteY4" fmla="*/ 2658172 h 3586929"/>
+                  <a:gd name="connsiteX5" fmla="*/ 2353323 w 3314171"/>
+                  <a:gd name="connsiteY5" fmla="*/ 2436308 h 3586929"/>
+                  <a:gd name="connsiteX6" fmla="*/ 2231095 w 3314171"/>
+                  <a:gd name="connsiteY6" fmla="*/ 1680044 h 3586929"/>
+                  <a:gd name="connsiteX7" fmla="*/ 2141844 w 3314171"/>
+                  <a:gd name="connsiteY7" fmla="*/ 1615778 h 3586929"/>
+                  <a:gd name="connsiteX8" fmla="*/ 954445 w 3314171"/>
+                  <a:gd name="connsiteY8" fmla="*/ 928750 h 3586929"/>
+                  <a:gd name="connsiteX9" fmla="*/ 488742 w 3314171"/>
+                  <a:gd name="connsiteY9" fmla="*/ 859490 h 3586929"/>
+                  <a:gd name="connsiteX10" fmla="*/ 238528 w 3314171"/>
+                  <a:gd name="connsiteY10" fmla="*/ 952828 h 3586929"/>
+                  <a:gd name="connsiteX11" fmla="*/ 0 w 3314171"/>
+                  <a:gd name="connsiteY11" fmla="*/ 1090540 h 3586929"/>
+                  <a:gd name="connsiteX12" fmla="*/ 1 w 3314171"/>
+                  <a:gd name="connsiteY12" fmla="*/ 168486 h 3586929"/>
+                  <a:gd name="connsiteX13" fmla="*/ 2 w 3314171"/>
+                  <a:gd name="connsiteY13" fmla="*/ 168485 h 3586929"/>
+                  <a:gd name="connsiteX14" fmla="*/ 2 w 3314171"/>
+                  <a:gd name="connsiteY14" fmla="*/ 124526 h 3586929"/>
+                  <a:gd name="connsiteX15" fmla="*/ 81752 w 3314171"/>
+                  <a:gd name="connsiteY15" fmla="*/ 89468 h 3586929"/>
+                  <a:gd name="connsiteX16" fmla="*/ 1151778 w 3314171"/>
+                  <a:gd name="connsiteY16" fmla="*/ 123328 h 3586929"/>
+                  <a:gd name="connsiteX17" fmla="*/ 1212290 w 3314171"/>
+                  <a:gd name="connsiteY17" fmla="*/ 154305 h 3586929"/>
+                  <a:gd name="connsiteX18" fmla="*/ 1280231 w 3314171"/>
+                  <a:gd name="connsiteY18" fmla="*/ 189085 h 3586929"/>
+                  <a:gd name="connsiteX19" fmla="*/ 2609131 w 3314171"/>
+                  <a:gd name="connsiteY19" fmla="*/ 956326 h 3586929"/>
+                  <a:gd name="connsiteX20" fmla="*/ 3125084 w 3314171"/>
+                  <a:gd name="connsiteY20" fmla="*/ 2881890 h 3586929"/>
+                </a:gdLst>
+                <a:ahLst/>
+                <a:cxnLst>
+                  <a:cxn ang="0">
+                    <a:pos x="connsiteX0" y="connsiteY0"/>
+                  </a:cxn>
+                  <a:cxn ang="0">
+                    <a:pos x="connsiteX1" y="connsiteY1"/>
+                  </a:cxn>
+                  <a:cxn ang="0">
+                    <a:pos x="connsiteX2" y="connsiteY2"/>
+                  </a:cxn>
+                  <a:cxn ang="0">
+                    <a:pos x="connsiteX3" y="connsiteY3"/>
+                  </a:cxn>
+                  <a:cxn ang="0">
+                    <a:pos x="connsiteX4" y="connsiteY4"/>
+                  </a:cxn>
+                  <a:cxn ang="0">
+                    <a:pos x="connsiteX5" y="connsiteY5"/>
+                  </a:cxn>
+                  <a:cxn ang="0">
+                    <a:pos x="connsiteX6" y="connsiteY6"/>
+                  </a:cxn>
+                  <a:cxn ang="0">
+                    <a:pos x="connsiteX7" y="connsiteY7"/>
+                  </a:cxn>
+                  <a:cxn ang="0">
+                    <a:pos x="connsiteX8" y="connsiteY8"/>
+                  </a:cxn>
+                  <a:cxn ang="0">
+                    <a:pos x="connsiteX9" y="connsiteY9"/>
+                  </a:cxn>
+                  <a:cxn ang="0">
+                    <a:pos x="connsiteX10" y="connsiteY10"/>
+                  </a:cxn>
+                  <a:cxn ang="0">
+                    <a:pos x="connsiteX11" y="connsiteY11"/>
+                  </a:cxn>
+                  <a:cxn ang="0">
+                    <a:pos x="connsiteX12" y="connsiteY12"/>
+                  </a:cxn>
+                  <a:cxn ang="0">
+                    <a:pos x="connsiteX13" y="connsiteY13"/>
+                  </a:cxn>
+                  <a:cxn ang="0">
+                    <a:pos x="connsiteX14" y="connsiteY14"/>
+                  </a:cxn>
+                  <a:cxn ang="0">
+                    <a:pos x="connsiteX15" y="connsiteY15"/>
+                  </a:cxn>
+                  <a:cxn ang="0">
+                    <a:pos x="connsiteX16" y="connsiteY16"/>
+                  </a:cxn>
+                  <a:cxn ang="0">
+                    <a:pos x="connsiteX17" y="connsiteY17"/>
+                  </a:cxn>
+                  <a:cxn ang="0">
+                    <a:pos x="connsiteX18" y="connsiteY18"/>
+                  </a:cxn>
+                  <a:cxn ang="0">
+                    <a:pos x="connsiteX19" y="connsiteY19"/>
+                  </a:cxn>
+                  <a:cxn ang="0">
+                    <a:pos x="connsiteX20" y="connsiteY20"/>
+                  </a:cxn>
+                </a:cxnLst>
+                <a:rect l="l" t="t" r="r" b="b"/>
+                <a:pathLst>
+                  <a:path w="3314171" h="3586929">
+                    <a:moveTo>
+                      <a:pt x="3125084" y="2881890"/>
+                    </a:moveTo>
+                    <a:cubicBezTo>
+                      <a:pt x="2735832" y="3556095"/>
+                      <a:pt x="1873725" y="3787095"/>
+                      <a:pt x="1199518" y="3397844"/>
+                    </a:cubicBezTo>
+                    <a:lnTo>
+                      <a:pt x="617332" y="3061714"/>
+                    </a:lnTo>
+                    <a:lnTo>
+                      <a:pt x="1424464" y="2599946"/>
+                    </a:lnTo>
+                    <a:lnTo>
+                      <a:pt x="1525315" y="2658172"/>
+                    </a:lnTo>
+                    <a:cubicBezTo>
+                      <a:pt x="1815229" y="2825554"/>
+                      <a:pt x="2185941" y="2726222"/>
+                      <a:pt x="2353323" y="2436308"/>
+                    </a:cubicBezTo>
+                    <a:cubicBezTo>
+                      <a:pt x="2499782" y="2182633"/>
+                      <a:pt x="2442039" y="1867098"/>
+                      <a:pt x="2231095" y="1680044"/>
+                    </a:cubicBezTo>
+                    <a:lnTo>
+                      <a:pt x="2141844" y="1615778"/>
+                    </a:lnTo>
+                    <a:lnTo>
+                      <a:pt x="954445" y="928750"/>
+                    </a:lnTo>
+                    <a:cubicBezTo>
+                      <a:pt x="809488" y="845059"/>
+                      <a:pt x="638583" y="819341"/>
+                      <a:pt x="488742" y="859490"/>
+                    </a:cubicBezTo>
+                    <a:cubicBezTo>
+                      <a:pt x="340941" y="883951"/>
+                      <a:pt x="323849" y="924617"/>
+                      <a:pt x="238528" y="952828"/>
+                    </a:cubicBezTo>
+                    <a:lnTo>
+                      <a:pt x="0" y="1090540"/>
+                    </a:lnTo>
+                    <a:cubicBezTo>
+                      <a:pt x="0" y="783189"/>
+                      <a:pt x="1" y="475837"/>
+                      <a:pt x="1" y="168486"/>
+                    </a:cubicBezTo>
+                    <a:lnTo>
+                      <a:pt x="2" y="168485"/>
+                    </a:lnTo>
+                    <a:lnTo>
+                      <a:pt x="2" y="124526"/>
+                    </a:lnTo>
+                    <a:lnTo>
+                      <a:pt x="81752" y="89468"/>
+                    </a:lnTo>
+                    <a:cubicBezTo>
+                      <a:pt x="420016" y="-36788"/>
+                      <a:pt x="804223" y="-32879"/>
+                      <a:pt x="1151778" y="123328"/>
+                    </a:cubicBezTo>
+                    <a:lnTo>
+                      <a:pt x="1212290" y="154305"/>
+                    </a:lnTo>
+                    <a:lnTo>
+                      <a:pt x="1280231" y="189085"/>
+                    </a:lnTo>
+                    <a:lnTo>
+                      <a:pt x="2609131" y="956326"/>
+                    </a:lnTo>
+                    <a:cubicBezTo>
+                      <a:pt x="3283336" y="1345578"/>
+                      <a:pt x="3514337" y="2207685"/>
+                      <a:pt x="3125084" y="2881890"/>
+                    </a:cubicBezTo>
+                    <a:close/>
+                  </a:path>
+                </a:pathLst>
+              </a:custGeom>
+              <a:solidFill>
+                <a:srgbClr val="1181BD"/>
+              </a:solidFill>
+              <a:ln w="63500">
+                <a:noFill/>
+              </a:ln>
+            </p:spPr>
+            <p:style>
+              <a:lnRef idx="2">
+                <a:schemeClr val="accent1">
+                  <a:shade val="50000"/>
+                </a:schemeClr>
+              </a:lnRef>
+              <a:fillRef idx="1">
+                <a:schemeClr val="accent1"/>
+              </a:fillRef>
+              <a:effectRef idx="0">
+                <a:schemeClr val="accent1"/>
+              </a:effectRef>
+              <a:fontRef idx="minor">
+                <a:schemeClr val="lt1"/>
+              </a:fontRef>
+            </p:style>
+            <p:txBody>
+              <a:bodyPr wrap="square" rtlCol="0" anchor="ctr">
+                <a:noAutofit/>
+              </a:bodyPr>
+              <a:lstStyle/>
+              <a:p>
+                <a:pPr algn="ctr"/>
+                <a:endParaRPr lang="sv-SE" dirty="0"/>
+              </a:p>
+            </p:txBody>
+          </p:sp>
+          <p:sp>
+            <p:nvSpPr>
+              <p:cNvPr id="562" name="Frihandsfigur 561">
+                <a:extLst>
+                  <a:ext uri="{FF2B5EF4-FFF2-40B4-BE49-F238E27FC236}">
+                    <a16:creationId xmlns:a16="http://schemas.microsoft.com/office/drawing/2014/main" id="{A246DC05-2416-3449-86C9-9B4E5A1CAC97}"/>
+                  </a:ext>
+                </a:extLst>
+              </p:cNvPr>
+              <p:cNvSpPr/>
+              <p:nvPr/>
+            </p:nvSpPr>
+            <p:spPr>
+              <a:xfrm rot="2211245">
+                <a:off x="6329645" y="3332840"/>
+                <a:ext cx="1082491" cy="264985"/>
+              </a:xfrm>
+              <a:custGeom>
+                <a:avLst/>
+                <a:gdLst>
+                  <a:gd name="connsiteX0" fmla="*/ 0 w 1082491"/>
+                  <a:gd name="connsiteY0" fmla="*/ 115284 h 264985"/>
+                  <a:gd name="connsiteX1" fmla="*/ 915465 w 1082491"/>
+                  <a:gd name="connsiteY1" fmla="*/ 5246 h 264985"/>
+                  <a:gd name="connsiteX2" fmla="*/ 915465 w 1082491"/>
+                  <a:gd name="connsiteY2" fmla="*/ 5246 h 264985"/>
+                  <a:gd name="connsiteX3" fmla="*/ 959110 w 1082491"/>
+                  <a:gd name="connsiteY3" fmla="*/ 0 h 264985"/>
+                  <a:gd name="connsiteX4" fmla="*/ 1003674 w 1082491"/>
+                  <a:gd name="connsiteY4" fmla="*/ 76982 h 264985"/>
+                  <a:gd name="connsiteX5" fmla="*/ 1059957 w 1082491"/>
+                  <a:gd name="connsiteY5" fmla="*/ 199985 h 264985"/>
+                  <a:gd name="connsiteX6" fmla="*/ 1082491 w 1082491"/>
+                  <a:gd name="connsiteY6" fmla="*/ 264985 h 264985"/>
+                  <a:gd name="connsiteX7" fmla="*/ 112210 w 1082491"/>
+                  <a:gd name="connsiteY7" fmla="*/ 264985 h 264985"/>
+                  <a:gd name="connsiteX8" fmla="*/ 0 w 1082491"/>
+                  <a:gd name="connsiteY8" fmla="*/ 115284 h 264985"/>
+                </a:gdLst>
+                <a:ahLst/>
+                <a:cxnLst>
+                  <a:cxn ang="0">
+                    <a:pos x="connsiteX0" y="connsiteY0"/>
+                  </a:cxn>
+                  <a:cxn ang="0">
+                    <a:pos x="connsiteX1" y="connsiteY1"/>
+                  </a:cxn>
+                  <a:cxn ang="0">
+                    <a:pos x="connsiteX2" y="connsiteY2"/>
+                  </a:cxn>
+                  <a:cxn ang="0">
+                    <a:pos x="connsiteX3" y="connsiteY3"/>
+                  </a:cxn>
+                  <a:cxn ang="0">
+                    <a:pos x="connsiteX4" y="connsiteY4"/>
+                  </a:cxn>
+                  <a:cxn ang="0">
+                    <a:pos x="connsiteX5" y="connsiteY5"/>
+                  </a:cxn>
+                  <a:cxn ang="0">
+                    <a:pos x="connsiteX6" y="connsiteY6"/>
+                  </a:cxn>
+                  <a:cxn ang="0">
+                    <a:pos x="connsiteX7" y="connsiteY7"/>
+                  </a:cxn>
+                  <a:cxn ang="0">
+                    <a:pos x="connsiteX8" y="connsiteY8"/>
+                  </a:cxn>
+                </a:cxnLst>
+                <a:rect l="l" t="t" r="r" b="b"/>
+                <a:pathLst>
+                  <a:path w="1082491" h="264985">
+                    <a:moveTo>
+                      <a:pt x="0" y="115284"/>
+                    </a:moveTo>
+                    <a:cubicBezTo>
+                      <a:pt x="305154" y="78603"/>
+                      <a:pt x="610310" y="41925"/>
+                      <a:pt x="915465" y="5246"/>
+                    </a:cubicBezTo>
+                    <a:lnTo>
+                      <a:pt x="915465" y="5246"/>
+                    </a:lnTo>
+                    <a:lnTo>
+                      <a:pt x="959110" y="0"/>
+                    </a:lnTo>
+                    <a:lnTo>
+                      <a:pt x="1003674" y="76982"/>
+                    </a:lnTo>
+                    <a:cubicBezTo>
+                      <a:pt x="1024389" y="117079"/>
+                      <a:pt x="1043171" y="158132"/>
+                      <a:pt x="1059957" y="199985"/>
+                    </a:cubicBezTo>
+                    <a:lnTo>
+                      <a:pt x="1082491" y="264985"/>
+                    </a:lnTo>
+                    <a:lnTo>
+                      <a:pt x="112210" y="264985"/>
+                    </a:lnTo>
+                    <a:lnTo>
+                      <a:pt x="0" y="115284"/>
+                    </a:lnTo>
+                    <a:close/>
+                  </a:path>
+                </a:pathLst>
+              </a:custGeom>
+              <a:solidFill>
+                <a:schemeClr val="tx1">
+                  <a:alpha val="36436"/>
+                </a:schemeClr>
+              </a:solidFill>
+              <a:ln>
+                <a:noFill/>
+              </a:ln>
+            </p:spPr>
+            <p:style>
+              <a:lnRef idx="2">
+                <a:schemeClr val="accent1">
+                  <a:shade val="50000"/>
+                </a:schemeClr>
+              </a:lnRef>
+              <a:fillRef idx="1">
+                <a:schemeClr val="accent1"/>
+              </a:fillRef>
+              <a:effectRef idx="0">
+                <a:schemeClr val="accent1"/>
+              </a:effectRef>
+              <a:fontRef idx="minor">
+                <a:schemeClr val="lt1"/>
+              </a:fontRef>
+            </p:style>
+            <p:txBody>
+              <a:bodyPr rtlCol="0" anchor="ctr"/>
+              <a:lstStyle/>
+              <a:p>
+                <a:pPr algn="ctr"/>
+                <a:endParaRPr lang="sv-SE"/>
+              </a:p>
+            </p:txBody>
+          </p:sp>
+          <p:sp>
+            <p:nvSpPr>
+              <p:cNvPr id="563" name="Frihandsfigur 562">
+                <a:extLst>
+                  <a:ext uri="{FF2B5EF4-FFF2-40B4-BE49-F238E27FC236}">
+                    <a16:creationId xmlns:a16="http://schemas.microsoft.com/office/drawing/2014/main" id="{5A1B3ACD-4973-5141-AE46-5076D27B0B35}"/>
+                  </a:ext>
+                </a:extLst>
+              </p:cNvPr>
+              <p:cNvSpPr/>
+              <p:nvPr/>
+            </p:nvSpPr>
+            <p:spPr>
+              <a:xfrm rot="9406371">
+                <a:off x="4801232" y="4256298"/>
+                <a:ext cx="1082491" cy="264985"/>
+              </a:xfrm>
+              <a:custGeom>
+                <a:avLst/>
+                <a:gdLst>
+                  <a:gd name="connsiteX0" fmla="*/ 0 w 1082491"/>
+                  <a:gd name="connsiteY0" fmla="*/ 115284 h 264985"/>
+                  <a:gd name="connsiteX1" fmla="*/ 915465 w 1082491"/>
+                  <a:gd name="connsiteY1" fmla="*/ 5246 h 264985"/>
+                  <a:gd name="connsiteX2" fmla="*/ 915465 w 1082491"/>
+                  <a:gd name="connsiteY2" fmla="*/ 5246 h 264985"/>
+                  <a:gd name="connsiteX3" fmla="*/ 959110 w 1082491"/>
+                  <a:gd name="connsiteY3" fmla="*/ 0 h 264985"/>
+                  <a:gd name="connsiteX4" fmla="*/ 1003674 w 1082491"/>
+                  <a:gd name="connsiteY4" fmla="*/ 76982 h 264985"/>
+                  <a:gd name="connsiteX5" fmla="*/ 1059957 w 1082491"/>
+                  <a:gd name="connsiteY5" fmla="*/ 199985 h 264985"/>
+                  <a:gd name="connsiteX6" fmla="*/ 1082491 w 1082491"/>
+                  <a:gd name="connsiteY6" fmla="*/ 264985 h 264985"/>
+                  <a:gd name="connsiteX7" fmla="*/ 112210 w 1082491"/>
+                  <a:gd name="connsiteY7" fmla="*/ 264985 h 264985"/>
+                  <a:gd name="connsiteX8" fmla="*/ 0 w 1082491"/>
+                  <a:gd name="connsiteY8" fmla="*/ 115284 h 264985"/>
+                </a:gdLst>
+                <a:ahLst/>
+                <a:cxnLst>
+                  <a:cxn ang="0">
+                    <a:pos x="connsiteX0" y="connsiteY0"/>
+                  </a:cxn>
+                  <a:cxn ang="0">
+                    <a:pos x="connsiteX1" y="connsiteY1"/>
+                  </a:cxn>
+                  <a:cxn ang="0">
+                    <a:pos x="connsiteX2" y="connsiteY2"/>
+                  </a:cxn>
+                  <a:cxn ang="0">
+                    <a:pos x="connsiteX3" y="connsiteY3"/>
+                  </a:cxn>
+                  <a:cxn ang="0">
+                    <a:pos x="connsiteX4" y="connsiteY4"/>
+                  </a:cxn>
+                  <a:cxn ang="0">
+                    <a:pos x="connsiteX5" y="connsiteY5"/>
+                  </a:cxn>
+                  <a:cxn ang="0">
+                    <a:pos x="connsiteX6" y="connsiteY6"/>
+                  </a:cxn>
+                  <a:cxn ang="0">
+                    <a:pos x="connsiteX7" y="connsiteY7"/>
+                  </a:cxn>
+                  <a:cxn ang="0">
+                    <a:pos x="connsiteX8" y="connsiteY8"/>
+                  </a:cxn>
+                </a:cxnLst>
+                <a:rect l="l" t="t" r="r" b="b"/>
+                <a:pathLst>
+                  <a:path w="1082491" h="264985">
+                    <a:moveTo>
+                      <a:pt x="0" y="115284"/>
+                    </a:moveTo>
+                    <a:cubicBezTo>
+                      <a:pt x="305154" y="78603"/>
+                      <a:pt x="610310" y="41925"/>
+                      <a:pt x="915465" y="5246"/>
+                    </a:cubicBezTo>
+                    <a:lnTo>
+                      <a:pt x="915465" y="5246"/>
+                    </a:lnTo>
+                    <a:lnTo>
+                      <a:pt x="959110" y="0"/>
+                    </a:lnTo>
+                    <a:lnTo>
+                      <a:pt x="1003674" y="76982"/>
+                    </a:lnTo>
+                    <a:cubicBezTo>
+                      <a:pt x="1024389" y="117079"/>
+                      <a:pt x="1043171" y="158132"/>
+                      <a:pt x="1059957" y="199985"/>
+                    </a:cubicBezTo>
+                    <a:lnTo>
+                      <a:pt x="1082491" y="264985"/>
+                    </a:lnTo>
+                    <a:lnTo>
+                      <a:pt x="112210" y="264985"/>
+                    </a:lnTo>
+                    <a:lnTo>
+                      <a:pt x="0" y="115284"/>
+                    </a:lnTo>
+                    <a:close/>
+                  </a:path>
+                </a:pathLst>
+              </a:custGeom>
+              <a:solidFill>
+                <a:schemeClr val="tx1">
+                  <a:alpha val="36436"/>
+                </a:schemeClr>
+              </a:solidFill>
+              <a:ln>
+                <a:noFill/>
+              </a:ln>
+            </p:spPr>
+            <p:style>
+              <a:lnRef idx="2">
+                <a:schemeClr val="accent1">
+                  <a:shade val="50000"/>
+                </a:schemeClr>
+              </a:lnRef>
+              <a:fillRef idx="1">
+                <a:schemeClr val="accent1"/>
+              </a:fillRef>
+              <a:effectRef idx="0">
+                <a:schemeClr val="accent1"/>
+              </a:effectRef>
+              <a:fontRef idx="minor">
+                <a:schemeClr val="lt1"/>
+              </a:fontRef>
+            </p:style>
+            <p:txBody>
+              <a:bodyPr rtlCol="0" anchor="ctr"/>
+              <a:lstStyle/>
+              <a:p>
+                <a:pPr algn="ctr"/>
+                <a:endParaRPr lang="sv-SE"/>
+              </a:p>
+            </p:txBody>
+          </p:sp>
+          <p:sp>
+            <p:nvSpPr>
+              <p:cNvPr id="564" name="Frihandsfigur 563">
+                <a:extLst>
+                  <a:ext uri="{FF2B5EF4-FFF2-40B4-BE49-F238E27FC236}">
+                    <a16:creationId xmlns:a16="http://schemas.microsoft.com/office/drawing/2014/main" id="{7B14B346-F190-4B4B-8F25-C51CFB28D02A}"/>
+                  </a:ext>
+                </a:extLst>
+              </p:cNvPr>
+              <p:cNvSpPr/>
+              <p:nvPr/>
+            </p:nvSpPr>
+            <p:spPr>
+              <a:xfrm rot="16604942">
+                <a:off x="4760064" y="2465730"/>
+                <a:ext cx="1082491" cy="264985"/>
+              </a:xfrm>
+              <a:custGeom>
+                <a:avLst/>
+                <a:gdLst>
+                  <a:gd name="connsiteX0" fmla="*/ 0 w 1082491"/>
+                  <a:gd name="connsiteY0" fmla="*/ 115284 h 264985"/>
+                  <a:gd name="connsiteX1" fmla="*/ 915465 w 1082491"/>
+                  <a:gd name="connsiteY1" fmla="*/ 5246 h 264985"/>
+                  <a:gd name="connsiteX2" fmla="*/ 915465 w 1082491"/>
+                  <a:gd name="connsiteY2" fmla="*/ 5246 h 264985"/>
+                  <a:gd name="connsiteX3" fmla="*/ 959110 w 1082491"/>
+                  <a:gd name="connsiteY3" fmla="*/ 0 h 264985"/>
+                  <a:gd name="connsiteX4" fmla="*/ 1003674 w 1082491"/>
+                  <a:gd name="connsiteY4" fmla="*/ 76982 h 264985"/>
+                  <a:gd name="connsiteX5" fmla="*/ 1059957 w 1082491"/>
+                  <a:gd name="connsiteY5" fmla="*/ 199985 h 264985"/>
+                  <a:gd name="connsiteX6" fmla="*/ 1082491 w 1082491"/>
+                  <a:gd name="connsiteY6" fmla="*/ 264985 h 264985"/>
+                  <a:gd name="connsiteX7" fmla="*/ 112210 w 1082491"/>
+                  <a:gd name="connsiteY7" fmla="*/ 264985 h 264985"/>
+                  <a:gd name="connsiteX8" fmla="*/ 0 w 1082491"/>
+                  <a:gd name="connsiteY8" fmla="*/ 115284 h 264985"/>
+                </a:gdLst>
+                <a:ahLst/>
+                <a:cxnLst>
+                  <a:cxn ang="0">
+                    <a:pos x="connsiteX0" y="connsiteY0"/>
+                  </a:cxn>
+                  <a:cxn ang="0">
+                    <a:pos x="connsiteX1" y="connsiteY1"/>
+                  </a:cxn>
+                  <a:cxn ang="0">
+                    <a:pos x="connsiteX2" y="connsiteY2"/>
+                  </a:cxn>
+                  <a:cxn ang="0">
+                    <a:pos x="connsiteX3" y="connsiteY3"/>
+                  </a:cxn>
+                  <a:cxn ang="0">
+                    <a:pos x="connsiteX4" y="connsiteY4"/>
+                  </a:cxn>
+                  <a:cxn ang="0">
+                    <a:pos x="connsiteX5" y="connsiteY5"/>
+                  </a:cxn>
+                  <a:cxn ang="0">
+                    <a:pos x="connsiteX6" y="connsiteY6"/>
+                  </a:cxn>
+                  <a:cxn ang="0">
+                    <a:pos x="connsiteX7" y="connsiteY7"/>
+                  </a:cxn>
+                  <a:cxn ang="0">
+                    <a:pos x="connsiteX8" y="connsiteY8"/>
+                  </a:cxn>
+                </a:cxnLst>
+                <a:rect l="l" t="t" r="r" b="b"/>
+                <a:pathLst>
+                  <a:path w="1082491" h="264985">
+                    <a:moveTo>
+                      <a:pt x="0" y="115284"/>
+                    </a:moveTo>
+                    <a:cubicBezTo>
+                      <a:pt x="305154" y="78603"/>
+                      <a:pt x="610310" y="41925"/>
+                      <a:pt x="915465" y="5246"/>
+                    </a:cubicBezTo>
+                    <a:lnTo>
+                      <a:pt x="915465" y="5246"/>
+                    </a:lnTo>
+                    <a:lnTo>
+                      <a:pt x="959110" y="0"/>
+                    </a:lnTo>
+                    <a:lnTo>
+                      <a:pt x="1003674" y="76982"/>
+                    </a:lnTo>
+                    <a:cubicBezTo>
+                      <a:pt x="1024389" y="117079"/>
+                      <a:pt x="1043171" y="158132"/>
+                      <a:pt x="1059957" y="199985"/>
+                    </a:cubicBezTo>
+                    <a:lnTo>
+                      <a:pt x="1082491" y="264985"/>
+                    </a:lnTo>
+                    <a:lnTo>
+                      <a:pt x="112210" y="264985"/>
+                    </a:lnTo>
+                    <a:lnTo>
+                      <a:pt x="0" y="115284"/>
+                    </a:lnTo>
+                    <a:close/>
+                  </a:path>
+                </a:pathLst>
+              </a:custGeom>
+              <a:solidFill>
+                <a:schemeClr val="tx1">
+                  <a:alpha val="36436"/>
+                </a:schemeClr>
+              </a:solidFill>
+              <a:ln>
+                <a:noFill/>
+              </a:ln>
+            </p:spPr>
+            <p:style>
+              <a:lnRef idx="2">
+                <a:schemeClr val="accent1">
+                  <a:shade val="50000"/>
+                </a:schemeClr>
+              </a:lnRef>
+              <a:fillRef idx="1">
+                <a:schemeClr val="accent1"/>
+              </a:fillRef>
+              <a:effectRef idx="0">
+                <a:schemeClr val="accent1"/>
+              </a:effectRef>
+              <a:fontRef idx="minor">
+                <a:schemeClr val="lt1"/>
+              </a:fontRef>
+            </p:style>
+            <p:txBody>
+              <a:bodyPr rtlCol="0" anchor="ctr"/>
+              <a:lstStyle/>
+              <a:p>
+                <a:pPr algn="ctr"/>
+                <a:endParaRPr lang="sv-SE"/>
+              </a:p>
+            </p:txBody>
+          </p:sp>
+        </p:grpSp>
+      </p:grpSp>
+      <p:grpSp>
+        <p:nvGrpSpPr>
+          <p:cNvPr id="596" name="Grupp 595">
+            <a:extLst>
+              <a:ext uri="{FF2B5EF4-FFF2-40B4-BE49-F238E27FC236}">
+                <a16:creationId xmlns:a16="http://schemas.microsoft.com/office/drawing/2014/main" id="{2106EC10-314C-F64C-934D-BD031A5D4FB1}"/>
+              </a:ext>
+            </a:extLst>
+          </p:cNvPr>
+          <p:cNvGrpSpPr/>
+          <p:nvPr/>
+        </p:nvGrpSpPr>
+        <p:grpSpPr>
+          <a:xfrm>
+            <a:off x="4677934" y="2856413"/>
+            <a:ext cx="2016522" cy="2329621"/>
+            <a:chOff x="5134739" y="3599569"/>
+            <a:chExt cx="2016522" cy="2329621"/>
+          </a:xfrm>
+        </p:grpSpPr>
+        <p:sp>
+          <p:nvSpPr>
+            <p:cNvPr id="597" name="Hexagon 42">
+              <a:extLst>
+                <a:ext uri="{FF2B5EF4-FFF2-40B4-BE49-F238E27FC236}">
+                  <a16:creationId xmlns:a16="http://schemas.microsoft.com/office/drawing/2014/main" id="{827337AA-3CFF-6445-B627-7838882329CD}"/>
+                </a:ext>
+              </a:extLst>
+            </p:cNvPr>
+            <p:cNvSpPr/>
+            <p:nvPr/>
+          </p:nvSpPr>
+          <p:spPr>
+            <a:xfrm rot="5400000">
+              <a:off x="4978189" y="3756119"/>
+              <a:ext cx="2329621" cy="2016522"/>
+            </a:xfrm>
+            <a:prstGeom prst="hexagon">
+              <a:avLst>
+                <a:gd name="adj" fmla="val 29001"/>
+                <a:gd name="vf" fmla="val 115470"/>
+              </a:avLst>
+            </a:prstGeom>
+            <a:solidFill>
+              <a:srgbClr val="231437"/>
+            </a:solidFill>
+            <a:ln w="12700" cap="rnd">
+              <a:noFill/>
+              <a:miter lim="800000"/>
+            </a:ln>
+          </p:spPr>
+          <p:style>
+            <a:lnRef idx="2">
+              <a:schemeClr val="accent1">
+                <a:shade val="50000"/>
+              </a:schemeClr>
+            </a:lnRef>
+            <a:fillRef idx="1">
+              <a:schemeClr val="accent1"/>
+            </a:fillRef>
+            <a:effectRef idx="0">
+              <a:schemeClr val="accent1"/>
+            </a:effectRef>
+            <a:fontRef idx="minor">
+              <a:schemeClr val="lt1"/>
+            </a:fontRef>
+          </p:style>
+          <p:txBody>
+            <a:bodyPr rtlCol="0" anchor="ctr"/>
+            <a:lstStyle/>
+            <a:p>
+              <a:pPr algn="ctr"/>
+              <a:endParaRPr lang="sv-SE" dirty="0"/>
+            </a:p>
+          </p:txBody>
+        </p:sp>
+        <p:grpSp>
+          <p:nvGrpSpPr>
+            <p:cNvPr id="598" name="Grupp 597">
+              <a:extLst>
+                <a:ext uri="{FF2B5EF4-FFF2-40B4-BE49-F238E27FC236}">
+                  <a16:creationId xmlns:a16="http://schemas.microsoft.com/office/drawing/2014/main" id="{50B23488-9082-E442-8332-347BFFB68ABE}"/>
+                </a:ext>
+              </a:extLst>
+            </p:cNvPr>
+            <p:cNvGrpSpPr/>
+            <p:nvPr/>
+          </p:nvGrpSpPr>
+          <p:grpSpPr>
+            <a:xfrm>
+              <a:off x="5281586" y="3842016"/>
+              <a:ext cx="1721001" cy="1951163"/>
+              <a:chOff x="4589581" y="2532881"/>
+              <a:chExt cx="1721001" cy="1951163"/>
+            </a:xfrm>
+          </p:grpSpPr>
+          <p:sp>
+            <p:nvSpPr>
+              <p:cNvPr id="611" name="Freeform 33">
+                <a:extLst>
+                  <a:ext uri="{FF2B5EF4-FFF2-40B4-BE49-F238E27FC236}">
+                    <a16:creationId xmlns:a16="http://schemas.microsoft.com/office/drawing/2014/main" id="{4D297D67-B58B-5348-A160-54CD5DAACDE4}"/>
+                  </a:ext>
+                </a:extLst>
+              </p:cNvPr>
+              <p:cNvSpPr/>
+              <p:nvPr/>
+            </p:nvSpPr>
+            <p:spPr>
+              <a:xfrm rot="9000000">
+                <a:off x="4589581" y="2887080"/>
+                <a:ext cx="922364" cy="1596964"/>
+              </a:xfrm>
+              <a:custGeom>
+                <a:avLst/>
+                <a:gdLst>
+                  <a:gd name="connsiteX0" fmla="*/ 0 w 2013626"/>
+                  <a:gd name="connsiteY0" fmla="*/ 1735884 h 3471768"/>
+                  <a:gd name="connsiteX1" fmla="*/ 1006813 w 2013626"/>
+                  <a:gd name="connsiteY1" fmla="*/ 0 h 3471768"/>
+                  <a:gd name="connsiteX2" fmla="*/ 2013626 w 2013626"/>
+                  <a:gd name="connsiteY2" fmla="*/ 1735884 h 3471768"/>
+                  <a:gd name="connsiteX3" fmla="*/ 1006813 w 2013626"/>
+                  <a:gd name="connsiteY3" fmla="*/ 3471768 h 3471768"/>
+                </a:gdLst>
+                <a:ahLst/>
+                <a:cxnLst>
+                  <a:cxn ang="0">
+                    <a:pos x="connsiteX0" y="connsiteY0"/>
+                  </a:cxn>
+                  <a:cxn ang="0">
+                    <a:pos x="connsiteX1" y="connsiteY1"/>
+                  </a:cxn>
+                  <a:cxn ang="0">
+                    <a:pos x="connsiteX2" y="connsiteY2"/>
+                  </a:cxn>
+                  <a:cxn ang="0">
+                    <a:pos x="connsiteX3" y="connsiteY3"/>
+                  </a:cxn>
+                </a:cxnLst>
+                <a:rect l="l" t="t" r="r" b="b"/>
+                <a:pathLst>
+                  <a:path w="2013626" h="3471768">
+                    <a:moveTo>
+                      <a:pt x="0" y="1735884"/>
+                    </a:moveTo>
+                    <a:lnTo>
+                      <a:pt x="1006813" y="0"/>
+                    </a:lnTo>
+                    <a:lnTo>
+                      <a:pt x="2013626" y="1735884"/>
+                    </a:lnTo>
+                    <a:lnTo>
+                      <a:pt x="1006813" y="3471768"/>
+                    </a:lnTo>
+                    <a:close/>
+                  </a:path>
+                </a:pathLst>
+              </a:custGeom>
+              <a:solidFill>
+                <a:srgbClr val="8B42C7"/>
+              </a:solidFill>
+              <a:ln cap="rnd">
+                <a:noFill/>
+                <a:round/>
+              </a:ln>
+            </p:spPr>
+            <p:style>
+              <a:lnRef idx="2">
+                <a:schemeClr val="accent1">
+                  <a:shade val="50000"/>
+                </a:schemeClr>
+              </a:lnRef>
+              <a:fillRef idx="1">
+                <a:schemeClr val="accent1"/>
+              </a:fillRef>
+              <a:effectRef idx="0">
+                <a:schemeClr val="accent1"/>
+              </a:effectRef>
+              <a:fontRef idx="minor">
+                <a:schemeClr val="lt1"/>
+              </a:fontRef>
+            </p:style>
+            <p:txBody>
+              <a:bodyPr rtlCol="0" anchor="ctr"/>
+              <a:lstStyle/>
+              <a:p>
+                <a:pPr algn="ctr"/>
+                <a:endParaRPr lang="sv-SE" dirty="0"/>
+              </a:p>
+            </p:txBody>
+          </p:sp>
+          <p:sp>
+            <p:nvSpPr>
+              <p:cNvPr id="612" name="Freeform 34">
+                <a:extLst>
+                  <a:ext uri="{FF2B5EF4-FFF2-40B4-BE49-F238E27FC236}">
+                    <a16:creationId xmlns:a16="http://schemas.microsoft.com/office/drawing/2014/main" id="{1CFCA081-A972-9D48-B9DD-3A10CBDA6F78}"/>
+                  </a:ext>
+                </a:extLst>
+              </p:cNvPr>
+              <p:cNvSpPr/>
+              <p:nvPr/>
+            </p:nvSpPr>
+            <p:spPr>
+              <a:xfrm rot="12600000" flipH="1">
+                <a:off x="5388218" y="2887080"/>
+                <a:ext cx="922364" cy="1596964"/>
+              </a:xfrm>
+              <a:custGeom>
+                <a:avLst/>
+                <a:gdLst>
+                  <a:gd name="connsiteX0" fmla="*/ 0 w 2013626"/>
+                  <a:gd name="connsiteY0" fmla="*/ 1735884 h 3471768"/>
+                  <a:gd name="connsiteX1" fmla="*/ 1006813 w 2013626"/>
+                  <a:gd name="connsiteY1" fmla="*/ 0 h 3471768"/>
+                  <a:gd name="connsiteX2" fmla="*/ 2013626 w 2013626"/>
+                  <a:gd name="connsiteY2" fmla="*/ 1735884 h 3471768"/>
+                  <a:gd name="connsiteX3" fmla="*/ 1006813 w 2013626"/>
+                  <a:gd name="connsiteY3" fmla="*/ 3471768 h 3471768"/>
+                </a:gdLst>
+                <a:ahLst/>
+                <a:cxnLst>
+                  <a:cxn ang="0">
+                    <a:pos x="connsiteX0" y="connsiteY0"/>
+                  </a:cxn>
+                  <a:cxn ang="0">
+                    <a:pos x="connsiteX1" y="connsiteY1"/>
+                  </a:cxn>
+                  <a:cxn ang="0">
+                    <a:pos x="connsiteX2" y="connsiteY2"/>
+                  </a:cxn>
+                  <a:cxn ang="0">
+                    <a:pos x="connsiteX3" y="connsiteY3"/>
+                  </a:cxn>
+                </a:cxnLst>
+                <a:rect l="l" t="t" r="r" b="b"/>
+                <a:pathLst>
+                  <a:path w="2013626" h="3471768">
+                    <a:moveTo>
+                      <a:pt x="0" y="1735884"/>
+                    </a:moveTo>
+                    <a:lnTo>
+                      <a:pt x="1006813" y="0"/>
+                    </a:lnTo>
+                    <a:lnTo>
+                      <a:pt x="2013626" y="1735884"/>
+                    </a:lnTo>
+                    <a:lnTo>
+                      <a:pt x="1006813" y="3471768"/>
+                    </a:lnTo>
+                    <a:close/>
+                  </a:path>
+                </a:pathLst>
+              </a:custGeom>
+              <a:solidFill>
+                <a:srgbClr val="7030A0"/>
+              </a:solidFill>
+              <a:ln cap="rnd">
+                <a:noFill/>
+                <a:round/>
+              </a:ln>
+            </p:spPr>
+            <p:style>
+              <a:lnRef idx="2">
+                <a:schemeClr val="accent1">
+                  <a:shade val="50000"/>
+                </a:schemeClr>
+              </a:lnRef>
+              <a:fillRef idx="1">
+                <a:schemeClr val="accent1"/>
+              </a:fillRef>
+              <a:effectRef idx="0">
+                <a:schemeClr val="accent1"/>
+              </a:effectRef>
+              <a:fontRef idx="minor">
+                <a:schemeClr val="lt1"/>
+              </a:fontRef>
+            </p:style>
+            <p:txBody>
+              <a:bodyPr rtlCol="0" anchor="ctr"/>
+              <a:lstStyle/>
+              <a:p>
+                <a:pPr algn="ctr"/>
+                <a:endParaRPr lang="sv-SE" dirty="0"/>
+              </a:p>
+            </p:txBody>
+          </p:sp>
+          <p:sp>
+            <p:nvSpPr>
+              <p:cNvPr id="613" name="Freeform 35">
+                <a:extLst>
+                  <a:ext uri="{FF2B5EF4-FFF2-40B4-BE49-F238E27FC236}">
+                    <a16:creationId xmlns:a16="http://schemas.microsoft.com/office/drawing/2014/main" id="{BFE11022-EB62-5445-8B5D-E9B4C0F8BE4C}"/>
+                  </a:ext>
+                </a:extLst>
+              </p:cNvPr>
+              <p:cNvSpPr/>
+              <p:nvPr/>
+            </p:nvSpPr>
+            <p:spPr>
+              <a:xfrm rot="5400000">
+                <a:off x="4989814" y="2195895"/>
+                <a:ext cx="922363" cy="1596336"/>
+              </a:xfrm>
+              <a:custGeom>
+                <a:avLst/>
+                <a:gdLst>
+                  <a:gd name="connsiteX0" fmla="*/ 0 w 2013626"/>
+                  <a:gd name="connsiteY0" fmla="*/ 1735884 h 3471768"/>
+                  <a:gd name="connsiteX1" fmla="*/ 1006813 w 2013626"/>
+                  <a:gd name="connsiteY1" fmla="*/ 0 h 3471768"/>
+                  <a:gd name="connsiteX2" fmla="*/ 2013626 w 2013626"/>
+                  <a:gd name="connsiteY2" fmla="*/ 1735884 h 3471768"/>
+                  <a:gd name="connsiteX3" fmla="*/ 1006813 w 2013626"/>
+                  <a:gd name="connsiteY3" fmla="*/ 3471768 h 3471768"/>
+                </a:gdLst>
+                <a:ahLst/>
+                <a:cxnLst>
+                  <a:cxn ang="0">
+                    <a:pos x="connsiteX0" y="connsiteY0"/>
+                  </a:cxn>
+                  <a:cxn ang="0">
+                    <a:pos x="connsiteX1" y="connsiteY1"/>
+                  </a:cxn>
+                  <a:cxn ang="0">
+                    <a:pos x="connsiteX2" y="connsiteY2"/>
+                  </a:cxn>
+                  <a:cxn ang="0">
+                    <a:pos x="connsiteX3" y="connsiteY3"/>
+                  </a:cxn>
+                </a:cxnLst>
+                <a:rect l="l" t="t" r="r" b="b"/>
+                <a:pathLst>
+                  <a:path w="2013626" h="3471768">
+                    <a:moveTo>
+                      <a:pt x="0" y="1735884"/>
+                    </a:moveTo>
+                    <a:lnTo>
+                      <a:pt x="1006813" y="0"/>
+                    </a:lnTo>
+                    <a:lnTo>
+                      <a:pt x="2013626" y="1735884"/>
+                    </a:lnTo>
+                    <a:lnTo>
+                      <a:pt x="1006813" y="3471768"/>
+                    </a:lnTo>
+                    <a:close/>
+                  </a:path>
+                </a:pathLst>
+              </a:custGeom>
+              <a:solidFill>
+                <a:srgbClr val="B07CF2"/>
+              </a:solidFill>
+              <a:ln cap="rnd">
+                <a:noFill/>
+                <a:round/>
+              </a:ln>
+            </p:spPr>
+            <p:style>
+              <a:lnRef idx="2">
+                <a:schemeClr val="accent1">
+                  <a:shade val="50000"/>
+                </a:schemeClr>
+              </a:lnRef>
+              <a:fillRef idx="1">
+                <a:schemeClr val="accent1"/>
+              </a:fillRef>
+              <a:effectRef idx="0">
+                <a:schemeClr val="accent1"/>
+              </a:effectRef>
+              <a:fontRef idx="minor">
+                <a:schemeClr val="lt1"/>
+              </a:fontRef>
+            </p:style>
+            <p:txBody>
+              <a:bodyPr rtlCol="0" anchor="ctr"/>
+              <a:lstStyle/>
+              <a:p>
+                <a:pPr algn="ctr"/>
+                <a:endParaRPr lang="sv-SE" dirty="0"/>
+              </a:p>
+            </p:txBody>
+          </p:sp>
+        </p:grpSp>
+        <p:sp>
+          <p:nvSpPr>
+            <p:cNvPr id="599" name="Hexagon 66">
+              <a:extLst>
+                <a:ext uri="{FF2B5EF4-FFF2-40B4-BE49-F238E27FC236}">
+                  <a16:creationId xmlns:a16="http://schemas.microsoft.com/office/drawing/2014/main" id="{2510027F-A677-3D45-83F8-88B2FB6EA869}"/>
+                </a:ext>
+              </a:extLst>
+            </p:cNvPr>
+            <p:cNvSpPr/>
+            <p:nvPr/>
+          </p:nvSpPr>
+          <p:spPr>
+            <a:xfrm rot="5400000">
+              <a:off x="5242084" y="3982941"/>
+              <a:ext cx="1801827" cy="1557475"/>
+            </a:xfrm>
+            <a:prstGeom prst="hexagon">
+              <a:avLst>
+                <a:gd name="adj" fmla="val 29001"/>
+                <a:gd name="vf" fmla="val 115470"/>
+              </a:avLst>
+            </a:prstGeom>
+            <a:noFill/>
+            <a:ln w="95250" cap="rnd">
+              <a:solidFill>
+                <a:schemeClr val="bg1"/>
+              </a:solidFill>
+              <a:round/>
+            </a:ln>
+          </p:spPr>
+          <p:style>
+            <a:lnRef idx="2">
+              <a:schemeClr val="accent1">
+                <a:shade val="50000"/>
+              </a:schemeClr>
+            </a:lnRef>
+            <a:fillRef idx="1">
+              <a:schemeClr val="accent1"/>
+            </a:fillRef>
+            <a:effectRef idx="0">
+              <a:schemeClr val="accent1"/>
+            </a:effectRef>
+            <a:fontRef idx="minor">
+              <a:schemeClr val="lt1"/>
+            </a:fontRef>
+          </p:style>
+          <p:txBody>
+            <a:bodyPr rtlCol="0" anchor="ctr"/>
+            <a:lstStyle/>
+            <a:p>
+              <a:pPr algn="ctr"/>
+              <a:endParaRPr lang="sv-SE" dirty="0"/>
+            </a:p>
+          </p:txBody>
+        </p:sp>
+        <p:grpSp>
+          <p:nvGrpSpPr>
+            <p:cNvPr id="600" name="Grupp 599">
+              <a:extLst>
+                <a:ext uri="{FF2B5EF4-FFF2-40B4-BE49-F238E27FC236}">
+                  <a16:creationId xmlns:a16="http://schemas.microsoft.com/office/drawing/2014/main" id="{D13FE531-05F1-454F-BB3A-EE08F9D0CA9D}"/>
+                </a:ext>
+              </a:extLst>
+            </p:cNvPr>
+            <p:cNvGrpSpPr/>
+            <p:nvPr/>
+          </p:nvGrpSpPr>
+          <p:grpSpPr>
+            <a:xfrm>
+              <a:off x="5685015" y="4303198"/>
+              <a:ext cx="915964" cy="890299"/>
+              <a:chOff x="2664854" y="3767168"/>
+              <a:chExt cx="2114992" cy="2055730"/>
+            </a:xfrm>
+            <a:solidFill>
+              <a:schemeClr val="bg1"/>
+            </a:solidFill>
+          </p:grpSpPr>
+          <p:grpSp>
+            <p:nvGrpSpPr>
+              <p:cNvPr id="601" name="Grupp 600">
+                <a:extLst>
+                  <a:ext uri="{FF2B5EF4-FFF2-40B4-BE49-F238E27FC236}">
+                    <a16:creationId xmlns:a16="http://schemas.microsoft.com/office/drawing/2014/main" id="{BBC315B4-13B8-624E-86DE-DA85F1E705F5}"/>
+                  </a:ext>
+                </a:extLst>
+              </p:cNvPr>
+              <p:cNvGrpSpPr/>
+              <p:nvPr/>
+            </p:nvGrpSpPr>
+            <p:grpSpPr>
+              <a:xfrm>
+                <a:off x="3467003" y="4204948"/>
+                <a:ext cx="1312843" cy="1167855"/>
+                <a:chOff x="1890471" y="3360156"/>
+                <a:chExt cx="1312843" cy="1167855"/>
+              </a:xfrm>
+              <a:grpFill/>
+            </p:grpSpPr>
+            <p:sp>
+              <p:nvSpPr>
+                <p:cNvPr id="603" name="Ellips 602">
+                  <a:extLst>
+                    <a:ext uri="{FF2B5EF4-FFF2-40B4-BE49-F238E27FC236}">
+                      <a16:creationId xmlns:a16="http://schemas.microsoft.com/office/drawing/2014/main" id="{A03000AD-86B6-EC42-8B9C-6565FA3B84FF}"/>
+                    </a:ext>
+                  </a:extLst>
+                </p:cNvPr>
+                <p:cNvSpPr/>
+                <p:nvPr/>
+              </p:nvSpPr>
+              <p:spPr>
+                <a:xfrm>
+                  <a:off x="2439899" y="3843184"/>
+                  <a:ext cx="201799" cy="201799"/>
+                </a:xfrm>
+                <a:prstGeom prst="ellipse">
+                  <a:avLst/>
+                </a:prstGeom>
+                <a:grpFill/>
+                <a:ln>
+                  <a:noFill/>
+                </a:ln>
+              </p:spPr>
+              <p:style>
+                <a:lnRef idx="2">
+                  <a:schemeClr val="accent1">
+                    <a:shade val="50000"/>
+                  </a:schemeClr>
+                </a:lnRef>
+                <a:fillRef idx="1">
+                  <a:schemeClr val="accent1"/>
+                </a:fillRef>
+                <a:effectRef idx="0">
+                  <a:schemeClr val="accent1"/>
+                </a:effectRef>
+                <a:fontRef idx="minor">
+                  <a:schemeClr val="lt1"/>
+                </a:fontRef>
+              </p:style>
+              <p:txBody>
+                <a:bodyPr rtlCol="0" anchor="ctr"/>
+                <a:lstStyle/>
+                <a:p>
+                  <a:pPr algn="ctr"/>
+                  <a:endParaRPr lang="sv-SE"/>
+                </a:p>
+              </p:txBody>
+            </p:sp>
+            <p:sp>
+              <p:nvSpPr>
+                <p:cNvPr id="604" name="Ellips 603">
+                  <a:extLst>
+                    <a:ext uri="{FF2B5EF4-FFF2-40B4-BE49-F238E27FC236}">
+                      <a16:creationId xmlns:a16="http://schemas.microsoft.com/office/drawing/2014/main" id="{B6AE528B-DD1F-8B41-BBAC-F951CB24DF20}"/>
+                    </a:ext>
+                  </a:extLst>
+                </p:cNvPr>
+                <p:cNvSpPr/>
+                <p:nvPr/>
+              </p:nvSpPr>
+              <p:spPr>
+                <a:xfrm>
+                  <a:off x="2710451" y="4016157"/>
+                  <a:ext cx="201799" cy="201799"/>
+                </a:xfrm>
+                <a:prstGeom prst="ellipse">
+                  <a:avLst/>
+                </a:prstGeom>
+                <a:grpFill/>
+                <a:ln>
+                  <a:noFill/>
+                </a:ln>
+              </p:spPr>
+              <p:style>
+                <a:lnRef idx="2">
+                  <a:schemeClr val="accent1">
+                    <a:shade val="50000"/>
+                  </a:schemeClr>
+                </a:lnRef>
+                <a:fillRef idx="1">
+                  <a:schemeClr val="accent1"/>
+                </a:fillRef>
+                <a:effectRef idx="0">
+                  <a:schemeClr val="accent1"/>
+                </a:effectRef>
+                <a:fontRef idx="minor">
+                  <a:schemeClr val="lt1"/>
+                </a:fontRef>
+              </p:style>
+              <p:txBody>
+                <a:bodyPr rtlCol="0" anchor="ctr"/>
+                <a:lstStyle/>
+                <a:p>
+                  <a:pPr algn="ctr"/>
+                  <a:endParaRPr lang="sv-SE"/>
+                </a:p>
+              </p:txBody>
+            </p:sp>
+            <p:sp>
+              <p:nvSpPr>
+                <p:cNvPr id="605" name="Ellips 604">
+                  <a:extLst>
+                    <a:ext uri="{FF2B5EF4-FFF2-40B4-BE49-F238E27FC236}">
+                      <a16:creationId xmlns:a16="http://schemas.microsoft.com/office/drawing/2014/main" id="{2EA20526-22BE-EA45-B242-5D4C43A789C7}"/>
+                    </a:ext>
+                  </a:extLst>
+                </p:cNvPr>
+                <p:cNvSpPr/>
+                <p:nvPr/>
+              </p:nvSpPr>
+              <p:spPr>
+                <a:xfrm>
+                  <a:off x="3001515" y="4016157"/>
+                  <a:ext cx="201799" cy="201799"/>
+                </a:xfrm>
+                <a:prstGeom prst="ellipse">
+                  <a:avLst/>
+                </a:prstGeom>
+                <a:grpFill/>
+                <a:ln>
+                  <a:noFill/>
+                </a:ln>
+              </p:spPr>
+              <p:style>
+                <a:lnRef idx="2">
+                  <a:schemeClr val="accent1">
+                    <a:shade val="50000"/>
+                  </a:schemeClr>
+                </a:lnRef>
+                <a:fillRef idx="1">
+                  <a:schemeClr val="accent1"/>
+                </a:fillRef>
+                <a:effectRef idx="0">
+                  <a:schemeClr val="accent1"/>
+                </a:effectRef>
+                <a:fontRef idx="minor">
+                  <a:schemeClr val="lt1"/>
+                </a:fontRef>
+              </p:style>
+              <p:txBody>
+                <a:bodyPr rtlCol="0" anchor="ctr"/>
+                <a:lstStyle/>
+                <a:p>
+                  <a:pPr algn="ctr"/>
+                  <a:endParaRPr lang="sv-SE"/>
+                </a:p>
+              </p:txBody>
+            </p:sp>
+            <p:sp>
+              <p:nvSpPr>
+                <p:cNvPr id="606" name="Ellips 605">
+                  <a:extLst>
+                    <a:ext uri="{FF2B5EF4-FFF2-40B4-BE49-F238E27FC236}">
+                      <a16:creationId xmlns:a16="http://schemas.microsoft.com/office/drawing/2014/main" id="{B7150A0C-9BC2-7D43-BE66-7B3B2B1E14AD}"/>
+                    </a:ext>
+                  </a:extLst>
+                </p:cNvPr>
+                <p:cNvSpPr/>
+                <p:nvPr/>
+              </p:nvSpPr>
+              <p:spPr>
+                <a:xfrm>
+                  <a:off x="2862779" y="4326212"/>
+                  <a:ext cx="201799" cy="201799"/>
+                </a:xfrm>
+                <a:prstGeom prst="ellipse">
+                  <a:avLst/>
+                </a:prstGeom>
+                <a:grpFill/>
+                <a:ln>
+                  <a:noFill/>
+                </a:ln>
+              </p:spPr>
+              <p:style>
+                <a:lnRef idx="2">
+                  <a:schemeClr val="accent1">
+                    <a:shade val="50000"/>
+                  </a:schemeClr>
+                </a:lnRef>
+                <a:fillRef idx="1">
+                  <a:schemeClr val="accent1"/>
+                </a:fillRef>
+                <a:effectRef idx="0">
+                  <a:schemeClr val="accent1"/>
+                </a:effectRef>
+                <a:fontRef idx="minor">
+                  <a:schemeClr val="lt1"/>
+                </a:fontRef>
+              </p:style>
+              <p:txBody>
+                <a:bodyPr rtlCol="0" anchor="ctr"/>
+                <a:lstStyle/>
+                <a:p>
+                  <a:pPr algn="ctr"/>
+                  <a:endParaRPr lang="sv-SE"/>
+                </a:p>
+              </p:txBody>
+            </p:sp>
+            <p:sp>
+              <p:nvSpPr>
+                <p:cNvPr id="607" name="Ellips 606">
+                  <a:extLst>
+                    <a:ext uri="{FF2B5EF4-FFF2-40B4-BE49-F238E27FC236}">
+                      <a16:creationId xmlns:a16="http://schemas.microsoft.com/office/drawing/2014/main" id="{223F82D4-FE83-2D4C-BFC3-9531D66CE1FF}"/>
+                    </a:ext>
+                  </a:extLst>
+                </p:cNvPr>
+                <p:cNvSpPr/>
+                <p:nvPr/>
+              </p:nvSpPr>
+              <p:spPr>
+                <a:xfrm flipV="1">
+                  <a:off x="2710451" y="3670211"/>
+                  <a:ext cx="201799" cy="201799"/>
+                </a:xfrm>
+                <a:prstGeom prst="ellipse">
+                  <a:avLst/>
+                </a:prstGeom>
+                <a:grpFill/>
+                <a:ln>
+                  <a:noFill/>
+                </a:ln>
+              </p:spPr>
+              <p:style>
+                <a:lnRef idx="2">
+                  <a:schemeClr val="accent1">
+                    <a:shade val="50000"/>
+                  </a:schemeClr>
+                </a:lnRef>
+                <a:fillRef idx="1">
+                  <a:schemeClr val="accent1"/>
+                </a:fillRef>
+                <a:effectRef idx="0">
+                  <a:schemeClr val="accent1"/>
+                </a:effectRef>
+                <a:fontRef idx="minor">
+                  <a:schemeClr val="lt1"/>
+                </a:fontRef>
+              </p:style>
+              <p:txBody>
+                <a:bodyPr rtlCol="0" anchor="ctr"/>
+                <a:lstStyle/>
+                <a:p>
+                  <a:pPr algn="ctr"/>
+                  <a:endParaRPr lang="sv-SE"/>
+                </a:p>
+              </p:txBody>
+            </p:sp>
+            <p:sp>
+              <p:nvSpPr>
+                <p:cNvPr id="608" name="Ellips 607">
+                  <a:extLst>
+                    <a:ext uri="{FF2B5EF4-FFF2-40B4-BE49-F238E27FC236}">
+                      <a16:creationId xmlns:a16="http://schemas.microsoft.com/office/drawing/2014/main" id="{306CBD34-7C16-0A42-8F76-4F663404B7D1}"/>
+                    </a:ext>
+                  </a:extLst>
+                </p:cNvPr>
+                <p:cNvSpPr/>
+                <p:nvPr/>
+              </p:nvSpPr>
+              <p:spPr>
+                <a:xfrm flipV="1">
+                  <a:off x="3001515" y="3670211"/>
+                  <a:ext cx="201799" cy="201799"/>
+                </a:xfrm>
+                <a:prstGeom prst="ellipse">
+                  <a:avLst/>
+                </a:prstGeom>
+                <a:grpFill/>
+                <a:ln>
+                  <a:noFill/>
+                </a:ln>
+              </p:spPr>
+              <p:style>
+                <a:lnRef idx="2">
+                  <a:schemeClr val="accent1">
+                    <a:shade val="50000"/>
+                  </a:schemeClr>
+                </a:lnRef>
+                <a:fillRef idx="1">
+                  <a:schemeClr val="accent1"/>
+                </a:fillRef>
+                <a:effectRef idx="0">
+                  <a:schemeClr val="accent1"/>
+                </a:effectRef>
+                <a:fontRef idx="minor">
+                  <a:schemeClr val="lt1"/>
+                </a:fontRef>
+              </p:style>
+              <p:txBody>
+                <a:bodyPr rtlCol="0" anchor="ctr"/>
+                <a:lstStyle/>
+                <a:p>
+                  <a:pPr algn="ctr"/>
+                  <a:endParaRPr lang="sv-SE"/>
+                </a:p>
+              </p:txBody>
+            </p:sp>
+            <p:sp>
+              <p:nvSpPr>
+                <p:cNvPr id="609" name="Ellips 608">
+                  <a:extLst>
+                    <a:ext uri="{FF2B5EF4-FFF2-40B4-BE49-F238E27FC236}">
+                      <a16:creationId xmlns:a16="http://schemas.microsoft.com/office/drawing/2014/main" id="{2F3D0E14-BF6E-8242-94FC-9ABE1DC3D120}"/>
+                    </a:ext>
+                  </a:extLst>
+                </p:cNvPr>
+                <p:cNvSpPr/>
+                <p:nvPr/>
+              </p:nvSpPr>
+              <p:spPr>
+                <a:xfrm flipV="1">
+                  <a:off x="2862779" y="3360156"/>
+                  <a:ext cx="201799" cy="201799"/>
+                </a:xfrm>
+                <a:prstGeom prst="ellipse">
+                  <a:avLst/>
+                </a:prstGeom>
+                <a:grpFill/>
+                <a:ln>
+                  <a:noFill/>
+                </a:ln>
+              </p:spPr>
+              <p:style>
+                <a:lnRef idx="2">
+                  <a:schemeClr val="accent1">
+                    <a:shade val="50000"/>
+                  </a:schemeClr>
+                </a:lnRef>
+                <a:fillRef idx="1">
+                  <a:schemeClr val="accent1"/>
+                </a:fillRef>
+                <a:effectRef idx="0">
+                  <a:schemeClr val="accent1"/>
+                </a:effectRef>
+                <a:fontRef idx="minor">
+                  <a:schemeClr val="lt1"/>
+                </a:fontRef>
+              </p:style>
+              <p:txBody>
+                <a:bodyPr rtlCol="0" anchor="ctr"/>
+                <a:lstStyle/>
+                <a:p>
+                  <a:pPr algn="ctr"/>
+                  <a:endParaRPr lang="sv-SE"/>
+                </a:p>
+              </p:txBody>
+            </p:sp>
+            <p:sp>
+              <p:nvSpPr>
+                <p:cNvPr id="610" name="Ellips 609">
+                  <a:extLst>
+                    <a:ext uri="{FF2B5EF4-FFF2-40B4-BE49-F238E27FC236}">
+                      <a16:creationId xmlns:a16="http://schemas.microsoft.com/office/drawing/2014/main" id="{8F4FCC64-CD48-244B-8F1C-BD810BE2930C}"/>
+                    </a:ext>
+                  </a:extLst>
+                </p:cNvPr>
+                <p:cNvSpPr/>
+                <p:nvPr/>
+              </p:nvSpPr>
+              <p:spPr>
+                <a:xfrm>
+                  <a:off x="1890471" y="3722801"/>
+                  <a:ext cx="451838" cy="451838"/>
+                </a:xfrm>
+                <a:prstGeom prst="ellipse">
+                  <a:avLst/>
+                </a:prstGeom>
+                <a:grpFill/>
+                <a:ln>
+                  <a:noFill/>
+                </a:ln>
+              </p:spPr>
+              <p:style>
+                <a:lnRef idx="2">
+                  <a:schemeClr val="accent1">
+                    <a:shade val="50000"/>
+                  </a:schemeClr>
+                </a:lnRef>
+                <a:fillRef idx="1">
+                  <a:schemeClr val="accent1"/>
+                </a:fillRef>
+                <a:effectRef idx="0">
+                  <a:schemeClr val="accent1"/>
+                </a:effectRef>
+                <a:fontRef idx="minor">
+                  <a:schemeClr val="lt1"/>
+                </a:fontRef>
+              </p:style>
+              <p:txBody>
+                <a:bodyPr rtlCol="0" anchor="ctr"/>
+                <a:lstStyle/>
+                <a:p>
+                  <a:pPr algn="ctr"/>
+                  <a:endParaRPr lang="sv-SE"/>
+                </a:p>
+              </p:txBody>
+            </p:sp>
+          </p:grpSp>
+          <p:sp>
+            <p:nvSpPr>
+              <p:cNvPr id="602" name="Frihandsfigur 601">
+                <a:extLst>
+                  <a:ext uri="{FF2B5EF4-FFF2-40B4-BE49-F238E27FC236}">
+                    <a16:creationId xmlns:a16="http://schemas.microsoft.com/office/drawing/2014/main" id="{0F444216-90D4-CA43-BF99-BE770F70658F}"/>
+                  </a:ext>
+                </a:extLst>
+              </p:cNvPr>
+              <p:cNvSpPr/>
+              <p:nvPr/>
+            </p:nvSpPr>
+            <p:spPr>
+              <a:xfrm>
+                <a:off x="2664854" y="3767168"/>
+                <a:ext cx="1673018" cy="2055730"/>
+              </a:xfrm>
+              <a:custGeom>
+                <a:avLst/>
+                <a:gdLst>
+                  <a:gd name="connsiteX0" fmla="*/ 1027865 w 1673018"/>
+                  <a:gd name="connsiteY0" fmla="*/ 0 h 2055730"/>
+                  <a:gd name="connsiteX1" fmla="*/ 1602554 w 1673018"/>
+                  <a:gd name="connsiteY1" fmla="*/ 175543 h 2055730"/>
+                  <a:gd name="connsiteX2" fmla="*/ 1656439 w 1673018"/>
+                  <a:gd name="connsiteY2" fmla="*/ 215838 h 2055730"/>
+                  <a:gd name="connsiteX3" fmla="*/ 1507506 w 1673018"/>
+                  <a:gd name="connsiteY3" fmla="*/ 364772 h 2055730"/>
+                  <a:gd name="connsiteX4" fmla="*/ 1502405 w 1673018"/>
+                  <a:gd name="connsiteY4" fmla="*/ 360563 h 2055730"/>
+                  <a:gd name="connsiteX5" fmla="*/ 1056619 w 1673018"/>
+                  <a:gd name="connsiteY5" fmla="*/ 224394 h 2055730"/>
+                  <a:gd name="connsiteX6" fmla="*/ 259306 w 1673018"/>
+                  <a:gd name="connsiteY6" fmla="*/ 1021707 h 2055730"/>
+                  <a:gd name="connsiteX7" fmla="*/ 1056619 w 1673018"/>
+                  <a:gd name="connsiteY7" fmla="*/ 1819020 h 2055730"/>
+                  <a:gd name="connsiteX8" fmla="*/ 1502405 w 1673018"/>
+                  <a:gd name="connsiteY8" fmla="*/ 1682852 h 2055730"/>
+                  <a:gd name="connsiteX9" fmla="*/ 1516634 w 1673018"/>
+                  <a:gd name="connsiteY9" fmla="*/ 1671111 h 2055730"/>
+                  <a:gd name="connsiteX10" fmla="*/ 1673018 w 1673018"/>
+                  <a:gd name="connsiteY10" fmla="*/ 1827495 h 2055730"/>
+                  <a:gd name="connsiteX11" fmla="*/ 1602554 w 1673018"/>
+                  <a:gd name="connsiteY11" fmla="*/ 1880187 h 2055730"/>
+                  <a:gd name="connsiteX12" fmla="*/ 1027865 w 1673018"/>
+                  <a:gd name="connsiteY12" fmla="*/ 2055730 h 2055730"/>
+                  <a:gd name="connsiteX13" fmla="*/ 0 w 1673018"/>
+                  <a:gd name="connsiteY13" fmla="*/ 1027865 h 2055730"/>
+                  <a:gd name="connsiteX14" fmla="*/ 1027865 w 1673018"/>
+                  <a:gd name="connsiteY14" fmla="*/ 0 h 2055730"/>
+                </a:gdLst>
+                <a:ahLst/>
+                <a:cxnLst>
+                  <a:cxn ang="0">
+                    <a:pos x="connsiteX0" y="connsiteY0"/>
+                  </a:cxn>
+                  <a:cxn ang="0">
+                    <a:pos x="connsiteX1" y="connsiteY1"/>
+                  </a:cxn>
+                  <a:cxn ang="0">
+                    <a:pos x="connsiteX2" y="connsiteY2"/>
+                  </a:cxn>
+                  <a:cxn ang="0">
+                    <a:pos x="connsiteX3" y="connsiteY3"/>
+                  </a:cxn>
+                  <a:cxn ang="0">
+                    <a:pos x="connsiteX4" y="connsiteY4"/>
+                  </a:cxn>
+                  <a:cxn ang="0">
+                    <a:pos x="connsiteX5" y="connsiteY5"/>
+                  </a:cxn>
+                  <a:cxn ang="0">
+                    <a:pos x="connsiteX6" y="connsiteY6"/>
+                  </a:cxn>
+                  <a:cxn ang="0">
+                    <a:pos x="connsiteX7" y="connsiteY7"/>
+                  </a:cxn>
+                  <a:cxn ang="0">
+                    <a:pos x="connsiteX8" y="connsiteY8"/>
+                  </a:cxn>
+                  <a:cxn ang="0">
+                    <a:pos x="connsiteX9" y="connsiteY9"/>
+                  </a:cxn>
+                  <a:cxn ang="0">
+                    <a:pos x="connsiteX10" y="connsiteY10"/>
+                  </a:cxn>
+                  <a:cxn ang="0">
+                    <a:pos x="connsiteX11" y="connsiteY11"/>
+                  </a:cxn>
+                  <a:cxn ang="0">
+                    <a:pos x="connsiteX12" y="connsiteY12"/>
+                  </a:cxn>
+                  <a:cxn ang="0">
+                    <a:pos x="connsiteX13" y="connsiteY13"/>
+                  </a:cxn>
+                  <a:cxn ang="0">
+                    <a:pos x="connsiteX14" y="connsiteY14"/>
+                  </a:cxn>
+                </a:cxnLst>
+                <a:rect l="l" t="t" r="r" b="b"/>
+                <a:pathLst>
+                  <a:path w="1673018" h="2055730">
+                    <a:moveTo>
+                      <a:pt x="1027865" y="0"/>
+                    </a:moveTo>
+                    <a:cubicBezTo>
+                      <a:pt x="1240743" y="0"/>
+                      <a:pt x="1438506" y="64715"/>
+                      <a:pt x="1602554" y="175543"/>
+                    </a:cubicBezTo>
+                    <a:lnTo>
+                      <a:pt x="1656439" y="215838"/>
+                    </a:lnTo>
+                    <a:lnTo>
+                      <a:pt x="1507506" y="364772"/>
+                    </a:lnTo>
+                    <a:lnTo>
+                      <a:pt x="1502405" y="360563"/>
+                    </a:lnTo>
+                    <a:cubicBezTo>
+                      <a:pt x="1375153" y="274593"/>
+                      <a:pt x="1221748" y="224394"/>
+                      <a:pt x="1056619" y="224394"/>
+                    </a:cubicBezTo>
+                    <a:cubicBezTo>
+                      <a:pt x="616275" y="224394"/>
+                      <a:pt x="259306" y="581363"/>
+                      <a:pt x="259306" y="1021707"/>
+                    </a:cubicBezTo>
+                    <a:cubicBezTo>
+                      <a:pt x="259306" y="1462051"/>
+                      <a:pt x="616275" y="1819020"/>
+                      <a:pt x="1056619" y="1819020"/>
+                    </a:cubicBezTo>
+                    <a:cubicBezTo>
+                      <a:pt x="1221748" y="1819020"/>
+                      <a:pt x="1375153" y="1768821"/>
+                      <a:pt x="1502405" y="1682852"/>
+                    </a:cubicBezTo>
+                    <a:lnTo>
+                      <a:pt x="1516634" y="1671111"/>
+                    </a:lnTo>
+                    <a:lnTo>
+                      <a:pt x="1673018" y="1827495"/>
+                    </a:lnTo>
+                    <a:lnTo>
+                      <a:pt x="1602554" y="1880187"/>
+                    </a:lnTo>
+                    <a:cubicBezTo>
+                      <a:pt x="1438506" y="1991016"/>
+                      <a:pt x="1240743" y="2055730"/>
+                      <a:pt x="1027865" y="2055730"/>
+                    </a:cubicBezTo>
+                    <a:cubicBezTo>
+                      <a:pt x="460191" y="2055730"/>
+                      <a:pt x="0" y="1595539"/>
+                      <a:pt x="0" y="1027865"/>
+                    </a:cubicBezTo>
+                    <a:cubicBezTo>
+                      <a:pt x="0" y="460191"/>
+                      <a:pt x="460191" y="0"/>
+                      <a:pt x="1027865" y="0"/>
+                    </a:cubicBezTo>
+                    <a:close/>
+                  </a:path>
+                </a:pathLst>
+              </a:custGeom>
+              <a:grpFill/>
+              <a:ln w="12700" cap="rnd">
+                <a:noFill/>
+                <a:round/>
+              </a:ln>
+            </p:spPr>
+            <p:style>
+              <a:lnRef idx="2">
+                <a:schemeClr val="accent1">
+                  <a:shade val="50000"/>
+                </a:schemeClr>
+              </a:lnRef>
+              <a:fillRef idx="1">
+                <a:schemeClr val="accent1"/>
+              </a:fillRef>
+              <a:effectRef idx="0">
+                <a:schemeClr val="accent1"/>
+              </a:effectRef>
+              <a:fontRef idx="minor">
+                <a:schemeClr val="lt1"/>
+              </a:fontRef>
+            </p:style>
+            <p:txBody>
+              <a:bodyPr wrap="square" rtlCol="0" anchor="ctr">
+                <a:noAutofit/>
+              </a:bodyPr>
+              <a:lstStyle/>
+              <a:p>
+                <a:pPr algn="ctr"/>
+                <a:endParaRPr lang="sv-SE" dirty="0"/>
+              </a:p>
+            </p:txBody>
+          </p:sp>
+        </p:grpSp>
+      </p:grpSp>
+      <p:grpSp>
+        <p:nvGrpSpPr>
+          <p:cNvPr id="614" name="Grupp 613">
+            <a:extLst>
+              <a:ext uri="{FF2B5EF4-FFF2-40B4-BE49-F238E27FC236}">
+                <a16:creationId xmlns:a16="http://schemas.microsoft.com/office/drawing/2014/main" id="{4DDBFECB-2A0E-F345-B3E0-D09C3B93F94D}"/>
+              </a:ext>
+            </a:extLst>
+          </p:cNvPr>
+          <p:cNvGrpSpPr/>
+          <p:nvPr/>
+        </p:nvGrpSpPr>
+        <p:grpSpPr>
+          <a:xfrm>
+            <a:off x="2577633" y="2864475"/>
+            <a:ext cx="2016522" cy="2329621"/>
+            <a:chOff x="8068577" y="1933060"/>
+            <a:chExt cx="2016522" cy="2329621"/>
+          </a:xfrm>
+        </p:grpSpPr>
+        <p:sp>
+          <p:nvSpPr>
+            <p:cNvPr id="615" name="Hexagon 42">
+              <a:extLst>
+                <a:ext uri="{FF2B5EF4-FFF2-40B4-BE49-F238E27FC236}">
+                  <a16:creationId xmlns:a16="http://schemas.microsoft.com/office/drawing/2014/main" id="{377C47B7-B3E6-BB44-9F28-BED9EE3C9D52}"/>
+                </a:ext>
+              </a:extLst>
+            </p:cNvPr>
+            <p:cNvSpPr/>
+            <p:nvPr/>
+          </p:nvSpPr>
+          <p:spPr>
+            <a:xfrm rot="5400000">
+              <a:off x="7912027" y="2089610"/>
+              <a:ext cx="2329621" cy="2016522"/>
+            </a:xfrm>
+            <a:prstGeom prst="hexagon">
+              <a:avLst>
+                <a:gd name="adj" fmla="val 29001"/>
+                <a:gd name="vf" fmla="val 115470"/>
+              </a:avLst>
+            </a:prstGeom>
+            <a:solidFill>
+              <a:srgbClr val="231437"/>
+            </a:solidFill>
+            <a:ln w="12700" cap="rnd">
+              <a:noFill/>
+              <a:miter lim="800000"/>
+            </a:ln>
+          </p:spPr>
+          <p:style>
+            <a:lnRef idx="2">
+              <a:schemeClr val="accent1">
+                <a:shade val="50000"/>
+              </a:schemeClr>
+            </a:lnRef>
+            <a:fillRef idx="1">
+              <a:schemeClr val="accent1"/>
+            </a:fillRef>
+            <a:effectRef idx="0">
+              <a:schemeClr val="accent1"/>
+            </a:effectRef>
+            <a:fontRef idx="minor">
+              <a:schemeClr val="lt1"/>
+            </a:fontRef>
+          </p:style>
+          <p:txBody>
+            <a:bodyPr rtlCol="0" anchor="ctr"/>
+            <a:lstStyle/>
+            <a:p>
+              <a:pPr algn="ctr"/>
+              <a:endParaRPr lang="sv-SE" dirty="0"/>
+            </a:p>
+          </p:txBody>
+        </p:sp>
+        <p:grpSp>
+          <p:nvGrpSpPr>
+            <p:cNvPr id="616" name="Grupp 615">
+              <a:extLst>
+                <a:ext uri="{FF2B5EF4-FFF2-40B4-BE49-F238E27FC236}">
+                  <a16:creationId xmlns:a16="http://schemas.microsoft.com/office/drawing/2014/main" id="{A326CAC2-7BFD-5546-ACC6-15DD2773CA2C}"/>
+                </a:ext>
+              </a:extLst>
+            </p:cNvPr>
+            <p:cNvGrpSpPr/>
+            <p:nvPr/>
+          </p:nvGrpSpPr>
+          <p:grpSpPr>
+            <a:xfrm>
+              <a:off x="8215424" y="2175507"/>
+              <a:ext cx="1721001" cy="1951163"/>
+              <a:chOff x="4589581" y="2532881"/>
+              <a:chExt cx="1721001" cy="1951163"/>
+            </a:xfrm>
+          </p:grpSpPr>
+          <p:sp>
+            <p:nvSpPr>
+              <p:cNvPr id="628" name="Freeform 33">
+                <a:extLst>
+                  <a:ext uri="{FF2B5EF4-FFF2-40B4-BE49-F238E27FC236}">
+                    <a16:creationId xmlns:a16="http://schemas.microsoft.com/office/drawing/2014/main" id="{A5348AB9-768A-204E-8465-2391EF5EBB12}"/>
+                  </a:ext>
+                </a:extLst>
+              </p:cNvPr>
+              <p:cNvSpPr/>
+              <p:nvPr/>
+            </p:nvSpPr>
+            <p:spPr>
+              <a:xfrm rot="9000000">
+                <a:off x="4589581" y="2887080"/>
+                <a:ext cx="922364" cy="1596964"/>
+              </a:xfrm>
+              <a:custGeom>
+                <a:avLst/>
+                <a:gdLst>
+                  <a:gd name="connsiteX0" fmla="*/ 0 w 2013626"/>
+                  <a:gd name="connsiteY0" fmla="*/ 1735884 h 3471768"/>
+                  <a:gd name="connsiteX1" fmla="*/ 1006813 w 2013626"/>
+                  <a:gd name="connsiteY1" fmla="*/ 0 h 3471768"/>
+                  <a:gd name="connsiteX2" fmla="*/ 2013626 w 2013626"/>
+                  <a:gd name="connsiteY2" fmla="*/ 1735884 h 3471768"/>
+                  <a:gd name="connsiteX3" fmla="*/ 1006813 w 2013626"/>
+                  <a:gd name="connsiteY3" fmla="*/ 3471768 h 3471768"/>
+                </a:gdLst>
+                <a:ahLst/>
+                <a:cxnLst>
+                  <a:cxn ang="0">
+                    <a:pos x="connsiteX0" y="connsiteY0"/>
+                  </a:cxn>
+                  <a:cxn ang="0">
+                    <a:pos x="connsiteX1" y="connsiteY1"/>
+                  </a:cxn>
+                  <a:cxn ang="0">
+                    <a:pos x="connsiteX2" y="connsiteY2"/>
+                  </a:cxn>
+                  <a:cxn ang="0">
+                    <a:pos x="connsiteX3" y="connsiteY3"/>
+                  </a:cxn>
+                </a:cxnLst>
+                <a:rect l="l" t="t" r="r" b="b"/>
+                <a:pathLst>
+                  <a:path w="2013626" h="3471768">
+                    <a:moveTo>
+                      <a:pt x="0" y="1735884"/>
+                    </a:moveTo>
+                    <a:lnTo>
+                      <a:pt x="1006813" y="0"/>
+                    </a:lnTo>
+                    <a:lnTo>
+                      <a:pt x="2013626" y="1735884"/>
+                    </a:lnTo>
+                    <a:lnTo>
+                      <a:pt x="1006813" y="3471768"/>
+                    </a:lnTo>
+                    <a:close/>
+                  </a:path>
+                </a:pathLst>
+              </a:custGeom>
+              <a:solidFill>
+                <a:srgbClr val="316DE6"/>
+              </a:solidFill>
+              <a:ln cap="rnd">
+                <a:noFill/>
+                <a:round/>
+              </a:ln>
+            </p:spPr>
+            <p:style>
+              <a:lnRef idx="2">
+                <a:schemeClr val="accent1">
+                  <a:shade val="50000"/>
+                </a:schemeClr>
+              </a:lnRef>
+              <a:fillRef idx="1">
+                <a:schemeClr val="accent1"/>
+              </a:fillRef>
+              <a:effectRef idx="0">
+                <a:schemeClr val="accent1"/>
+              </a:effectRef>
+              <a:fontRef idx="minor">
+                <a:schemeClr val="lt1"/>
+              </a:fontRef>
+            </p:style>
+            <p:txBody>
+              <a:bodyPr rtlCol="0" anchor="ctr"/>
+              <a:lstStyle/>
+              <a:p>
+                <a:pPr algn="ctr"/>
+                <a:endParaRPr lang="sv-SE" dirty="0"/>
+              </a:p>
+            </p:txBody>
+          </p:sp>
+          <p:sp>
+            <p:nvSpPr>
+              <p:cNvPr id="629" name="Freeform 34">
+                <a:extLst>
+                  <a:ext uri="{FF2B5EF4-FFF2-40B4-BE49-F238E27FC236}">
+                    <a16:creationId xmlns:a16="http://schemas.microsoft.com/office/drawing/2014/main" id="{0AB08369-1E6E-9D4B-8F8F-4127C9D90B26}"/>
+                  </a:ext>
+                </a:extLst>
+              </p:cNvPr>
+              <p:cNvSpPr/>
+              <p:nvPr/>
+            </p:nvSpPr>
+            <p:spPr>
+              <a:xfrm rot="12600000" flipH="1">
+                <a:off x="5388218" y="2887080"/>
+                <a:ext cx="922364" cy="1596964"/>
+              </a:xfrm>
+              <a:custGeom>
+                <a:avLst/>
+                <a:gdLst>
+                  <a:gd name="connsiteX0" fmla="*/ 0 w 2013626"/>
+                  <a:gd name="connsiteY0" fmla="*/ 1735884 h 3471768"/>
+                  <a:gd name="connsiteX1" fmla="*/ 1006813 w 2013626"/>
+                  <a:gd name="connsiteY1" fmla="*/ 0 h 3471768"/>
+                  <a:gd name="connsiteX2" fmla="*/ 2013626 w 2013626"/>
+                  <a:gd name="connsiteY2" fmla="*/ 1735884 h 3471768"/>
+                  <a:gd name="connsiteX3" fmla="*/ 1006813 w 2013626"/>
+                  <a:gd name="connsiteY3" fmla="*/ 3471768 h 3471768"/>
+                </a:gdLst>
+                <a:ahLst/>
+                <a:cxnLst>
+                  <a:cxn ang="0">
+                    <a:pos x="connsiteX0" y="connsiteY0"/>
+                  </a:cxn>
+                  <a:cxn ang="0">
+                    <a:pos x="connsiteX1" y="connsiteY1"/>
+                  </a:cxn>
+                  <a:cxn ang="0">
+                    <a:pos x="connsiteX2" y="connsiteY2"/>
+                  </a:cxn>
+                  <a:cxn ang="0">
+                    <a:pos x="connsiteX3" y="connsiteY3"/>
+                  </a:cxn>
+                </a:cxnLst>
+                <a:rect l="l" t="t" r="r" b="b"/>
+                <a:pathLst>
+                  <a:path w="2013626" h="3471768">
+                    <a:moveTo>
+                      <a:pt x="0" y="1735884"/>
+                    </a:moveTo>
+                    <a:lnTo>
+                      <a:pt x="1006813" y="0"/>
+                    </a:lnTo>
+                    <a:lnTo>
+                      <a:pt x="2013626" y="1735884"/>
+                    </a:lnTo>
+                    <a:lnTo>
+                      <a:pt x="1006813" y="3471768"/>
+                    </a:lnTo>
+                    <a:close/>
+                  </a:path>
+                </a:pathLst>
+              </a:custGeom>
+              <a:solidFill>
+                <a:srgbClr val="2857B9"/>
+              </a:solidFill>
+              <a:ln cap="rnd">
+                <a:noFill/>
+                <a:round/>
+              </a:ln>
+            </p:spPr>
+            <p:style>
+              <a:lnRef idx="2">
+                <a:schemeClr val="accent1">
+                  <a:shade val="50000"/>
+                </a:schemeClr>
+              </a:lnRef>
+              <a:fillRef idx="1">
+                <a:schemeClr val="accent1"/>
+              </a:fillRef>
+              <a:effectRef idx="0">
+                <a:schemeClr val="accent1"/>
+              </a:effectRef>
+              <a:fontRef idx="minor">
+                <a:schemeClr val="lt1"/>
+              </a:fontRef>
+            </p:style>
+            <p:txBody>
+              <a:bodyPr rtlCol="0" anchor="ctr"/>
+              <a:lstStyle/>
+              <a:p>
+                <a:pPr algn="ctr"/>
+                <a:endParaRPr lang="sv-SE" dirty="0"/>
+              </a:p>
+            </p:txBody>
+          </p:sp>
+          <p:sp>
+            <p:nvSpPr>
+              <p:cNvPr id="630" name="Freeform 35">
+                <a:extLst>
+                  <a:ext uri="{FF2B5EF4-FFF2-40B4-BE49-F238E27FC236}">
+                    <a16:creationId xmlns:a16="http://schemas.microsoft.com/office/drawing/2014/main" id="{68CA71F7-3664-E244-80C7-BE6B73B51DAF}"/>
+                  </a:ext>
+                </a:extLst>
+              </p:cNvPr>
+              <p:cNvSpPr/>
+              <p:nvPr/>
+            </p:nvSpPr>
+            <p:spPr>
+              <a:xfrm rot="5400000">
+                <a:off x="4989814" y="2195895"/>
+                <a:ext cx="922363" cy="1596336"/>
+              </a:xfrm>
+              <a:custGeom>
+                <a:avLst/>
+                <a:gdLst>
+                  <a:gd name="connsiteX0" fmla="*/ 0 w 2013626"/>
+                  <a:gd name="connsiteY0" fmla="*/ 1735884 h 3471768"/>
+                  <a:gd name="connsiteX1" fmla="*/ 1006813 w 2013626"/>
+                  <a:gd name="connsiteY1" fmla="*/ 0 h 3471768"/>
+                  <a:gd name="connsiteX2" fmla="*/ 2013626 w 2013626"/>
+                  <a:gd name="connsiteY2" fmla="*/ 1735884 h 3471768"/>
+                  <a:gd name="connsiteX3" fmla="*/ 1006813 w 2013626"/>
+                  <a:gd name="connsiteY3" fmla="*/ 3471768 h 3471768"/>
+                </a:gdLst>
+                <a:ahLst/>
+                <a:cxnLst>
+                  <a:cxn ang="0">
+                    <a:pos x="connsiteX0" y="connsiteY0"/>
+                  </a:cxn>
+                  <a:cxn ang="0">
+                    <a:pos x="connsiteX1" y="connsiteY1"/>
+                  </a:cxn>
+                  <a:cxn ang="0">
+                    <a:pos x="connsiteX2" y="connsiteY2"/>
+                  </a:cxn>
+                  <a:cxn ang="0">
+                    <a:pos x="connsiteX3" y="connsiteY3"/>
+                  </a:cxn>
+                </a:cxnLst>
+                <a:rect l="l" t="t" r="r" b="b"/>
+                <a:pathLst>
+                  <a:path w="2013626" h="3471768">
+                    <a:moveTo>
+                      <a:pt x="0" y="1735884"/>
+                    </a:moveTo>
+                    <a:lnTo>
+                      <a:pt x="1006813" y="0"/>
+                    </a:lnTo>
+                    <a:lnTo>
+                      <a:pt x="2013626" y="1735884"/>
+                    </a:lnTo>
+                    <a:lnTo>
+                      <a:pt x="1006813" y="3471768"/>
+                    </a:lnTo>
+                    <a:close/>
+                  </a:path>
+                </a:pathLst>
+              </a:custGeom>
+              <a:solidFill>
+                <a:srgbClr val="528AF9"/>
+              </a:solidFill>
+              <a:ln cap="rnd">
+                <a:noFill/>
+                <a:round/>
+              </a:ln>
+            </p:spPr>
+            <p:style>
+              <a:lnRef idx="2">
+                <a:schemeClr val="accent1">
+                  <a:shade val="50000"/>
+                </a:schemeClr>
+              </a:lnRef>
+              <a:fillRef idx="1">
+                <a:schemeClr val="accent1"/>
+              </a:fillRef>
+              <a:effectRef idx="0">
+                <a:schemeClr val="accent1"/>
+              </a:effectRef>
+              <a:fontRef idx="minor">
+                <a:schemeClr val="lt1"/>
+              </a:fontRef>
+            </p:style>
+            <p:txBody>
+              <a:bodyPr rtlCol="0" anchor="ctr"/>
+              <a:lstStyle/>
+              <a:p>
+                <a:pPr algn="ctr"/>
+                <a:endParaRPr lang="sv-SE" dirty="0"/>
+              </a:p>
+            </p:txBody>
+          </p:sp>
+        </p:grpSp>
+        <p:sp>
+          <p:nvSpPr>
+            <p:cNvPr id="617" name="Hexagon 66">
+              <a:extLst>
+                <a:ext uri="{FF2B5EF4-FFF2-40B4-BE49-F238E27FC236}">
+                  <a16:creationId xmlns:a16="http://schemas.microsoft.com/office/drawing/2014/main" id="{487C8F84-7850-AD4A-8610-33C5E7BA9B78}"/>
+                </a:ext>
+              </a:extLst>
+            </p:cNvPr>
+            <p:cNvSpPr/>
+            <p:nvPr/>
+          </p:nvSpPr>
+          <p:spPr>
+            <a:xfrm rot="5400000">
+              <a:off x="8175922" y="2316432"/>
+              <a:ext cx="1801827" cy="1557475"/>
+            </a:xfrm>
+            <a:prstGeom prst="hexagon">
+              <a:avLst>
+                <a:gd name="adj" fmla="val 29001"/>
+                <a:gd name="vf" fmla="val 115470"/>
+              </a:avLst>
+            </a:prstGeom>
+            <a:noFill/>
+            <a:ln w="95250" cap="rnd">
+              <a:solidFill>
+                <a:schemeClr val="bg1"/>
+              </a:solidFill>
+              <a:round/>
+            </a:ln>
+          </p:spPr>
+          <p:style>
+            <a:lnRef idx="2">
+              <a:schemeClr val="accent1">
+                <a:shade val="50000"/>
+              </a:schemeClr>
+            </a:lnRef>
+            <a:fillRef idx="1">
+              <a:schemeClr val="accent1"/>
+            </a:fillRef>
+            <a:effectRef idx="0">
+              <a:schemeClr val="accent1"/>
+            </a:effectRef>
+            <a:fontRef idx="minor">
+              <a:schemeClr val="lt1"/>
+            </a:fontRef>
+          </p:style>
+          <p:txBody>
+            <a:bodyPr rtlCol="0" anchor="ctr"/>
+            <a:lstStyle/>
+            <a:p>
+              <a:pPr algn="ctr"/>
+              <a:endParaRPr lang="sv-SE" dirty="0"/>
+            </a:p>
+          </p:txBody>
+        </p:sp>
+        <p:grpSp>
+          <p:nvGrpSpPr>
+            <p:cNvPr id="618" name="Grupp 617">
+              <a:extLst>
+                <a:ext uri="{FF2B5EF4-FFF2-40B4-BE49-F238E27FC236}">
+                  <a16:creationId xmlns:a16="http://schemas.microsoft.com/office/drawing/2014/main" id="{25EE5056-BBEE-AA4E-999B-B60A0EC1C6E3}"/>
+                </a:ext>
+              </a:extLst>
+            </p:cNvPr>
+            <p:cNvGrpSpPr/>
+            <p:nvPr/>
+          </p:nvGrpSpPr>
+          <p:grpSpPr>
+            <a:xfrm>
+              <a:off x="8624868" y="2576648"/>
+              <a:ext cx="896353" cy="1037041"/>
+              <a:chOff x="6288827" y="2161819"/>
+              <a:chExt cx="896353" cy="1037041"/>
+            </a:xfrm>
+          </p:grpSpPr>
+          <p:grpSp>
+            <p:nvGrpSpPr>
+              <p:cNvPr id="619" name="Grupp 618">
+                <a:extLst>
+                  <a:ext uri="{FF2B5EF4-FFF2-40B4-BE49-F238E27FC236}">
+                    <a16:creationId xmlns:a16="http://schemas.microsoft.com/office/drawing/2014/main" id="{4B798C87-734C-D345-B671-7233D590A36D}"/>
+                  </a:ext>
+                </a:extLst>
+              </p:cNvPr>
+              <p:cNvGrpSpPr/>
+              <p:nvPr/>
+            </p:nvGrpSpPr>
+            <p:grpSpPr>
+              <a:xfrm>
+                <a:off x="6411318" y="2305768"/>
+                <a:ext cx="647602" cy="749204"/>
+                <a:chOff x="4452849" y="2770502"/>
+                <a:chExt cx="898623" cy="1039608"/>
+              </a:xfrm>
+            </p:grpSpPr>
+            <p:sp>
+              <p:nvSpPr>
+                <p:cNvPr id="626" name="Hexagon 66">
+                  <a:extLst>
+                    <a:ext uri="{FF2B5EF4-FFF2-40B4-BE49-F238E27FC236}">
+                      <a16:creationId xmlns:a16="http://schemas.microsoft.com/office/drawing/2014/main" id="{7170BF6E-66FA-E549-9F51-56D9526335AD}"/>
+                    </a:ext>
+                  </a:extLst>
+                </p:cNvPr>
+                <p:cNvSpPr/>
+                <p:nvPr/>
+              </p:nvSpPr>
+              <p:spPr>
+                <a:xfrm rot="5400000">
+                  <a:off x="4382357" y="2840994"/>
+                  <a:ext cx="1039608" cy="898623"/>
+                </a:xfrm>
+                <a:prstGeom prst="hexagon">
+                  <a:avLst>
+                    <a:gd name="adj" fmla="val 29001"/>
+                    <a:gd name="vf" fmla="val 115470"/>
+                  </a:avLst>
+                </a:prstGeom>
+                <a:noFill/>
+                <a:ln w="50800" cap="rnd">
+                  <a:solidFill>
+                    <a:schemeClr val="bg1"/>
+                  </a:solidFill>
+                  <a:round/>
+                </a:ln>
+              </p:spPr>
+              <p:style>
+                <a:lnRef idx="2">
+                  <a:schemeClr val="accent1">
+                    <a:shade val="50000"/>
+                  </a:schemeClr>
+                </a:lnRef>
+                <a:fillRef idx="1">
+                  <a:schemeClr val="accent1"/>
+                </a:fillRef>
+                <a:effectRef idx="0">
+                  <a:schemeClr val="accent1"/>
+                </a:effectRef>
+                <a:fontRef idx="minor">
+                  <a:schemeClr val="lt1"/>
+                </a:fontRef>
+              </p:style>
+              <p:txBody>
+                <a:bodyPr rtlCol="0" anchor="ctr"/>
+                <a:lstStyle/>
+                <a:p>
+                  <a:pPr algn="ctr"/>
+                  <a:endParaRPr lang="sv-SE" dirty="0"/>
+                </a:p>
+              </p:txBody>
+            </p:sp>
+            <p:sp>
+              <p:nvSpPr>
+                <p:cNvPr id="627" name="Hexagon 66">
+                  <a:extLst>
+                    <a:ext uri="{FF2B5EF4-FFF2-40B4-BE49-F238E27FC236}">
+                      <a16:creationId xmlns:a16="http://schemas.microsoft.com/office/drawing/2014/main" id="{60DBD873-12BF-7A49-89E6-7065198B2E98}"/>
+                    </a:ext>
+                  </a:extLst>
+                </p:cNvPr>
+                <p:cNvSpPr/>
+                <p:nvPr/>
+              </p:nvSpPr>
+              <p:spPr>
+                <a:xfrm rot="5400000">
+                  <a:off x="4649112" y="3071573"/>
+                  <a:ext cx="506100" cy="437466"/>
+                </a:xfrm>
+                <a:prstGeom prst="hexagon">
+                  <a:avLst>
+                    <a:gd name="adj" fmla="val 29001"/>
+                    <a:gd name="vf" fmla="val 115470"/>
+                  </a:avLst>
+                </a:prstGeom>
+                <a:noFill/>
+                <a:ln w="50800" cap="rnd">
+                  <a:solidFill>
+                    <a:schemeClr val="bg1"/>
+                  </a:solidFill>
+                  <a:round/>
+                </a:ln>
+              </p:spPr>
+              <p:style>
+                <a:lnRef idx="2">
+                  <a:schemeClr val="accent1">
+                    <a:shade val="50000"/>
+                  </a:schemeClr>
+                </a:lnRef>
+                <a:fillRef idx="1">
+                  <a:schemeClr val="accent1"/>
+                </a:fillRef>
+                <a:effectRef idx="0">
+                  <a:schemeClr val="accent1"/>
+                </a:effectRef>
+                <a:fontRef idx="minor">
+                  <a:schemeClr val="lt1"/>
+                </a:fontRef>
+              </p:style>
+              <p:txBody>
+                <a:bodyPr rtlCol="0" anchor="ctr"/>
+                <a:lstStyle/>
+                <a:p>
+                  <a:pPr algn="ctr"/>
+                  <a:endParaRPr lang="sv-SE" dirty="0"/>
+                </a:p>
+              </p:txBody>
+            </p:sp>
+          </p:grpSp>
+          <p:cxnSp>
+            <p:nvCxnSpPr>
+              <p:cNvPr id="620" name="Rak 619">
+                <a:extLst>
+                  <a:ext uri="{FF2B5EF4-FFF2-40B4-BE49-F238E27FC236}">
+                    <a16:creationId xmlns:a16="http://schemas.microsoft.com/office/drawing/2014/main" id="{8560EAD7-5B26-6440-88FF-20A5318D9B9B}"/>
+                  </a:ext>
+                </a:extLst>
+              </p:cNvPr>
+              <p:cNvCxnSpPr>
+                <a:cxnSpLocks/>
+                <a:endCxn id="627" idx="3"/>
+              </p:cNvCxnSpPr>
+              <p:nvPr/>
+            </p:nvCxnSpPr>
+            <p:spPr>
+              <a:xfrm flipH="1">
+                <a:off x="6735120" y="2161819"/>
+                <a:ext cx="1884" cy="336188"/>
+              </a:xfrm>
+              <a:prstGeom prst="line">
+                <a:avLst/>
+              </a:prstGeom>
+              <a:ln w="50800" cap="rnd">
+                <a:solidFill>
+                  <a:schemeClr val="bg1"/>
+                </a:solidFill>
+                <a:round/>
+                <a:headEnd type="oval" w="sm" len="med"/>
+                <a:tailEnd w="sm" len="med"/>
+              </a:ln>
+            </p:spPr>
+            <p:style>
+              <a:lnRef idx="1">
+                <a:schemeClr val="accent1"/>
+              </a:lnRef>
+              <a:fillRef idx="0">
+                <a:schemeClr val="accent1"/>
+              </a:fillRef>
+              <a:effectRef idx="0">
+                <a:schemeClr val="accent1"/>
+              </a:effectRef>
+              <a:fontRef idx="minor">
+                <a:schemeClr val="tx1"/>
+              </a:fontRef>
+            </p:style>
+          </p:cxnSp>
+          <p:cxnSp>
+            <p:nvCxnSpPr>
+              <p:cNvPr id="621" name="Rak 620">
+                <a:extLst>
+                  <a:ext uri="{FF2B5EF4-FFF2-40B4-BE49-F238E27FC236}">
+                    <a16:creationId xmlns:a16="http://schemas.microsoft.com/office/drawing/2014/main" id="{BD3B2FE2-99D4-6B4F-A27A-F922D1DB7541}"/>
+                  </a:ext>
+                </a:extLst>
+              </p:cNvPr>
+              <p:cNvCxnSpPr>
+                <a:cxnSpLocks/>
+                <a:endCxn id="627" idx="2"/>
+              </p:cNvCxnSpPr>
+              <p:nvPr/>
+            </p:nvCxnSpPr>
+            <p:spPr>
+              <a:xfrm>
+                <a:off x="6288827" y="2421770"/>
+                <a:ext cx="288661" cy="167667"/>
+              </a:xfrm>
+              <a:prstGeom prst="line">
+                <a:avLst/>
+              </a:prstGeom>
+              <a:ln w="50800" cap="rnd">
+                <a:solidFill>
+                  <a:schemeClr val="bg1"/>
+                </a:solidFill>
+                <a:round/>
+                <a:headEnd type="oval" w="sm" len="med"/>
+                <a:tailEnd w="sm" len="med"/>
+              </a:ln>
+            </p:spPr>
+            <p:style>
+              <a:lnRef idx="1">
+                <a:schemeClr val="accent1"/>
+              </a:lnRef>
+              <a:fillRef idx="0">
+                <a:schemeClr val="accent1"/>
+              </a:fillRef>
+              <a:effectRef idx="0">
+                <a:schemeClr val="accent1"/>
+              </a:effectRef>
+              <a:fontRef idx="minor">
+                <a:schemeClr val="tx1"/>
+              </a:fontRef>
+            </p:style>
+          </p:cxnSp>
+          <p:cxnSp>
+            <p:nvCxnSpPr>
+              <p:cNvPr id="622" name="Rak 621">
+                <a:extLst>
+                  <a:ext uri="{FF2B5EF4-FFF2-40B4-BE49-F238E27FC236}">
+                    <a16:creationId xmlns:a16="http://schemas.microsoft.com/office/drawing/2014/main" id="{0E92C4C5-7C8D-AF44-A250-A39A0B8E3631}"/>
+                  </a:ext>
+                </a:extLst>
+              </p:cNvPr>
+              <p:cNvCxnSpPr>
+                <a:cxnSpLocks/>
+                <a:endCxn id="627" idx="4"/>
+              </p:cNvCxnSpPr>
+              <p:nvPr/>
+            </p:nvCxnSpPr>
+            <p:spPr>
+              <a:xfrm flipH="1">
+                <a:off x="6892752" y="2421770"/>
+                <a:ext cx="292428" cy="167667"/>
+              </a:xfrm>
+              <a:prstGeom prst="line">
+                <a:avLst/>
+              </a:prstGeom>
+              <a:ln w="50800" cap="rnd">
+                <a:solidFill>
+                  <a:schemeClr val="bg1"/>
+                </a:solidFill>
+                <a:round/>
+                <a:headEnd type="oval" w="sm" len="med"/>
+                <a:tailEnd w="sm" len="med"/>
+              </a:ln>
+            </p:spPr>
+            <p:style>
+              <a:lnRef idx="1">
+                <a:schemeClr val="accent1"/>
+              </a:lnRef>
+              <a:fillRef idx="0">
+                <a:schemeClr val="accent1"/>
+              </a:fillRef>
+              <a:effectRef idx="0">
+                <a:schemeClr val="accent1"/>
+              </a:effectRef>
+              <a:fontRef idx="minor">
+                <a:schemeClr val="tx1"/>
+              </a:fontRef>
+            </p:style>
+          </p:cxnSp>
+          <p:cxnSp>
+            <p:nvCxnSpPr>
+              <p:cNvPr id="623" name="Rak 622">
+                <a:extLst>
+                  <a:ext uri="{FF2B5EF4-FFF2-40B4-BE49-F238E27FC236}">
+                    <a16:creationId xmlns:a16="http://schemas.microsoft.com/office/drawing/2014/main" id="{79D01783-0C13-5E47-B91D-18DD0BEDD3F8}"/>
+                  </a:ext>
+                </a:extLst>
+              </p:cNvPr>
+              <p:cNvCxnSpPr>
+                <a:cxnSpLocks/>
+                <a:stCxn id="627" idx="0"/>
+              </p:cNvCxnSpPr>
+              <p:nvPr/>
+            </p:nvCxnSpPr>
+            <p:spPr>
+              <a:xfrm>
+                <a:off x="6735120" y="2862733"/>
+                <a:ext cx="1883" cy="336127"/>
+              </a:xfrm>
+              <a:prstGeom prst="line">
+                <a:avLst/>
+              </a:prstGeom>
+              <a:ln w="50800" cap="rnd">
+                <a:solidFill>
+                  <a:schemeClr val="bg1"/>
+                </a:solidFill>
+                <a:round/>
+                <a:headEnd w="sm" len="med"/>
+                <a:tailEnd type="oval" w="sm" len="med"/>
+              </a:ln>
+            </p:spPr>
+            <p:style>
+              <a:lnRef idx="1">
+                <a:schemeClr val="accent1"/>
+              </a:lnRef>
+              <a:fillRef idx="0">
+                <a:schemeClr val="accent1"/>
+              </a:fillRef>
+              <a:effectRef idx="0">
+                <a:schemeClr val="accent1"/>
+              </a:effectRef>
+              <a:fontRef idx="minor">
+                <a:schemeClr val="tx1"/>
+              </a:fontRef>
+            </p:style>
+          </p:cxnSp>
+          <p:cxnSp>
+            <p:nvCxnSpPr>
+              <p:cNvPr id="624" name="Rak 623">
+                <a:extLst>
+                  <a:ext uri="{FF2B5EF4-FFF2-40B4-BE49-F238E27FC236}">
+                    <a16:creationId xmlns:a16="http://schemas.microsoft.com/office/drawing/2014/main" id="{54F1B971-AEA2-A54C-A9E4-51A99A50614D}"/>
+                  </a:ext>
+                </a:extLst>
+              </p:cNvPr>
+              <p:cNvCxnSpPr>
+                <a:cxnSpLocks/>
+                <a:stCxn id="627" idx="5"/>
+              </p:cNvCxnSpPr>
+              <p:nvPr/>
+            </p:nvCxnSpPr>
+            <p:spPr>
+              <a:xfrm>
+                <a:off x="6892752" y="2771303"/>
+                <a:ext cx="292426" cy="167606"/>
+              </a:xfrm>
+              <a:prstGeom prst="line">
+                <a:avLst/>
+              </a:prstGeom>
+              <a:ln w="50800" cap="rnd">
+                <a:solidFill>
+                  <a:schemeClr val="bg1"/>
+                </a:solidFill>
+                <a:round/>
+                <a:headEnd w="sm" len="med"/>
+                <a:tailEnd type="oval" w="sm" len="med"/>
+              </a:ln>
+            </p:spPr>
+            <p:style>
+              <a:lnRef idx="1">
+                <a:schemeClr val="accent1"/>
+              </a:lnRef>
+              <a:fillRef idx="0">
+                <a:schemeClr val="accent1"/>
+              </a:fillRef>
+              <a:effectRef idx="0">
+                <a:schemeClr val="accent1"/>
+              </a:effectRef>
+              <a:fontRef idx="minor">
+                <a:schemeClr val="tx1"/>
+              </a:fontRef>
+            </p:style>
+          </p:cxnSp>
+          <p:cxnSp>
+            <p:nvCxnSpPr>
+              <p:cNvPr id="625" name="Rak 624">
+                <a:extLst>
+                  <a:ext uri="{FF2B5EF4-FFF2-40B4-BE49-F238E27FC236}">
+                    <a16:creationId xmlns:a16="http://schemas.microsoft.com/office/drawing/2014/main" id="{85E97AC3-39D0-0240-9388-BBD3BFD05FB7}"/>
+                  </a:ext>
+                </a:extLst>
+              </p:cNvPr>
+              <p:cNvCxnSpPr>
+                <a:cxnSpLocks/>
+                <a:stCxn id="627" idx="1"/>
+              </p:cNvCxnSpPr>
+              <p:nvPr/>
+            </p:nvCxnSpPr>
+            <p:spPr>
+              <a:xfrm flipH="1">
+                <a:off x="6288828" y="2771303"/>
+                <a:ext cx="288660" cy="167606"/>
+              </a:xfrm>
+              <a:prstGeom prst="line">
+                <a:avLst/>
+              </a:prstGeom>
+              <a:ln w="50800" cap="rnd">
+                <a:solidFill>
+                  <a:schemeClr val="bg1"/>
+                </a:solidFill>
+                <a:round/>
+                <a:headEnd w="sm" len="med"/>
+                <a:tailEnd type="oval" w="sm" len="med"/>
+              </a:ln>
+            </p:spPr>
+            <p:style>
+              <a:lnRef idx="1">
+                <a:schemeClr val="accent1"/>
+              </a:lnRef>
+              <a:fillRef idx="0">
+                <a:schemeClr val="accent1"/>
+              </a:fillRef>
+              <a:effectRef idx="0">
+                <a:schemeClr val="accent1"/>
+              </a:effectRef>
+              <a:fontRef idx="minor">
+                <a:schemeClr val="tx1"/>
+              </a:fontRef>
+            </p:style>
+          </p:cxnSp>
+        </p:grpSp>
+      </p:grpSp>
+      <p:grpSp>
+        <p:nvGrpSpPr>
+          <p:cNvPr id="631" name="Grupp 630">
+            <a:extLst>
+              <a:ext uri="{FF2B5EF4-FFF2-40B4-BE49-F238E27FC236}">
+                <a16:creationId xmlns:a16="http://schemas.microsoft.com/office/drawing/2014/main" id="{E2238F63-F373-FB48-8505-9CA3838BB65A}"/>
+              </a:ext>
+            </a:extLst>
+          </p:cNvPr>
+          <p:cNvGrpSpPr/>
+          <p:nvPr/>
+        </p:nvGrpSpPr>
+        <p:grpSpPr>
+          <a:xfrm>
+            <a:off x="6776413" y="2868927"/>
+            <a:ext cx="2016522" cy="2329621"/>
+            <a:chOff x="591659" y="2599014"/>
+            <a:chExt cx="2016522" cy="2329621"/>
+          </a:xfrm>
+        </p:grpSpPr>
+        <p:sp>
+          <p:nvSpPr>
+            <p:cNvPr id="632" name="Hexagon 42">
+              <a:extLst>
+                <a:ext uri="{FF2B5EF4-FFF2-40B4-BE49-F238E27FC236}">
+                  <a16:creationId xmlns:a16="http://schemas.microsoft.com/office/drawing/2014/main" id="{1298EB93-402E-CD44-BD8A-ACC4A432201A}"/>
+                </a:ext>
+              </a:extLst>
+            </p:cNvPr>
+            <p:cNvSpPr/>
+            <p:nvPr/>
+          </p:nvSpPr>
+          <p:spPr>
+            <a:xfrm rot="5400000">
+              <a:off x="435109" y="2755564"/>
+              <a:ext cx="2329621" cy="2016522"/>
+            </a:xfrm>
+            <a:prstGeom prst="hexagon">
+              <a:avLst>
+                <a:gd name="adj" fmla="val 29001"/>
+                <a:gd name="vf" fmla="val 115470"/>
+              </a:avLst>
+            </a:prstGeom>
+            <a:solidFill>
+              <a:srgbClr val="210F31">
+                <a:alpha val="67451"/>
+              </a:srgbClr>
+            </a:solidFill>
+            <a:ln w="12700" cap="rnd">
+              <a:noFill/>
+              <a:miter lim="800000"/>
+            </a:ln>
+          </p:spPr>
+          <p:style>
+            <a:lnRef idx="2">
+              <a:schemeClr val="accent1">
+                <a:shade val="50000"/>
+              </a:schemeClr>
+            </a:lnRef>
+            <a:fillRef idx="1">
+              <a:schemeClr val="accent1"/>
+            </a:fillRef>
+            <a:effectRef idx="0">
+              <a:schemeClr val="accent1"/>
+            </a:effectRef>
+            <a:fontRef idx="minor">
+              <a:schemeClr val="lt1"/>
+            </a:fontRef>
+          </p:style>
+          <p:txBody>
+            <a:bodyPr rtlCol="0" anchor="ctr"/>
+            <a:lstStyle/>
+            <a:p>
+              <a:pPr algn="ctr"/>
+              <a:endParaRPr lang="sv-SE"/>
+            </a:p>
+          </p:txBody>
+        </p:sp>
+        <p:grpSp>
+          <p:nvGrpSpPr>
+            <p:cNvPr id="633" name="Grupp 632">
+              <a:extLst>
+                <a:ext uri="{FF2B5EF4-FFF2-40B4-BE49-F238E27FC236}">
+                  <a16:creationId xmlns:a16="http://schemas.microsoft.com/office/drawing/2014/main" id="{901C467C-5C42-A14B-8A02-D5BB81699791}"/>
+                </a:ext>
+              </a:extLst>
+            </p:cNvPr>
+            <p:cNvGrpSpPr/>
+            <p:nvPr/>
+          </p:nvGrpSpPr>
+          <p:grpSpPr>
+            <a:xfrm>
+              <a:off x="796948" y="2848863"/>
+              <a:ext cx="1613196" cy="1589464"/>
+              <a:chOff x="931384" y="3042784"/>
+              <a:chExt cx="1350396" cy="1330530"/>
+            </a:xfrm>
+          </p:grpSpPr>
+          <p:grpSp>
+            <p:nvGrpSpPr>
+              <p:cNvPr id="634" name="Grupp 633">
+                <a:extLst>
+                  <a:ext uri="{FF2B5EF4-FFF2-40B4-BE49-F238E27FC236}">
+                    <a16:creationId xmlns:a16="http://schemas.microsoft.com/office/drawing/2014/main" id="{24FEC775-B1F0-2D4E-AC26-D1A4613EDAF5}"/>
+                  </a:ext>
+                </a:extLst>
+              </p:cNvPr>
+              <p:cNvGrpSpPr/>
+              <p:nvPr/>
+            </p:nvGrpSpPr>
+            <p:grpSpPr>
+              <a:xfrm>
+                <a:off x="1289183" y="3445625"/>
+                <a:ext cx="628937" cy="720793"/>
+                <a:chOff x="2994469" y="3066722"/>
+                <a:chExt cx="628937" cy="720793"/>
+              </a:xfrm>
+            </p:grpSpPr>
+            <p:sp>
+              <p:nvSpPr>
+                <p:cNvPr id="647" name="Frihandsfigur 646">
+                  <a:extLst>
+                    <a:ext uri="{FF2B5EF4-FFF2-40B4-BE49-F238E27FC236}">
+                      <a16:creationId xmlns:a16="http://schemas.microsoft.com/office/drawing/2014/main" id="{BE88B760-B767-954A-A6F0-D198FB42EF21}"/>
+                    </a:ext>
+                  </a:extLst>
+                </p:cNvPr>
+                <p:cNvSpPr/>
+                <p:nvPr/>
+              </p:nvSpPr>
+              <p:spPr>
+                <a:xfrm>
+                  <a:off x="2994469" y="3243126"/>
+                  <a:ext cx="314427" cy="544389"/>
+                </a:xfrm>
+                <a:custGeom>
+                  <a:avLst/>
+                  <a:gdLst>
+                    <a:gd name="connsiteX0" fmla="*/ 38 w 194645"/>
+                    <a:gd name="connsiteY0" fmla="*/ 0 h 337002"/>
+                    <a:gd name="connsiteX1" fmla="*/ 194645 w 194645"/>
+                    <a:gd name="connsiteY1" fmla="*/ 112312 h 337002"/>
+                    <a:gd name="connsiteX2" fmla="*/ 194607 w 194645"/>
+                    <a:gd name="connsiteY2" fmla="*/ 337002 h 337002"/>
+                    <a:gd name="connsiteX3" fmla="*/ 0 w 194645"/>
+                    <a:gd name="connsiteY3" fmla="*/ 224690 h 337002"/>
+                  </a:gdLst>
+                  <a:ahLst/>
+                  <a:cxnLst>
+                    <a:cxn ang="0">
+                      <a:pos x="connsiteX0" y="connsiteY0"/>
+                    </a:cxn>
+                    <a:cxn ang="0">
+                      <a:pos x="connsiteX1" y="connsiteY1"/>
+                    </a:cxn>
+                    <a:cxn ang="0">
+                      <a:pos x="connsiteX2" y="connsiteY2"/>
+                    </a:cxn>
+                    <a:cxn ang="0">
+                      <a:pos x="connsiteX3" y="connsiteY3"/>
+                    </a:cxn>
+                  </a:cxnLst>
+                  <a:rect l="l" t="t" r="r" b="b"/>
+                  <a:pathLst>
+                    <a:path w="194645" h="337002">
+                      <a:moveTo>
+                        <a:pt x="38" y="0"/>
+                      </a:moveTo>
+                      <a:lnTo>
+                        <a:pt x="194645" y="112312"/>
+                      </a:lnTo>
+                      <a:lnTo>
+                        <a:pt x="194607" y="337002"/>
+                      </a:lnTo>
+                      <a:lnTo>
+                        <a:pt x="0" y="224690"/>
+                      </a:lnTo>
+                      <a:close/>
+                    </a:path>
+                  </a:pathLst>
+                </a:custGeom>
+                <a:solidFill>
+                  <a:srgbClr val="1181BD"/>
+                </a:solidFill>
+                <a:ln w="127000">
+                  <a:noFill/>
+                  <a:round/>
+                </a:ln>
+              </p:spPr>
+              <p:style>
+                <a:lnRef idx="2">
+                  <a:schemeClr val="accent1">
+                    <a:shade val="50000"/>
+                  </a:schemeClr>
+                </a:lnRef>
+                <a:fillRef idx="1">
+                  <a:schemeClr val="accent1"/>
+                </a:fillRef>
+                <a:effectRef idx="0">
+                  <a:schemeClr val="accent1"/>
+                </a:effectRef>
+                <a:fontRef idx="minor">
+                  <a:schemeClr val="lt1"/>
+                </a:fontRef>
+              </p:style>
+              <p:txBody>
+                <a:bodyPr wrap="square" rtlCol="0" anchor="ctr">
+                  <a:noAutofit/>
+                </a:bodyPr>
+                <a:lstStyle/>
+                <a:p>
+                  <a:pPr algn="ctr"/>
+                  <a:endParaRPr lang="sv-SE" dirty="0"/>
+                </a:p>
+              </p:txBody>
+            </p:sp>
+            <p:sp>
+              <p:nvSpPr>
+                <p:cNvPr id="648" name="Frihandsfigur 647">
+                  <a:extLst>
+                    <a:ext uri="{FF2B5EF4-FFF2-40B4-BE49-F238E27FC236}">
+                      <a16:creationId xmlns:a16="http://schemas.microsoft.com/office/drawing/2014/main" id="{BF857DA1-C2CB-2A46-9965-578E19354555}"/>
+                    </a:ext>
+                  </a:extLst>
+                </p:cNvPr>
+                <p:cNvSpPr/>
+                <p:nvPr/>
+              </p:nvSpPr>
+              <p:spPr>
+                <a:xfrm>
+                  <a:off x="3308833" y="3243124"/>
+                  <a:ext cx="314427" cy="544389"/>
+                </a:xfrm>
+                <a:custGeom>
+                  <a:avLst/>
+                  <a:gdLst>
+                    <a:gd name="connsiteX0" fmla="*/ 194607 w 194645"/>
+                    <a:gd name="connsiteY0" fmla="*/ 0 h 337002"/>
+                    <a:gd name="connsiteX1" fmla="*/ 194645 w 194645"/>
+                    <a:gd name="connsiteY1" fmla="*/ 224690 h 337002"/>
+                    <a:gd name="connsiteX2" fmla="*/ 38 w 194645"/>
+                    <a:gd name="connsiteY2" fmla="*/ 337002 h 337002"/>
+                    <a:gd name="connsiteX3" fmla="*/ 0 w 194645"/>
+                    <a:gd name="connsiteY3" fmla="*/ 112312 h 337002"/>
+                  </a:gdLst>
+                  <a:ahLst/>
+                  <a:cxnLst>
+                    <a:cxn ang="0">
+                      <a:pos x="connsiteX0" y="connsiteY0"/>
+                    </a:cxn>
+                    <a:cxn ang="0">
+                      <a:pos x="connsiteX1" y="connsiteY1"/>
+                    </a:cxn>
+                    <a:cxn ang="0">
+                      <a:pos x="connsiteX2" y="connsiteY2"/>
+                    </a:cxn>
+                    <a:cxn ang="0">
+                      <a:pos x="connsiteX3" y="connsiteY3"/>
+                    </a:cxn>
+                  </a:cxnLst>
+                  <a:rect l="l" t="t" r="r" b="b"/>
+                  <a:pathLst>
+                    <a:path w="194645" h="337002">
+                      <a:moveTo>
+                        <a:pt x="194607" y="0"/>
+                      </a:moveTo>
+                      <a:lnTo>
+                        <a:pt x="194645" y="224690"/>
+                      </a:lnTo>
+                      <a:lnTo>
+                        <a:pt x="38" y="337002"/>
+                      </a:lnTo>
+                      <a:lnTo>
+                        <a:pt x="0" y="112312"/>
+                      </a:lnTo>
+                      <a:close/>
+                    </a:path>
+                  </a:pathLst>
+                </a:custGeom>
+                <a:solidFill>
+                  <a:srgbClr val="0E618F"/>
+                </a:solidFill>
+                <a:ln w="127000">
+                  <a:noFill/>
+                  <a:round/>
+                </a:ln>
+              </p:spPr>
+              <p:style>
+                <a:lnRef idx="2">
+                  <a:schemeClr val="accent1">
+                    <a:shade val="50000"/>
+                  </a:schemeClr>
+                </a:lnRef>
+                <a:fillRef idx="1">
+                  <a:schemeClr val="accent1"/>
+                </a:fillRef>
+                <a:effectRef idx="0">
+                  <a:schemeClr val="accent1"/>
+                </a:effectRef>
+                <a:fontRef idx="minor">
+                  <a:schemeClr val="lt1"/>
+                </a:fontRef>
+              </p:style>
+              <p:txBody>
+                <a:bodyPr wrap="square" rtlCol="0" anchor="ctr">
+                  <a:noAutofit/>
+                </a:bodyPr>
+                <a:lstStyle/>
+                <a:p>
+                  <a:pPr algn="ctr"/>
+                  <a:endParaRPr lang="sv-SE" dirty="0"/>
+                </a:p>
+              </p:txBody>
+            </p:sp>
+            <p:sp>
+              <p:nvSpPr>
+                <p:cNvPr id="649" name="Frihandsfigur 648">
+                  <a:extLst>
+                    <a:ext uri="{FF2B5EF4-FFF2-40B4-BE49-F238E27FC236}">
+                      <a16:creationId xmlns:a16="http://schemas.microsoft.com/office/drawing/2014/main" id="{0B449453-061E-DC48-AE04-D12F55EACE26}"/>
+                    </a:ext>
+                  </a:extLst>
+                </p:cNvPr>
+                <p:cNvSpPr/>
+                <p:nvPr/>
+              </p:nvSpPr>
+              <p:spPr>
+                <a:xfrm>
+                  <a:off x="2995044" y="3066722"/>
+                  <a:ext cx="628362" cy="363068"/>
+                </a:xfrm>
+                <a:custGeom>
+                  <a:avLst/>
+                  <a:gdLst>
+                    <a:gd name="connsiteX0" fmla="*/ 194493 w 388985"/>
+                    <a:gd name="connsiteY0" fmla="*/ 0 h 224756"/>
+                    <a:gd name="connsiteX1" fmla="*/ 388985 w 388985"/>
+                    <a:gd name="connsiteY1" fmla="*/ 112378 h 224756"/>
+                    <a:gd name="connsiteX2" fmla="*/ 194493 w 388985"/>
+                    <a:gd name="connsiteY2" fmla="*/ 224756 h 224756"/>
+                    <a:gd name="connsiteX3" fmla="*/ 0 w 388985"/>
+                    <a:gd name="connsiteY3" fmla="*/ 112378 h 224756"/>
+                  </a:gdLst>
+                  <a:ahLst/>
+                  <a:cxnLst>
+                    <a:cxn ang="0">
+                      <a:pos x="connsiteX0" y="connsiteY0"/>
+                    </a:cxn>
+                    <a:cxn ang="0">
+                      <a:pos x="connsiteX1" y="connsiteY1"/>
+                    </a:cxn>
+                    <a:cxn ang="0">
+                      <a:pos x="connsiteX2" y="connsiteY2"/>
+                    </a:cxn>
+                    <a:cxn ang="0">
+                      <a:pos x="connsiteX3" y="connsiteY3"/>
+                    </a:cxn>
+                  </a:cxnLst>
+                  <a:rect l="l" t="t" r="r" b="b"/>
+                  <a:pathLst>
+                    <a:path w="388985" h="224756">
+                      <a:moveTo>
+                        <a:pt x="194493" y="0"/>
+                      </a:moveTo>
+                      <a:lnTo>
+                        <a:pt x="388985" y="112378"/>
+                      </a:lnTo>
+                      <a:lnTo>
+                        <a:pt x="194493" y="224756"/>
+                      </a:lnTo>
+                      <a:lnTo>
+                        <a:pt x="0" y="112378"/>
+                      </a:lnTo>
+                      <a:close/>
+                    </a:path>
+                  </a:pathLst>
+                </a:custGeom>
+                <a:solidFill>
+                  <a:srgbClr val="5DA4E7"/>
+                </a:solidFill>
+                <a:ln w="127000">
+                  <a:noFill/>
+                  <a:round/>
+                </a:ln>
+              </p:spPr>
+              <p:style>
+                <a:lnRef idx="2">
+                  <a:schemeClr val="accent1">
+                    <a:shade val="50000"/>
+                  </a:schemeClr>
+                </a:lnRef>
+                <a:fillRef idx="1">
+                  <a:schemeClr val="accent1"/>
+                </a:fillRef>
+                <a:effectRef idx="0">
+                  <a:schemeClr val="accent1"/>
+                </a:effectRef>
+                <a:fontRef idx="minor">
+                  <a:schemeClr val="lt1"/>
+                </a:fontRef>
+              </p:style>
+              <p:txBody>
+                <a:bodyPr wrap="square" rtlCol="0" anchor="ctr">
+                  <a:noAutofit/>
+                </a:bodyPr>
+                <a:lstStyle/>
+                <a:p>
+                  <a:pPr algn="ctr"/>
+                  <a:endParaRPr lang="sv-SE" dirty="0"/>
+                </a:p>
+              </p:txBody>
+            </p:sp>
+          </p:grpSp>
+          <p:grpSp>
+            <p:nvGrpSpPr>
+              <p:cNvPr id="635" name="Grupp 634">
+                <a:extLst>
+                  <a:ext uri="{FF2B5EF4-FFF2-40B4-BE49-F238E27FC236}">
+                    <a16:creationId xmlns:a16="http://schemas.microsoft.com/office/drawing/2014/main" id="{1ECE45DE-F850-A149-BFC6-A3E7ED1AF2ED}"/>
+                  </a:ext>
+                </a:extLst>
+              </p:cNvPr>
+              <p:cNvGrpSpPr/>
+              <p:nvPr/>
+            </p:nvGrpSpPr>
+            <p:grpSpPr>
+              <a:xfrm>
+                <a:off x="1652843" y="3652521"/>
+                <a:ext cx="628937" cy="720793"/>
+                <a:chOff x="2994469" y="3066722"/>
+                <a:chExt cx="628937" cy="720793"/>
+              </a:xfrm>
+            </p:grpSpPr>
+            <p:sp>
+              <p:nvSpPr>
+                <p:cNvPr id="644" name="Frihandsfigur 643">
+                  <a:extLst>
+                    <a:ext uri="{FF2B5EF4-FFF2-40B4-BE49-F238E27FC236}">
+                      <a16:creationId xmlns:a16="http://schemas.microsoft.com/office/drawing/2014/main" id="{50B02715-A513-3045-8BE3-A11F35093CA1}"/>
+                    </a:ext>
+                  </a:extLst>
+                </p:cNvPr>
+                <p:cNvSpPr/>
+                <p:nvPr/>
+              </p:nvSpPr>
+              <p:spPr>
+                <a:xfrm>
+                  <a:off x="2994469" y="3243126"/>
+                  <a:ext cx="314427" cy="544389"/>
+                </a:xfrm>
+                <a:custGeom>
+                  <a:avLst/>
+                  <a:gdLst>
+                    <a:gd name="connsiteX0" fmla="*/ 38 w 194645"/>
+                    <a:gd name="connsiteY0" fmla="*/ 0 h 337002"/>
+                    <a:gd name="connsiteX1" fmla="*/ 194645 w 194645"/>
+                    <a:gd name="connsiteY1" fmla="*/ 112312 h 337002"/>
+                    <a:gd name="connsiteX2" fmla="*/ 194607 w 194645"/>
+                    <a:gd name="connsiteY2" fmla="*/ 337002 h 337002"/>
+                    <a:gd name="connsiteX3" fmla="*/ 0 w 194645"/>
+                    <a:gd name="connsiteY3" fmla="*/ 224690 h 337002"/>
+                  </a:gdLst>
+                  <a:ahLst/>
+                  <a:cxnLst>
+                    <a:cxn ang="0">
+                      <a:pos x="connsiteX0" y="connsiteY0"/>
+                    </a:cxn>
+                    <a:cxn ang="0">
+                      <a:pos x="connsiteX1" y="connsiteY1"/>
+                    </a:cxn>
+                    <a:cxn ang="0">
+                      <a:pos x="connsiteX2" y="connsiteY2"/>
+                    </a:cxn>
+                    <a:cxn ang="0">
+                      <a:pos x="connsiteX3" y="connsiteY3"/>
+                    </a:cxn>
+                  </a:cxnLst>
+                  <a:rect l="l" t="t" r="r" b="b"/>
+                  <a:pathLst>
+                    <a:path w="194645" h="337002">
+                      <a:moveTo>
+                        <a:pt x="38" y="0"/>
+                      </a:moveTo>
+                      <a:lnTo>
+                        <a:pt x="194645" y="112312"/>
+                      </a:lnTo>
+                      <a:lnTo>
+                        <a:pt x="194607" y="337002"/>
+                      </a:lnTo>
+                      <a:lnTo>
+                        <a:pt x="0" y="224690"/>
+                      </a:lnTo>
+                      <a:close/>
+                    </a:path>
+                  </a:pathLst>
+                </a:custGeom>
+                <a:solidFill>
+                  <a:srgbClr val="8C42C7"/>
+                </a:solidFill>
+                <a:ln w="127000">
+                  <a:noFill/>
+                  <a:round/>
+                </a:ln>
+              </p:spPr>
+              <p:style>
+                <a:lnRef idx="2">
+                  <a:schemeClr val="accent1">
+                    <a:shade val="50000"/>
+                  </a:schemeClr>
+                </a:lnRef>
+                <a:fillRef idx="1">
+                  <a:schemeClr val="accent1"/>
+                </a:fillRef>
+                <a:effectRef idx="0">
+                  <a:schemeClr val="accent1"/>
+                </a:effectRef>
+                <a:fontRef idx="minor">
+                  <a:schemeClr val="lt1"/>
+                </a:fontRef>
+              </p:style>
+              <p:txBody>
+                <a:bodyPr wrap="square" rtlCol="0" anchor="ctr">
+                  <a:noAutofit/>
+                </a:bodyPr>
+                <a:lstStyle/>
+                <a:p>
+                  <a:pPr algn="ctr"/>
+                  <a:endParaRPr lang="sv-SE" dirty="0"/>
+                </a:p>
+              </p:txBody>
+            </p:sp>
+            <p:sp>
+              <p:nvSpPr>
+                <p:cNvPr id="645" name="Frihandsfigur 644">
+                  <a:extLst>
+                    <a:ext uri="{FF2B5EF4-FFF2-40B4-BE49-F238E27FC236}">
+                      <a16:creationId xmlns:a16="http://schemas.microsoft.com/office/drawing/2014/main" id="{5809EFA9-836D-FA4D-A703-4F55A1691087}"/>
+                    </a:ext>
+                  </a:extLst>
+                </p:cNvPr>
+                <p:cNvSpPr/>
+                <p:nvPr/>
+              </p:nvSpPr>
+              <p:spPr>
+                <a:xfrm>
+                  <a:off x="3308833" y="3243124"/>
+                  <a:ext cx="314427" cy="544389"/>
+                </a:xfrm>
+                <a:custGeom>
+                  <a:avLst/>
+                  <a:gdLst>
+                    <a:gd name="connsiteX0" fmla="*/ 194607 w 194645"/>
+                    <a:gd name="connsiteY0" fmla="*/ 0 h 337002"/>
+                    <a:gd name="connsiteX1" fmla="*/ 194645 w 194645"/>
+                    <a:gd name="connsiteY1" fmla="*/ 224690 h 337002"/>
+                    <a:gd name="connsiteX2" fmla="*/ 38 w 194645"/>
+                    <a:gd name="connsiteY2" fmla="*/ 337002 h 337002"/>
+                    <a:gd name="connsiteX3" fmla="*/ 0 w 194645"/>
+                    <a:gd name="connsiteY3" fmla="*/ 112312 h 337002"/>
+                  </a:gdLst>
+                  <a:ahLst/>
+                  <a:cxnLst>
+                    <a:cxn ang="0">
+                      <a:pos x="connsiteX0" y="connsiteY0"/>
+                    </a:cxn>
+                    <a:cxn ang="0">
+                      <a:pos x="connsiteX1" y="connsiteY1"/>
+                    </a:cxn>
+                    <a:cxn ang="0">
+                      <a:pos x="connsiteX2" y="connsiteY2"/>
+                    </a:cxn>
+                    <a:cxn ang="0">
+                      <a:pos x="connsiteX3" y="connsiteY3"/>
+                    </a:cxn>
+                  </a:cxnLst>
+                  <a:rect l="l" t="t" r="r" b="b"/>
+                  <a:pathLst>
+                    <a:path w="194645" h="337002">
+                      <a:moveTo>
+                        <a:pt x="194607" y="0"/>
+                      </a:moveTo>
+                      <a:lnTo>
+                        <a:pt x="194645" y="224690"/>
+                      </a:lnTo>
+                      <a:lnTo>
+                        <a:pt x="38" y="337002"/>
+                      </a:lnTo>
+                      <a:lnTo>
+                        <a:pt x="0" y="112312"/>
+                      </a:lnTo>
+                      <a:close/>
+                    </a:path>
+                  </a:pathLst>
+                </a:custGeom>
+                <a:solidFill>
+                  <a:srgbClr val="7030A0"/>
+                </a:solidFill>
+                <a:ln w="127000">
+                  <a:noFill/>
+                  <a:round/>
+                </a:ln>
+              </p:spPr>
+              <p:style>
+                <a:lnRef idx="2">
+                  <a:schemeClr val="accent1">
+                    <a:shade val="50000"/>
+                  </a:schemeClr>
+                </a:lnRef>
+                <a:fillRef idx="1">
+                  <a:schemeClr val="accent1"/>
+                </a:fillRef>
+                <a:effectRef idx="0">
+                  <a:schemeClr val="accent1"/>
+                </a:effectRef>
+                <a:fontRef idx="minor">
+                  <a:schemeClr val="lt1"/>
+                </a:fontRef>
+              </p:style>
+              <p:txBody>
+                <a:bodyPr wrap="square" rtlCol="0" anchor="ctr">
+                  <a:noAutofit/>
+                </a:bodyPr>
+                <a:lstStyle/>
+                <a:p>
+                  <a:pPr algn="ctr"/>
+                  <a:endParaRPr lang="sv-SE" dirty="0"/>
+                </a:p>
+              </p:txBody>
+            </p:sp>
+            <p:sp>
+              <p:nvSpPr>
+                <p:cNvPr id="646" name="Frihandsfigur 645">
+                  <a:extLst>
+                    <a:ext uri="{FF2B5EF4-FFF2-40B4-BE49-F238E27FC236}">
+                      <a16:creationId xmlns:a16="http://schemas.microsoft.com/office/drawing/2014/main" id="{B8F45E3C-3CB2-2546-A850-8D790AFB11F1}"/>
+                    </a:ext>
+                  </a:extLst>
+                </p:cNvPr>
+                <p:cNvSpPr/>
+                <p:nvPr/>
+              </p:nvSpPr>
+              <p:spPr>
+                <a:xfrm>
+                  <a:off x="2995044" y="3066722"/>
+                  <a:ext cx="628362" cy="363068"/>
+                </a:xfrm>
+                <a:custGeom>
+                  <a:avLst/>
+                  <a:gdLst>
+                    <a:gd name="connsiteX0" fmla="*/ 194493 w 388985"/>
+                    <a:gd name="connsiteY0" fmla="*/ 0 h 224756"/>
+                    <a:gd name="connsiteX1" fmla="*/ 388985 w 388985"/>
+                    <a:gd name="connsiteY1" fmla="*/ 112378 h 224756"/>
+                    <a:gd name="connsiteX2" fmla="*/ 194493 w 388985"/>
+                    <a:gd name="connsiteY2" fmla="*/ 224756 h 224756"/>
+                    <a:gd name="connsiteX3" fmla="*/ 0 w 388985"/>
+                    <a:gd name="connsiteY3" fmla="*/ 112378 h 224756"/>
+                  </a:gdLst>
+                  <a:ahLst/>
+                  <a:cxnLst>
+                    <a:cxn ang="0">
+                      <a:pos x="connsiteX0" y="connsiteY0"/>
+                    </a:cxn>
+                    <a:cxn ang="0">
+                      <a:pos x="connsiteX1" y="connsiteY1"/>
+                    </a:cxn>
+                    <a:cxn ang="0">
+                      <a:pos x="connsiteX2" y="connsiteY2"/>
+                    </a:cxn>
+                    <a:cxn ang="0">
+                      <a:pos x="connsiteX3" y="connsiteY3"/>
+                    </a:cxn>
+                  </a:cxnLst>
+                  <a:rect l="l" t="t" r="r" b="b"/>
+                  <a:pathLst>
+                    <a:path w="388985" h="224756">
+                      <a:moveTo>
+                        <a:pt x="194493" y="0"/>
+                      </a:moveTo>
+                      <a:lnTo>
+                        <a:pt x="388985" y="112378"/>
+                      </a:lnTo>
+                      <a:lnTo>
+                        <a:pt x="194493" y="224756"/>
+                      </a:lnTo>
+                      <a:lnTo>
+                        <a:pt x="0" y="112378"/>
+                      </a:lnTo>
+                      <a:close/>
+                    </a:path>
+                  </a:pathLst>
+                </a:custGeom>
+                <a:solidFill>
+                  <a:srgbClr val="B07CF2"/>
+                </a:solidFill>
+                <a:ln w="127000">
+                  <a:noFill/>
+                  <a:round/>
+                </a:ln>
+              </p:spPr>
+              <p:style>
+                <a:lnRef idx="2">
+                  <a:schemeClr val="accent1">
+                    <a:shade val="50000"/>
+                  </a:schemeClr>
+                </a:lnRef>
+                <a:fillRef idx="1">
+                  <a:schemeClr val="accent1"/>
+                </a:fillRef>
+                <a:effectRef idx="0">
+                  <a:schemeClr val="accent1"/>
+                </a:effectRef>
+                <a:fontRef idx="minor">
+                  <a:schemeClr val="lt1"/>
+                </a:fontRef>
+              </p:style>
+              <p:txBody>
+                <a:bodyPr wrap="square" rtlCol="0" anchor="ctr">
+                  <a:noAutofit/>
+                </a:bodyPr>
+                <a:lstStyle/>
+                <a:p>
+                  <a:pPr algn="ctr"/>
+                  <a:endParaRPr lang="sv-SE" dirty="0"/>
+                </a:p>
+              </p:txBody>
+            </p:sp>
+          </p:grpSp>
+          <p:grpSp>
+            <p:nvGrpSpPr>
+              <p:cNvPr id="636" name="Grupp 635">
+                <a:extLst>
+                  <a:ext uri="{FF2B5EF4-FFF2-40B4-BE49-F238E27FC236}">
+                    <a16:creationId xmlns:a16="http://schemas.microsoft.com/office/drawing/2014/main" id="{8B113B53-AB64-3447-927C-9E8DB779574C}"/>
+                  </a:ext>
+                </a:extLst>
+              </p:cNvPr>
+              <p:cNvGrpSpPr/>
+              <p:nvPr/>
+            </p:nvGrpSpPr>
+            <p:grpSpPr>
+              <a:xfrm>
+                <a:off x="931384" y="3652521"/>
+                <a:ext cx="628937" cy="720793"/>
+                <a:chOff x="2994469" y="3066722"/>
+                <a:chExt cx="628937" cy="720793"/>
+              </a:xfrm>
+            </p:grpSpPr>
+            <p:sp>
+              <p:nvSpPr>
+                <p:cNvPr id="641" name="Frihandsfigur 640">
+                  <a:extLst>
+                    <a:ext uri="{FF2B5EF4-FFF2-40B4-BE49-F238E27FC236}">
+                      <a16:creationId xmlns:a16="http://schemas.microsoft.com/office/drawing/2014/main" id="{E44E75EE-879E-F149-8188-166AF6361CC5}"/>
+                    </a:ext>
+                  </a:extLst>
+                </p:cNvPr>
+                <p:cNvSpPr/>
+                <p:nvPr/>
+              </p:nvSpPr>
+              <p:spPr>
+                <a:xfrm>
+                  <a:off x="2994469" y="3243126"/>
+                  <a:ext cx="314427" cy="544389"/>
+                </a:xfrm>
+                <a:custGeom>
+                  <a:avLst/>
+                  <a:gdLst>
+                    <a:gd name="connsiteX0" fmla="*/ 38 w 194645"/>
+                    <a:gd name="connsiteY0" fmla="*/ 0 h 337002"/>
+                    <a:gd name="connsiteX1" fmla="*/ 194645 w 194645"/>
+                    <a:gd name="connsiteY1" fmla="*/ 112312 h 337002"/>
+                    <a:gd name="connsiteX2" fmla="*/ 194607 w 194645"/>
+                    <a:gd name="connsiteY2" fmla="*/ 337002 h 337002"/>
+                    <a:gd name="connsiteX3" fmla="*/ 0 w 194645"/>
+                    <a:gd name="connsiteY3" fmla="*/ 224690 h 337002"/>
+                  </a:gdLst>
+                  <a:ahLst/>
+                  <a:cxnLst>
+                    <a:cxn ang="0">
+                      <a:pos x="connsiteX0" y="connsiteY0"/>
+                    </a:cxn>
+                    <a:cxn ang="0">
+                      <a:pos x="connsiteX1" y="connsiteY1"/>
+                    </a:cxn>
+                    <a:cxn ang="0">
+                      <a:pos x="connsiteX2" y="connsiteY2"/>
+                    </a:cxn>
+                    <a:cxn ang="0">
+                      <a:pos x="connsiteX3" y="connsiteY3"/>
+                    </a:cxn>
+                  </a:cxnLst>
+                  <a:rect l="l" t="t" r="r" b="b"/>
+                  <a:pathLst>
+                    <a:path w="194645" h="337002">
+                      <a:moveTo>
+                        <a:pt x="38" y="0"/>
+                      </a:moveTo>
+                      <a:lnTo>
+                        <a:pt x="194645" y="112312"/>
+                      </a:lnTo>
+                      <a:lnTo>
+                        <a:pt x="194607" y="337002"/>
+                      </a:lnTo>
+                      <a:lnTo>
+                        <a:pt x="0" y="224690"/>
+                      </a:lnTo>
+                      <a:close/>
+                    </a:path>
+                  </a:pathLst>
+                </a:custGeom>
+                <a:solidFill>
+                  <a:srgbClr val="F45A21"/>
+                </a:solidFill>
+                <a:ln w="127000">
+                  <a:noFill/>
+                  <a:round/>
+                </a:ln>
+              </p:spPr>
+              <p:style>
+                <a:lnRef idx="2">
+                  <a:schemeClr val="accent1">
+                    <a:shade val="50000"/>
+                  </a:schemeClr>
+                </a:lnRef>
+                <a:fillRef idx="1">
+                  <a:schemeClr val="accent1"/>
+                </a:fillRef>
+                <a:effectRef idx="0">
+                  <a:schemeClr val="accent1"/>
+                </a:effectRef>
+                <a:fontRef idx="minor">
+                  <a:schemeClr val="lt1"/>
+                </a:fontRef>
+              </p:style>
+              <p:txBody>
+                <a:bodyPr wrap="square" rtlCol="0" anchor="ctr">
+                  <a:noAutofit/>
+                </a:bodyPr>
+                <a:lstStyle/>
+                <a:p>
+                  <a:pPr algn="ctr"/>
+                  <a:endParaRPr lang="sv-SE" dirty="0"/>
+                </a:p>
+              </p:txBody>
+            </p:sp>
+            <p:sp>
+              <p:nvSpPr>
+                <p:cNvPr id="642" name="Frihandsfigur 641">
+                  <a:extLst>
+                    <a:ext uri="{FF2B5EF4-FFF2-40B4-BE49-F238E27FC236}">
+                      <a16:creationId xmlns:a16="http://schemas.microsoft.com/office/drawing/2014/main" id="{7727CE5E-C9F0-1241-BE2D-A377067173BD}"/>
+                    </a:ext>
+                  </a:extLst>
+                </p:cNvPr>
+                <p:cNvSpPr/>
+                <p:nvPr/>
+              </p:nvSpPr>
+              <p:spPr>
+                <a:xfrm>
+                  <a:off x="3308833" y="3243124"/>
+                  <a:ext cx="314427" cy="544389"/>
+                </a:xfrm>
+                <a:custGeom>
+                  <a:avLst/>
+                  <a:gdLst>
+                    <a:gd name="connsiteX0" fmla="*/ 194607 w 194645"/>
+                    <a:gd name="connsiteY0" fmla="*/ 0 h 337002"/>
+                    <a:gd name="connsiteX1" fmla="*/ 194645 w 194645"/>
+                    <a:gd name="connsiteY1" fmla="*/ 224690 h 337002"/>
+                    <a:gd name="connsiteX2" fmla="*/ 38 w 194645"/>
+                    <a:gd name="connsiteY2" fmla="*/ 337002 h 337002"/>
+                    <a:gd name="connsiteX3" fmla="*/ 0 w 194645"/>
+                    <a:gd name="connsiteY3" fmla="*/ 112312 h 337002"/>
+                  </a:gdLst>
+                  <a:ahLst/>
+                  <a:cxnLst>
+                    <a:cxn ang="0">
+                      <a:pos x="connsiteX0" y="connsiteY0"/>
+                    </a:cxn>
+                    <a:cxn ang="0">
+                      <a:pos x="connsiteX1" y="connsiteY1"/>
+                    </a:cxn>
+                    <a:cxn ang="0">
+                      <a:pos x="connsiteX2" y="connsiteY2"/>
+                    </a:cxn>
+                    <a:cxn ang="0">
+                      <a:pos x="connsiteX3" y="connsiteY3"/>
+                    </a:cxn>
+                  </a:cxnLst>
+                  <a:rect l="l" t="t" r="r" b="b"/>
+                  <a:pathLst>
+                    <a:path w="194645" h="337002">
+                      <a:moveTo>
+                        <a:pt x="194607" y="0"/>
+                      </a:moveTo>
+                      <a:lnTo>
+                        <a:pt x="194645" y="224690"/>
+                      </a:lnTo>
+                      <a:lnTo>
+                        <a:pt x="38" y="337002"/>
+                      </a:lnTo>
+                      <a:lnTo>
+                        <a:pt x="0" y="112312"/>
+                      </a:lnTo>
+                      <a:close/>
+                    </a:path>
+                  </a:pathLst>
+                </a:custGeom>
+                <a:solidFill>
+                  <a:srgbClr val="C2481B"/>
+                </a:solidFill>
+                <a:ln w="127000">
+                  <a:noFill/>
+                  <a:round/>
+                </a:ln>
+              </p:spPr>
+              <p:style>
+                <a:lnRef idx="2">
+                  <a:schemeClr val="accent1">
+                    <a:shade val="50000"/>
+                  </a:schemeClr>
+                </a:lnRef>
+                <a:fillRef idx="1">
+                  <a:schemeClr val="accent1"/>
+                </a:fillRef>
+                <a:effectRef idx="0">
+                  <a:schemeClr val="accent1"/>
+                </a:effectRef>
+                <a:fontRef idx="minor">
+                  <a:schemeClr val="lt1"/>
+                </a:fontRef>
+              </p:style>
+              <p:txBody>
+                <a:bodyPr wrap="square" rtlCol="0" anchor="ctr">
+                  <a:noAutofit/>
+                </a:bodyPr>
+                <a:lstStyle/>
+                <a:p>
+                  <a:pPr algn="ctr"/>
+                  <a:endParaRPr lang="sv-SE" dirty="0"/>
+                </a:p>
+              </p:txBody>
+            </p:sp>
+            <p:sp>
+              <p:nvSpPr>
+                <p:cNvPr id="643" name="Frihandsfigur 642">
+                  <a:extLst>
+                    <a:ext uri="{FF2B5EF4-FFF2-40B4-BE49-F238E27FC236}">
+                      <a16:creationId xmlns:a16="http://schemas.microsoft.com/office/drawing/2014/main" id="{E2F28461-CD43-2546-B35A-5BA83182E796}"/>
+                    </a:ext>
+                  </a:extLst>
+                </p:cNvPr>
+                <p:cNvSpPr/>
+                <p:nvPr/>
+              </p:nvSpPr>
+              <p:spPr>
+                <a:xfrm>
+                  <a:off x="2995044" y="3066722"/>
+                  <a:ext cx="628362" cy="363068"/>
+                </a:xfrm>
+                <a:custGeom>
+                  <a:avLst/>
+                  <a:gdLst>
+                    <a:gd name="connsiteX0" fmla="*/ 194493 w 388985"/>
+                    <a:gd name="connsiteY0" fmla="*/ 0 h 224756"/>
+                    <a:gd name="connsiteX1" fmla="*/ 388985 w 388985"/>
+                    <a:gd name="connsiteY1" fmla="*/ 112378 h 224756"/>
+                    <a:gd name="connsiteX2" fmla="*/ 194493 w 388985"/>
+                    <a:gd name="connsiteY2" fmla="*/ 224756 h 224756"/>
+                    <a:gd name="connsiteX3" fmla="*/ 0 w 388985"/>
+                    <a:gd name="connsiteY3" fmla="*/ 112378 h 224756"/>
+                  </a:gdLst>
+                  <a:ahLst/>
+                  <a:cxnLst>
+                    <a:cxn ang="0">
+                      <a:pos x="connsiteX0" y="connsiteY0"/>
+                    </a:cxn>
+                    <a:cxn ang="0">
+                      <a:pos x="connsiteX1" y="connsiteY1"/>
+                    </a:cxn>
+                    <a:cxn ang="0">
+                      <a:pos x="connsiteX2" y="connsiteY2"/>
+                    </a:cxn>
+                    <a:cxn ang="0">
+                      <a:pos x="connsiteX3" y="connsiteY3"/>
+                    </a:cxn>
+                  </a:cxnLst>
+                  <a:rect l="l" t="t" r="r" b="b"/>
+                  <a:pathLst>
+                    <a:path w="388985" h="224756">
+                      <a:moveTo>
+                        <a:pt x="194493" y="0"/>
+                      </a:moveTo>
+                      <a:lnTo>
+                        <a:pt x="388985" y="112378"/>
+                      </a:lnTo>
+                      <a:lnTo>
+                        <a:pt x="194493" y="224756"/>
+                      </a:lnTo>
+                      <a:lnTo>
+                        <a:pt x="0" y="112378"/>
+                      </a:lnTo>
+                      <a:close/>
+                    </a:path>
+                  </a:pathLst>
+                </a:custGeom>
+                <a:solidFill>
+                  <a:srgbClr val="FF7940"/>
+                </a:solidFill>
+                <a:ln w="127000">
+                  <a:noFill/>
+                  <a:round/>
+                </a:ln>
+              </p:spPr>
+              <p:style>
+                <a:lnRef idx="2">
+                  <a:schemeClr val="accent1">
+                    <a:shade val="50000"/>
+                  </a:schemeClr>
+                </a:lnRef>
+                <a:fillRef idx="1">
+                  <a:schemeClr val="accent1"/>
+                </a:fillRef>
+                <a:effectRef idx="0">
+                  <a:schemeClr val="accent1"/>
+                </a:effectRef>
+                <a:fontRef idx="minor">
+                  <a:schemeClr val="lt1"/>
+                </a:fontRef>
+              </p:style>
+              <p:txBody>
+                <a:bodyPr wrap="square" rtlCol="0" anchor="ctr">
+                  <a:noAutofit/>
+                </a:bodyPr>
+                <a:lstStyle/>
+                <a:p>
+                  <a:pPr algn="ctr"/>
+                  <a:endParaRPr lang="sv-SE" dirty="0"/>
+                </a:p>
+              </p:txBody>
+            </p:sp>
+          </p:grpSp>
+          <p:grpSp>
+            <p:nvGrpSpPr>
+              <p:cNvPr id="637" name="Grupp 636">
+                <a:extLst>
+                  <a:ext uri="{FF2B5EF4-FFF2-40B4-BE49-F238E27FC236}">
+                    <a16:creationId xmlns:a16="http://schemas.microsoft.com/office/drawing/2014/main" id="{4C6CF44F-CB9C-2149-A741-F181A5ED5EFA}"/>
+                  </a:ext>
+                </a:extLst>
+              </p:cNvPr>
+              <p:cNvGrpSpPr/>
+              <p:nvPr/>
+            </p:nvGrpSpPr>
+            <p:grpSpPr>
+              <a:xfrm>
+                <a:off x="1289183" y="3042784"/>
+                <a:ext cx="628937" cy="720793"/>
+                <a:chOff x="2994469" y="3066722"/>
+                <a:chExt cx="628937" cy="720793"/>
+              </a:xfrm>
+            </p:grpSpPr>
+            <p:sp>
+              <p:nvSpPr>
+                <p:cNvPr id="638" name="Frihandsfigur 637">
+                  <a:extLst>
+                    <a:ext uri="{FF2B5EF4-FFF2-40B4-BE49-F238E27FC236}">
+                      <a16:creationId xmlns:a16="http://schemas.microsoft.com/office/drawing/2014/main" id="{570F9546-18E3-924E-8AA7-7B5BD290ABAC}"/>
+                    </a:ext>
+                  </a:extLst>
+                </p:cNvPr>
+                <p:cNvSpPr/>
+                <p:nvPr/>
+              </p:nvSpPr>
+              <p:spPr>
+                <a:xfrm>
+                  <a:off x="2994469" y="3243126"/>
+                  <a:ext cx="314427" cy="544389"/>
+                </a:xfrm>
+                <a:custGeom>
+                  <a:avLst/>
+                  <a:gdLst>
+                    <a:gd name="connsiteX0" fmla="*/ 38 w 194645"/>
+                    <a:gd name="connsiteY0" fmla="*/ 0 h 337002"/>
+                    <a:gd name="connsiteX1" fmla="*/ 194645 w 194645"/>
+                    <a:gd name="connsiteY1" fmla="*/ 112312 h 337002"/>
+                    <a:gd name="connsiteX2" fmla="*/ 194607 w 194645"/>
+                    <a:gd name="connsiteY2" fmla="*/ 337002 h 337002"/>
+                    <a:gd name="connsiteX3" fmla="*/ 0 w 194645"/>
+                    <a:gd name="connsiteY3" fmla="*/ 224690 h 337002"/>
+                  </a:gdLst>
+                  <a:ahLst/>
+                  <a:cxnLst>
+                    <a:cxn ang="0">
+                      <a:pos x="connsiteX0" y="connsiteY0"/>
+                    </a:cxn>
+                    <a:cxn ang="0">
+                      <a:pos x="connsiteX1" y="connsiteY1"/>
+                    </a:cxn>
+                    <a:cxn ang="0">
+                      <a:pos x="connsiteX2" y="connsiteY2"/>
+                    </a:cxn>
+                    <a:cxn ang="0">
+                      <a:pos x="connsiteX3" y="connsiteY3"/>
+                    </a:cxn>
+                  </a:cxnLst>
+                  <a:rect l="l" t="t" r="r" b="b"/>
+                  <a:pathLst>
+                    <a:path w="194645" h="337002">
+                      <a:moveTo>
+                        <a:pt x="38" y="0"/>
+                      </a:moveTo>
+                      <a:lnTo>
+                        <a:pt x="194645" y="112312"/>
+                      </a:lnTo>
+                      <a:lnTo>
+                        <a:pt x="194607" y="337002"/>
+                      </a:lnTo>
+                      <a:lnTo>
+                        <a:pt x="0" y="224690"/>
+                      </a:lnTo>
+                      <a:close/>
+                    </a:path>
+                  </a:pathLst>
+                </a:custGeom>
+                <a:solidFill>
+                  <a:srgbClr val="E5AD00"/>
+                </a:solidFill>
+                <a:ln w="127000">
+                  <a:noFill/>
+                  <a:round/>
+                </a:ln>
+              </p:spPr>
+              <p:style>
+                <a:lnRef idx="2">
+                  <a:schemeClr val="accent1">
+                    <a:shade val="50000"/>
+                  </a:schemeClr>
+                </a:lnRef>
+                <a:fillRef idx="1">
+                  <a:schemeClr val="accent1"/>
+                </a:fillRef>
+                <a:effectRef idx="0">
+                  <a:schemeClr val="accent1"/>
+                </a:effectRef>
+                <a:fontRef idx="minor">
+                  <a:schemeClr val="lt1"/>
+                </a:fontRef>
+              </p:style>
+              <p:txBody>
+                <a:bodyPr wrap="square" rtlCol="0" anchor="ctr">
+                  <a:noAutofit/>
+                </a:bodyPr>
+                <a:lstStyle/>
+                <a:p>
+                  <a:pPr algn="ctr"/>
+                  <a:endParaRPr lang="sv-SE" dirty="0"/>
+                </a:p>
+              </p:txBody>
+            </p:sp>
+            <p:sp>
+              <p:nvSpPr>
+                <p:cNvPr id="639" name="Frihandsfigur 638">
+                  <a:extLst>
+                    <a:ext uri="{FF2B5EF4-FFF2-40B4-BE49-F238E27FC236}">
+                      <a16:creationId xmlns:a16="http://schemas.microsoft.com/office/drawing/2014/main" id="{2D132174-FC42-FC44-A60A-87FCC713DECF}"/>
+                    </a:ext>
+                  </a:extLst>
+                </p:cNvPr>
+                <p:cNvSpPr/>
+                <p:nvPr/>
+              </p:nvSpPr>
+              <p:spPr>
+                <a:xfrm>
+                  <a:off x="3308833" y="3243124"/>
+                  <a:ext cx="314427" cy="544389"/>
+                </a:xfrm>
+                <a:custGeom>
+                  <a:avLst/>
+                  <a:gdLst>
+                    <a:gd name="connsiteX0" fmla="*/ 194607 w 194645"/>
+                    <a:gd name="connsiteY0" fmla="*/ 0 h 337002"/>
+                    <a:gd name="connsiteX1" fmla="*/ 194645 w 194645"/>
+                    <a:gd name="connsiteY1" fmla="*/ 224690 h 337002"/>
+                    <a:gd name="connsiteX2" fmla="*/ 38 w 194645"/>
+                    <a:gd name="connsiteY2" fmla="*/ 337002 h 337002"/>
+                    <a:gd name="connsiteX3" fmla="*/ 0 w 194645"/>
+                    <a:gd name="connsiteY3" fmla="*/ 112312 h 337002"/>
+                  </a:gdLst>
+                  <a:ahLst/>
+                  <a:cxnLst>
+                    <a:cxn ang="0">
+                      <a:pos x="connsiteX0" y="connsiteY0"/>
+                    </a:cxn>
+                    <a:cxn ang="0">
+                      <a:pos x="connsiteX1" y="connsiteY1"/>
+                    </a:cxn>
+                    <a:cxn ang="0">
+                      <a:pos x="connsiteX2" y="connsiteY2"/>
+                    </a:cxn>
+                    <a:cxn ang="0">
+                      <a:pos x="connsiteX3" y="connsiteY3"/>
+                    </a:cxn>
+                  </a:cxnLst>
+                  <a:rect l="l" t="t" r="r" b="b"/>
+                  <a:pathLst>
+                    <a:path w="194645" h="337002">
+                      <a:moveTo>
+                        <a:pt x="194607" y="0"/>
+                      </a:moveTo>
+                      <a:lnTo>
+                        <a:pt x="194645" y="224690"/>
+                      </a:lnTo>
+                      <a:lnTo>
+                        <a:pt x="38" y="337002"/>
+                      </a:lnTo>
+                      <a:lnTo>
+                        <a:pt x="0" y="112312"/>
+                      </a:lnTo>
+                      <a:close/>
+                    </a:path>
+                  </a:pathLst>
+                </a:custGeom>
+                <a:solidFill>
+                  <a:srgbClr val="BD8F07"/>
+                </a:solidFill>
+                <a:ln w="127000">
+                  <a:noFill/>
+                  <a:round/>
+                </a:ln>
+              </p:spPr>
+              <p:style>
+                <a:lnRef idx="2">
+                  <a:schemeClr val="accent1">
+                    <a:shade val="50000"/>
+                  </a:schemeClr>
+                </a:lnRef>
+                <a:fillRef idx="1">
+                  <a:schemeClr val="accent1"/>
+                </a:fillRef>
+                <a:effectRef idx="0">
+                  <a:schemeClr val="accent1"/>
+                </a:effectRef>
+                <a:fontRef idx="minor">
+                  <a:schemeClr val="lt1"/>
+                </a:fontRef>
+              </p:style>
+              <p:txBody>
+                <a:bodyPr wrap="square" rtlCol="0" anchor="ctr">
+                  <a:noAutofit/>
+                </a:bodyPr>
+                <a:lstStyle/>
+                <a:p>
+                  <a:pPr algn="ctr"/>
+                  <a:endParaRPr lang="sv-SE" dirty="0"/>
+                </a:p>
+              </p:txBody>
+            </p:sp>
+            <p:sp>
+              <p:nvSpPr>
+                <p:cNvPr id="640" name="Frihandsfigur 639">
+                  <a:extLst>
+                    <a:ext uri="{FF2B5EF4-FFF2-40B4-BE49-F238E27FC236}">
+                      <a16:creationId xmlns:a16="http://schemas.microsoft.com/office/drawing/2014/main" id="{B43152F8-D9F9-5347-A1AF-40C69707A634}"/>
+                    </a:ext>
+                  </a:extLst>
+                </p:cNvPr>
+                <p:cNvSpPr/>
+                <p:nvPr/>
+              </p:nvSpPr>
+              <p:spPr>
+                <a:xfrm>
+                  <a:off x="2995044" y="3066722"/>
+                  <a:ext cx="628362" cy="363068"/>
+                </a:xfrm>
+                <a:custGeom>
+                  <a:avLst/>
+                  <a:gdLst>
+                    <a:gd name="connsiteX0" fmla="*/ 194493 w 388985"/>
+                    <a:gd name="connsiteY0" fmla="*/ 0 h 224756"/>
+                    <a:gd name="connsiteX1" fmla="*/ 388985 w 388985"/>
+                    <a:gd name="connsiteY1" fmla="*/ 112378 h 224756"/>
+                    <a:gd name="connsiteX2" fmla="*/ 194493 w 388985"/>
+                    <a:gd name="connsiteY2" fmla="*/ 224756 h 224756"/>
+                    <a:gd name="connsiteX3" fmla="*/ 0 w 388985"/>
+                    <a:gd name="connsiteY3" fmla="*/ 112378 h 224756"/>
+                  </a:gdLst>
+                  <a:ahLst/>
+                  <a:cxnLst>
+                    <a:cxn ang="0">
+                      <a:pos x="connsiteX0" y="connsiteY0"/>
+                    </a:cxn>
+                    <a:cxn ang="0">
+                      <a:pos x="connsiteX1" y="connsiteY1"/>
+                    </a:cxn>
+                    <a:cxn ang="0">
+                      <a:pos x="connsiteX2" y="connsiteY2"/>
+                    </a:cxn>
+                    <a:cxn ang="0">
+                      <a:pos x="connsiteX3" y="connsiteY3"/>
+                    </a:cxn>
+                  </a:cxnLst>
+                  <a:rect l="l" t="t" r="r" b="b"/>
+                  <a:pathLst>
+                    <a:path w="388985" h="224756">
+                      <a:moveTo>
+                        <a:pt x="194493" y="0"/>
+                      </a:moveTo>
+                      <a:lnTo>
+                        <a:pt x="388985" y="112378"/>
+                      </a:lnTo>
+                      <a:lnTo>
+                        <a:pt x="194493" y="224756"/>
+                      </a:lnTo>
+                      <a:lnTo>
+                        <a:pt x="0" y="112378"/>
+                      </a:lnTo>
+                      <a:close/>
+                    </a:path>
+                  </a:pathLst>
+                </a:custGeom>
+                <a:solidFill>
+                  <a:srgbClr val="FFC004"/>
+                </a:solidFill>
+                <a:ln w="127000">
+                  <a:noFill/>
+                  <a:round/>
+                </a:ln>
+              </p:spPr>
+              <p:style>
+                <a:lnRef idx="2">
+                  <a:schemeClr val="accent1">
+                    <a:shade val="50000"/>
+                  </a:schemeClr>
+                </a:lnRef>
+                <a:fillRef idx="1">
+                  <a:schemeClr val="accent1"/>
+                </a:fillRef>
+                <a:effectRef idx="0">
+                  <a:schemeClr val="accent1"/>
+                </a:effectRef>
+                <a:fontRef idx="minor">
+                  <a:schemeClr val="lt1"/>
+                </a:fontRef>
+              </p:style>
+              <p:txBody>
+                <a:bodyPr wrap="square" rtlCol="0" anchor="ctr">
+                  <a:noAutofit/>
+                </a:bodyPr>
+                <a:lstStyle/>
+                <a:p>
+                  <a:pPr algn="ctr"/>
+                  <a:endParaRPr lang="sv-SE" dirty="0"/>
                 </a:p>
               </p:txBody>
             </p:sp>
